--- a/Chapitre_01_Energetique/Cy_06_01_Application_04_Mammographie/images/Figures.pptx
+++ b/Chapitre_01_Energetique/Cy_06_01_Application_04_Mammographie/images/Figures.pptx
@@ -7,6 +7,7 @@
   <p:sldIdLst>
     <p:sldId id="256" r:id="rId2"/>
     <p:sldId id="257" r:id="rId3"/>
+    <p:sldId id="258" r:id="rId4"/>
   </p:sldIdLst>
   <p:sldSz cx="12192000" cy="6858000"/>
   <p:notesSz cx="6858000" cy="9144000"/>
@@ -260,7 +261,7 @@
           <a:p>
             <a:fld id="{AE586705-6A2C-477C-BCED-5CFA24B97EE3}" type="datetimeFigureOut">
               <a:rPr lang="fr-FR" smtClean="0"/>
-              <a:t>26/05/2020</a:t>
+              <a:t>31/05/2020</a:t>
             </a:fld>
             <a:endParaRPr lang="fr-FR"/>
           </a:p>
@@ -458,7 +459,7 @@
           <a:p>
             <a:fld id="{AE586705-6A2C-477C-BCED-5CFA24B97EE3}" type="datetimeFigureOut">
               <a:rPr lang="fr-FR" smtClean="0"/>
-              <a:t>26/05/2020</a:t>
+              <a:t>31/05/2020</a:t>
             </a:fld>
             <a:endParaRPr lang="fr-FR"/>
           </a:p>
@@ -666,7 +667,7 @@
           <a:p>
             <a:fld id="{AE586705-6A2C-477C-BCED-5CFA24B97EE3}" type="datetimeFigureOut">
               <a:rPr lang="fr-FR" smtClean="0"/>
-              <a:t>26/05/2020</a:t>
+              <a:t>31/05/2020</a:t>
             </a:fld>
             <a:endParaRPr lang="fr-FR"/>
           </a:p>
@@ -864,7 +865,7 @@
           <a:p>
             <a:fld id="{AE586705-6A2C-477C-BCED-5CFA24B97EE3}" type="datetimeFigureOut">
               <a:rPr lang="fr-FR" smtClean="0"/>
-              <a:t>26/05/2020</a:t>
+              <a:t>31/05/2020</a:t>
             </a:fld>
             <a:endParaRPr lang="fr-FR"/>
           </a:p>
@@ -1139,7 +1140,7 @@
           <a:p>
             <a:fld id="{AE586705-6A2C-477C-BCED-5CFA24B97EE3}" type="datetimeFigureOut">
               <a:rPr lang="fr-FR" smtClean="0"/>
-              <a:t>26/05/2020</a:t>
+              <a:t>31/05/2020</a:t>
             </a:fld>
             <a:endParaRPr lang="fr-FR"/>
           </a:p>
@@ -1404,7 +1405,7 @@
           <a:p>
             <a:fld id="{AE586705-6A2C-477C-BCED-5CFA24B97EE3}" type="datetimeFigureOut">
               <a:rPr lang="fr-FR" smtClean="0"/>
-              <a:t>26/05/2020</a:t>
+              <a:t>31/05/2020</a:t>
             </a:fld>
             <a:endParaRPr lang="fr-FR"/>
           </a:p>
@@ -1816,7 +1817,7 @@
           <a:p>
             <a:fld id="{AE586705-6A2C-477C-BCED-5CFA24B97EE3}" type="datetimeFigureOut">
               <a:rPr lang="fr-FR" smtClean="0"/>
-              <a:t>26/05/2020</a:t>
+              <a:t>31/05/2020</a:t>
             </a:fld>
             <a:endParaRPr lang="fr-FR"/>
           </a:p>
@@ -1957,7 +1958,7 @@
           <a:p>
             <a:fld id="{AE586705-6A2C-477C-BCED-5CFA24B97EE3}" type="datetimeFigureOut">
               <a:rPr lang="fr-FR" smtClean="0"/>
-              <a:t>26/05/2020</a:t>
+              <a:t>31/05/2020</a:t>
             </a:fld>
             <a:endParaRPr lang="fr-FR"/>
           </a:p>
@@ -2070,7 +2071,7 @@
           <a:p>
             <a:fld id="{AE586705-6A2C-477C-BCED-5CFA24B97EE3}" type="datetimeFigureOut">
               <a:rPr lang="fr-FR" smtClean="0"/>
-              <a:t>26/05/2020</a:t>
+              <a:t>31/05/2020</a:t>
             </a:fld>
             <a:endParaRPr lang="fr-FR"/>
           </a:p>
@@ -2381,7 +2382,7 @@
           <a:p>
             <a:fld id="{AE586705-6A2C-477C-BCED-5CFA24B97EE3}" type="datetimeFigureOut">
               <a:rPr lang="fr-FR" smtClean="0"/>
-              <a:t>26/05/2020</a:t>
+              <a:t>31/05/2020</a:t>
             </a:fld>
             <a:endParaRPr lang="fr-FR"/>
           </a:p>
@@ -2669,7 +2670,7 @@
           <a:p>
             <a:fld id="{AE586705-6A2C-477C-BCED-5CFA24B97EE3}" type="datetimeFigureOut">
               <a:rPr lang="fr-FR" smtClean="0"/>
-              <a:t>26/05/2020</a:t>
+              <a:t>31/05/2020</a:t>
             </a:fld>
             <a:endParaRPr lang="fr-FR"/>
           </a:p>
@@ -2910,7 +2911,7 @@
           <a:p>
             <a:fld id="{AE586705-6A2C-477C-BCED-5CFA24B97EE3}" type="datetimeFigureOut">
               <a:rPr lang="fr-FR" smtClean="0"/>
-              <a:t>26/05/2020</a:t>
+              <a:t>31/05/2020</a:t>
             </a:fld>
             <a:endParaRPr lang="fr-FR"/>
           </a:p>
@@ -3327,6 +3328,36 @@
           <a:chExt cx="0" cy="0"/>
         </a:xfrm>
       </p:grpSpPr>
+      <p:pic>
+        <p:nvPicPr>
+          <p:cNvPr id="2" name="Image 1">
+            <a:extLst>
+              <a:ext uri="{FF2B5EF4-FFF2-40B4-BE49-F238E27FC236}">
+                <a16:creationId xmlns:a16="http://schemas.microsoft.com/office/drawing/2014/main" id="{AF17EE0F-36BB-4A98-8201-D09DD63A0D88}"/>
+              </a:ext>
+            </a:extLst>
+          </p:cNvPr>
+          <p:cNvPicPr>
+            <a:picLocks noChangeAspect="1"/>
+          </p:cNvPicPr>
+          <p:nvPr/>
+        </p:nvPicPr>
+        <p:blipFill>
+          <a:blip r:embed="rId2"/>
+          <a:stretch>
+            <a:fillRect/>
+          </a:stretch>
+        </p:blipFill>
+        <p:spPr>
+          <a:xfrm>
+            <a:off x="6283085" y="4179314"/>
+            <a:ext cx="1362191" cy="854644"/>
+          </a:xfrm>
+          <a:prstGeom prst="rect">
+            <a:avLst/>
+          </a:prstGeom>
+        </p:spPr>
+      </p:pic>
       <p:cxnSp>
         <p:nvCxnSpPr>
           <p:cNvPr id="48" name="Connecteur droit 47">
@@ -3625,7 +3656,7 @@
           <p:nvPr/>
         </p:nvPicPr>
         <p:blipFill>
-          <a:blip r:embed="rId2"/>
+          <a:blip r:embed="rId3"/>
           <a:stretch>
             <a:fillRect/>
           </a:stretch>
@@ -5527,7 +5558,7 @@
                 <a:avLst/>
               </a:prstGeom>
               <a:blipFill>
-                <a:blip r:embed="rId3"/>
+                <a:blip r:embed="rId4"/>
                 <a:stretch>
                   <a:fillRect t="-2326" r="-2041"/>
                 </a:stretch>
@@ -5635,7 +5666,7 @@
                 <a:avLst/>
               </a:prstGeom>
               <a:blipFill>
-                <a:blip r:embed="rId4"/>
+                <a:blip r:embed="rId5"/>
                 <a:stretch>
                   <a:fillRect t="-2326" r="-6122"/>
                 </a:stretch>
@@ -5743,7 +5774,7 @@
                 <a:avLst/>
               </a:prstGeom>
               <a:blipFill>
-                <a:blip r:embed="rId5"/>
+                <a:blip r:embed="rId6"/>
                 <a:stretch>
                   <a:fillRect t="-2326" r="-2083"/>
                 </a:stretch>
@@ -5781,7 +5812,7 @@
             <p:spPr>
               <a:xfrm>
                 <a:off x="8191652" y="1399267"/>
-                <a:ext cx="2507386" cy="900246"/>
+                <a:ext cx="2507386" cy="738664"/>
               </a:xfrm>
               <a:prstGeom prst="rect">
                 <a:avLst/>
@@ -5794,7 +5825,6 @@
               </a:bodyPr>
               <a:lstStyle/>
               <a:p>
-                <a:pPr/>
                 <a:r>
                   <a:rPr lang="fr-FR" sz="1050" b="0" dirty="0"/>
                   <a:t>Pas : </a:t>
@@ -5877,7 +5907,6 @@
                 <a:endParaRPr lang="fr-FR" sz="1050" b="0" dirty="0"/>
               </a:p>
               <a:p>
-                <a:pPr/>
                 <a:r>
                   <a:rPr lang="fr-FR" sz="1050" dirty="0"/>
                   <a:t>Rendement : </a:t>
@@ -5901,14 +5930,12 @@
                 <a:endParaRPr lang="fr-FR" sz="1050" b="0" dirty="0"/>
               </a:p>
               <a:p>
-                <a:pPr/>
                 <a:r>
                   <a:rPr lang="fr-FR" sz="1050" dirty="0"/>
                   <a:t>Moment d’inertie par rapport à l’axe </a:t>
                 </a:r>
               </a:p>
               <a:p>
-                <a:pPr/>
                 <a:r>
                   <a:rPr lang="fr-FR" sz="1050" dirty="0"/>
                   <a:t>  pour la vis : </a:t>
@@ -5989,7 +6016,7 @@
                     <m:sSup>
                       <m:sSupPr>
                         <m:ctrlPr>
-                          <a:rPr lang="fr-FR" sz="1050" b="0" smtClean="0">
+                          <a:rPr lang="fr-FR" sz="1050" b="0" i="1" smtClean="0">
                             <a:latin typeface="Cambria Math" panose="02040503050406030204" pitchFamily="18" charset="0"/>
                           </a:rPr>
                         </m:ctrlPr>
@@ -6018,10 +6045,292 @@
                 </a14:m>
                 <a:endParaRPr lang="fr-FR" sz="1050" dirty="0"/>
               </a:p>
+            </p:txBody>
+          </p:sp>
+        </mc:Choice>
+        <mc:Fallback>
+          <p:sp>
+            <p:nvSpPr>
+              <p:cNvPr id="90" name="ZoneTexte 89">
+                <a:extLst>
+                  <a:ext uri="{FF2B5EF4-FFF2-40B4-BE49-F238E27FC236}">
+                    <a16:creationId xmlns:a16="http://schemas.microsoft.com/office/drawing/2014/main" id="{F39ED95D-7C1B-4F2F-B18B-AEBB1C22403B}"/>
+                  </a:ext>
+                </a:extLst>
+              </p:cNvPr>
+              <p:cNvSpPr txBox="1">
+                <a:spLocks noRot="1" noChangeAspect="1" noMove="1" noResize="1" noEditPoints="1" noAdjustHandles="1" noChangeArrowheads="1" noChangeShapeType="1" noTextEdit="1"/>
+              </p:cNvSpPr>
+              <p:nvPr/>
+            </p:nvSpPr>
+            <p:spPr>
+              <a:xfrm>
+                <a:off x="8191652" y="1399267"/>
+                <a:ext cx="2507386" cy="738664"/>
+              </a:xfrm>
+              <a:prstGeom prst="rect">
+                <a:avLst/>
+              </a:prstGeom>
+              <a:blipFill>
+                <a:blip r:embed="rId7"/>
+                <a:stretch>
+                  <a:fillRect b="-4132"/>
+                </a:stretch>
+              </a:blipFill>
+            </p:spPr>
+            <p:txBody>
+              <a:bodyPr/>
+              <a:lstStyle/>
+              <a:p>
+                <a:r>
+                  <a:rPr lang="fr-FR">
+                    <a:noFill/>
+                  </a:rPr>
+                  <a:t> </a:t>
+                </a:r>
+              </a:p>
+            </p:txBody>
+          </p:sp>
+        </mc:Fallback>
+      </mc:AlternateContent>
+      <mc:AlternateContent xmlns:mc="http://schemas.openxmlformats.org/markup-compatibility/2006">
+        <mc:Choice xmlns:a14="http://schemas.microsoft.com/office/drawing/2010/main" Requires="a14">
+          <p:sp>
+            <p:nvSpPr>
+              <p:cNvPr id="46" name="ZoneTexte 45">
+                <a:extLst>
+                  <a:ext uri="{FF2B5EF4-FFF2-40B4-BE49-F238E27FC236}">
+                    <a16:creationId xmlns:a16="http://schemas.microsoft.com/office/drawing/2014/main" id="{6DF850CE-E089-427F-A65C-6E3063F9677F}"/>
+                  </a:ext>
+                </a:extLst>
+              </p:cNvPr>
+              <p:cNvSpPr txBox="1"/>
+              <p:nvPr/>
+            </p:nvSpPr>
+            <p:spPr>
+              <a:xfrm>
+                <a:off x="8602350" y="4423213"/>
+                <a:ext cx="2507386" cy="738664"/>
+              </a:xfrm>
+              <a:prstGeom prst="rect">
+                <a:avLst/>
+              </a:prstGeom>
+              <a:noFill/>
+            </p:spPr>
+            <p:txBody>
+              <a:bodyPr wrap="square" rtlCol="0">
+                <a:spAutoFit/>
+              </a:bodyPr>
+              <a:lstStyle/>
+              <a:p>
+                <a14:m>
+                  <m:oMath xmlns:m="http://schemas.openxmlformats.org/officeDocument/2006/math">
+                    <m:sSub>
+                      <m:sSubPr>
+                        <m:ctrlPr>
+                          <a:rPr lang="fr-FR" sz="1050" i="1" smtClean="0">
+                            <a:latin typeface="Cambria Math" panose="02040503050406030204" pitchFamily="18" charset="0"/>
+                          </a:rPr>
+                        </m:ctrlPr>
+                      </m:sSubPr>
+                      <m:e>
+                        <m:r>
+                          <a:rPr lang="fr-FR" sz="1050" i="1">
+                            <a:latin typeface="Cambria Math" panose="02040503050406030204" pitchFamily="18" charset="0"/>
+                          </a:rPr>
+                          <m:t>𝐾</m:t>
+                        </m:r>
+                      </m:e>
+                      <m:sub>
+                        <m:r>
+                          <a:rPr lang="fr-FR" sz="1050" i="1">
+                            <a:latin typeface="Cambria Math" panose="02040503050406030204" pitchFamily="18" charset="0"/>
+                          </a:rPr>
+                          <m:t>𝑒</m:t>
+                        </m:r>
+                      </m:sub>
+                    </m:sSub>
+                    <m:r>
+                      <a:rPr lang="fr-FR" sz="1050" i="1">
+                        <a:latin typeface="Cambria Math" panose="02040503050406030204" pitchFamily="18" charset="0"/>
+                      </a:rPr>
+                      <m:t>=</m:t>
+                    </m:r>
+                    <m:sSub>
+                      <m:sSubPr>
+                        <m:ctrlPr>
+                          <a:rPr lang="fr-FR" sz="1050" i="1">
+                            <a:latin typeface="Cambria Math" panose="02040503050406030204" pitchFamily="18" charset="0"/>
+                          </a:rPr>
+                        </m:ctrlPr>
+                      </m:sSubPr>
+                      <m:e>
+                        <m:r>
+                          <a:rPr lang="fr-FR" sz="1050" i="1">
+                            <a:latin typeface="Cambria Math" panose="02040503050406030204" pitchFamily="18" charset="0"/>
+                          </a:rPr>
+                          <m:t>𝐾</m:t>
+                        </m:r>
+                      </m:e>
+                      <m:sub>
+                        <m:r>
+                          <a:rPr lang="fr-FR" sz="1050" b="0" i="1" smtClean="0">
+                            <a:latin typeface="Cambria Math" panose="02040503050406030204" pitchFamily="18" charset="0"/>
+                          </a:rPr>
+                          <m:t>𝑐</m:t>
+                        </m:r>
+                      </m:sub>
+                    </m:sSub>
+                    <m:r>
+                      <a:rPr lang="fr-FR" sz="1050" i="1">
+                        <a:latin typeface="Cambria Math" panose="02040503050406030204" pitchFamily="18" charset="0"/>
+                      </a:rPr>
+                      <m:t>=</m:t>
+                    </m:r>
+                    <m:r>
+                      <a:rPr lang="fr-FR" sz="1050" i="1" smtClean="0">
+                        <a:latin typeface="Cambria Math" panose="02040503050406030204" pitchFamily="18" charset="0"/>
+                      </a:rPr>
+                      <m:t>0</m:t>
+                    </m:r>
+                    <m:r>
+                      <a:rPr lang="fr-FR" sz="1050" b="0" i="1" smtClean="0">
+                        <a:latin typeface="Cambria Math" panose="02040503050406030204" pitchFamily="18" charset="0"/>
+                      </a:rPr>
+                      <m:t>,122</m:t>
+                    </m:r>
+                    <m:r>
+                      <a:rPr lang="fr-FR" sz="1050" b="0" i="1" smtClean="0">
+                        <a:latin typeface="Cambria Math" panose="02040503050406030204" pitchFamily="18" charset="0"/>
+                      </a:rPr>
+                      <m:t> </m:t>
+                    </m:r>
+                    <m:r>
+                      <m:rPr>
+                        <m:sty m:val="p"/>
+                      </m:rPr>
+                      <a:rPr lang="fr-FR" sz="1050" b="0" i="0" smtClean="0">
+                        <a:latin typeface="Cambria Math" panose="02040503050406030204" pitchFamily="18" charset="0"/>
+                      </a:rPr>
+                      <m:t>USI</m:t>
+                    </m:r>
+                  </m:oMath>
+                </a14:m>
+                <a:r>
+                  <a:rPr lang="fr-FR" sz="1050" b="0" dirty="0"/>
+                  <a:t> </a:t>
+                </a:r>
+              </a:p>
+              <a:p>
+                <a14:m>
+                  <m:oMath xmlns:m="http://schemas.openxmlformats.org/officeDocument/2006/math">
+                    <m:r>
+                      <a:rPr lang="fr-FR" sz="1050" b="0" i="1" smtClean="0">
+                        <a:latin typeface="Cambria Math" panose="02040503050406030204" pitchFamily="18" charset="0"/>
+                      </a:rPr>
+                      <m:t>𝑅</m:t>
+                    </m:r>
+                    <m:r>
+                      <a:rPr lang="fr-FR" sz="1050" b="0" i="1" smtClean="0">
+                        <a:latin typeface="Cambria Math" panose="02040503050406030204" pitchFamily="18" charset="0"/>
+                      </a:rPr>
+                      <m:t>=0,</m:t>
+                    </m:r>
+                    <m:r>
+                      <a:rPr lang="fr-FR" sz="1050" b="0" i="1" smtClean="0">
+                        <a:latin typeface="Cambria Math" panose="02040503050406030204" pitchFamily="18" charset="0"/>
+                      </a:rPr>
+                      <m:t>24 </m:t>
+                    </m:r>
+                    <m:r>
+                      <m:rPr>
+                        <m:sty m:val="p"/>
+                      </m:rPr>
+                      <a:rPr lang="fr-FR" sz="1050" b="0" i="0" smtClean="0">
+                        <a:latin typeface="Cambria Math" panose="02040503050406030204" pitchFamily="18" charset="0"/>
+                      </a:rPr>
+                      <m:t>Ω</m:t>
+                    </m:r>
+                  </m:oMath>
+                </a14:m>
+                <a:r>
+                  <a:rPr lang="fr-FR" sz="1050" b="0" dirty="0"/>
+                  <a:t>, </a:t>
+                </a:r>
+                <a14:m>
+                  <m:oMath xmlns:m="http://schemas.openxmlformats.org/officeDocument/2006/math">
+                    <m:r>
+                      <a:rPr lang="fr-FR" sz="1050" b="0" i="1" smtClean="0">
+                        <a:latin typeface="Cambria Math" panose="02040503050406030204" pitchFamily="18" charset="0"/>
+                      </a:rPr>
+                      <m:t>𝐿</m:t>
+                    </m:r>
+                    <m:r>
+                      <a:rPr lang="fr-FR" sz="1050" i="1">
+                        <a:latin typeface="Cambria Math" panose="02040503050406030204" pitchFamily="18" charset="0"/>
+                      </a:rPr>
+                      <m:t>=0,</m:t>
+                    </m:r>
+                    <m:r>
+                      <a:rPr lang="fr-FR" sz="1050" b="0" i="1" smtClean="0">
+                        <a:latin typeface="Cambria Math" panose="02040503050406030204" pitchFamily="18" charset="0"/>
+                      </a:rPr>
+                      <m:t>38×</m:t>
+                    </m:r>
+                    <m:sSup>
+                      <m:sSupPr>
+                        <m:ctrlPr>
+                          <a:rPr lang="fr-FR" sz="1050" b="0" i="1" smtClean="0">
+                            <a:latin typeface="Cambria Math" panose="02040503050406030204" pitchFamily="18" charset="0"/>
+                          </a:rPr>
+                        </m:ctrlPr>
+                      </m:sSupPr>
+                      <m:e>
+                        <m:r>
+                          <a:rPr lang="fr-FR" sz="1050" b="0" i="1" smtClean="0">
+                            <a:latin typeface="Cambria Math" panose="02040503050406030204" pitchFamily="18" charset="0"/>
+                          </a:rPr>
+                          <m:t>10</m:t>
+                        </m:r>
+                      </m:e>
+                      <m:sup>
+                        <m:r>
+                          <a:rPr lang="fr-FR" sz="1050" b="0" i="1" smtClean="0">
+                            <a:latin typeface="Cambria Math" panose="02040503050406030204" pitchFamily="18" charset="0"/>
+                          </a:rPr>
+                          <m:t>−3</m:t>
+                        </m:r>
+                      </m:sup>
+                    </m:sSup>
+                    <m:r>
+                      <a:rPr lang="fr-FR" sz="1050" i="1">
+                        <a:latin typeface="Cambria Math" panose="02040503050406030204" pitchFamily="18" charset="0"/>
+                      </a:rPr>
+                      <m:t> </m:t>
+                    </m:r>
+                    <m:r>
+                      <m:rPr>
+                        <m:sty m:val="p"/>
+                      </m:rPr>
+                      <a:rPr lang="fr-FR" sz="1050" b="0" i="0" smtClean="0">
+                        <a:latin typeface="Cambria Math" panose="02040503050406030204" pitchFamily="18" charset="0"/>
+                      </a:rPr>
+                      <m:t>H</m:t>
+                    </m:r>
+                  </m:oMath>
+                </a14:m>
+                <a:endParaRPr lang="fr-FR" sz="1050" dirty="0"/>
+              </a:p>
               <a:p>
                 <a:r>
                   <a:rPr lang="fr-FR" sz="1050" dirty="0"/>
-                  <a:t>  pour le rotor : </a:t>
+                  <a:t>Moment d’inertie du rotor</a:t>
+                </a:r>
+              </a:p>
+              <a:p>
+                <a:r>
+                  <a:rPr lang="fr-FR" sz="1050" dirty="0"/>
+                  <a:t> </a:t>
                 </a:r>
                 <a14:m>
                   <m:oMath xmlns:m="http://schemas.openxmlformats.org/officeDocument/2006/math">
@@ -6043,10 +6352,13 @@
                       </m:e>
                       <m:sub>
                         <m:r>
-                          <a:rPr lang="fr-FR" sz="1050" b="0" i="1" smtClean="0">
+                          <m:rPr>
+                            <m:sty m:val="p"/>
+                          </m:rPr>
+                          <a:rPr lang="fr-FR" sz="1050" b="0" i="0" smtClean="0">
                             <a:latin typeface="Cambria Math" panose="02040503050406030204" pitchFamily="18" charset="0"/>
                           </a:rPr>
-                          <m:t>𝑟𝑜𝑡𝑜𝑟</m:t>
+                          <m:t>rotor</m:t>
                         </m:r>
                       </m:sub>
                     </m:sSub>
@@ -6160,10 +6472,10 @@
         <mc:Fallback>
           <p:sp>
             <p:nvSpPr>
-              <p:cNvPr id="90" name="ZoneTexte 89">
+              <p:cNvPr id="46" name="ZoneTexte 45">
                 <a:extLst>
                   <a:ext uri="{FF2B5EF4-FFF2-40B4-BE49-F238E27FC236}">
-                    <a16:creationId xmlns:a16="http://schemas.microsoft.com/office/drawing/2014/main" id="{F39ED95D-7C1B-4F2F-B18B-AEBB1C22403B}"/>
+                    <a16:creationId xmlns:a16="http://schemas.microsoft.com/office/drawing/2014/main" id="{6DF850CE-E089-427F-A65C-6E3063F9677F}"/>
                   </a:ext>
                 </a:extLst>
               </p:cNvPr>
@@ -6174,16 +6486,16 @@
             </p:nvSpPr>
             <p:spPr>
               <a:xfrm>
-                <a:off x="8191652" y="1399267"/>
-                <a:ext cx="2507386" cy="900246"/>
+                <a:off x="8602350" y="4423213"/>
+                <a:ext cx="2507386" cy="738664"/>
               </a:xfrm>
               <a:prstGeom prst="rect">
                 <a:avLst/>
               </a:prstGeom>
               <a:blipFill>
-                <a:blip r:embed="rId6"/>
+                <a:blip r:embed="rId8"/>
                 <a:stretch>
-                  <a:fillRect b="-4082"/>
+                  <a:fillRect b="-826"/>
                 </a:stretch>
               </a:blipFill>
             </p:spPr>
@@ -6202,6 +6514,617 @@
           </p:sp>
         </mc:Fallback>
       </mc:AlternateContent>
+      <mc:AlternateContent xmlns:mc="http://schemas.openxmlformats.org/markup-compatibility/2006">
+        <mc:Choice xmlns:a14="http://schemas.microsoft.com/office/drawing/2010/main" Requires="a14">
+          <p:sp>
+            <p:nvSpPr>
+              <p:cNvPr id="66" name="ZoneTexte 65">
+                <a:extLst>
+                  <a:ext uri="{FF2B5EF4-FFF2-40B4-BE49-F238E27FC236}">
+                    <a16:creationId xmlns:a16="http://schemas.microsoft.com/office/drawing/2014/main" id="{0950852F-D8BB-47DC-8DCB-F6221E401B17}"/>
+                  </a:ext>
+                </a:extLst>
+              </p:cNvPr>
+              <p:cNvSpPr txBox="1"/>
+              <p:nvPr/>
+            </p:nvSpPr>
+            <p:spPr>
+              <a:xfrm>
+                <a:off x="5067030" y="4305667"/>
+                <a:ext cx="2507386" cy="415498"/>
+              </a:xfrm>
+              <a:prstGeom prst="rect">
+                <a:avLst/>
+              </a:prstGeom>
+              <a:noFill/>
+            </p:spPr>
+            <p:txBody>
+              <a:bodyPr wrap="square" rtlCol="0">
+                <a:spAutoFit/>
+              </a:bodyPr>
+              <a:lstStyle/>
+              <a:p>
+                <a:r>
+                  <a:rPr lang="fr-FR" sz="1050" b="0" dirty="0"/>
+                  <a:t>Vérin raideur </a:t>
+                </a:r>
+                <a14:m>
+                  <m:oMath xmlns:m="http://schemas.openxmlformats.org/officeDocument/2006/math">
+                    <m:r>
+                      <a:rPr lang="fr-FR" sz="1050" b="0" i="1" smtClean="0">
+                        <a:latin typeface="Cambria Math" panose="02040503050406030204" pitchFamily="18" charset="0"/>
+                      </a:rPr>
+                      <m:t>𝑟</m:t>
+                    </m:r>
+                  </m:oMath>
+                </a14:m>
+                <a:r>
+                  <a:rPr lang="fr-FR" sz="1050" dirty="0"/>
+                  <a:t> en </a:t>
+                </a:r>
+                <a14:m>
+                  <m:oMath xmlns:m="http://schemas.openxmlformats.org/officeDocument/2006/math">
+                    <m:r>
+                      <m:rPr>
+                        <m:sty m:val="p"/>
+                      </m:rPr>
+                      <a:rPr lang="fr-FR" sz="1050" b="0" i="0" smtClean="0">
+                        <a:latin typeface="Cambria Math" panose="02040503050406030204" pitchFamily="18" charset="0"/>
+                      </a:rPr>
+                      <m:t>N</m:t>
+                    </m:r>
+                    <m:sSup>
+                      <m:sSupPr>
+                        <m:ctrlPr>
+                          <a:rPr lang="fr-FR" sz="1050" b="0" smtClean="0">
+                            <a:latin typeface="Cambria Math" panose="02040503050406030204" pitchFamily="18" charset="0"/>
+                          </a:rPr>
+                        </m:ctrlPr>
+                      </m:sSupPr>
+                      <m:e>
+                        <m:r>
+                          <m:rPr>
+                            <m:sty m:val="p"/>
+                          </m:rPr>
+                          <a:rPr lang="fr-FR" sz="1050" b="0" i="0" smtClean="0">
+                            <a:latin typeface="Cambria Math" panose="02040503050406030204" pitchFamily="18" charset="0"/>
+                          </a:rPr>
+                          <m:t>m</m:t>
+                        </m:r>
+                      </m:e>
+                      <m:sup>
+                        <m:r>
+                          <a:rPr lang="fr-FR" sz="1050" b="0" i="0" smtClean="0">
+                            <a:latin typeface="Cambria Math" panose="02040503050406030204" pitchFamily="18" charset="0"/>
+                          </a:rPr>
+                          <m:t>−1</m:t>
+                        </m:r>
+                      </m:sup>
+                    </m:sSup>
+                  </m:oMath>
+                </a14:m>
+                <a:endParaRPr lang="fr-FR" sz="1050" dirty="0"/>
+              </a:p>
+              <a:p>
+                <a:r>
+                  <a:rPr lang="fr-FR" sz="1050" dirty="0"/>
+                  <a:t>F : effort dans le vérin</a:t>
+                </a:r>
+              </a:p>
+            </p:txBody>
+          </p:sp>
+        </mc:Choice>
+        <mc:Fallback>
+          <p:sp>
+            <p:nvSpPr>
+              <p:cNvPr id="66" name="ZoneTexte 65">
+                <a:extLst>
+                  <a:ext uri="{FF2B5EF4-FFF2-40B4-BE49-F238E27FC236}">
+                    <a16:creationId xmlns:a16="http://schemas.microsoft.com/office/drawing/2014/main" id="{0950852F-D8BB-47DC-8DCB-F6221E401B17}"/>
+                  </a:ext>
+                </a:extLst>
+              </p:cNvPr>
+              <p:cNvSpPr txBox="1">
+                <a:spLocks noRot="1" noChangeAspect="1" noMove="1" noResize="1" noEditPoints="1" noAdjustHandles="1" noChangeArrowheads="1" noChangeShapeType="1" noTextEdit="1"/>
+              </p:cNvSpPr>
+              <p:nvPr/>
+            </p:nvSpPr>
+            <p:spPr>
+              <a:xfrm>
+                <a:off x="5067030" y="4305667"/>
+                <a:ext cx="2507386" cy="415498"/>
+              </a:xfrm>
+              <a:prstGeom prst="rect">
+                <a:avLst/>
+              </a:prstGeom>
+              <a:blipFill>
+                <a:blip r:embed="rId9"/>
+                <a:stretch>
+                  <a:fillRect b="-8824"/>
+                </a:stretch>
+              </a:blipFill>
+            </p:spPr>
+            <p:txBody>
+              <a:bodyPr/>
+              <a:lstStyle/>
+              <a:p>
+                <a:r>
+                  <a:rPr lang="fr-FR">
+                    <a:noFill/>
+                  </a:rPr>
+                  <a:t> </a:t>
+                </a:r>
+              </a:p>
+            </p:txBody>
+          </p:sp>
+        </mc:Fallback>
+      </mc:AlternateContent>
+      <p:cxnSp>
+        <p:nvCxnSpPr>
+          <p:cNvPr id="67" name="Connecteur droit 66">
+            <a:extLst>
+              <a:ext uri="{FF2B5EF4-FFF2-40B4-BE49-F238E27FC236}">
+                <a16:creationId xmlns:a16="http://schemas.microsoft.com/office/drawing/2014/main" id="{27E99262-948B-4047-8914-BD55892539B1}"/>
+              </a:ext>
+            </a:extLst>
+          </p:cNvPr>
+          <p:cNvCxnSpPr>
+            <a:cxnSpLocks/>
+          </p:cNvCxnSpPr>
+          <p:nvPr/>
+        </p:nvCxnSpPr>
+        <p:spPr>
+          <a:xfrm flipV="1">
+            <a:off x="5852312" y="3508443"/>
+            <a:ext cx="0" cy="578528"/>
+          </a:xfrm>
+          <a:prstGeom prst="line">
+            <a:avLst/>
+          </a:prstGeom>
+          <a:ln w="19050">
+            <a:solidFill>
+              <a:schemeClr val="accent5">
+                <a:lumMod val="50000"/>
+              </a:schemeClr>
+            </a:solidFill>
+            <a:tailEnd type="stealth" w="med" len="lg"/>
+          </a:ln>
+        </p:spPr>
+        <p:style>
+          <a:lnRef idx="1">
+            <a:schemeClr val="accent1"/>
+          </a:lnRef>
+          <a:fillRef idx="0">
+            <a:schemeClr val="accent1"/>
+          </a:fillRef>
+          <a:effectRef idx="0">
+            <a:schemeClr val="accent1"/>
+          </a:effectRef>
+          <a:fontRef idx="minor">
+            <a:schemeClr val="tx1"/>
+          </a:fontRef>
+        </p:style>
+      </p:cxnSp>
+      <p:cxnSp>
+        <p:nvCxnSpPr>
+          <p:cNvPr id="68" name="Connecteur droit 67">
+            <a:extLst>
+              <a:ext uri="{FF2B5EF4-FFF2-40B4-BE49-F238E27FC236}">
+                <a16:creationId xmlns:a16="http://schemas.microsoft.com/office/drawing/2014/main" id="{3511182C-9E4A-48A8-8C39-F671E05E7AD0}"/>
+              </a:ext>
+            </a:extLst>
+          </p:cNvPr>
+          <p:cNvCxnSpPr>
+            <a:cxnSpLocks/>
+          </p:cNvCxnSpPr>
+          <p:nvPr/>
+        </p:nvCxnSpPr>
+        <p:spPr>
+          <a:xfrm flipH="1">
+            <a:off x="5709525" y="3508443"/>
+            <a:ext cx="315574" cy="0"/>
+          </a:xfrm>
+          <a:prstGeom prst="line">
+            <a:avLst/>
+          </a:prstGeom>
+          <a:noFill/>
+          <a:ln w="12700">
+            <a:solidFill>
+              <a:srgbClr val="7030A0"/>
+            </a:solidFill>
+          </a:ln>
+        </p:spPr>
+        <p:style>
+          <a:lnRef idx="2">
+            <a:schemeClr val="accent1">
+              <a:shade val="50000"/>
+            </a:schemeClr>
+          </a:lnRef>
+          <a:fillRef idx="1">
+            <a:schemeClr val="accent1"/>
+          </a:fillRef>
+          <a:effectRef idx="0">
+            <a:schemeClr val="accent1"/>
+          </a:effectRef>
+          <a:fontRef idx="minor">
+            <a:schemeClr val="lt1"/>
+          </a:fontRef>
+        </p:style>
+      </p:cxnSp>
+      <mc:AlternateContent xmlns:mc="http://schemas.openxmlformats.org/markup-compatibility/2006">
+        <mc:Choice xmlns:a14="http://schemas.microsoft.com/office/drawing/2010/main" Requires="a14">
+          <p:sp>
+            <p:nvSpPr>
+              <p:cNvPr id="69" name="ZoneTexte 68">
+                <a:extLst>
+                  <a:ext uri="{FF2B5EF4-FFF2-40B4-BE49-F238E27FC236}">
+                    <a16:creationId xmlns:a16="http://schemas.microsoft.com/office/drawing/2014/main" id="{3261285B-607F-4FDD-B05D-E7A9BD502EA2}"/>
+                  </a:ext>
+                </a:extLst>
+              </p:cNvPr>
+              <p:cNvSpPr txBox="1"/>
+              <p:nvPr/>
+            </p:nvSpPr>
+            <p:spPr>
+              <a:xfrm>
+                <a:off x="5780698" y="3662618"/>
+                <a:ext cx="354969" cy="261610"/>
+              </a:xfrm>
+              <a:prstGeom prst="rect">
+                <a:avLst/>
+              </a:prstGeom>
+              <a:noFill/>
+            </p:spPr>
+            <p:txBody>
+              <a:bodyPr wrap="none" rtlCol="0">
+                <a:spAutoFit/>
+              </a:bodyPr>
+              <a:lstStyle/>
+              <a:p>
+                <a:pPr/>
+                <a14:m>
+                  <m:oMathPara xmlns:m="http://schemas.openxmlformats.org/officeDocument/2006/math">
+                    <m:oMathParaPr>
+                      <m:jc m:val="centerGroup"/>
+                    </m:oMathParaPr>
+                    <m:oMath xmlns:m="http://schemas.openxmlformats.org/officeDocument/2006/math">
+                      <m:sSub>
+                        <m:sSubPr>
+                          <m:ctrlPr>
+                            <a:rPr lang="fr-FR" sz="1100" b="0" i="1" smtClean="0">
+                              <a:latin typeface="Cambria Math" panose="02040503050406030204" pitchFamily="18" charset="0"/>
+                            </a:rPr>
+                          </m:ctrlPr>
+                        </m:sSubPr>
+                        <m:e>
+                          <m:r>
+                            <a:rPr lang="fr-FR" sz="1100" i="1" smtClean="0">
+                              <a:latin typeface="Cambria Math" panose="02040503050406030204" pitchFamily="18" charset="0"/>
+                            </a:rPr>
+                            <m:t>𝑌</m:t>
+                          </m:r>
+                        </m:e>
+                        <m:sub>
+                          <m:r>
+                            <a:rPr lang="fr-FR" sz="1100" b="0" i="1" smtClean="0">
+                              <a:latin typeface="Cambria Math" panose="02040503050406030204" pitchFamily="18" charset="0"/>
+                            </a:rPr>
+                            <m:t>𝑇</m:t>
+                          </m:r>
+                        </m:sub>
+                      </m:sSub>
+                    </m:oMath>
+                  </m:oMathPara>
+                </a14:m>
+                <a:endParaRPr lang="fr-FR" sz="1100" dirty="0"/>
+              </a:p>
+            </p:txBody>
+          </p:sp>
+        </mc:Choice>
+        <mc:Fallback>
+          <p:sp>
+            <p:nvSpPr>
+              <p:cNvPr id="69" name="ZoneTexte 68">
+                <a:extLst>
+                  <a:ext uri="{FF2B5EF4-FFF2-40B4-BE49-F238E27FC236}">
+                    <a16:creationId xmlns:a16="http://schemas.microsoft.com/office/drawing/2014/main" id="{3261285B-607F-4FDD-B05D-E7A9BD502EA2}"/>
+                  </a:ext>
+                </a:extLst>
+              </p:cNvPr>
+              <p:cNvSpPr txBox="1">
+                <a:spLocks noRot="1" noChangeAspect="1" noMove="1" noResize="1" noEditPoints="1" noAdjustHandles="1" noChangeArrowheads="1" noChangeShapeType="1" noTextEdit="1"/>
+              </p:cNvSpPr>
+              <p:nvPr/>
+            </p:nvSpPr>
+            <p:spPr>
+              <a:xfrm>
+                <a:off x="5780698" y="3662618"/>
+                <a:ext cx="354969" cy="261610"/>
+              </a:xfrm>
+              <a:prstGeom prst="rect">
+                <a:avLst/>
+              </a:prstGeom>
+              <a:blipFill>
+                <a:blip r:embed="rId10"/>
+                <a:stretch>
+                  <a:fillRect/>
+                </a:stretch>
+              </a:blipFill>
+            </p:spPr>
+            <p:txBody>
+              <a:bodyPr/>
+              <a:lstStyle/>
+              <a:p>
+                <a:r>
+                  <a:rPr lang="fr-FR">
+                    <a:noFill/>
+                  </a:rPr>
+                  <a:t> </a:t>
+                </a:r>
+              </a:p>
+            </p:txBody>
+          </p:sp>
+        </mc:Fallback>
+      </mc:AlternateContent>
+      <p:sp>
+        <p:nvSpPr>
+          <p:cNvPr id="71" name="Ellipse 70">
+            <a:extLst>
+              <a:ext uri="{FF2B5EF4-FFF2-40B4-BE49-F238E27FC236}">
+                <a16:creationId xmlns:a16="http://schemas.microsoft.com/office/drawing/2014/main" id="{545A71A8-F400-4756-A8C0-06C7319B6F7D}"/>
+              </a:ext>
+            </a:extLst>
+          </p:cNvPr>
+          <p:cNvSpPr/>
+          <p:nvPr/>
+        </p:nvSpPr>
+        <p:spPr>
+          <a:xfrm>
+            <a:off x="5606256" y="1734389"/>
+            <a:ext cx="206324" cy="206324"/>
+          </a:xfrm>
+          <a:prstGeom prst="ellipse">
+            <a:avLst/>
+          </a:prstGeom>
+          <a:solidFill>
+            <a:schemeClr val="bg1"/>
+          </a:solidFill>
+          <a:ln w="28575">
+            <a:solidFill>
+              <a:srgbClr val="00B0F0"/>
+            </a:solidFill>
+          </a:ln>
+        </p:spPr>
+        <p:style>
+          <a:lnRef idx="2">
+            <a:schemeClr val="accent1">
+              <a:shade val="50000"/>
+            </a:schemeClr>
+          </a:lnRef>
+          <a:fillRef idx="1">
+            <a:schemeClr val="accent1"/>
+          </a:fillRef>
+          <a:effectRef idx="0">
+            <a:schemeClr val="accent1"/>
+          </a:effectRef>
+          <a:fontRef idx="minor">
+            <a:schemeClr val="lt1"/>
+          </a:fontRef>
+        </p:style>
+        <p:txBody>
+          <a:bodyPr rtlCol="0" anchor="ctr"/>
+          <a:lstStyle/>
+          <a:p>
+            <a:pPr algn="ctr"/>
+            <a:endParaRPr lang="fr-FR">
+              <a:ln>
+                <a:solidFill>
+                  <a:schemeClr val="tx1">
+                    <a:lumMod val="50000"/>
+                    <a:lumOff val="50000"/>
+                  </a:schemeClr>
+                </a:solidFill>
+              </a:ln>
+              <a:solidFill>
+                <a:schemeClr val="tx1">
+                  <a:lumMod val="50000"/>
+                  <a:lumOff val="50000"/>
+                </a:schemeClr>
+              </a:solidFill>
+            </a:endParaRPr>
+          </a:p>
+        </p:txBody>
+      </p:sp>
+      <p:cxnSp>
+        <p:nvCxnSpPr>
+          <p:cNvPr id="72" name="Connecteur droit 71">
+            <a:extLst>
+              <a:ext uri="{FF2B5EF4-FFF2-40B4-BE49-F238E27FC236}">
+                <a16:creationId xmlns:a16="http://schemas.microsoft.com/office/drawing/2014/main" id="{90873405-D0ED-4205-96F3-7D517A1ADD08}"/>
+              </a:ext>
+            </a:extLst>
+          </p:cNvPr>
+          <p:cNvCxnSpPr>
+            <a:cxnSpLocks/>
+            <a:stCxn id="49" idx="7"/>
+            <a:endCxn id="71" idx="7"/>
+          </p:cNvCxnSpPr>
+          <p:nvPr/>
+        </p:nvCxnSpPr>
+        <p:spPr>
+          <a:xfrm flipH="1">
+            <a:off x="5782365" y="1666959"/>
+            <a:ext cx="94107" cy="97645"/>
+          </a:xfrm>
+          <a:prstGeom prst="line">
+            <a:avLst/>
+          </a:prstGeom>
+          <a:solidFill>
+            <a:schemeClr val="bg1"/>
+          </a:solidFill>
+          <a:ln w="28575">
+            <a:solidFill>
+              <a:srgbClr val="00B0F0"/>
+            </a:solidFill>
+          </a:ln>
+        </p:spPr>
+        <p:style>
+          <a:lnRef idx="2">
+            <a:schemeClr val="accent1">
+              <a:shade val="50000"/>
+            </a:schemeClr>
+          </a:lnRef>
+          <a:fillRef idx="1">
+            <a:schemeClr val="accent1"/>
+          </a:fillRef>
+          <a:effectRef idx="0">
+            <a:schemeClr val="accent1"/>
+          </a:effectRef>
+          <a:fontRef idx="minor">
+            <a:schemeClr val="lt1"/>
+          </a:fontRef>
+        </p:style>
+      </p:cxnSp>
+      <p:sp>
+        <p:nvSpPr>
+          <p:cNvPr id="73" name="ZoneTexte 72">
+            <a:extLst>
+              <a:ext uri="{FF2B5EF4-FFF2-40B4-BE49-F238E27FC236}">
+                <a16:creationId xmlns:a16="http://schemas.microsoft.com/office/drawing/2014/main" id="{D7B8B66E-5868-4779-8E89-72DBD4F177C9}"/>
+              </a:ext>
+            </a:extLst>
+          </p:cNvPr>
+          <p:cNvSpPr txBox="1"/>
+          <p:nvPr/>
+        </p:nvSpPr>
+        <p:spPr>
+          <a:xfrm>
+            <a:off x="5061511" y="1255338"/>
+            <a:ext cx="2507386" cy="253916"/>
+          </a:xfrm>
+          <a:prstGeom prst="rect">
+            <a:avLst/>
+          </a:prstGeom>
+          <a:noFill/>
+        </p:spPr>
+        <p:txBody>
+          <a:bodyPr wrap="square" rtlCol="0">
+            <a:spAutoFit/>
+          </a:bodyPr>
+          <a:lstStyle/>
+          <a:p>
+            <a:r>
+              <a:rPr lang="fr-FR" sz="1050" b="0" dirty="0"/>
+              <a:t>Poulie, inertie négligée</a:t>
+            </a:r>
+            <a:endParaRPr lang="fr-FR" sz="1050" dirty="0"/>
+          </a:p>
+        </p:txBody>
+      </p:sp>
+      <p:sp>
+        <p:nvSpPr>
+          <p:cNvPr id="74" name="Rectangle 73">
+            <a:extLst>
+              <a:ext uri="{FF2B5EF4-FFF2-40B4-BE49-F238E27FC236}">
+                <a16:creationId xmlns:a16="http://schemas.microsoft.com/office/drawing/2014/main" id="{AFDD5CF7-6E89-4EA7-8636-76FD2028DC79}"/>
+              </a:ext>
+            </a:extLst>
+          </p:cNvPr>
+          <p:cNvSpPr/>
+          <p:nvPr/>
+        </p:nvSpPr>
+        <p:spPr>
+          <a:xfrm>
+            <a:off x="5515526" y="2647175"/>
+            <a:ext cx="677560" cy="1247960"/>
+          </a:xfrm>
+          <a:prstGeom prst="rect">
+            <a:avLst/>
+          </a:prstGeom>
+          <a:noFill/>
+          <a:ln w="12700">
+            <a:solidFill>
+              <a:srgbClr val="00B050"/>
+            </a:solidFill>
+            <a:prstDash val="sysDot"/>
+          </a:ln>
+        </p:spPr>
+        <p:style>
+          <a:lnRef idx="2">
+            <a:schemeClr val="accent1">
+              <a:shade val="50000"/>
+            </a:schemeClr>
+          </a:lnRef>
+          <a:fillRef idx="1">
+            <a:schemeClr val="accent1"/>
+          </a:fillRef>
+          <a:effectRef idx="0">
+            <a:schemeClr val="accent1"/>
+          </a:effectRef>
+          <a:fontRef idx="minor">
+            <a:schemeClr val="lt1"/>
+          </a:fontRef>
+        </p:style>
+        <p:txBody>
+          <a:bodyPr rtlCol="0" anchor="ctr"/>
+          <a:lstStyle/>
+          <a:p>
+            <a:pPr algn="ctr"/>
+            <a:endParaRPr lang="fr-FR" dirty="0">
+              <a:ln>
+                <a:solidFill>
+                  <a:schemeClr val="tx1">
+                    <a:lumMod val="50000"/>
+                    <a:lumOff val="50000"/>
+                  </a:schemeClr>
+                </a:solidFill>
+              </a:ln>
+              <a:solidFill>
+                <a:schemeClr val="tx1">
+                  <a:lumMod val="50000"/>
+                  <a:lumOff val="50000"/>
+                </a:schemeClr>
+              </a:solidFill>
+            </a:endParaRPr>
+          </a:p>
+        </p:txBody>
+      </p:sp>
+      <p:sp>
+        <p:nvSpPr>
+          <p:cNvPr id="75" name="ZoneTexte 74">
+            <a:extLst>
+              <a:ext uri="{FF2B5EF4-FFF2-40B4-BE49-F238E27FC236}">
+                <a16:creationId xmlns:a16="http://schemas.microsoft.com/office/drawing/2014/main" id="{AD18F818-23E2-4625-9229-743F7BEB8F41}"/>
+              </a:ext>
+            </a:extLst>
+          </p:cNvPr>
+          <p:cNvSpPr txBox="1"/>
+          <p:nvPr/>
+        </p:nvSpPr>
+        <p:spPr>
+          <a:xfrm rot="16200000">
+            <a:off x="5994465" y="3381484"/>
+            <a:ext cx="650021" cy="253916"/>
+          </a:xfrm>
+          <a:prstGeom prst="rect">
+            <a:avLst/>
+          </a:prstGeom>
+          <a:noFill/>
+        </p:spPr>
+        <p:txBody>
+          <a:bodyPr wrap="square" rtlCol="0">
+            <a:spAutoFit/>
+          </a:bodyPr>
+          <a:lstStyle/>
+          <a:p>
+            <a:pPr algn="ctr"/>
+            <a:r>
+              <a:rPr lang="fr-FR" sz="1050" b="0" dirty="0"/>
+              <a:t>Vérin</a:t>
+            </a:r>
+          </a:p>
+        </p:txBody>
+      </p:sp>
     </p:spTree>
     <p:extLst>
       <p:ext uri="{BB962C8B-B14F-4D97-AF65-F5344CB8AC3E}">
@@ -6918,8 +7841,8 @@
           </a:p>
         </p:txBody>
       </p:sp>
-      <mc:AlternateContent xmlns:mc="http://schemas.openxmlformats.org/markup-compatibility/2006">
-        <mc:Choice xmlns:a14="http://schemas.microsoft.com/office/drawing/2010/main" Requires="a14">
+      <mc:AlternateContent xmlns:mc="http://schemas.openxmlformats.org/markup-compatibility/2006" xmlns:a14="http://schemas.microsoft.com/office/drawing/2010/main">
+        <mc:Choice Requires="a14">
           <p:sp>
             <p:nvSpPr>
               <p:cNvPr id="6" name="ZoneTexte 32">
@@ -7094,7 +8017,7 @@
             </p:txBody>
           </p:sp>
         </mc:Choice>
-        <mc:Fallback>
+        <mc:Fallback xmlns="">
           <p:sp>
             <p:nvSpPr>
               <p:cNvPr id="6" name="ZoneTexte 32">
@@ -7139,8 +8062,8 @@
           </p:sp>
         </mc:Fallback>
       </mc:AlternateContent>
-      <mc:AlternateContent xmlns:mc="http://schemas.openxmlformats.org/markup-compatibility/2006">
-        <mc:Choice xmlns:a14="http://schemas.microsoft.com/office/drawing/2010/main" Requires="a14">
+      <mc:AlternateContent xmlns:mc="http://schemas.openxmlformats.org/markup-compatibility/2006" xmlns:a14="http://schemas.microsoft.com/office/drawing/2010/main">
+        <mc:Choice Requires="a14">
           <p:sp>
             <p:nvSpPr>
               <p:cNvPr id="7" name="ZoneTexte 33">
@@ -7315,7 +8238,7 @@
             </p:txBody>
           </p:sp>
         </mc:Choice>
-        <mc:Fallback>
+        <mc:Fallback xmlns="">
           <p:sp>
             <p:nvSpPr>
               <p:cNvPr id="7" name="ZoneTexte 33">
@@ -7360,8 +8283,8 @@
           </p:sp>
         </mc:Fallback>
       </mc:AlternateContent>
-      <mc:AlternateContent xmlns:mc="http://schemas.openxmlformats.org/markup-compatibility/2006">
-        <mc:Choice xmlns:a14="http://schemas.microsoft.com/office/drawing/2010/main" Requires="a14">
+      <mc:AlternateContent xmlns:mc="http://schemas.openxmlformats.org/markup-compatibility/2006" xmlns:a14="http://schemas.microsoft.com/office/drawing/2010/main">
+        <mc:Choice Requires="a14">
           <p:sp>
             <p:nvSpPr>
               <p:cNvPr id="8" name="ZoneTexte 34">
@@ -7536,7 +8459,7 @@
             </p:txBody>
           </p:sp>
         </mc:Choice>
-        <mc:Fallback>
+        <mc:Fallback xmlns="">
           <p:sp>
             <p:nvSpPr>
               <p:cNvPr id="8" name="ZoneTexte 34">
@@ -7581,8 +8504,8 @@
           </p:sp>
         </mc:Fallback>
       </mc:AlternateContent>
-      <mc:AlternateContent xmlns:mc="http://schemas.openxmlformats.org/markup-compatibility/2006">
-        <mc:Choice xmlns:a14="http://schemas.microsoft.com/office/drawing/2010/main" Requires="a14">
+      <mc:AlternateContent xmlns:mc="http://schemas.openxmlformats.org/markup-compatibility/2006" xmlns:a14="http://schemas.microsoft.com/office/drawing/2010/main">
+        <mc:Choice Requires="a14">
           <p:sp>
             <p:nvSpPr>
               <p:cNvPr id="9" name="ZoneTexte 35">
@@ -7757,7 +8680,7 @@
             </p:txBody>
           </p:sp>
         </mc:Choice>
-        <mc:Fallback>
+        <mc:Fallback xmlns="">
           <p:sp>
             <p:nvSpPr>
               <p:cNvPr id="9" name="ZoneTexte 35">
@@ -7802,8 +8725,8 @@
           </p:sp>
         </mc:Fallback>
       </mc:AlternateContent>
-      <mc:AlternateContent xmlns:mc="http://schemas.openxmlformats.org/markup-compatibility/2006">
-        <mc:Choice xmlns:a14="http://schemas.microsoft.com/office/drawing/2010/main" Requires="a14">
+      <mc:AlternateContent xmlns:mc="http://schemas.openxmlformats.org/markup-compatibility/2006" xmlns:a14="http://schemas.microsoft.com/office/drawing/2010/main">
+        <mc:Choice Requires="a14">
           <p:sp>
             <p:nvSpPr>
               <p:cNvPr id="10" name="ZoneTexte 36">
@@ -7978,7 +8901,7 @@
             </p:txBody>
           </p:sp>
         </mc:Choice>
-        <mc:Fallback>
+        <mc:Fallback xmlns="">
           <p:sp>
             <p:nvSpPr>
               <p:cNvPr id="10" name="ZoneTexte 36">
@@ -8023,8 +8946,8 @@
           </p:sp>
         </mc:Fallback>
       </mc:AlternateContent>
-      <mc:AlternateContent xmlns:mc="http://schemas.openxmlformats.org/markup-compatibility/2006">
-        <mc:Choice xmlns:a14="http://schemas.microsoft.com/office/drawing/2010/main" Requires="a14">
+      <mc:AlternateContent xmlns:mc="http://schemas.openxmlformats.org/markup-compatibility/2006" xmlns:a14="http://schemas.microsoft.com/office/drawing/2010/main">
+        <mc:Choice Requires="a14">
           <p:sp>
             <p:nvSpPr>
               <p:cNvPr id="11" name="ZoneTexte 37">
@@ -8187,7 +9110,7 @@
             </p:txBody>
           </p:sp>
         </mc:Choice>
-        <mc:Fallback>
+        <mc:Fallback xmlns="">
           <p:sp>
             <p:nvSpPr>
               <p:cNvPr id="11" name="ZoneTexte 37">
@@ -8918,8 +9841,8 @@
           </a:p>
         </p:txBody>
       </p:sp>
-      <mc:AlternateContent xmlns:mc="http://schemas.openxmlformats.org/markup-compatibility/2006">
-        <mc:Choice xmlns:a14="http://schemas.microsoft.com/office/drawing/2010/main" Requires="a14">
+      <mc:AlternateContent xmlns:mc="http://schemas.openxmlformats.org/markup-compatibility/2006" xmlns:a14="http://schemas.microsoft.com/office/drawing/2010/main">
+        <mc:Choice Requires="a14">
           <p:sp>
             <p:nvSpPr>
               <p:cNvPr id="14" name="ZoneTexte 48">
@@ -9094,7 +10017,7 @@
             </p:txBody>
           </p:sp>
         </mc:Choice>
-        <mc:Fallback>
+        <mc:Fallback xmlns="">
           <p:sp>
             <p:nvSpPr>
               <p:cNvPr id="14" name="ZoneTexte 48">
@@ -9139,8 +10062,8 @@
           </p:sp>
         </mc:Fallback>
       </mc:AlternateContent>
-      <mc:AlternateContent xmlns:mc="http://schemas.openxmlformats.org/markup-compatibility/2006">
-        <mc:Choice xmlns:a14="http://schemas.microsoft.com/office/drawing/2010/main" Requires="a14">
+      <mc:AlternateContent xmlns:mc="http://schemas.openxmlformats.org/markup-compatibility/2006" xmlns:a14="http://schemas.microsoft.com/office/drawing/2010/main">
+        <mc:Choice Requires="a14">
           <p:sp>
             <p:nvSpPr>
               <p:cNvPr id="15" name="ZoneTexte 49">
@@ -9315,7 +10238,7 @@
             </p:txBody>
           </p:sp>
         </mc:Choice>
-        <mc:Fallback>
+        <mc:Fallback xmlns="">
           <p:sp>
             <p:nvSpPr>
               <p:cNvPr id="15" name="ZoneTexte 49">
@@ -9360,8 +10283,8 @@
           </p:sp>
         </mc:Fallback>
       </mc:AlternateContent>
-      <mc:AlternateContent xmlns:mc="http://schemas.openxmlformats.org/markup-compatibility/2006">
-        <mc:Choice xmlns:a14="http://schemas.microsoft.com/office/drawing/2010/main" Requires="a14">
+      <mc:AlternateContent xmlns:mc="http://schemas.openxmlformats.org/markup-compatibility/2006" xmlns:a14="http://schemas.microsoft.com/office/drawing/2010/main">
+        <mc:Choice Requires="a14">
           <p:sp>
             <p:nvSpPr>
               <p:cNvPr id="16" name="ZoneTexte 50">
@@ -9536,7 +10459,7 @@
             </p:txBody>
           </p:sp>
         </mc:Choice>
-        <mc:Fallback>
+        <mc:Fallback xmlns="">
           <p:sp>
             <p:nvSpPr>
               <p:cNvPr id="16" name="ZoneTexte 50">
@@ -9581,8 +10504,8 @@
           </p:sp>
         </mc:Fallback>
       </mc:AlternateContent>
-      <mc:AlternateContent xmlns:mc="http://schemas.openxmlformats.org/markup-compatibility/2006">
-        <mc:Choice xmlns:a14="http://schemas.microsoft.com/office/drawing/2010/main" Requires="a14">
+      <mc:AlternateContent xmlns:mc="http://schemas.openxmlformats.org/markup-compatibility/2006" xmlns:a14="http://schemas.microsoft.com/office/drawing/2010/main">
+        <mc:Choice Requires="a14">
           <p:sp>
             <p:nvSpPr>
               <p:cNvPr id="17" name="ZoneTexte 51">
@@ -9757,7 +10680,7 @@
             </p:txBody>
           </p:sp>
         </mc:Choice>
-        <mc:Fallback>
+        <mc:Fallback xmlns="">
           <p:sp>
             <p:nvSpPr>
               <p:cNvPr id="17" name="ZoneTexte 51">
@@ -9802,8 +10725,8 @@
           </p:sp>
         </mc:Fallback>
       </mc:AlternateContent>
-      <mc:AlternateContent xmlns:mc="http://schemas.openxmlformats.org/markup-compatibility/2006">
-        <mc:Choice xmlns:a14="http://schemas.microsoft.com/office/drawing/2010/main" Requires="a14">
+      <mc:AlternateContent xmlns:mc="http://schemas.openxmlformats.org/markup-compatibility/2006" xmlns:a14="http://schemas.microsoft.com/office/drawing/2010/main">
+        <mc:Choice Requires="a14">
           <p:sp>
             <p:nvSpPr>
               <p:cNvPr id="18" name="ZoneTexte 52">
@@ -9978,7 +10901,7 @@
             </p:txBody>
           </p:sp>
         </mc:Choice>
-        <mc:Fallback>
+        <mc:Fallback xmlns="">
           <p:sp>
             <p:nvSpPr>
               <p:cNvPr id="18" name="ZoneTexte 52">
@@ -10023,8 +10946,8 @@
           </p:sp>
         </mc:Fallback>
       </mc:AlternateContent>
-      <mc:AlternateContent xmlns:mc="http://schemas.openxmlformats.org/markup-compatibility/2006">
-        <mc:Choice xmlns:a14="http://schemas.microsoft.com/office/drawing/2010/main" Requires="a14">
+      <mc:AlternateContent xmlns:mc="http://schemas.openxmlformats.org/markup-compatibility/2006" xmlns:a14="http://schemas.microsoft.com/office/drawing/2010/main">
+        <mc:Choice Requires="a14">
           <p:sp>
             <p:nvSpPr>
               <p:cNvPr id="19" name="ZoneTexte 53">
@@ -10187,7 +11110,7 @@
             </p:txBody>
           </p:sp>
         </mc:Choice>
-        <mc:Fallback>
+        <mc:Fallback xmlns="">
           <p:sp>
             <p:nvSpPr>
               <p:cNvPr id="19" name="ZoneTexte 53">
@@ -10236,6 +11159,2726 @@
     <p:extLst>
       <p:ext uri="{BB962C8B-B14F-4D97-AF65-F5344CB8AC3E}">
         <p14:creationId xmlns:p14="http://schemas.microsoft.com/office/powerpoint/2010/main" val="1846240940"/>
+      </p:ext>
+    </p:extLst>
+  </p:cSld>
+  <p:clrMapOvr>
+    <a:masterClrMapping/>
+  </p:clrMapOvr>
+</p:sld>
+</file>
+
+<file path=ppt/slides/slide3.xml><?xml version="1.0" encoding="utf-8"?>
+<p:sld xmlns:a="http://schemas.openxmlformats.org/drawingml/2006/main" xmlns:r="http://schemas.openxmlformats.org/officeDocument/2006/relationships" xmlns:p="http://schemas.openxmlformats.org/presentationml/2006/main">
+  <p:cSld>
+    <p:spTree>
+      <p:nvGrpSpPr>
+        <p:cNvPr id="1" name=""/>
+        <p:cNvGrpSpPr/>
+        <p:nvPr/>
+      </p:nvGrpSpPr>
+      <p:grpSpPr>
+        <a:xfrm>
+          <a:off x="0" y="0"/>
+          <a:ext cx="0" cy="0"/>
+          <a:chOff x="0" y="0"/>
+          <a:chExt cx="0" cy="0"/>
+        </a:xfrm>
+      </p:grpSpPr>
+      <p:sp>
+        <p:nvSpPr>
+          <p:cNvPr id="17" name="Trapèze 16">
+            <a:extLst>
+              <a:ext uri="{FF2B5EF4-FFF2-40B4-BE49-F238E27FC236}">
+                <a16:creationId xmlns:a16="http://schemas.microsoft.com/office/drawing/2014/main" id="{54D3D5D7-5435-425F-8E38-D9B9B3D855AA}"/>
+              </a:ext>
+            </a:extLst>
+          </p:cNvPr>
+          <p:cNvSpPr/>
+          <p:nvPr/>
+        </p:nvSpPr>
+        <p:spPr>
+          <a:xfrm>
+            <a:off x="4660843" y="3429001"/>
+            <a:ext cx="1861877" cy="730420"/>
+          </a:xfrm>
+          <a:prstGeom prst="trapezoid">
+            <a:avLst/>
+          </a:prstGeom>
+          <a:solidFill>
+            <a:schemeClr val="accent2">
+              <a:lumMod val="40000"/>
+              <a:lumOff val="60000"/>
+            </a:schemeClr>
+          </a:solidFill>
+          <a:ln>
+            <a:noFill/>
+          </a:ln>
+        </p:spPr>
+        <p:style>
+          <a:lnRef idx="2">
+            <a:schemeClr val="accent1">
+              <a:shade val="50000"/>
+            </a:schemeClr>
+          </a:lnRef>
+          <a:fillRef idx="1">
+            <a:schemeClr val="accent1"/>
+          </a:fillRef>
+          <a:effectRef idx="0">
+            <a:schemeClr val="accent1"/>
+          </a:effectRef>
+          <a:fontRef idx="minor">
+            <a:schemeClr val="lt1"/>
+          </a:fontRef>
+        </p:style>
+        <p:txBody>
+          <a:bodyPr rtlCol="0" anchor="ctr"/>
+          <a:lstStyle/>
+          <a:p>
+            <a:pPr algn="ctr"/>
+            <a:endParaRPr lang="fr-FR"/>
+          </a:p>
+        </p:txBody>
+      </p:sp>
+      <p:cxnSp>
+        <p:nvCxnSpPr>
+          <p:cNvPr id="13" name="Connecteur droit 12">
+            <a:extLst>
+              <a:ext uri="{FF2B5EF4-FFF2-40B4-BE49-F238E27FC236}">
+                <a16:creationId xmlns:a16="http://schemas.microsoft.com/office/drawing/2014/main" id="{7054EF85-6B48-41D0-8042-BA4174C21201}"/>
+              </a:ext>
+            </a:extLst>
+          </p:cNvPr>
+          <p:cNvCxnSpPr>
+            <a:cxnSpLocks/>
+          </p:cNvCxnSpPr>
+          <p:nvPr/>
+        </p:nvCxnSpPr>
+        <p:spPr>
+          <a:xfrm>
+            <a:off x="4660844" y="4159446"/>
+            <a:ext cx="2176836" cy="0"/>
+          </a:xfrm>
+          <a:prstGeom prst="line">
+            <a:avLst/>
+          </a:prstGeom>
+          <a:ln w="19050">
+            <a:solidFill>
+              <a:schemeClr val="accent5">
+                <a:lumMod val="50000"/>
+              </a:schemeClr>
+            </a:solidFill>
+            <a:tailEnd type="stealth" w="med" len="lg"/>
+          </a:ln>
+        </p:spPr>
+        <p:style>
+          <a:lnRef idx="1">
+            <a:schemeClr val="accent1"/>
+          </a:lnRef>
+          <a:fillRef idx="0">
+            <a:schemeClr val="accent1"/>
+          </a:fillRef>
+          <a:effectRef idx="0">
+            <a:schemeClr val="accent1"/>
+          </a:effectRef>
+          <a:fontRef idx="minor">
+            <a:schemeClr val="tx1"/>
+          </a:fontRef>
+        </p:style>
+      </p:cxnSp>
+      <p:cxnSp>
+        <p:nvCxnSpPr>
+          <p:cNvPr id="15" name="Connecteur droit 14">
+            <a:extLst>
+              <a:ext uri="{FF2B5EF4-FFF2-40B4-BE49-F238E27FC236}">
+                <a16:creationId xmlns:a16="http://schemas.microsoft.com/office/drawing/2014/main" id="{93FD3474-6997-4D14-9093-6A4DD6B8410A}"/>
+              </a:ext>
+            </a:extLst>
+          </p:cNvPr>
+          <p:cNvCxnSpPr>
+            <a:cxnSpLocks/>
+          </p:cNvCxnSpPr>
+          <p:nvPr/>
+        </p:nvCxnSpPr>
+        <p:spPr>
+          <a:xfrm flipV="1">
+            <a:off x="4660844" y="3088640"/>
+            <a:ext cx="0" cy="1070806"/>
+          </a:xfrm>
+          <a:prstGeom prst="line">
+            <a:avLst/>
+          </a:prstGeom>
+          <a:ln w="19050">
+            <a:solidFill>
+              <a:schemeClr val="accent5">
+                <a:lumMod val="50000"/>
+              </a:schemeClr>
+            </a:solidFill>
+            <a:tailEnd type="stealth" w="med" len="lg"/>
+          </a:ln>
+        </p:spPr>
+        <p:style>
+          <a:lnRef idx="1">
+            <a:schemeClr val="accent1"/>
+          </a:lnRef>
+          <a:fillRef idx="0">
+            <a:schemeClr val="accent1"/>
+          </a:fillRef>
+          <a:effectRef idx="0">
+            <a:schemeClr val="accent1"/>
+          </a:effectRef>
+          <a:fontRef idx="minor">
+            <a:schemeClr val="tx1"/>
+          </a:fontRef>
+        </p:style>
+      </p:cxnSp>
+      <p:cxnSp>
+        <p:nvCxnSpPr>
+          <p:cNvPr id="18" name="Connecteur droit 17">
+            <a:extLst>
+              <a:ext uri="{FF2B5EF4-FFF2-40B4-BE49-F238E27FC236}">
+                <a16:creationId xmlns:a16="http://schemas.microsoft.com/office/drawing/2014/main" id="{642F2F11-DD33-40AE-9F22-FF2741D1DB36}"/>
+              </a:ext>
+            </a:extLst>
+          </p:cNvPr>
+          <p:cNvCxnSpPr>
+            <a:cxnSpLocks/>
+          </p:cNvCxnSpPr>
+          <p:nvPr/>
+        </p:nvCxnSpPr>
+        <p:spPr>
+          <a:xfrm flipV="1">
+            <a:off x="4660843" y="3428999"/>
+            <a:ext cx="195637" cy="730422"/>
+          </a:xfrm>
+          <a:prstGeom prst="line">
+            <a:avLst/>
+          </a:prstGeom>
+          <a:solidFill>
+            <a:schemeClr val="bg1"/>
+          </a:solidFill>
+          <a:ln w="28575">
+            <a:solidFill>
+              <a:schemeClr val="accent2">
+                <a:lumMod val="50000"/>
+              </a:schemeClr>
+            </a:solidFill>
+          </a:ln>
+        </p:spPr>
+        <p:style>
+          <a:lnRef idx="2">
+            <a:schemeClr val="accent1">
+              <a:shade val="50000"/>
+            </a:schemeClr>
+          </a:lnRef>
+          <a:fillRef idx="1">
+            <a:schemeClr val="accent1"/>
+          </a:fillRef>
+          <a:effectRef idx="0">
+            <a:schemeClr val="accent1"/>
+          </a:effectRef>
+          <a:fontRef idx="minor">
+            <a:schemeClr val="lt1"/>
+          </a:fontRef>
+        </p:style>
+      </p:cxnSp>
+      <p:cxnSp>
+        <p:nvCxnSpPr>
+          <p:cNvPr id="21" name="Connecteur droit 20">
+            <a:extLst>
+              <a:ext uri="{FF2B5EF4-FFF2-40B4-BE49-F238E27FC236}">
+                <a16:creationId xmlns:a16="http://schemas.microsoft.com/office/drawing/2014/main" id="{65480868-69FC-47B2-A862-CEBC8EF64EFF}"/>
+              </a:ext>
+            </a:extLst>
+          </p:cNvPr>
+          <p:cNvCxnSpPr>
+            <a:cxnSpLocks/>
+          </p:cNvCxnSpPr>
+          <p:nvPr/>
+        </p:nvCxnSpPr>
+        <p:spPr>
+          <a:xfrm>
+            <a:off x="4856480" y="3428999"/>
+            <a:ext cx="1463040" cy="0"/>
+          </a:xfrm>
+          <a:prstGeom prst="line">
+            <a:avLst/>
+          </a:prstGeom>
+          <a:solidFill>
+            <a:schemeClr val="bg1"/>
+          </a:solidFill>
+          <a:ln w="28575">
+            <a:solidFill>
+              <a:schemeClr val="accent2">
+                <a:lumMod val="50000"/>
+              </a:schemeClr>
+            </a:solidFill>
+          </a:ln>
+        </p:spPr>
+        <p:style>
+          <a:lnRef idx="2">
+            <a:schemeClr val="accent1">
+              <a:shade val="50000"/>
+            </a:schemeClr>
+          </a:lnRef>
+          <a:fillRef idx="1">
+            <a:schemeClr val="accent1"/>
+          </a:fillRef>
+          <a:effectRef idx="0">
+            <a:schemeClr val="accent1"/>
+          </a:effectRef>
+          <a:fontRef idx="minor">
+            <a:schemeClr val="lt1"/>
+          </a:fontRef>
+        </p:style>
+      </p:cxnSp>
+      <p:cxnSp>
+        <p:nvCxnSpPr>
+          <p:cNvPr id="24" name="Connecteur droit 23">
+            <a:extLst>
+              <a:ext uri="{FF2B5EF4-FFF2-40B4-BE49-F238E27FC236}">
+                <a16:creationId xmlns:a16="http://schemas.microsoft.com/office/drawing/2014/main" id="{905D60EF-D8FE-4313-83D7-97966C93E5D8}"/>
+              </a:ext>
+            </a:extLst>
+          </p:cNvPr>
+          <p:cNvCxnSpPr>
+            <a:cxnSpLocks/>
+          </p:cNvCxnSpPr>
+          <p:nvPr/>
+        </p:nvCxnSpPr>
+        <p:spPr>
+          <a:xfrm>
+            <a:off x="6319520" y="3428999"/>
+            <a:ext cx="203200" cy="730422"/>
+          </a:xfrm>
+          <a:prstGeom prst="line">
+            <a:avLst/>
+          </a:prstGeom>
+          <a:solidFill>
+            <a:schemeClr val="bg1"/>
+          </a:solidFill>
+          <a:ln w="28575">
+            <a:solidFill>
+              <a:schemeClr val="accent2">
+                <a:lumMod val="50000"/>
+              </a:schemeClr>
+            </a:solidFill>
+          </a:ln>
+        </p:spPr>
+        <p:style>
+          <a:lnRef idx="2">
+            <a:schemeClr val="accent1">
+              <a:shade val="50000"/>
+            </a:schemeClr>
+          </a:lnRef>
+          <a:fillRef idx="1">
+            <a:schemeClr val="accent1"/>
+          </a:fillRef>
+          <a:effectRef idx="0">
+            <a:schemeClr val="accent1"/>
+          </a:effectRef>
+          <a:fontRef idx="minor">
+            <a:schemeClr val="lt1"/>
+          </a:fontRef>
+        </p:style>
+      </p:cxnSp>
+      <mc:AlternateContent xmlns:mc="http://schemas.openxmlformats.org/markup-compatibility/2006">
+        <mc:Choice xmlns:a14="http://schemas.microsoft.com/office/drawing/2010/main" Requires="a14">
+          <p:sp>
+            <p:nvSpPr>
+              <p:cNvPr id="28" name="ZoneTexte 27">
+                <a:extLst>
+                  <a:ext uri="{FF2B5EF4-FFF2-40B4-BE49-F238E27FC236}">
+                    <a16:creationId xmlns:a16="http://schemas.microsoft.com/office/drawing/2014/main" id="{A997FB37-DAC8-44B2-B5FB-9374ACD050B6}"/>
+                  </a:ext>
+                </a:extLst>
+              </p:cNvPr>
+              <p:cNvSpPr txBox="1"/>
+              <p:nvPr/>
+            </p:nvSpPr>
+            <p:spPr>
+              <a:xfrm>
+                <a:off x="6687767" y="3882422"/>
+                <a:ext cx="149913" cy="276999"/>
+              </a:xfrm>
+              <a:prstGeom prst="rect">
+                <a:avLst/>
+              </a:prstGeom>
+              <a:noFill/>
+            </p:spPr>
+            <p:txBody>
+              <a:bodyPr wrap="none" lIns="0" tIns="0" rIns="0" bIns="0" rtlCol="0">
+                <a:spAutoFit/>
+              </a:bodyPr>
+              <a:lstStyle/>
+              <a:p>
+                <a14:m>
+                  <m:oMathPara xmlns:m="http://schemas.openxmlformats.org/officeDocument/2006/math">
+                    <m:oMathParaPr>
+                      <m:jc m:val="centerGroup"/>
+                    </m:oMathParaPr>
+                    <m:oMath xmlns:m="http://schemas.openxmlformats.org/officeDocument/2006/math">
+                      <m:r>
+                        <a:rPr lang="fr-FR" b="0" i="1" smtClean="0">
+                          <a:latin typeface="Cambria Math" panose="02040503050406030204" pitchFamily="18" charset="0"/>
+                        </a:rPr>
+                        <m:t>𝑡</m:t>
+                      </m:r>
+                    </m:oMath>
+                  </m:oMathPara>
+                </a14:m>
+                <a:endParaRPr lang="fr-FR" dirty="0"/>
+              </a:p>
+            </p:txBody>
+          </p:sp>
+        </mc:Choice>
+        <mc:Fallback>
+          <p:sp>
+            <p:nvSpPr>
+              <p:cNvPr id="28" name="ZoneTexte 27">
+                <a:extLst>
+                  <a:ext uri="{FF2B5EF4-FFF2-40B4-BE49-F238E27FC236}">
+                    <a16:creationId xmlns:a16="http://schemas.microsoft.com/office/drawing/2014/main" id="{A997FB37-DAC8-44B2-B5FB-9374ACD050B6}"/>
+                  </a:ext>
+                </a:extLst>
+              </p:cNvPr>
+              <p:cNvSpPr txBox="1">
+                <a:spLocks noRot="1" noChangeAspect="1" noMove="1" noResize="1" noEditPoints="1" noAdjustHandles="1" noChangeArrowheads="1" noChangeShapeType="1" noTextEdit="1"/>
+              </p:cNvSpPr>
+              <p:nvPr/>
+            </p:nvSpPr>
+            <p:spPr>
+              <a:xfrm>
+                <a:off x="6687767" y="3882422"/>
+                <a:ext cx="149913" cy="276999"/>
+              </a:xfrm>
+              <a:prstGeom prst="rect">
+                <a:avLst/>
+              </a:prstGeom>
+              <a:blipFill>
+                <a:blip r:embed="rId2"/>
+                <a:stretch>
+                  <a:fillRect l="-32000" r="-28000" b="-4444"/>
+                </a:stretch>
+              </a:blipFill>
+            </p:spPr>
+            <p:txBody>
+              <a:bodyPr/>
+              <a:lstStyle/>
+              <a:p>
+                <a:r>
+                  <a:rPr lang="fr-FR">
+                    <a:noFill/>
+                  </a:rPr>
+                  <a:t> </a:t>
+                </a:r>
+              </a:p>
+            </p:txBody>
+          </p:sp>
+        </mc:Fallback>
+      </mc:AlternateContent>
+      <mc:AlternateContent xmlns:mc="http://schemas.openxmlformats.org/markup-compatibility/2006">
+        <mc:Choice xmlns:a14="http://schemas.microsoft.com/office/drawing/2010/main" Requires="a14">
+          <p:sp>
+            <p:nvSpPr>
+              <p:cNvPr id="29" name="ZoneTexte 28">
+                <a:extLst>
+                  <a:ext uri="{FF2B5EF4-FFF2-40B4-BE49-F238E27FC236}">
+                    <a16:creationId xmlns:a16="http://schemas.microsoft.com/office/drawing/2014/main" id="{34306162-40D9-496D-AC0C-82C0C820C1E2}"/>
+                  </a:ext>
+                </a:extLst>
+              </p:cNvPr>
+              <p:cNvSpPr txBox="1"/>
+              <p:nvPr/>
+            </p:nvSpPr>
+            <p:spPr>
+              <a:xfrm>
+                <a:off x="4186802" y="3088615"/>
+                <a:ext cx="474041" cy="276999"/>
+              </a:xfrm>
+              <a:prstGeom prst="rect">
+                <a:avLst/>
+              </a:prstGeom>
+              <a:noFill/>
+            </p:spPr>
+            <p:txBody>
+              <a:bodyPr wrap="none" lIns="0" tIns="0" rIns="0" bIns="0" rtlCol="0">
+                <a:spAutoFit/>
+              </a:bodyPr>
+              <a:lstStyle/>
+              <a:p>
+                <a14:m>
+                  <m:oMathPara xmlns:m="http://schemas.openxmlformats.org/officeDocument/2006/math">
+                    <m:oMathParaPr>
+                      <m:jc m:val="centerGroup"/>
+                    </m:oMathParaPr>
+                    <m:oMath xmlns:m="http://schemas.openxmlformats.org/officeDocument/2006/math">
+                      <m:r>
+                        <a:rPr lang="fr-FR" b="0" i="1" smtClean="0">
+                          <a:latin typeface="Cambria Math" panose="02040503050406030204" pitchFamily="18" charset="0"/>
+                        </a:rPr>
+                        <m:t>𝑣</m:t>
+                      </m:r>
+                      <m:r>
+                        <a:rPr lang="fr-FR" b="0" i="1" smtClean="0">
+                          <a:latin typeface="Cambria Math" panose="02040503050406030204" pitchFamily="18" charset="0"/>
+                        </a:rPr>
+                        <m:t>(</m:t>
+                      </m:r>
+                      <m:r>
+                        <a:rPr lang="fr-FR" b="0" i="1" smtClean="0">
+                          <a:latin typeface="Cambria Math" panose="02040503050406030204" pitchFamily="18" charset="0"/>
+                        </a:rPr>
+                        <m:t>𝑡</m:t>
+                      </m:r>
+                      <m:r>
+                        <a:rPr lang="fr-FR" b="0" i="1" smtClean="0">
+                          <a:latin typeface="Cambria Math" panose="02040503050406030204" pitchFamily="18" charset="0"/>
+                        </a:rPr>
+                        <m:t>)</m:t>
+                      </m:r>
+                    </m:oMath>
+                  </m:oMathPara>
+                </a14:m>
+                <a:endParaRPr lang="fr-FR" dirty="0"/>
+              </a:p>
+            </p:txBody>
+          </p:sp>
+        </mc:Choice>
+        <mc:Fallback>
+          <p:sp>
+            <p:nvSpPr>
+              <p:cNvPr id="29" name="ZoneTexte 28">
+                <a:extLst>
+                  <a:ext uri="{FF2B5EF4-FFF2-40B4-BE49-F238E27FC236}">
+                    <a16:creationId xmlns:a16="http://schemas.microsoft.com/office/drawing/2014/main" id="{34306162-40D9-496D-AC0C-82C0C820C1E2}"/>
+                  </a:ext>
+                </a:extLst>
+              </p:cNvPr>
+              <p:cNvSpPr txBox="1">
+                <a:spLocks noRot="1" noChangeAspect="1" noMove="1" noResize="1" noEditPoints="1" noAdjustHandles="1" noChangeArrowheads="1" noChangeShapeType="1" noTextEdit="1"/>
+              </p:cNvSpPr>
+              <p:nvPr/>
+            </p:nvSpPr>
+            <p:spPr>
+              <a:xfrm>
+                <a:off x="4186802" y="3088615"/>
+                <a:ext cx="474041" cy="276999"/>
+              </a:xfrm>
+              <a:prstGeom prst="rect">
+                <a:avLst/>
+              </a:prstGeom>
+              <a:blipFill>
+                <a:blip r:embed="rId3"/>
+                <a:stretch>
+                  <a:fillRect l="-6410" t="-4444" r="-16667" b="-35556"/>
+                </a:stretch>
+              </a:blipFill>
+            </p:spPr>
+            <p:txBody>
+              <a:bodyPr/>
+              <a:lstStyle/>
+              <a:p>
+                <a:r>
+                  <a:rPr lang="fr-FR">
+                    <a:noFill/>
+                  </a:rPr>
+                  <a:t> </a:t>
+                </a:r>
+              </a:p>
+            </p:txBody>
+          </p:sp>
+        </mc:Fallback>
+      </mc:AlternateContent>
+      <p:cxnSp>
+        <p:nvCxnSpPr>
+          <p:cNvPr id="30" name="Connecteur droit 29">
+            <a:extLst>
+              <a:ext uri="{FF2B5EF4-FFF2-40B4-BE49-F238E27FC236}">
+                <a16:creationId xmlns:a16="http://schemas.microsoft.com/office/drawing/2014/main" id="{4F6AB505-84B2-47E6-8E6F-4A0FEBDC7D1A}"/>
+              </a:ext>
+            </a:extLst>
+          </p:cNvPr>
+          <p:cNvCxnSpPr>
+            <a:cxnSpLocks/>
+          </p:cNvCxnSpPr>
+          <p:nvPr/>
+        </p:nvCxnSpPr>
+        <p:spPr>
+          <a:xfrm flipV="1">
+            <a:off x="4856479" y="3428975"/>
+            <a:ext cx="0" cy="730446"/>
+          </a:xfrm>
+          <a:prstGeom prst="line">
+            <a:avLst/>
+          </a:prstGeom>
+          <a:solidFill>
+            <a:schemeClr val="bg1"/>
+          </a:solidFill>
+          <a:ln w="12700">
+            <a:solidFill>
+              <a:schemeClr val="accent2">
+                <a:lumMod val="50000"/>
+              </a:schemeClr>
+            </a:solidFill>
+          </a:ln>
+        </p:spPr>
+        <p:style>
+          <a:lnRef idx="2">
+            <a:schemeClr val="accent1">
+              <a:shade val="50000"/>
+            </a:schemeClr>
+          </a:lnRef>
+          <a:fillRef idx="1">
+            <a:schemeClr val="accent1"/>
+          </a:fillRef>
+          <a:effectRef idx="0">
+            <a:schemeClr val="accent1"/>
+          </a:effectRef>
+          <a:fontRef idx="minor">
+            <a:schemeClr val="lt1"/>
+          </a:fontRef>
+        </p:style>
+      </p:cxnSp>
+      <p:cxnSp>
+        <p:nvCxnSpPr>
+          <p:cNvPr id="34" name="Connecteur droit 33">
+            <a:extLst>
+              <a:ext uri="{FF2B5EF4-FFF2-40B4-BE49-F238E27FC236}">
+                <a16:creationId xmlns:a16="http://schemas.microsoft.com/office/drawing/2014/main" id="{1D8D9065-A823-4608-B4D8-4EEF78710E4B}"/>
+              </a:ext>
+            </a:extLst>
+          </p:cNvPr>
+          <p:cNvCxnSpPr>
+            <a:cxnSpLocks/>
+          </p:cNvCxnSpPr>
+          <p:nvPr/>
+        </p:nvCxnSpPr>
+        <p:spPr>
+          <a:xfrm flipV="1">
+            <a:off x="6319520" y="3428975"/>
+            <a:ext cx="0" cy="730446"/>
+          </a:xfrm>
+          <a:prstGeom prst="line">
+            <a:avLst/>
+          </a:prstGeom>
+          <a:solidFill>
+            <a:schemeClr val="bg1"/>
+          </a:solidFill>
+          <a:ln w="12700">
+            <a:solidFill>
+              <a:schemeClr val="accent2">
+                <a:lumMod val="50000"/>
+              </a:schemeClr>
+            </a:solidFill>
+          </a:ln>
+        </p:spPr>
+        <p:style>
+          <a:lnRef idx="2">
+            <a:schemeClr val="accent1">
+              <a:shade val="50000"/>
+            </a:schemeClr>
+          </a:lnRef>
+          <a:fillRef idx="1">
+            <a:schemeClr val="accent1"/>
+          </a:fillRef>
+          <a:effectRef idx="0">
+            <a:schemeClr val="accent1"/>
+          </a:effectRef>
+          <a:fontRef idx="minor">
+            <a:schemeClr val="lt1"/>
+          </a:fontRef>
+        </p:style>
+      </p:cxnSp>
+      <mc:AlternateContent xmlns:mc="http://schemas.openxmlformats.org/markup-compatibility/2006">
+        <mc:Choice xmlns:a14="http://schemas.microsoft.com/office/drawing/2010/main" Requires="a14">
+          <p:sp>
+            <p:nvSpPr>
+              <p:cNvPr id="48" name="ZoneTexte 47">
+                <a:extLst>
+                  <a:ext uri="{FF2B5EF4-FFF2-40B4-BE49-F238E27FC236}">
+                    <a16:creationId xmlns:a16="http://schemas.microsoft.com/office/drawing/2014/main" id="{954C56DA-D95C-4EC6-AA57-68001A491FA8}"/>
+                  </a:ext>
+                </a:extLst>
+              </p:cNvPr>
+              <p:cNvSpPr txBox="1"/>
+              <p:nvPr/>
+            </p:nvSpPr>
+            <p:spPr>
+              <a:xfrm>
+                <a:off x="5442126" y="3147546"/>
+                <a:ext cx="291747" cy="276999"/>
+              </a:xfrm>
+              <a:prstGeom prst="rect">
+                <a:avLst/>
+              </a:prstGeom>
+              <a:noFill/>
+            </p:spPr>
+            <p:txBody>
+              <a:bodyPr wrap="none" lIns="0" tIns="0" rIns="0" bIns="0" rtlCol="0">
+                <a:spAutoFit/>
+              </a:bodyPr>
+              <a:lstStyle/>
+              <a:p>
+                <a14:m>
+                  <m:oMathPara xmlns:m="http://schemas.openxmlformats.org/officeDocument/2006/math">
+                    <m:oMathParaPr>
+                      <m:jc m:val="centerGroup"/>
+                    </m:oMathParaPr>
+                    <m:oMath xmlns:m="http://schemas.openxmlformats.org/officeDocument/2006/math">
+                      <m:sSub>
+                        <m:sSubPr>
+                          <m:ctrlPr>
+                            <a:rPr lang="fr-FR" b="0" i="1" smtClean="0">
+                              <a:latin typeface="Cambria Math" panose="02040503050406030204" pitchFamily="18" charset="0"/>
+                            </a:rPr>
+                          </m:ctrlPr>
+                        </m:sSubPr>
+                        <m:e>
+                          <m:r>
+                            <a:rPr lang="fr-FR" b="0" i="1" smtClean="0">
+                              <a:latin typeface="Cambria Math" panose="02040503050406030204" pitchFamily="18" charset="0"/>
+                            </a:rPr>
+                            <m:t>𝑉</m:t>
+                          </m:r>
+                        </m:e>
+                        <m:sub>
+                          <m:r>
+                            <a:rPr lang="fr-FR" b="0" i="1" smtClean="0">
+                              <a:latin typeface="Cambria Math" panose="02040503050406030204" pitchFamily="18" charset="0"/>
+                            </a:rPr>
+                            <m:t>𝑅</m:t>
+                          </m:r>
+                        </m:sub>
+                      </m:sSub>
+                    </m:oMath>
+                  </m:oMathPara>
+                </a14:m>
+                <a:endParaRPr lang="fr-FR" dirty="0"/>
+              </a:p>
+            </p:txBody>
+          </p:sp>
+        </mc:Choice>
+        <mc:Fallback>
+          <p:sp>
+            <p:nvSpPr>
+              <p:cNvPr id="48" name="ZoneTexte 47">
+                <a:extLst>
+                  <a:ext uri="{FF2B5EF4-FFF2-40B4-BE49-F238E27FC236}">
+                    <a16:creationId xmlns:a16="http://schemas.microsoft.com/office/drawing/2014/main" id="{954C56DA-D95C-4EC6-AA57-68001A491FA8}"/>
+                  </a:ext>
+                </a:extLst>
+              </p:cNvPr>
+              <p:cNvSpPr txBox="1">
+                <a:spLocks noRot="1" noChangeAspect="1" noMove="1" noResize="1" noEditPoints="1" noAdjustHandles="1" noChangeArrowheads="1" noChangeShapeType="1" noTextEdit="1"/>
+              </p:cNvSpPr>
+              <p:nvPr/>
+            </p:nvSpPr>
+            <p:spPr>
+              <a:xfrm>
+                <a:off x="5442126" y="3147546"/>
+                <a:ext cx="291747" cy="276999"/>
+              </a:xfrm>
+              <a:prstGeom prst="rect">
+                <a:avLst/>
+              </a:prstGeom>
+              <a:blipFill>
+                <a:blip r:embed="rId4"/>
+                <a:stretch>
+                  <a:fillRect l="-20833" r="-4167" b="-15217"/>
+                </a:stretch>
+              </a:blipFill>
+            </p:spPr>
+            <p:txBody>
+              <a:bodyPr/>
+              <a:lstStyle/>
+              <a:p>
+                <a:r>
+                  <a:rPr lang="fr-FR">
+                    <a:noFill/>
+                  </a:rPr>
+                  <a:t> </a:t>
+                </a:r>
+              </a:p>
+            </p:txBody>
+          </p:sp>
+        </mc:Fallback>
+      </mc:AlternateContent>
+      <p:grpSp>
+        <p:nvGrpSpPr>
+          <p:cNvPr id="78" name="Groupe 77">
+            <a:extLst>
+              <a:ext uri="{FF2B5EF4-FFF2-40B4-BE49-F238E27FC236}">
+                <a16:creationId xmlns:a16="http://schemas.microsoft.com/office/drawing/2014/main" id="{0C919A89-0A1C-4CB0-BA2F-DBC0B0A7E1F5}"/>
+              </a:ext>
+            </a:extLst>
+          </p:cNvPr>
+          <p:cNvGrpSpPr/>
+          <p:nvPr/>
+        </p:nvGrpSpPr>
+        <p:grpSpPr>
+          <a:xfrm>
+            <a:off x="4186802" y="1641236"/>
+            <a:ext cx="2650851" cy="1414932"/>
+            <a:chOff x="4186802" y="1053256"/>
+            <a:chExt cx="2650851" cy="1414932"/>
+          </a:xfrm>
+        </p:grpSpPr>
+        <p:cxnSp>
+          <p:nvCxnSpPr>
+            <p:cNvPr id="50" name="Connecteur droit 49">
+              <a:extLst>
+                <a:ext uri="{FF2B5EF4-FFF2-40B4-BE49-F238E27FC236}">
+                  <a16:creationId xmlns:a16="http://schemas.microsoft.com/office/drawing/2014/main" id="{BC605F1F-019C-4361-85B2-4A8A52431681}"/>
+                </a:ext>
+              </a:extLst>
+            </p:cNvPr>
+            <p:cNvCxnSpPr>
+              <a:cxnSpLocks/>
+            </p:cNvCxnSpPr>
+            <p:nvPr/>
+          </p:nvCxnSpPr>
+          <p:spPr>
+            <a:xfrm>
+              <a:off x="4653897" y="1985588"/>
+              <a:ext cx="2176836" cy="0"/>
+            </a:xfrm>
+            <a:prstGeom prst="line">
+              <a:avLst/>
+            </a:prstGeom>
+            <a:ln w="19050">
+              <a:solidFill>
+                <a:schemeClr val="accent5">
+                  <a:lumMod val="50000"/>
+                </a:schemeClr>
+              </a:solidFill>
+              <a:tailEnd type="stealth" w="med" len="lg"/>
+            </a:ln>
+          </p:spPr>
+          <p:style>
+            <a:lnRef idx="1">
+              <a:schemeClr val="accent1"/>
+            </a:lnRef>
+            <a:fillRef idx="0">
+              <a:schemeClr val="accent1"/>
+            </a:fillRef>
+            <a:effectRef idx="0">
+              <a:schemeClr val="accent1"/>
+            </a:effectRef>
+            <a:fontRef idx="minor">
+              <a:schemeClr val="tx1"/>
+            </a:fontRef>
+          </p:style>
+        </p:cxnSp>
+        <p:cxnSp>
+          <p:nvCxnSpPr>
+            <p:cNvPr id="51" name="Connecteur droit 50">
+              <a:extLst>
+                <a:ext uri="{FF2B5EF4-FFF2-40B4-BE49-F238E27FC236}">
+                  <a16:creationId xmlns:a16="http://schemas.microsoft.com/office/drawing/2014/main" id="{1B0F9105-ADC8-4760-9F1F-A05486DC248A}"/>
+                </a:ext>
+              </a:extLst>
+            </p:cNvPr>
+            <p:cNvCxnSpPr>
+              <a:cxnSpLocks/>
+            </p:cNvCxnSpPr>
+            <p:nvPr/>
+          </p:nvCxnSpPr>
+          <p:spPr>
+            <a:xfrm flipV="1">
+              <a:off x="4653897" y="1397382"/>
+              <a:ext cx="0" cy="1070806"/>
+            </a:xfrm>
+            <a:prstGeom prst="line">
+              <a:avLst/>
+            </a:prstGeom>
+            <a:ln w="19050">
+              <a:solidFill>
+                <a:schemeClr val="accent5">
+                  <a:lumMod val="50000"/>
+                </a:schemeClr>
+              </a:solidFill>
+              <a:tailEnd type="stealth" w="med" len="lg"/>
+            </a:ln>
+          </p:spPr>
+          <p:style>
+            <a:lnRef idx="1">
+              <a:schemeClr val="accent1"/>
+            </a:lnRef>
+            <a:fillRef idx="0">
+              <a:schemeClr val="accent1"/>
+            </a:fillRef>
+            <a:effectRef idx="0">
+              <a:schemeClr val="accent1"/>
+            </a:effectRef>
+            <a:fontRef idx="minor">
+              <a:schemeClr val="tx1"/>
+            </a:fontRef>
+          </p:style>
+        </p:cxnSp>
+        <p:cxnSp>
+          <p:nvCxnSpPr>
+            <p:cNvPr id="53" name="Connecteur droit 52">
+              <a:extLst>
+                <a:ext uri="{FF2B5EF4-FFF2-40B4-BE49-F238E27FC236}">
+                  <a16:creationId xmlns:a16="http://schemas.microsoft.com/office/drawing/2014/main" id="{CB7305B1-DB0E-4700-8C15-07068DB57207}"/>
+                </a:ext>
+              </a:extLst>
+            </p:cNvPr>
+            <p:cNvCxnSpPr>
+              <a:cxnSpLocks/>
+            </p:cNvCxnSpPr>
+            <p:nvPr/>
+          </p:nvCxnSpPr>
+          <p:spPr>
+            <a:xfrm>
+              <a:off x="4849532" y="1985588"/>
+              <a:ext cx="1463040" cy="0"/>
+            </a:xfrm>
+            <a:prstGeom prst="line">
+              <a:avLst/>
+            </a:prstGeom>
+            <a:solidFill>
+              <a:schemeClr val="bg1"/>
+            </a:solidFill>
+            <a:ln w="28575">
+              <a:solidFill>
+                <a:schemeClr val="accent2">
+                  <a:lumMod val="50000"/>
+                </a:schemeClr>
+              </a:solidFill>
+            </a:ln>
+          </p:spPr>
+          <p:style>
+            <a:lnRef idx="2">
+              <a:schemeClr val="accent1">
+                <a:shade val="50000"/>
+              </a:schemeClr>
+            </a:lnRef>
+            <a:fillRef idx="1">
+              <a:schemeClr val="accent1"/>
+            </a:fillRef>
+            <a:effectRef idx="0">
+              <a:schemeClr val="accent1"/>
+            </a:effectRef>
+            <a:fontRef idx="minor">
+              <a:schemeClr val="lt1"/>
+            </a:fontRef>
+          </p:style>
+        </p:cxnSp>
+        <mc:AlternateContent xmlns:mc="http://schemas.openxmlformats.org/markup-compatibility/2006">
+          <mc:Choice xmlns:a14="http://schemas.microsoft.com/office/drawing/2010/main" Requires="a14">
+            <p:sp>
+              <p:nvSpPr>
+                <p:cNvPr id="55" name="ZoneTexte 54">
+                  <a:extLst>
+                    <a:ext uri="{FF2B5EF4-FFF2-40B4-BE49-F238E27FC236}">
+                      <a16:creationId xmlns:a16="http://schemas.microsoft.com/office/drawing/2014/main" id="{B1568ADF-6F0B-40BD-9671-EC3BD2ACD7AA}"/>
+                    </a:ext>
+                  </a:extLst>
+                </p:cNvPr>
+                <p:cNvSpPr txBox="1"/>
+                <p:nvPr/>
+              </p:nvSpPr>
+              <p:spPr>
+                <a:xfrm>
+                  <a:off x="6687740" y="1636347"/>
+                  <a:ext cx="149913" cy="276999"/>
+                </a:xfrm>
+                <a:prstGeom prst="rect">
+                  <a:avLst/>
+                </a:prstGeom>
+                <a:noFill/>
+              </p:spPr>
+              <p:txBody>
+                <a:bodyPr wrap="none" lIns="0" tIns="0" rIns="0" bIns="0" rtlCol="0">
+                  <a:spAutoFit/>
+                </a:bodyPr>
+                <a:lstStyle/>
+                <a:p>
+                  <a14:m>
+                    <m:oMathPara xmlns:m="http://schemas.openxmlformats.org/officeDocument/2006/math">
+                      <m:oMathParaPr>
+                        <m:jc m:val="centerGroup"/>
+                      </m:oMathParaPr>
+                      <m:oMath xmlns:m="http://schemas.openxmlformats.org/officeDocument/2006/math">
+                        <m:r>
+                          <a:rPr lang="fr-FR" b="0" i="1" smtClean="0">
+                            <a:latin typeface="Cambria Math" panose="02040503050406030204" pitchFamily="18" charset="0"/>
+                          </a:rPr>
+                          <m:t>𝑡</m:t>
+                        </m:r>
+                      </m:oMath>
+                    </m:oMathPara>
+                  </a14:m>
+                  <a:endParaRPr lang="fr-FR" dirty="0"/>
+                </a:p>
+              </p:txBody>
+            </p:sp>
+          </mc:Choice>
+          <mc:Fallback>
+            <p:sp>
+              <p:nvSpPr>
+                <p:cNvPr id="55" name="ZoneTexte 54">
+                  <a:extLst>
+                    <a:ext uri="{FF2B5EF4-FFF2-40B4-BE49-F238E27FC236}">
+                      <a16:creationId xmlns:a16="http://schemas.microsoft.com/office/drawing/2014/main" id="{B1568ADF-6F0B-40BD-9671-EC3BD2ACD7AA}"/>
+                    </a:ext>
+                  </a:extLst>
+                </p:cNvPr>
+                <p:cNvSpPr txBox="1">
+                  <a:spLocks noRot="1" noChangeAspect="1" noMove="1" noResize="1" noEditPoints="1" noAdjustHandles="1" noChangeArrowheads="1" noChangeShapeType="1" noTextEdit="1"/>
+                </p:cNvSpPr>
+                <p:nvPr/>
+              </p:nvSpPr>
+              <p:spPr>
+                <a:xfrm>
+                  <a:off x="6687740" y="1636347"/>
+                  <a:ext cx="149913" cy="276999"/>
+                </a:xfrm>
+                <a:prstGeom prst="rect">
+                  <a:avLst/>
+                </a:prstGeom>
+                <a:blipFill>
+                  <a:blip r:embed="rId5"/>
+                  <a:stretch>
+                    <a:fillRect l="-32000" r="-28000" b="-4444"/>
+                  </a:stretch>
+                </a:blipFill>
+              </p:spPr>
+              <p:txBody>
+                <a:bodyPr/>
+                <a:lstStyle/>
+                <a:p>
+                  <a:r>
+                    <a:rPr lang="fr-FR">
+                      <a:noFill/>
+                    </a:rPr>
+                    <a:t> </a:t>
+                  </a:r>
+                </a:p>
+              </p:txBody>
+            </p:sp>
+          </mc:Fallback>
+        </mc:AlternateContent>
+        <mc:AlternateContent xmlns:mc="http://schemas.openxmlformats.org/markup-compatibility/2006">
+          <mc:Choice xmlns:a14="http://schemas.microsoft.com/office/drawing/2010/main" Requires="a14">
+            <p:sp>
+              <p:nvSpPr>
+                <p:cNvPr id="56" name="ZoneTexte 55">
+                  <a:extLst>
+                    <a:ext uri="{FF2B5EF4-FFF2-40B4-BE49-F238E27FC236}">
+                      <a16:creationId xmlns:a16="http://schemas.microsoft.com/office/drawing/2014/main" id="{37A39F3C-1CA5-4505-A635-F1D610EA4529}"/>
+                    </a:ext>
+                  </a:extLst>
+                </p:cNvPr>
+                <p:cNvSpPr txBox="1"/>
+                <p:nvPr/>
+              </p:nvSpPr>
+              <p:spPr>
+                <a:xfrm>
+                  <a:off x="4186802" y="1053256"/>
+                  <a:ext cx="476156" cy="276999"/>
+                </a:xfrm>
+                <a:prstGeom prst="rect">
+                  <a:avLst/>
+                </a:prstGeom>
+                <a:noFill/>
+              </p:spPr>
+              <p:txBody>
+                <a:bodyPr wrap="none" lIns="0" tIns="0" rIns="0" bIns="0" rtlCol="0">
+                  <a:spAutoFit/>
+                </a:bodyPr>
+                <a:lstStyle/>
+                <a:p>
+                  <a14:m>
+                    <m:oMathPara xmlns:m="http://schemas.openxmlformats.org/officeDocument/2006/math">
+                      <m:oMathParaPr>
+                        <m:jc m:val="centerGroup"/>
+                      </m:oMathParaPr>
+                      <m:oMath xmlns:m="http://schemas.openxmlformats.org/officeDocument/2006/math">
+                        <m:r>
+                          <a:rPr lang="fr-FR" b="0" i="1" smtClean="0">
+                            <a:latin typeface="Cambria Math" panose="02040503050406030204" pitchFamily="18" charset="0"/>
+                          </a:rPr>
+                          <m:t>𝑎</m:t>
+                        </m:r>
+                        <m:r>
+                          <a:rPr lang="fr-FR" b="0" i="1" smtClean="0">
+                            <a:latin typeface="Cambria Math" panose="02040503050406030204" pitchFamily="18" charset="0"/>
+                          </a:rPr>
+                          <m:t>(</m:t>
+                        </m:r>
+                        <m:r>
+                          <a:rPr lang="fr-FR" b="0" i="1" smtClean="0">
+                            <a:latin typeface="Cambria Math" panose="02040503050406030204" pitchFamily="18" charset="0"/>
+                          </a:rPr>
+                          <m:t>𝑡</m:t>
+                        </m:r>
+                        <m:r>
+                          <a:rPr lang="fr-FR" b="0" i="1" smtClean="0">
+                            <a:latin typeface="Cambria Math" panose="02040503050406030204" pitchFamily="18" charset="0"/>
+                          </a:rPr>
+                          <m:t>)</m:t>
+                        </m:r>
+                      </m:oMath>
+                    </m:oMathPara>
+                  </a14:m>
+                  <a:endParaRPr lang="fr-FR" dirty="0"/>
+                </a:p>
+              </p:txBody>
+            </p:sp>
+          </mc:Choice>
+          <mc:Fallback>
+            <p:sp>
+              <p:nvSpPr>
+                <p:cNvPr id="56" name="ZoneTexte 55">
+                  <a:extLst>
+                    <a:ext uri="{FF2B5EF4-FFF2-40B4-BE49-F238E27FC236}">
+                      <a16:creationId xmlns:a16="http://schemas.microsoft.com/office/drawing/2014/main" id="{37A39F3C-1CA5-4505-A635-F1D610EA4529}"/>
+                    </a:ext>
+                  </a:extLst>
+                </p:cNvPr>
+                <p:cNvSpPr txBox="1">
+                  <a:spLocks noRot="1" noChangeAspect="1" noMove="1" noResize="1" noEditPoints="1" noAdjustHandles="1" noChangeArrowheads="1" noChangeShapeType="1" noTextEdit="1"/>
+                </p:cNvSpPr>
+                <p:nvPr/>
+              </p:nvSpPr>
+              <p:spPr>
+                <a:xfrm>
+                  <a:off x="4186802" y="1053256"/>
+                  <a:ext cx="476156" cy="276999"/>
+                </a:xfrm>
+                <a:prstGeom prst="rect">
+                  <a:avLst/>
+                </a:prstGeom>
+                <a:blipFill>
+                  <a:blip r:embed="rId6"/>
+                  <a:stretch>
+                    <a:fillRect l="-6410" t="-2174" r="-17949" b="-32609"/>
+                  </a:stretch>
+                </a:blipFill>
+              </p:spPr>
+              <p:txBody>
+                <a:bodyPr/>
+                <a:lstStyle/>
+                <a:p>
+                  <a:r>
+                    <a:rPr lang="fr-FR">
+                      <a:noFill/>
+                    </a:rPr>
+                    <a:t> </a:t>
+                  </a:r>
+                </a:p>
+              </p:txBody>
+            </p:sp>
+          </mc:Fallback>
+        </mc:AlternateContent>
+        <p:cxnSp>
+          <p:nvCxnSpPr>
+            <p:cNvPr id="57" name="Connecteur droit 56">
+              <a:extLst>
+                <a:ext uri="{FF2B5EF4-FFF2-40B4-BE49-F238E27FC236}">
+                  <a16:creationId xmlns:a16="http://schemas.microsoft.com/office/drawing/2014/main" id="{0D26078A-277F-4967-BDB8-686254680DD9}"/>
+                </a:ext>
+              </a:extLst>
+            </p:cNvPr>
+            <p:cNvCxnSpPr>
+              <a:cxnSpLocks/>
+            </p:cNvCxnSpPr>
+            <p:nvPr/>
+          </p:nvCxnSpPr>
+          <p:spPr>
+            <a:xfrm flipV="1">
+              <a:off x="4849532" y="1613817"/>
+              <a:ext cx="0" cy="371771"/>
+            </a:xfrm>
+            <a:prstGeom prst="line">
+              <a:avLst/>
+            </a:prstGeom>
+            <a:solidFill>
+              <a:schemeClr val="bg1"/>
+            </a:solidFill>
+            <a:ln w="12700">
+              <a:solidFill>
+                <a:schemeClr val="accent2">
+                  <a:lumMod val="50000"/>
+                </a:schemeClr>
+              </a:solidFill>
+            </a:ln>
+          </p:spPr>
+          <p:style>
+            <a:lnRef idx="2">
+              <a:schemeClr val="accent1">
+                <a:shade val="50000"/>
+              </a:schemeClr>
+            </a:lnRef>
+            <a:fillRef idx="1">
+              <a:schemeClr val="accent1"/>
+            </a:fillRef>
+            <a:effectRef idx="0">
+              <a:schemeClr val="accent1"/>
+            </a:effectRef>
+            <a:fontRef idx="minor">
+              <a:schemeClr val="lt1"/>
+            </a:fontRef>
+          </p:style>
+        </p:cxnSp>
+        <mc:AlternateContent xmlns:mc="http://schemas.openxmlformats.org/markup-compatibility/2006">
+          <mc:Choice xmlns:a14="http://schemas.microsoft.com/office/drawing/2010/main" Requires="a14">
+            <p:sp>
+              <p:nvSpPr>
+                <p:cNvPr id="66" name="ZoneTexte 65">
+                  <a:extLst>
+                    <a:ext uri="{FF2B5EF4-FFF2-40B4-BE49-F238E27FC236}">
+                      <a16:creationId xmlns:a16="http://schemas.microsoft.com/office/drawing/2014/main" id="{3ADB8903-420D-40B1-B678-1D648840BC8E}"/>
+                    </a:ext>
+                  </a:extLst>
+                </p:cNvPr>
+                <p:cNvSpPr txBox="1"/>
+                <p:nvPr/>
+              </p:nvSpPr>
+              <p:spPr>
+                <a:xfrm>
+                  <a:off x="4922611" y="1330255"/>
+                  <a:ext cx="557460" cy="276999"/>
+                </a:xfrm>
+                <a:prstGeom prst="rect">
+                  <a:avLst/>
+                </a:prstGeom>
+                <a:noFill/>
+              </p:spPr>
+              <p:txBody>
+                <a:bodyPr wrap="none" lIns="0" tIns="0" rIns="0" bIns="0" rtlCol="0">
+                  <a:spAutoFit/>
+                </a:bodyPr>
+                <a:lstStyle/>
+                <a:p>
+                  <a14:m>
+                    <m:oMathPara xmlns:m="http://schemas.openxmlformats.org/officeDocument/2006/math">
+                      <m:oMathParaPr>
+                        <m:jc m:val="centerGroup"/>
+                      </m:oMathParaPr>
+                      <m:oMath xmlns:m="http://schemas.openxmlformats.org/officeDocument/2006/math">
+                        <m:sSub>
+                          <m:sSubPr>
+                            <m:ctrlPr>
+                              <a:rPr lang="fr-FR" b="0" i="1" smtClean="0">
+                                <a:latin typeface="Cambria Math" panose="02040503050406030204" pitchFamily="18" charset="0"/>
+                              </a:rPr>
+                            </m:ctrlPr>
+                          </m:sSubPr>
+                          <m:e>
+                            <m:r>
+                              <a:rPr lang="fr-FR" b="0" i="1" smtClean="0">
+                                <a:latin typeface="Cambria Math" panose="02040503050406030204" pitchFamily="18" charset="0"/>
+                              </a:rPr>
+                              <m:t>𝑎</m:t>
+                            </m:r>
+                          </m:e>
+                          <m:sub>
+                            <m:r>
+                              <a:rPr lang="fr-FR" b="0" i="1" smtClean="0">
+                                <a:latin typeface="Cambria Math" panose="02040503050406030204" pitchFamily="18" charset="0"/>
+                              </a:rPr>
+                              <m:t>𝑚𝑎𝑥</m:t>
+                            </m:r>
+                          </m:sub>
+                        </m:sSub>
+                      </m:oMath>
+                    </m:oMathPara>
+                  </a14:m>
+                  <a:endParaRPr lang="fr-FR" dirty="0"/>
+                </a:p>
+              </p:txBody>
+            </p:sp>
+          </mc:Choice>
+          <mc:Fallback>
+            <p:sp>
+              <p:nvSpPr>
+                <p:cNvPr id="66" name="ZoneTexte 65">
+                  <a:extLst>
+                    <a:ext uri="{FF2B5EF4-FFF2-40B4-BE49-F238E27FC236}">
+                      <a16:creationId xmlns:a16="http://schemas.microsoft.com/office/drawing/2014/main" id="{3ADB8903-420D-40B1-B678-1D648840BC8E}"/>
+                    </a:ext>
+                  </a:extLst>
+                </p:cNvPr>
+                <p:cNvSpPr txBox="1">
+                  <a:spLocks noRot="1" noChangeAspect="1" noMove="1" noResize="1" noEditPoints="1" noAdjustHandles="1" noChangeArrowheads="1" noChangeShapeType="1" noTextEdit="1"/>
+                </p:cNvSpPr>
+                <p:nvPr/>
+              </p:nvSpPr>
+              <p:spPr>
+                <a:xfrm>
+                  <a:off x="4922611" y="1330255"/>
+                  <a:ext cx="557460" cy="276999"/>
+                </a:xfrm>
+                <a:prstGeom prst="rect">
+                  <a:avLst/>
+                </a:prstGeom>
+                <a:blipFill>
+                  <a:blip r:embed="rId7"/>
+                  <a:stretch>
+                    <a:fillRect l="-5495" r="-1099" b="-11111"/>
+                  </a:stretch>
+                </a:blipFill>
+              </p:spPr>
+              <p:txBody>
+                <a:bodyPr/>
+                <a:lstStyle/>
+                <a:p>
+                  <a:r>
+                    <a:rPr lang="fr-FR">
+                      <a:noFill/>
+                    </a:rPr>
+                    <a:t> </a:t>
+                  </a:r>
+                </a:p>
+              </p:txBody>
+            </p:sp>
+          </mc:Fallback>
+        </mc:AlternateContent>
+        <p:cxnSp>
+          <p:nvCxnSpPr>
+            <p:cNvPr id="70" name="Connecteur droit 69">
+              <a:extLst>
+                <a:ext uri="{FF2B5EF4-FFF2-40B4-BE49-F238E27FC236}">
+                  <a16:creationId xmlns:a16="http://schemas.microsoft.com/office/drawing/2014/main" id="{30FF1FF9-1A07-4FD1-92DA-C2D5327CF0DD}"/>
+                </a:ext>
+              </a:extLst>
+            </p:cNvPr>
+            <p:cNvCxnSpPr>
+              <a:cxnSpLocks/>
+            </p:cNvCxnSpPr>
+            <p:nvPr/>
+          </p:nvCxnSpPr>
+          <p:spPr>
+            <a:xfrm>
+              <a:off x="4653897" y="1613816"/>
+              <a:ext cx="202582" cy="0"/>
+            </a:xfrm>
+            <a:prstGeom prst="line">
+              <a:avLst/>
+            </a:prstGeom>
+            <a:solidFill>
+              <a:schemeClr val="bg1"/>
+            </a:solidFill>
+            <a:ln w="28575">
+              <a:solidFill>
+                <a:schemeClr val="accent2">
+                  <a:lumMod val="50000"/>
+                </a:schemeClr>
+              </a:solidFill>
+            </a:ln>
+          </p:spPr>
+          <p:style>
+            <a:lnRef idx="2">
+              <a:schemeClr val="accent1">
+                <a:shade val="50000"/>
+              </a:schemeClr>
+            </a:lnRef>
+            <a:fillRef idx="1">
+              <a:schemeClr val="accent1"/>
+            </a:fillRef>
+            <a:effectRef idx="0">
+              <a:schemeClr val="accent1"/>
+            </a:effectRef>
+            <a:fontRef idx="minor">
+              <a:schemeClr val="lt1"/>
+            </a:fontRef>
+          </p:style>
+        </p:cxnSp>
+        <p:cxnSp>
+          <p:nvCxnSpPr>
+            <p:cNvPr id="73" name="Connecteur droit 72">
+              <a:extLst>
+                <a:ext uri="{FF2B5EF4-FFF2-40B4-BE49-F238E27FC236}">
+                  <a16:creationId xmlns:a16="http://schemas.microsoft.com/office/drawing/2014/main" id="{3662F076-FFAB-4EC4-89E1-EB70E730507E}"/>
+                </a:ext>
+              </a:extLst>
+            </p:cNvPr>
+            <p:cNvCxnSpPr>
+              <a:cxnSpLocks/>
+            </p:cNvCxnSpPr>
+            <p:nvPr/>
+          </p:nvCxnSpPr>
+          <p:spPr>
+            <a:xfrm>
+              <a:off x="6306244" y="2353938"/>
+              <a:ext cx="202582" cy="0"/>
+            </a:xfrm>
+            <a:prstGeom prst="line">
+              <a:avLst/>
+            </a:prstGeom>
+            <a:solidFill>
+              <a:schemeClr val="bg1"/>
+            </a:solidFill>
+            <a:ln w="28575">
+              <a:solidFill>
+                <a:schemeClr val="accent2">
+                  <a:lumMod val="50000"/>
+                </a:schemeClr>
+              </a:solidFill>
+            </a:ln>
+          </p:spPr>
+          <p:style>
+            <a:lnRef idx="2">
+              <a:schemeClr val="accent1">
+                <a:shade val="50000"/>
+              </a:schemeClr>
+            </a:lnRef>
+            <a:fillRef idx="1">
+              <a:schemeClr val="accent1"/>
+            </a:fillRef>
+            <a:effectRef idx="0">
+              <a:schemeClr val="accent1"/>
+            </a:effectRef>
+            <a:fontRef idx="minor">
+              <a:schemeClr val="lt1"/>
+            </a:fontRef>
+          </p:style>
+        </p:cxnSp>
+        <p:cxnSp>
+          <p:nvCxnSpPr>
+            <p:cNvPr id="74" name="Connecteur droit 73">
+              <a:extLst>
+                <a:ext uri="{FF2B5EF4-FFF2-40B4-BE49-F238E27FC236}">
+                  <a16:creationId xmlns:a16="http://schemas.microsoft.com/office/drawing/2014/main" id="{63E3A991-188F-49B9-BFFF-100B60EAD572}"/>
+                </a:ext>
+              </a:extLst>
+            </p:cNvPr>
+            <p:cNvCxnSpPr>
+              <a:cxnSpLocks/>
+            </p:cNvCxnSpPr>
+            <p:nvPr/>
+          </p:nvCxnSpPr>
+          <p:spPr>
+            <a:xfrm flipV="1">
+              <a:off x="6312572" y="2008552"/>
+              <a:ext cx="0" cy="365223"/>
+            </a:xfrm>
+            <a:prstGeom prst="line">
+              <a:avLst/>
+            </a:prstGeom>
+            <a:solidFill>
+              <a:schemeClr val="bg1"/>
+            </a:solidFill>
+            <a:ln w="12700">
+              <a:solidFill>
+                <a:schemeClr val="accent2">
+                  <a:lumMod val="50000"/>
+                </a:schemeClr>
+              </a:solidFill>
+            </a:ln>
+          </p:spPr>
+          <p:style>
+            <a:lnRef idx="2">
+              <a:schemeClr val="accent1">
+                <a:shade val="50000"/>
+              </a:schemeClr>
+            </a:lnRef>
+            <a:fillRef idx="1">
+              <a:schemeClr val="accent1"/>
+            </a:fillRef>
+            <a:effectRef idx="0">
+              <a:schemeClr val="accent1"/>
+            </a:effectRef>
+            <a:fontRef idx="minor">
+              <a:schemeClr val="lt1"/>
+            </a:fontRef>
+          </p:style>
+        </p:cxnSp>
+        <p:cxnSp>
+          <p:nvCxnSpPr>
+            <p:cNvPr id="77" name="Connecteur droit 76">
+              <a:extLst>
+                <a:ext uri="{FF2B5EF4-FFF2-40B4-BE49-F238E27FC236}">
+                  <a16:creationId xmlns:a16="http://schemas.microsoft.com/office/drawing/2014/main" id="{0F75D9B6-7C62-4257-B824-1798EC738BF1}"/>
+                </a:ext>
+              </a:extLst>
+            </p:cNvPr>
+            <p:cNvCxnSpPr>
+              <a:cxnSpLocks/>
+            </p:cNvCxnSpPr>
+            <p:nvPr/>
+          </p:nvCxnSpPr>
+          <p:spPr>
+            <a:xfrm flipV="1">
+              <a:off x="6515773" y="2008552"/>
+              <a:ext cx="0" cy="365223"/>
+            </a:xfrm>
+            <a:prstGeom prst="line">
+              <a:avLst/>
+            </a:prstGeom>
+            <a:solidFill>
+              <a:schemeClr val="bg1"/>
+            </a:solidFill>
+            <a:ln w="12700">
+              <a:solidFill>
+                <a:schemeClr val="accent2">
+                  <a:lumMod val="50000"/>
+                </a:schemeClr>
+              </a:solidFill>
+            </a:ln>
+          </p:spPr>
+          <p:style>
+            <a:lnRef idx="2">
+              <a:schemeClr val="accent1">
+                <a:shade val="50000"/>
+              </a:schemeClr>
+            </a:lnRef>
+            <a:fillRef idx="1">
+              <a:schemeClr val="accent1"/>
+            </a:fillRef>
+            <a:effectRef idx="0">
+              <a:schemeClr val="accent1"/>
+            </a:effectRef>
+            <a:fontRef idx="minor">
+              <a:schemeClr val="lt1"/>
+            </a:fontRef>
+          </p:style>
+        </p:cxnSp>
+      </p:grpSp>
+      <p:cxnSp>
+        <p:nvCxnSpPr>
+          <p:cNvPr id="80" name="Connecteur droit 79">
+            <a:extLst>
+              <a:ext uri="{FF2B5EF4-FFF2-40B4-BE49-F238E27FC236}">
+                <a16:creationId xmlns:a16="http://schemas.microsoft.com/office/drawing/2014/main" id="{E29997B5-D101-4346-9A70-98DC12D73CE8}"/>
+              </a:ext>
+            </a:extLst>
+          </p:cNvPr>
+          <p:cNvCxnSpPr>
+            <a:cxnSpLocks/>
+          </p:cNvCxnSpPr>
+          <p:nvPr/>
+        </p:nvCxnSpPr>
+        <p:spPr>
+          <a:xfrm>
+            <a:off x="4660844" y="5007361"/>
+            <a:ext cx="2176836" cy="0"/>
+          </a:xfrm>
+          <a:prstGeom prst="line">
+            <a:avLst/>
+          </a:prstGeom>
+          <a:ln w="19050">
+            <a:solidFill>
+              <a:schemeClr val="accent5">
+                <a:lumMod val="50000"/>
+              </a:schemeClr>
+            </a:solidFill>
+            <a:tailEnd type="stealth" w="med" len="lg"/>
+          </a:ln>
+        </p:spPr>
+        <p:style>
+          <a:lnRef idx="1">
+            <a:schemeClr val="accent1"/>
+          </a:lnRef>
+          <a:fillRef idx="0">
+            <a:schemeClr val="accent1"/>
+          </a:fillRef>
+          <a:effectRef idx="0">
+            <a:schemeClr val="accent1"/>
+          </a:effectRef>
+          <a:fontRef idx="minor">
+            <a:schemeClr val="tx1"/>
+          </a:fontRef>
+        </p:style>
+      </p:cxnSp>
+      <p:cxnSp>
+        <p:nvCxnSpPr>
+          <p:cNvPr id="81" name="Connecteur droit 80">
+            <a:extLst>
+              <a:ext uri="{FF2B5EF4-FFF2-40B4-BE49-F238E27FC236}">
+                <a16:creationId xmlns:a16="http://schemas.microsoft.com/office/drawing/2014/main" id="{A0C0FF39-3814-407B-B396-6D5349122061}"/>
+              </a:ext>
+            </a:extLst>
+          </p:cNvPr>
+          <p:cNvCxnSpPr>
+            <a:cxnSpLocks/>
+          </p:cNvCxnSpPr>
+          <p:nvPr/>
+        </p:nvCxnSpPr>
+        <p:spPr>
+          <a:xfrm flipV="1">
+            <a:off x="4660844" y="3936555"/>
+            <a:ext cx="0" cy="1070806"/>
+          </a:xfrm>
+          <a:prstGeom prst="line">
+            <a:avLst/>
+          </a:prstGeom>
+          <a:ln w="19050">
+            <a:solidFill>
+              <a:schemeClr val="accent5">
+                <a:lumMod val="50000"/>
+              </a:schemeClr>
+            </a:solidFill>
+            <a:tailEnd type="stealth" w="med" len="lg"/>
+          </a:ln>
+        </p:spPr>
+        <p:style>
+          <a:lnRef idx="1">
+            <a:schemeClr val="accent1"/>
+          </a:lnRef>
+          <a:fillRef idx="0">
+            <a:schemeClr val="accent1"/>
+          </a:fillRef>
+          <a:effectRef idx="0">
+            <a:schemeClr val="accent1"/>
+          </a:effectRef>
+          <a:fontRef idx="minor">
+            <a:schemeClr val="tx1"/>
+          </a:fontRef>
+        </p:style>
+      </p:cxnSp>
+      <mc:AlternateContent xmlns:mc="http://schemas.openxmlformats.org/markup-compatibility/2006">
+        <mc:Choice xmlns:a14="http://schemas.microsoft.com/office/drawing/2010/main" Requires="a14">
+          <p:sp>
+            <p:nvSpPr>
+              <p:cNvPr id="85" name="ZoneTexte 84">
+                <a:extLst>
+                  <a:ext uri="{FF2B5EF4-FFF2-40B4-BE49-F238E27FC236}">
+                    <a16:creationId xmlns:a16="http://schemas.microsoft.com/office/drawing/2014/main" id="{95DE7395-2DAC-48E7-B82F-404C35775854}"/>
+                  </a:ext>
+                </a:extLst>
+              </p:cNvPr>
+              <p:cNvSpPr txBox="1"/>
+              <p:nvPr/>
+            </p:nvSpPr>
+            <p:spPr>
+              <a:xfrm>
+                <a:off x="6687767" y="4730337"/>
+                <a:ext cx="149913" cy="276999"/>
+              </a:xfrm>
+              <a:prstGeom prst="rect">
+                <a:avLst/>
+              </a:prstGeom>
+              <a:noFill/>
+            </p:spPr>
+            <p:txBody>
+              <a:bodyPr wrap="none" lIns="0" tIns="0" rIns="0" bIns="0" rtlCol="0">
+                <a:spAutoFit/>
+              </a:bodyPr>
+              <a:lstStyle/>
+              <a:p>
+                <a14:m>
+                  <m:oMathPara xmlns:m="http://schemas.openxmlformats.org/officeDocument/2006/math">
+                    <m:oMathParaPr>
+                      <m:jc m:val="centerGroup"/>
+                    </m:oMathParaPr>
+                    <m:oMath xmlns:m="http://schemas.openxmlformats.org/officeDocument/2006/math">
+                      <m:r>
+                        <a:rPr lang="fr-FR" b="0" i="1" smtClean="0">
+                          <a:latin typeface="Cambria Math" panose="02040503050406030204" pitchFamily="18" charset="0"/>
+                        </a:rPr>
+                        <m:t>𝑡</m:t>
+                      </m:r>
+                    </m:oMath>
+                  </m:oMathPara>
+                </a14:m>
+                <a:endParaRPr lang="fr-FR" dirty="0"/>
+              </a:p>
+            </p:txBody>
+          </p:sp>
+        </mc:Choice>
+        <mc:Fallback>
+          <p:sp>
+            <p:nvSpPr>
+              <p:cNvPr id="85" name="ZoneTexte 84">
+                <a:extLst>
+                  <a:ext uri="{FF2B5EF4-FFF2-40B4-BE49-F238E27FC236}">
+                    <a16:creationId xmlns:a16="http://schemas.microsoft.com/office/drawing/2014/main" id="{95DE7395-2DAC-48E7-B82F-404C35775854}"/>
+                  </a:ext>
+                </a:extLst>
+              </p:cNvPr>
+              <p:cNvSpPr txBox="1">
+                <a:spLocks noRot="1" noChangeAspect="1" noMove="1" noResize="1" noEditPoints="1" noAdjustHandles="1" noChangeArrowheads="1" noChangeShapeType="1" noTextEdit="1"/>
+              </p:cNvSpPr>
+              <p:nvPr/>
+            </p:nvSpPr>
+            <p:spPr>
+              <a:xfrm>
+                <a:off x="6687767" y="4730337"/>
+                <a:ext cx="149913" cy="276999"/>
+              </a:xfrm>
+              <a:prstGeom prst="rect">
+                <a:avLst/>
+              </a:prstGeom>
+              <a:blipFill>
+                <a:blip r:embed="rId8"/>
+                <a:stretch>
+                  <a:fillRect l="-32000" r="-28000" b="-4444"/>
+                </a:stretch>
+              </a:blipFill>
+            </p:spPr>
+            <p:txBody>
+              <a:bodyPr/>
+              <a:lstStyle/>
+              <a:p>
+                <a:r>
+                  <a:rPr lang="fr-FR">
+                    <a:noFill/>
+                  </a:rPr>
+                  <a:t> </a:t>
+                </a:r>
+              </a:p>
+            </p:txBody>
+          </p:sp>
+        </mc:Fallback>
+      </mc:AlternateContent>
+      <mc:AlternateContent xmlns:mc="http://schemas.openxmlformats.org/markup-compatibility/2006">
+        <mc:Choice xmlns:a14="http://schemas.microsoft.com/office/drawing/2010/main" Requires="a14">
+          <p:sp>
+            <p:nvSpPr>
+              <p:cNvPr id="86" name="ZoneTexte 85">
+                <a:extLst>
+                  <a:ext uri="{FF2B5EF4-FFF2-40B4-BE49-F238E27FC236}">
+                    <a16:creationId xmlns:a16="http://schemas.microsoft.com/office/drawing/2014/main" id="{7E124984-9D94-41C0-90B5-67CFF39FBAE4}"/>
+                  </a:ext>
+                </a:extLst>
+              </p:cNvPr>
+              <p:cNvSpPr txBox="1"/>
+              <p:nvPr/>
+            </p:nvSpPr>
+            <p:spPr>
+              <a:xfrm>
+                <a:off x="4186802" y="3936530"/>
+                <a:ext cx="476092" cy="276999"/>
+              </a:xfrm>
+              <a:prstGeom prst="rect">
+                <a:avLst/>
+              </a:prstGeom>
+              <a:noFill/>
+            </p:spPr>
+            <p:txBody>
+              <a:bodyPr wrap="none" lIns="0" tIns="0" rIns="0" bIns="0" rtlCol="0">
+                <a:spAutoFit/>
+              </a:bodyPr>
+              <a:lstStyle/>
+              <a:p>
+                <a14:m>
+                  <m:oMathPara xmlns:m="http://schemas.openxmlformats.org/officeDocument/2006/math">
+                    <m:oMathParaPr>
+                      <m:jc m:val="centerGroup"/>
+                    </m:oMathParaPr>
+                    <m:oMath xmlns:m="http://schemas.openxmlformats.org/officeDocument/2006/math">
+                      <m:r>
+                        <a:rPr lang="fr-FR" b="0" i="1" smtClean="0">
+                          <a:latin typeface="Cambria Math" panose="02040503050406030204" pitchFamily="18" charset="0"/>
+                        </a:rPr>
+                        <m:t>𝑦</m:t>
+                      </m:r>
+                      <m:r>
+                        <a:rPr lang="fr-FR" b="0" i="1" smtClean="0">
+                          <a:latin typeface="Cambria Math" panose="02040503050406030204" pitchFamily="18" charset="0"/>
+                        </a:rPr>
+                        <m:t>(</m:t>
+                      </m:r>
+                      <m:r>
+                        <a:rPr lang="fr-FR" b="0" i="1" smtClean="0">
+                          <a:latin typeface="Cambria Math" panose="02040503050406030204" pitchFamily="18" charset="0"/>
+                        </a:rPr>
+                        <m:t>𝑡</m:t>
+                      </m:r>
+                      <m:r>
+                        <a:rPr lang="fr-FR" b="0" i="1" smtClean="0">
+                          <a:latin typeface="Cambria Math" panose="02040503050406030204" pitchFamily="18" charset="0"/>
+                        </a:rPr>
+                        <m:t>)</m:t>
+                      </m:r>
+                    </m:oMath>
+                  </m:oMathPara>
+                </a14:m>
+                <a:endParaRPr lang="fr-FR" dirty="0"/>
+              </a:p>
+            </p:txBody>
+          </p:sp>
+        </mc:Choice>
+        <mc:Fallback>
+          <p:sp>
+            <p:nvSpPr>
+              <p:cNvPr id="86" name="ZoneTexte 85">
+                <a:extLst>
+                  <a:ext uri="{FF2B5EF4-FFF2-40B4-BE49-F238E27FC236}">
+                    <a16:creationId xmlns:a16="http://schemas.microsoft.com/office/drawing/2014/main" id="{7E124984-9D94-41C0-90B5-67CFF39FBAE4}"/>
+                  </a:ext>
+                </a:extLst>
+              </p:cNvPr>
+              <p:cNvSpPr txBox="1">
+                <a:spLocks noRot="1" noChangeAspect="1" noMove="1" noResize="1" noEditPoints="1" noAdjustHandles="1" noChangeArrowheads="1" noChangeShapeType="1" noTextEdit="1"/>
+              </p:cNvSpPr>
+              <p:nvPr/>
+            </p:nvSpPr>
+            <p:spPr>
+              <a:xfrm>
+                <a:off x="4186802" y="3936530"/>
+                <a:ext cx="476092" cy="276999"/>
+              </a:xfrm>
+              <a:prstGeom prst="rect">
+                <a:avLst/>
+              </a:prstGeom>
+              <a:blipFill>
+                <a:blip r:embed="rId9"/>
+                <a:stretch>
+                  <a:fillRect l="-11538" t="-2222" r="-17949" b="-35556"/>
+                </a:stretch>
+              </a:blipFill>
+            </p:spPr>
+            <p:txBody>
+              <a:bodyPr/>
+              <a:lstStyle/>
+              <a:p>
+                <a:r>
+                  <a:rPr lang="fr-FR">
+                    <a:noFill/>
+                  </a:rPr>
+                  <a:t> </a:t>
+                </a:r>
+              </a:p>
+            </p:txBody>
+          </p:sp>
+        </mc:Fallback>
+      </mc:AlternateContent>
+      <p:cxnSp>
+        <p:nvCxnSpPr>
+          <p:cNvPr id="87" name="Connecteur droit 86">
+            <a:extLst>
+              <a:ext uri="{FF2B5EF4-FFF2-40B4-BE49-F238E27FC236}">
+                <a16:creationId xmlns:a16="http://schemas.microsoft.com/office/drawing/2014/main" id="{E6C40958-A8CC-48C5-A0E2-8D4CF3E9834F}"/>
+              </a:ext>
+            </a:extLst>
+          </p:cNvPr>
+          <p:cNvCxnSpPr>
+            <a:cxnSpLocks/>
+          </p:cNvCxnSpPr>
+          <p:nvPr/>
+        </p:nvCxnSpPr>
+        <p:spPr>
+          <a:xfrm flipV="1">
+            <a:off x="4856479" y="4276890"/>
+            <a:ext cx="0" cy="730446"/>
+          </a:xfrm>
+          <a:prstGeom prst="line">
+            <a:avLst/>
+          </a:prstGeom>
+          <a:solidFill>
+            <a:schemeClr val="bg1"/>
+          </a:solidFill>
+          <a:ln w="12700">
+            <a:solidFill>
+              <a:schemeClr val="accent2">
+                <a:lumMod val="50000"/>
+              </a:schemeClr>
+            </a:solidFill>
+          </a:ln>
+        </p:spPr>
+        <p:style>
+          <a:lnRef idx="2">
+            <a:schemeClr val="accent1">
+              <a:shade val="50000"/>
+            </a:schemeClr>
+          </a:lnRef>
+          <a:fillRef idx="1">
+            <a:schemeClr val="accent1"/>
+          </a:fillRef>
+          <a:effectRef idx="0">
+            <a:schemeClr val="accent1"/>
+          </a:effectRef>
+          <a:fontRef idx="minor">
+            <a:schemeClr val="lt1"/>
+          </a:fontRef>
+        </p:style>
+      </p:cxnSp>
+      <mc:AlternateContent xmlns:mc="http://schemas.openxmlformats.org/markup-compatibility/2006">
+        <mc:Choice xmlns:a14="http://schemas.microsoft.com/office/drawing/2010/main" Requires="a14">
+          <p:sp>
+            <p:nvSpPr>
+              <p:cNvPr id="88" name="ZoneTexte 87">
+                <a:extLst>
+                  <a:ext uri="{FF2B5EF4-FFF2-40B4-BE49-F238E27FC236}">
+                    <a16:creationId xmlns:a16="http://schemas.microsoft.com/office/drawing/2014/main" id="{F89CEBDB-4CA4-411C-8D91-BDB10EC473AF}"/>
+                  </a:ext>
+                </a:extLst>
+              </p:cNvPr>
+              <p:cNvSpPr txBox="1"/>
+              <p:nvPr/>
+            </p:nvSpPr>
+            <p:spPr>
+              <a:xfrm>
+                <a:off x="4726315" y="5070696"/>
+                <a:ext cx="260328" cy="276999"/>
+              </a:xfrm>
+              <a:prstGeom prst="rect">
+                <a:avLst/>
+              </a:prstGeom>
+              <a:noFill/>
+            </p:spPr>
+            <p:txBody>
+              <a:bodyPr wrap="none" lIns="0" tIns="0" rIns="0" bIns="0" rtlCol="0">
+                <a:spAutoFit/>
+              </a:bodyPr>
+              <a:lstStyle/>
+              <a:p>
+                <a14:m>
+                  <m:oMathPara xmlns:m="http://schemas.openxmlformats.org/officeDocument/2006/math">
+                    <m:oMathParaPr>
+                      <m:jc m:val="centerGroup"/>
+                    </m:oMathParaPr>
+                    <m:oMath xmlns:m="http://schemas.openxmlformats.org/officeDocument/2006/math">
+                      <m:sSub>
+                        <m:sSubPr>
+                          <m:ctrlPr>
+                            <a:rPr lang="fr-FR" b="0" i="1" smtClean="0">
+                              <a:latin typeface="Cambria Math" panose="02040503050406030204" pitchFamily="18" charset="0"/>
+                            </a:rPr>
+                          </m:ctrlPr>
+                        </m:sSubPr>
+                        <m:e>
+                          <m:r>
+                            <a:rPr lang="fr-FR" b="0" i="1" smtClean="0">
+                              <a:latin typeface="Cambria Math" panose="02040503050406030204" pitchFamily="18" charset="0"/>
+                            </a:rPr>
+                            <m:t>𝑡</m:t>
+                          </m:r>
+                        </m:e>
+                        <m:sub>
+                          <m:r>
+                            <a:rPr lang="fr-FR" b="0" i="1" smtClean="0">
+                              <a:latin typeface="Cambria Math" panose="02040503050406030204" pitchFamily="18" charset="0"/>
+                            </a:rPr>
+                            <m:t>𝑎</m:t>
+                          </m:r>
+                        </m:sub>
+                      </m:sSub>
+                    </m:oMath>
+                  </m:oMathPara>
+                </a14:m>
+                <a:endParaRPr lang="fr-FR" dirty="0"/>
+              </a:p>
+            </p:txBody>
+          </p:sp>
+        </mc:Choice>
+        <mc:Fallback>
+          <p:sp>
+            <p:nvSpPr>
+              <p:cNvPr id="88" name="ZoneTexte 87">
+                <a:extLst>
+                  <a:ext uri="{FF2B5EF4-FFF2-40B4-BE49-F238E27FC236}">
+                    <a16:creationId xmlns:a16="http://schemas.microsoft.com/office/drawing/2014/main" id="{F89CEBDB-4CA4-411C-8D91-BDB10EC473AF}"/>
+                  </a:ext>
+                </a:extLst>
+              </p:cNvPr>
+              <p:cNvSpPr txBox="1">
+                <a:spLocks noRot="1" noChangeAspect="1" noMove="1" noResize="1" noEditPoints="1" noAdjustHandles="1" noChangeArrowheads="1" noChangeShapeType="1" noTextEdit="1"/>
+              </p:cNvSpPr>
+              <p:nvPr/>
+            </p:nvSpPr>
+            <p:spPr>
+              <a:xfrm>
+                <a:off x="4726315" y="5070696"/>
+                <a:ext cx="260328" cy="276999"/>
+              </a:xfrm>
+              <a:prstGeom prst="rect">
+                <a:avLst/>
+              </a:prstGeom>
+              <a:blipFill>
+                <a:blip r:embed="rId10"/>
+                <a:stretch>
+                  <a:fillRect l="-18605" b="-11111"/>
+                </a:stretch>
+              </a:blipFill>
+            </p:spPr>
+            <p:txBody>
+              <a:bodyPr/>
+              <a:lstStyle/>
+              <a:p>
+                <a:r>
+                  <a:rPr lang="fr-FR">
+                    <a:noFill/>
+                  </a:rPr>
+                  <a:t> </a:t>
+                </a:r>
+              </a:p>
+            </p:txBody>
+          </p:sp>
+        </mc:Fallback>
+      </mc:AlternateContent>
+      <p:cxnSp>
+        <p:nvCxnSpPr>
+          <p:cNvPr id="89" name="Connecteur droit 88">
+            <a:extLst>
+              <a:ext uri="{FF2B5EF4-FFF2-40B4-BE49-F238E27FC236}">
+                <a16:creationId xmlns:a16="http://schemas.microsoft.com/office/drawing/2014/main" id="{23199AB0-0D0D-4C3E-B3F8-2CD11EF4C19A}"/>
+              </a:ext>
+            </a:extLst>
+          </p:cNvPr>
+          <p:cNvCxnSpPr>
+            <a:cxnSpLocks/>
+          </p:cNvCxnSpPr>
+          <p:nvPr/>
+        </p:nvCxnSpPr>
+        <p:spPr>
+          <a:xfrm flipV="1">
+            <a:off x="6319520" y="4276890"/>
+            <a:ext cx="0" cy="730446"/>
+          </a:xfrm>
+          <a:prstGeom prst="line">
+            <a:avLst/>
+          </a:prstGeom>
+          <a:solidFill>
+            <a:schemeClr val="bg1"/>
+          </a:solidFill>
+          <a:ln w="12700">
+            <a:solidFill>
+              <a:schemeClr val="accent2">
+                <a:lumMod val="50000"/>
+              </a:schemeClr>
+            </a:solidFill>
+          </a:ln>
+        </p:spPr>
+        <p:style>
+          <a:lnRef idx="2">
+            <a:schemeClr val="accent1">
+              <a:shade val="50000"/>
+            </a:schemeClr>
+          </a:lnRef>
+          <a:fillRef idx="1">
+            <a:schemeClr val="accent1"/>
+          </a:fillRef>
+          <a:effectRef idx="0">
+            <a:schemeClr val="accent1"/>
+          </a:effectRef>
+          <a:fontRef idx="minor">
+            <a:schemeClr val="lt1"/>
+          </a:fontRef>
+        </p:style>
+      </p:cxnSp>
+      <p:cxnSp>
+        <p:nvCxnSpPr>
+          <p:cNvPr id="90" name="Connecteur droit 89">
+            <a:extLst>
+              <a:ext uri="{FF2B5EF4-FFF2-40B4-BE49-F238E27FC236}">
+                <a16:creationId xmlns:a16="http://schemas.microsoft.com/office/drawing/2014/main" id="{F012B50F-7B31-452F-911C-E5E38A9A6B07}"/>
+              </a:ext>
+            </a:extLst>
+          </p:cNvPr>
+          <p:cNvCxnSpPr>
+            <a:cxnSpLocks/>
+          </p:cNvCxnSpPr>
+          <p:nvPr/>
+        </p:nvCxnSpPr>
+        <p:spPr>
+          <a:xfrm flipV="1">
+            <a:off x="6214756" y="5007336"/>
+            <a:ext cx="104764" cy="63360"/>
+          </a:xfrm>
+          <a:prstGeom prst="line">
+            <a:avLst/>
+          </a:prstGeom>
+          <a:solidFill>
+            <a:schemeClr val="bg1"/>
+          </a:solidFill>
+          <a:ln w="12700">
+            <a:solidFill>
+              <a:schemeClr val="accent2">
+                <a:lumMod val="50000"/>
+              </a:schemeClr>
+            </a:solidFill>
+          </a:ln>
+        </p:spPr>
+        <p:style>
+          <a:lnRef idx="2">
+            <a:schemeClr val="accent1">
+              <a:shade val="50000"/>
+            </a:schemeClr>
+          </a:lnRef>
+          <a:fillRef idx="1">
+            <a:schemeClr val="accent1"/>
+          </a:fillRef>
+          <a:effectRef idx="0">
+            <a:schemeClr val="accent1"/>
+          </a:effectRef>
+          <a:fontRef idx="minor">
+            <a:schemeClr val="lt1"/>
+          </a:fontRef>
+        </p:style>
+      </p:cxnSp>
+      <mc:AlternateContent xmlns:mc="http://schemas.openxmlformats.org/markup-compatibility/2006">
+        <mc:Choice xmlns:a14="http://schemas.microsoft.com/office/drawing/2010/main" Requires="a14">
+          <p:sp>
+            <p:nvSpPr>
+              <p:cNvPr id="91" name="ZoneTexte 90">
+                <a:extLst>
+                  <a:ext uri="{FF2B5EF4-FFF2-40B4-BE49-F238E27FC236}">
+                    <a16:creationId xmlns:a16="http://schemas.microsoft.com/office/drawing/2014/main" id="{F1D9A4DF-D914-46B8-92A9-F658C4A4D190}"/>
+                  </a:ext>
+                </a:extLst>
+              </p:cNvPr>
+              <p:cNvSpPr txBox="1"/>
+              <p:nvPr/>
+            </p:nvSpPr>
+            <p:spPr>
+              <a:xfrm>
+                <a:off x="6319520" y="5079604"/>
+                <a:ext cx="260328" cy="276999"/>
+              </a:xfrm>
+              <a:prstGeom prst="rect">
+                <a:avLst/>
+              </a:prstGeom>
+              <a:noFill/>
+            </p:spPr>
+            <p:txBody>
+              <a:bodyPr wrap="none" lIns="0" tIns="0" rIns="0" bIns="0" rtlCol="0">
+                <a:spAutoFit/>
+              </a:bodyPr>
+              <a:lstStyle/>
+              <a:p>
+                <a14:m>
+                  <m:oMathPara xmlns:m="http://schemas.openxmlformats.org/officeDocument/2006/math">
+                    <m:oMathParaPr>
+                      <m:jc m:val="centerGroup"/>
+                    </m:oMathParaPr>
+                    <m:oMath xmlns:m="http://schemas.openxmlformats.org/officeDocument/2006/math">
+                      <m:sSub>
+                        <m:sSubPr>
+                          <m:ctrlPr>
+                            <a:rPr lang="fr-FR" b="0" i="1" smtClean="0">
+                              <a:latin typeface="Cambria Math" panose="02040503050406030204" pitchFamily="18" charset="0"/>
+                            </a:rPr>
+                          </m:ctrlPr>
+                        </m:sSubPr>
+                        <m:e>
+                          <m:r>
+                            <a:rPr lang="fr-FR" b="0" i="1" smtClean="0">
+                              <a:latin typeface="Cambria Math" panose="02040503050406030204" pitchFamily="18" charset="0"/>
+                            </a:rPr>
+                            <m:t>𝑡</m:t>
+                          </m:r>
+                        </m:e>
+                        <m:sub>
+                          <m:r>
+                            <a:rPr lang="fr-FR" b="0" i="1" smtClean="0">
+                              <a:latin typeface="Cambria Math" panose="02040503050406030204" pitchFamily="18" charset="0"/>
+                            </a:rPr>
+                            <m:t>𝑎</m:t>
+                          </m:r>
+                        </m:sub>
+                      </m:sSub>
+                    </m:oMath>
+                  </m:oMathPara>
+                </a14:m>
+                <a:endParaRPr lang="fr-FR" dirty="0"/>
+              </a:p>
+            </p:txBody>
+          </p:sp>
+        </mc:Choice>
+        <mc:Fallback>
+          <p:sp>
+            <p:nvSpPr>
+              <p:cNvPr id="91" name="ZoneTexte 90">
+                <a:extLst>
+                  <a:ext uri="{FF2B5EF4-FFF2-40B4-BE49-F238E27FC236}">
+                    <a16:creationId xmlns:a16="http://schemas.microsoft.com/office/drawing/2014/main" id="{F1D9A4DF-D914-46B8-92A9-F658C4A4D190}"/>
+                  </a:ext>
+                </a:extLst>
+              </p:cNvPr>
+              <p:cNvSpPr txBox="1">
+                <a:spLocks noRot="1" noChangeAspect="1" noMove="1" noResize="1" noEditPoints="1" noAdjustHandles="1" noChangeArrowheads="1" noChangeShapeType="1" noTextEdit="1"/>
+              </p:cNvSpPr>
+              <p:nvPr/>
+            </p:nvSpPr>
+            <p:spPr>
+              <a:xfrm>
+                <a:off x="6319520" y="5079604"/>
+                <a:ext cx="260328" cy="276999"/>
+              </a:xfrm>
+              <a:prstGeom prst="rect">
+                <a:avLst/>
+              </a:prstGeom>
+              <a:blipFill>
+                <a:blip r:embed="rId11"/>
+                <a:stretch>
+                  <a:fillRect l="-21429" b="-10870"/>
+                </a:stretch>
+              </a:blipFill>
+            </p:spPr>
+            <p:txBody>
+              <a:bodyPr/>
+              <a:lstStyle/>
+              <a:p>
+                <a:r>
+                  <a:rPr lang="fr-FR">
+                    <a:noFill/>
+                  </a:rPr>
+                  <a:t> </a:t>
+                </a:r>
+              </a:p>
+            </p:txBody>
+          </p:sp>
+        </mc:Fallback>
+      </mc:AlternateContent>
+      <p:cxnSp>
+        <p:nvCxnSpPr>
+          <p:cNvPr id="92" name="Connecteur droit 91">
+            <a:extLst>
+              <a:ext uri="{FF2B5EF4-FFF2-40B4-BE49-F238E27FC236}">
+                <a16:creationId xmlns:a16="http://schemas.microsoft.com/office/drawing/2014/main" id="{43AFC346-FC46-4E50-AECD-E3903AC4520E}"/>
+              </a:ext>
+            </a:extLst>
+          </p:cNvPr>
+          <p:cNvCxnSpPr>
+            <a:cxnSpLocks/>
+          </p:cNvCxnSpPr>
+          <p:nvPr/>
+        </p:nvCxnSpPr>
+        <p:spPr>
+          <a:xfrm flipH="1" flipV="1">
+            <a:off x="6536689" y="4998453"/>
+            <a:ext cx="83848" cy="63360"/>
+          </a:xfrm>
+          <a:prstGeom prst="line">
+            <a:avLst/>
+          </a:prstGeom>
+          <a:solidFill>
+            <a:schemeClr val="bg1"/>
+          </a:solidFill>
+          <a:ln w="12700">
+            <a:solidFill>
+              <a:schemeClr val="accent2">
+                <a:lumMod val="50000"/>
+              </a:schemeClr>
+            </a:solidFill>
+          </a:ln>
+        </p:spPr>
+        <p:style>
+          <a:lnRef idx="2">
+            <a:schemeClr val="accent1">
+              <a:shade val="50000"/>
+            </a:schemeClr>
+          </a:lnRef>
+          <a:fillRef idx="1">
+            <a:schemeClr val="accent1"/>
+          </a:fillRef>
+          <a:effectRef idx="0">
+            <a:schemeClr val="accent1"/>
+          </a:effectRef>
+          <a:fontRef idx="minor">
+            <a:schemeClr val="lt1"/>
+          </a:fontRef>
+        </p:style>
+      </p:cxnSp>
+      <p:cxnSp>
+        <p:nvCxnSpPr>
+          <p:cNvPr id="93" name="Connecteur droit 92">
+            <a:extLst>
+              <a:ext uri="{FF2B5EF4-FFF2-40B4-BE49-F238E27FC236}">
+                <a16:creationId xmlns:a16="http://schemas.microsoft.com/office/drawing/2014/main" id="{834B64B1-4078-4EDB-85D5-9B117573BF66}"/>
+              </a:ext>
+            </a:extLst>
+          </p:cNvPr>
+          <p:cNvCxnSpPr>
+            <a:cxnSpLocks/>
+          </p:cNvCxnSpPr>
+          <p:nvPr/>
+        </p:nvCxnSpPr>
+        <p:spPr>
+          <a:xfrm flipV="1">
+            <a:off x="6620537" y="5061813"/>
+            <a:ext cx="0" cy="120706"/>
+          </a:xfrm>
+          <a:prstGeom prst="line">
+            <a:avLst/>
+          </a:prstGeom>
+          <a:solidFill>
+            <a:schemeClr val="bg1"/>
+          </a:solidFill>
+          <a:ln w="12700">
+            <a:solidFill>
+              <a:schemeClr val="accent2">
+                <a:lumMod val="50000"/>
+              </a:schemeClr>
+            </a:solidFill>
+          </a:ln>
+        </p:spPr>
+        <p:style>
+          <a:lnRef idx="2">
+            <a:schemeClr val="accent1">
+              <a:shade val="50000"/>
+            </a:schemeClr>
+          </a:lnRef>
+          <a:fillRef idx="1">
+            <a:schemeClr val="accent1"/>
+          </a:fillRef>
+          <a:effectRef idx="0">
+            <a:schemeClr val="accent1"/>
+          </a:effectRef>
+          <a:fontRef idx="minor">
+            <a:schemeClr val="lt1"/>
+          </a:fontRef>
+        </p:style>
+      </p:cxnSp>
+      <p:cxnSp>
+        <p:nvCxnSpPr>
+          <p:cNvPr id="94" name="Connecteur droit 93">
+            <a:extLst>
+              <a:ext uri="{FF2B5EF4-FFF2-40B4-BE49-F238E27FC236}">
+                <a16:creationId xmlns:a16="http://schemas.microsoft.com/office/drawing/2014/main" id="{CF04C099-E420-451C-A132-E8D6DBF2E105}"/>
+              </a:ext>
+            </a:extLst>
+          </p:cNvPr>
+          <p:cNvCxnSpPr>
+            <a:cxnSpLocks/>
+          </p:cNvCxnSpPr>
+          <p:nvPr/>
+        </p:nvCxnSpPr>
+        <p:spPr>
+          <a:xfrm flipV="1">
+            <a:off x="6214756" y="5070697"/>
+            <a:ext cx="0" cy="120706"/>
+          </a:xfrm>
+          <a:prstGeom prst="line">
+            <a:avLst/>
+          </a:prstGeom>
+          <a:solidFill>
+            <a:schemeClr val="bg1"/>
+          </a:solidFill>
+          <a:ln w="12700">
+            <a:solidFill>
+              <a:schemeClr val="accent2">
+                <a:lumMod val="50000"/>
+              </a:schemeClr>
+            </a:solidFill>
+          </a:ln>
+        </p:spPr>
+        <p:style>
+          <a:lnRef idx="2">
+            <a:schemeClr val="accent1">
+              <a:shade val="50000"/>
+            </a:schemeClr>
+          </a:lnRef>
+          <a:fillRef idx="1">
+            <a:schemeClr val="accent1"/>
+          </a:fillRef>
+          <a:effectRef idx="0">
+            <a:schemeClr val="accent1"/>
+          </a:effectRef>
+          <a:fontRef idx="minor">
+            <a:schemeClr val="lt1"/>
+          </a:fontRef>
+        </p:style>
+      </p:cxnSp>
+      <p:cxnSp>
+        <p:nvCxnSpPr>
+          <p:cNvPr id="95" name="Connecteur droit 94">
+            <a:extLst>
+              <a:ext uri="{FF2B5EF4-FFF2-40B4-BE49-F238E27FC236}">
+                <a16:creationId xmlns:a16="http://schemas.microsoft.com/office/drawing/2014/main" id="{A1212726-942B-422C-AC83-616C0A2A4A40}"/>
+              </a:ext>
+            </a:extLst>
+          </p:cNvPr>
+          <p:cNvCxnSpPr>
+            <a:cxnSpLocks/>
+          </p:cNvCxnSpPr>
+          <p:nvPr/>
+        </p:nvCxnSpPr>
+        <p:spPr>
+          <a:xfrm flipH="1">
+            <a:off x="6214756" y="5122166"/>
+            <a:ext cx="405781" cy="1"/>
+          </a:xfrm>
+          <a:prstGeom prst="line">
+            <a:avLst/>
+          </a:prstGeom>
+          <a:solidFill>
+            <a:schemeClr val="bg1"/>
+          </a:solidFill>
+          <a:ln w="12700">
+            <a:solidFill>
+              <a:schemeClr val="accent2">
+                <a:lumMod val="50000"/>
+              </a:schemeClr>
+            </a:solidFill>
+            <a:headEnd type="stealth" w="sm" len="lg"/>
+            <a:tailEnd type="stealth" w="sm" len="lg"/>
+          </a:ln>
+        </p:spPr>
+        <p:style>
+          <a:lnRef idx="2">
+            <a:schemeClr val="accent1">
+              <a:shade val="50000"/>
+            </a:schemeClr>
+          </a:lnRef>
+          <a:fillRef idx="1">
+            <a:schemeClr val="accent1"/>
+          </a:fillRef>
+          <a:effectRef idx="0">
+            <a:schemeClr val="accent1"/>
+          </a:effectRef>
+          <a:fontRef idx="minor">
+            <a:schemeClr val="lt1"/>
+          </a:fontRef>
+        </p:style>
+      </p:cxnSp>
+      <p:cxnSp>
+        <p:nvCxnSpPr>
+          <p:cNvPr id="97" name="Connecteur droit 96">
+            <a:extLst>
+              <a:ext uri="{FF2B5EF4-FFF2-40B4-BE49-F238E27FC236}">
+                <a16:creationId xmlns:a16="http://schemas.microsoft.com/office/drawing/2014/main" id="{BFCE60D4-C1C7-4A39-8882-1540257FC544}"/>
+              </a:ext>
+            </a:extLst>
+          </p:cNvPr>
+          <p:cNvCxnSpPr>
+            <a:cxnSpLocks/>
+          </p:cNvCxnSpPr>
+          <p:nvPr/>
+        </p:nvCxnSpPr>
+        <p:spPr>
+          <a:xfrm flipV="1">
+            <a:off x="6536690" y="4159421"/>
+            <a:ext cx="0" cy="847915"/>
+          </a:xfrm>
+          <a:prstGeom prst="line">
+            <a:avLst/>
+          </a:prstGeom>
+          <a:solidFill>
+            <a:schemeClr val="bg1"/>
+          </a:solidFill>
+          <a:ln w="12700">
+            <a:solidFill>
+              <a:schemeClr val="accent2">
+                <a:lumMod val="50000"/>
+              </a:schemeClr>
+            </a:solidFill>
+          </a:ln>
+        </p:spPr>
+        <p:style>
+          <a:lnRef idx="2">
+            <a:schemeClr val="accent1">
+              <a:shade val="50000"/>
+            </a:schemeClr>
+          </a:lnRef>
+          <a:fillRef idx="1">
+            <a:schemeClr val="accent1"/>
+          </a:fillRef>
+          <a:effectRef idx="0">
+            <a:schemeClr val="accent1"/>
+          </a:effectRef>
+          <a:fontRef idx="minor">
+            <a:schemeClr val="lt1"/>
+          </a:fontRef>
+        </p:style>
+      </p:cxnSp>
+      <p:cxnSp>
+        <p:nvCxnSpPr>
+          <p:cNvPr id="103" name="Connecteur droit 102">
+            <a:extLst>
+              <a:ext uri="{FF2B5EF4-FFF2-40B4-BE49-F238E27FC236}">
+                <a16:creationId xmlns:a16="http://schemas.microsoft.com/office/drawing/2014/main" id="{82E5625D-8994-4BF5-A0CA-6AD3F3F62DD8}"/>
+              </a:ext>
+            </a:extLst>
+          </p:cNvPr>
+          <p:cNvCxnSpPr>
+            <a:cxnSpLocks/>
+          </p:cNvCxnSpPr>
+          <p:nvPr/>
+        </p:nvCxnSpPr>
+        <p:spPr>
+          <a:xfrm flipV="1">
+            <a:off x="4853005" y="4483831"/>
+            <a:ext cx="1469988" cy="455664"/>
+          </a:xfrm>
+          <a:prstGeom prst="line">
+            <a:avLst/>
+          </a:prstGeom>
+          <a:solidFill>
+            <a:schemeClr val="bg1"/>
+          </a:solidFill>
+          <a:ln w="28575">
+            <a:solidFill>
+              <a:schemeClr val="accent2">
+                <a:lumMod val="50000"/>
+              </a:schemeClr>
+            </a:solidFill>
+          </a:ln>
+        </p:spPr>
+        <p:style>
+          <a:lnRef idx="2">
+            <a:schemeClr val="accent1">
+              <a:shade val="50000"/>
+            </a:schemeClr>
+          </a:lnRef>
+          <a:fillRef idx="1">
+            <a:schemeClr val="accent1"/>
+          </a:fillRef>
+          <a:effectRef idx="0">
+            <a:schemeClr val="accent1"/>
+          </a:effectRef>
+          <a:fontRef idx="minor">
+            <a:schemeClr val="lt1"/>
+          </a:fontRef>
+        </p:style>
+      </p:cxnSp>
+      <p:sp>
+        <p:nvSpPr>
+          <p:cNvPr id="107" name="Forme libre : forme 106">
+            <a:extLst>
+              <a:ext uri="{FF2B5EF4-FFF2-40B4-BE49-F238E27FC236}">
+                <a16:creationId xmlns:a16="http://schemas.microsoft.com/office/drawing/2014/main" id="{49A5BDE1-8B32-46C7-AFBE-27B2327C7E60}"/>
+              </a:ext>
+            </a:extLst>
+          </p:cNvPr>
+          <p:cNvSpPr/>
+          <p:nvPr/>
+        </p:nvSpPr>
+        <p:spPr>
+          <a:xfrm>
+            <a:off x="4661704" y="4943950"/>
+            <a:ext cx="193876" cy="54504"/>
+          </a:xfrm>
+          <a:custGeom>
+            <a:avLst/>
+            <a:gdLst>
+              <a:gd name="connsiteX0" fmla="*/ 0 w 193876"/>
+              <a:gd name="connsiteY0" fmla="*/ 95491 h 95491"/>
+              <a:gd name="connsiteX1" fmla="*/ 193876 w 193876"/>
+              <a:gd name="connsiteY1" fmla="*/ 0 h 95491"/>
+              <a:gd name="connsiteX2" fmla="*/ 193876 w 193876"/>
+              <a:gd name="connsiteY2" fmla="*/ 0 h 95491"/>
+              <a:gd name="connsiteX0" fmla="*/ 0 w 193876"/>
+              <a:gd name="connsiteY0" fmla="*/ 95491 h 95491"/>
+              <a:gd name="connsiteX1" fmla="*/ 193876 w 193876"/>
+              <a:gd name="connsiteY1" fmla="*/ 0 h 95491"/>
+              <a:gd name="connsiteX2" fmla="*/ 193876 w 193876"/>
+              <a:gd name="connsiteY2" fmla="*/ 0 h 95491"/>
+              <a:gd name="connsiteX0" fmla="*/ 0 w 193876"/>
+              <a:gd name="connsiteY0" fmla="*/ 95491 h 95491"/>
+              <a:gd name="connsiteX1" fmla="*/ 193876 w 193876"/>
+              <a:gd name="connsiteY1" fmla="*/ 0 h 95491"/>
+              <a:gd name="connsiteX2" fmla="*/ 193876 w 193876"/>
+              <a:gd name="connsiteY2" fmla="*/ 0 h 95491"/>
+              <a:gd name="connsiteX0" fmla="*/ 0 w 193876"/>
+              <a:gd name="connsiteY0" fmla="*/ 95491 h 95491"/>
+              <a:gd name="connsiteX1" fmla="*/ 193876 w 193876"/>
+              <a:gd name="connsiteY1" fmla="*/ 0 h 95491"/>
+              <a:gd name="connsiteX2" fmla="*/ 193876 w 193876"/>
+              <a:gd name="connsiteY2" fmla="*/ 0 h 95491"/>
+              <a:gd name="connsiteX0" fmla="*/ 0 w 193876"/>
+              <a:gd name="connsiteY0" fmla="*/ 95491 h 95491"/>
+              <a:gd name="connsiteX1" fmla="*/ 193876 w 193876"/>
+              <a:gd name="connsiteY1" fmla="*/ 0 h 95491"/>
+              <a:gd name="connsiteX2" fmla="*/ 193876 w 193876"/>
+              <a:gd name="connsiteY2" fmla="*/ 0 h 95491"/>
+              <a:gd name="connsiteX0" fmla="*/ 0 w 193876"/>
+              <a:gd name="connsiteY0" fmla="*/ 95491 h 95491"/>
+              <a:gd name="connsiteX1" fmla="*/ 193876 w 193876"/>
+              <a:gd name="connsiteY1" fmla="*/ 0 h 95491"/>
+              <a:gd name="connsiteX2" fmla="*/ 193876 w 193876"/>
+              <a:gd name="connsiteY2" fmla="*/ 0 h 95491"/>
+              <a:gd name="connsiteX0" fmla="*/ 0 w 193876"/>
+              <a:gd name="connsiteY0" fmla="*/ 95491 h 95491"/>
+              <a:gd name="connsiteX1" fmla="*/ 193876 w 193876"/>
+              <a:gd name="connsiteY1" fmla="*/ 0 h 95491"/>
+              <a:gd name="connsiteX2" fmla="*/ 193876 w 193876"/>
+              <a:gd name="connsiteY2" fmla="*/ 0 h 95491"/>
+            </a:gdLst>
+            <a:ahLst/>
+            <a:cxnLst>
+              <a:cxn ang="0">
+                <a:pos x="connsiteX0" y="connsiteY0"/>
+              </a:cxn>
+              <a:cxn ang="0">
+                <a:pos x="connsiteX1" y="connsiteY1"/>
+              </a:cxn>
+              <a:cxn ang="0">
+                <a:pos x="connsiteX2" y="connsiteY2"/>
+              </a:cxn>
+            </a:cxnLst>
+            <a:rect l="l" t="t" r="r" b="b"/>
+            <a:pathLst>
+              <a:path w="193876" h="95491">
+                <a:moveTo>
+                  <a:pt x="0" y="95491"/>
+                </a:moveTo>
+                <a:cubicBezTo>
+                  <a:pt x="142111" y="87654"/>
+                  <a:pt x="138776" y="42944"/>
+                  <a:pt x="193876" y="0"/>
+                </a:cubicBezTo>
+                <a:lnTo>
+                  <a:pt x="193876" y="0"/>
+                </a:lnTo>
+              </a:path>
+            </a:pathLst>
+          </a:custGeom>
+          <a:solidFill>
+            <a:schemeClr val="bg1"/>
+          </a:solidFill>
+          <a:ln w="28575">
+            <a:solidFill>
+              <a:schemeClr val="accent2">
+                <a:lumMod val="50000"/>
+              </a:schemeClr>
+            </a:solidFill>
+          </a:ln>
+        </p:spPr>
+        <p:style>
+          <a:lnRef idx="2">
+            <a:schemeClr val="accent1">
+              <a:shade val="50000"/>
+            </a:schemeClr>
+          </a:lnRef>
+          <a:fillRef idx="1">
+            <a:schemeClr val="accent1"/>
+          </a:fillRef>
+          <a:effectRef idx="0">
+            <a:schemeClr val="accent1"/>
+          </a:effectRef>
+          <a:fontRef idx="minor">
+            <a:schemeClr val="lt1"/>
+          </a:fontRef>
+        </p:style>
+        <p:txBody>
+          <a:bodyPr rtlCol="0" anchor="ctr"/>
+          <a:lstStyle/>
+          <a:p>
+            <a:pPr algn="ctr"/>
+            <a:endParaRPr lang="fr-FR" dirty="0"/>
+          </a:p>
+        </p:txBody>
+      </p:sp>
+      <p:sp>
+        <p:nvSpPr>
+          <p:cNvPr id="109" name="Forme libre : forme 108">
+            <a:extLst>
+              <a:ext uri="{FF2B5EF4-FFF2-40B4-BE49-F238E27FC236}">
+                <a16:creationId xmlns:a16="http://schemas.microsoft.com/office/drawing/2014/main" id="{16E44C2A-E344-44B5-BEA2-81561B290D4C}"/>
+              </a:ext>
+            </a:extLst>
+          </p:cNvPr>
+          <p:cNvSpPr/>
+          <p:nvPr/>
+        </p:nvSpPr>
+        <p:spPr>
+          <a:xfrm flipH="1" flipV="1">
+            <a:off x="6316525" y="4442112"/>
+            <a:ext cx="220164" cy="45719"/>
+          </a:xfrm>
+          <a:custGeom>
+            <a:avLst/>
+            <a:gdLst>
+              <a:gd name="connsiteX0" fmla="*/ 0 w 193876"/>
+              <a:gd name="connsiteY0" fmla="*/ 95491 h 95491"/>
+              <a:gd name="connsiteX1" fmla="*/ 193876 w 193876"/>
+              <a:gd name="connsiteY1" fmla="*/ 0 h 95491"/>
+              <a:gd name="connsiteX2" fmla="*/ 193876 w 193876"/>
+              <a:gd name="connsiteY2" fmla="*/ 0 h 95491"/>
+              <a:gd name="connsiteX0" fmla="*/ 0 w 193876"/>
+              <a:gd name="connsiteY0" fmla="*/ 95491 h 95491"/>
+              <a:gd name="connsiteX1" fmla="*/ 193876 w 193876"/>
+              <a:gd name="connsiteY1" fmla="*/ 0 h 95491"/>
+              <a:gd name="connsiteX2" fmla="*/ 193876 w 193876"/>
+              <a:gd name="connsiteY2" fmla="*/ 0 h 95491"/>
+              <a:gd name="connsiteX0" fmla="*/ 0 w 193876"/>
+              <a:gd name="connsiteY0" fmla="*/ 95491 h 95491"/>
+              <a:gd name="connsiteX1" fmla="*/ 193876 w 193876"/>
+              <a:gd name="connsiteY1" fmla="*/ 0 h 95491"/>
+              <a:gd name="connsiteX2" fmla="*/ 193876 w 193876"/>
+              <a:gd name="connsiteY2" fmla="*/ 0 h 95491"/>
+              <a:gd name="connsiteX0" fmla="*/ 0 w 193876"/>
+              <a:gd name="connsiteY0" fmla="*/ 95491 h 95491"/>
+              <a:gd name="connsiteX1" fmla="*/ 193876 w 193876"/>
+              <a:gd name="connsiteY1" fmla="*/ 0 h 95491"/>
+              <a:gd name="connsiteX2" fmla="*/ 193876 w 193876"/>
+              <a:gd name="connsiteY2" fmla="*/ 0 h 95491"/>
+              <a:gd name="connsiteX0" fmla="*/ 0 w 193876"/>
+              <a:gd name="connsiteY0" fmla="*/ 95491 h 95491"/>
+              <a:gd name="connsiteX1" fmla="*/ 193876 w 193876"/>
+              <a:gd name="connsiteY1" fmla="*/ 0 h 95491"/>
+              <a:gd name="connsiteX2" fmla="*/ 193876 w 193876"/>
+              <a:gd name="connsiteY2" fmla="*/ 0 h 95491"/>
+              <a:gd name="connsiteX0" fmla="*/ 0 w 193876"/>
+              <a:gd name="connsiteY0" fmla="*/ 95491 h 95491"/>
+              <a:gd name="connsiteX1" fmla="*/ 193876 w 193876"/>
+              <a:gd name="connsiteY1" fmla="*/ 0 h 95491"/>
+              <a:gd name="connsiteX2" fmla="*/ 193876 w 193876"/>
+              <a:gd name="connsiteY2" fmla="*/ 0 h 95491"/>
+              <a:gd name="connsiteX0" fmla="*/ 0 w 193876"/>
+              <a:gd name="connsiteY0" fmla="*/ 95491 h 95491"/>
+              <a:gd name="connsiteX1" fmla="*/ 193876 w 193876"/>
+              <a:gd name="connsiteY1" fmla="*/ 0 h 95491"/>
+              <a:gd name="connsiteX2" fmla="*/ 193876 w 193876"/>
+              <a:gd name="connsiteY2" fmla="*/ 0 h 95491"/>
+            </a:gdLst>
+            <a:ahLst/>
+            <a:cxnLst>
+              <a:cxn ang="0">
+                <a:pos x="connsiteX0" y="connsiteY0"/>
+              </a:cxn>
+              <a:cxn ang="0">
+                <a:pos x="connsiteX1" y="connsiteY1"/>
+              </a:cxn>
+              <a:cxn ang="0">
+                <a:pos x="connsiteX2" y="connsiteY2"/>
+              </a:cxn>
+            </a:cxnLst>
+            <a:rect l="l" t="t" r="r" b="b"/>
+            <a:pathLst>
+              <a:path w="193876" h="95491">
+                <a:moveTo>
+                  <a:pt x="0" y="95491"/>
+                </a:moveTo>
+                <a:cubicBezTo>
+                  <a:pt x="142111" y="87654"/>
+                  <a:pt x="138776" y="42944"/>
+                  <a:pt x="193876" y="0"/>
+                </a:cubicBezTo>
+                <a:lnTo>
+                  <a:pt x="193876" y="0"/>
+                </a:lnTo>
+              </a:path>
+            </a:pathLst>
+          </a:custGeom>
+          <a:solidFill>
+            <a:schemeClr val="bg1"/>
+          </a:solidFill>
+          <a:ln w="28575">
+            <a:solidFill>
+              <a:schemeClr val="accent2">
+                <a:lumMod val="50000"/>
+              </a:schemeClr>
+            </a:solidFill>
+          </a:ln>
+        </p:spPr>
+        <p:style>
+          <a:lnRef idx="2">
+            <a:schemeClr val="accent1">
+              <a:shade val="50000"/>
+            </a:schemeClr>
+          </a:lnRef>
+          <a:fillRef idx="1">
+            <a:schemeClr val="accent1"/>
+          </a:fillRef>
+          <a:effectRef idx="0">
+            <a:schemeClr val="accent1"/>
+          </a:effectRef>
+          <a:fontRef idx="minor">
+            <a:schemeClr val="lt1"/>
+          </a:fontRef>
+        </p:style>
+        <p:txBody>
+          <a:bodyPr rtlCol="0" anchor="ctr"/>
+          <a:lstStyle/>
+          <a:p>
+            <a:pPr algn="ctr"/>
+            <a:endParaRPr lang="fr-FR" dirty="0"/>
+          </a:p>
+        </p:txBody>
+      </p:sp>
+    </p:spTree>
+    <p:extLst>
+      <p:ext uri="{BB962C8B-B14F-4D97-AF65-F5344CB8AC3E}">
+        <p14:creationId xmlns:p14="http://schemas.microsoft.com/office/powerpoint/2010/main" val="3582376392"/>
       </p:ext>
     </p:extLst>
   </p:cSld>

--- a/Chapitre_01_Energetique/Cy_06_01_Application_04_Mammographie/images/Figures.pptx
+++ b/Chapitre_01_Energetique/Cy_06_01_Application_04_Mammographie/images/Figures.pptx
@@ -6,8 +6,9 @@
   </p:sldMasterIdLst>
   <p:sldIdLst>
     <p:sldId id="256" r:id="rId2"/>
-    <p:sldId id="257" r:id="rId3"/>
-    <p:sldId id="258" r:id="rId4"/>
+    <p:sldId id="259" r:id="rId3"/>
+    <p:sldId id="257" r:id="rId4"/>
+    <p:sldId id="258" r:id="rId5"/>
   </p:sldIdLst>
   <p:sldSz cx="12192000" cy="6858000"/>
   <p:notesSz cx="6858000" cy="9144000"/>
@@ -261,7 +262,7 @@
           <a:p>
             <a:fld id="{AE586705-6A2C-477C-BCED-5CFA24B97EE3}" type="datetimeFigureOut">
               <a:rPr lang="fr-FR" smtClean="0"/>
-              <a:t>31/05/2020</a:t>
+              <a:t>01/06/2020</a:t>
             </a:fld>
             <a:endParaRPr lang="fr-FR"/>
           </a:p>
@@ -459,7 +460,7 @@
           <a:p>
             <a:fld id="{AE586705-6A2C-477C-BCED-5CFA24B97EE3}" type="datetimeFigureOut">
               <a:rPr lang="fr-FR" smtClean="0"/>
-              <a:t>31/05/2020</a:t>
+              <a:t>01/06/2020</a:t>
             </a:fld>
             <a:endParaRPr lang="fr-FR"/>
           </a:p>
@@ -667,7 +668,7 @@
           <a:p>
             <a:fld id="{AE586705-6A2C-477C-BCED-5CFA24B97EE3}" type="datetimeFigureOut">
               <a:rPr lang="fr-FR" smtClean="0"/>
-              <a:t>31/05/2020</a:t>
+              <a:t>01/06/2020</a:t>
             </a:fld>
             <a:endParaRPr lang="fr-FR"/>
           </a:p>
@@ -865,7 +866,7 @@
           <a:p>
             <a:fld id="{AE586705-6A2C-477C-BCED-5CFA24B97EE3}" type="datetimeFigureOut">
               <a:rPr lang="fr-FR" smtClean="0"/>
-              <a:t>31/05/2020</a:t>
+              <a:t>01/06/2020</a:t>
             </a:fld>
             <a:endParaRPr lang="fr-FR"/>
           </a:p>
@@ -1140,7 +1141,7 @@
           <a:p>
             <a:fld id="{AE586705-6A2C-477C-BCED-5CFA24B97EE3}" type="datetimeFigureOut">
               <a:rPr lang="fr-FR" smtClean="0"/>
-              <a:t>31/05/2020</a:t>
+              <a:t>01/06/2020</a:t>
             </a:fld>
             <a:endParaRPr lang="fr-FR"/>
           </a:p>
@@ -1405,7 +1406,7 @@
           <a:p>
             <a:fld id="{AE586705-6A2C-477C-BCED-5CFA24B97EE3}" type="datetimeFigureOut">
               <a:rPr lang="fr-FR" smtClean="0"/>
-              <a:t>31/05/2020</a:t>
+              <a:t>01/06/2020</a:t>
             </a:fld>
             <a:endParaRPr lang="fr-FR"/>
           </a:p>
@@ -1817,7 +1818,7 @@
           <a:p>
             <a:fld id="{AE586705-6A2C-477C-BCED-5CFA24B97EE3}" type="datetimeFigureOut">
               <a:rPr lang="fr-FR" smtClean="0"/>
-              <a:t>31/05/2020</a:t>
+              <a:t>01/06/2020</a:t>
             </a:fld>
             <a:endParaRPr lang="fr-FR"/>
           </a:p>
@@ -1958,7 +1959,7 @@
           <a:p>
             <a:fld id="{AE586705-6A2C-477C-BCED-5CFA24B97EE3}" type="datetimeFigureOut">
               <a:rPr lang="fr-FR" smtClean="0"/>
-              <a:t>31/05/2020</a:t>
+              <a:t>01/06/2020</a:t>
             </a:fld>
             <a:endParaRPr lang="fr-FR"/>
           </a:p>
@@ -2071,7 +2072,7 @@
           <a:p>
             <a:fld id="{AE586705-6A2C-477C-BCED-5CFA24B97EE3}" type="datetimeFigureOut">
               <a:rPr lang="fr-FR" smtClean="0"/>
-              <a:t>31/05/2020</a:t>
+              <a:t>01/06/2020</a:t>
             </a:fld>
             <a:endParaRPr lang="fr-FR"/>
           </a:p>
@@ -2382,7 +2383,7 @@
           <a:p>
             <a:fld id="{AE586705-6A2C-477C-BCED-5CFA24B97EE3}" type="datetimeFigureOut">
               <a:rPr lang="fr-FR" smtClean="0"/>
-              <a:t>31/05/2020</a:t>
+              <a:t>01/06/2020</a:t>
             </a:fld>
             <a:endParaRPr lang="fr-FR"/>
           </a:p>
@@ -2670,7 +2671,7 @@
           <a:p>
             <a:fld id="{AE586705-6A2C-477C-BCED-5CFA24B97EE3}" type="datetimeFigureOut">
               <a:rPr lang="fr-FR" smtClean="0"/>
-              <a:t>31/05/2020</a:t>
+              <a:t>01/06/2020</a:t>
             </a:fld>
             <a:endParaRPr lang="fr-FR"/>
           </a:p>
@@ -2911,7 +2912,7 @@
           <a:p>
             <a:fld id="{AE586705-6A2C-477C-BCED-5CFA24B97EE3}" type="datetimeFigureOut">
               <a:rPr lang="fr-FR" smtClean="0"/>
-              <a:t>31/05/2020</a:t>
+              <a:t>01/06/2020</a:t>
             </a:fld>
             <a:endParaRPr lang="fr-FR"/>
           </a:p>
@@ -5795,8 +5796,8 @@
           </p:sp>
         </mc:Fallback>
       </mc:AlternateContent>
-      <mc:AlternateContent xmlns:mc="http://schemas.openxmlformats.org/markup-compatibility/2006">
-        <mc:Choice xmlns:a14="http://schemas.microsoft.com/office/drawing/2010/main" Requires="a14">
+      <mc:AlternateContent xmlns:mc="http://schemas.openxmlformats.org/markup-compatibility/2006" xmlns:a14="http://schemas.microsoft.com/office/drawing/2010/main">
+        <mc:Choice Requires="a14">
           <p:sp>
             <p:nvSpPr>
               <p:cNvPr id="90" name="ZoneTexte 89">
@@ -6048,7 +6049,7 @@
             </p:txBody>
           </p:sp>
         </mc:Choice>
-        <mc:Fallback>
+        <mc:Fallback xmlns="">
           <p:sp>
             <p:nvSpPr>
               <p:cNvPr id="90" name="ZoneTexte 89">
@@ -6093,8 +6094,8 @@
           </p:sp>
         </mc:Fallback>
       </mc:AlternateContent>
-      <mc:AlternateContent xmlns:mc="http://schemas.openxmlformats.org/markup-compatibility/2006">
-        <mc:Choice xmlns:a14="http://schemas.microsoft.com/office/drawing/2010/main" Requires="a14">
+      <mc:AlternateContent xmlns:mc="http://schemas.openxmlformats.org/markup-compatibility/2006" xmlns:a14="http://schemas.microsoft.com/office/drawing/2010/main">
+        <mc:Choice Requires="a14">
           <p:sp>
             <p:nvSpPr>
               <p:cNvPr id="46" name="ZoneTexte 45">
@@ -6197,13 +6198,7 @@
                       <a:rPr lang="fr-FR" sz="1050" b="0" i="1" smtClean="0">
                         <a:latin typeface="Cambria Math" panose="02040503050406030204" pitchFamily="18" charset="0"/>
                       </a:rPr>
-                      <m:t>,122</m:t>
-                    </m:r>
-                    <m:r>
-                      <a:rPr lang="fr-FR" sz="1050" b="0" i="1" smtClean="0">
-                        <a:latin typeface="Cambria Math" panose="02040503050406030204" pitchFamily="18" charset="0"/>
-                      </a:rPr>
-                      <m:t> </m:t>
+                      <m:t>,122 </m:t>
                     </m:r>
                     <m:r>
                       <m:rPr>
@@ -6234,13 +6229,7 @@
                       <a:rPr lang="fr-FR" sz="1050" b="0" i="1" smtClean="0">
                         <a:latin typeface="Cambria Math" panose="02040503050406030204" pitchFamily="18" charset="0"/>
                       </a:rPr>
-                      <m:t>=0,</m:t>
-                    </m:r>
-                    <m:r>
-                      <a:rPr lang="fr-FR" sz="1050" b="0" i="1" smtClean="0">
-                        <a:latin typeface="Cambria Math" panose="02040503050406030204" pitchFamily="18" charset="0"/>
-                      </a:rPr>
-                      <m:t>24 </m:t>
+                      <m:t>=0,24 </m:t>
                     </m:r>
                     <m:r>
                       <m:rPr>
@@ -6469,7 +6458,7 @@
             </p:txBody>
           </p:sp>
         </mc:Choice>
-        <mc:Fallback>
+        <mc:Fallback xmlns="">
           <p:sp>
             <p:nvSpPr>
               <p:cNvPr id="46" name="ZoneTexte 45">
@@ -6514,8 +6503,8 @@
           </p:sp>
         </mc:Fallback>
       </mc:AlternateContent>
-      <mc:AlternateContent xmlns:mc="http://schemas.openxmlformats.org/markup-compatibility/2006">
-        <mc:Choice xmlns:a14="http://schemas.microsoft.com/office/drawing/2010/main" Requires="a14">
+      <mc:AlternateContent xmlns:mc="http://schemas.openxmlformats.org/markup-compatibility/2006" xmlns:a14="http://schemas.microsoft.com/office/drawing/2010/main">
+        <mc:Choice Requires="a14">
           <p:sp>
             <p:nvSpPr>
               <p:cNvPr id="66" name="ZoneTexte 65">
@@ -6576,7 +6565,7 @@
                     <m:sSup>
                       <m:sSupPr>
                         <m:ctrlPr>
-                          <a:rPr lang="fr-FR" sz="1050" b="0" smtClean="0">
+                          <a:rPr lang="fr-FR" sz="1050" b="0" i="1" smtClean="0">
                             <a:latin typeface="Cambria Math" panose="02040503050406030204" pitchFamily="18" charset="0"/>
                           </a:rPr>
                         </m:ctrlPr>
@@ -6614,7 +6603,7 @@
             </p:txBody>
           </p:sp>
         </mc:Choice>
-        <mc:Fallback>
+        <mc:Fallback xmlns="">
           <p:sp>
             <p:nvSpPr>
               <p:cNvPr id="66" name="ZoneTexte 65">
@@ -6751,8 +6740,8 @@
           </a:fontRef>
         </p:style>
       </p:cxnSp>
-      <mc:AlternateContent xmlns:mc="http://schemas.openxmlformats.org/markup-compatibility/2006">
-        <mc:Choice xmlns:a14="http://schemas.microsoft.com/office/drawing/2010/main" Requires="a14">
+      <mc:AlternateContent xmlns:mc="http://schemas.openxmlformats.org/markup-compatibility/2006" xmlns:a14="http://schemas.microsoft.com/office/drawing/2010/main">
+        <mc:Choice Requires="a14">
           <p:sp>
             <p:nvSpPr>
               <p:cNvPr id="69" name="ZoneTexte 68">
@@ -6821,7 +6810,7 @@
             </p:txBody>
           </p:sp>
         </mc:Choice>
-        <mc:Fallback>
+        <mc:Fallback xmlns="">
           <p:sp>
             <p:nvSpPr>
               <p:cNvPr id="69" name="ZoneTexte 68">
@@ -7139,6 +7128,2475 @@
 </file>
 
 <file path=ppt/slides/slide2.xml><?xml version="1.0" encoding="utf-8"?>
+<p:sld xmlns:a="http://schemas.openxmlformats.org/drawingml/2006/main" xmlns:r="http://schemas.openxmlformats.org/officeDocument/2006/relationships" xmlns:p="http://schemas.openxmlformats.org/presentationml/2006/main">
+  <p:cSld>
+    <p:spTree>
+      <p:nvGrpSpPr>
+        <p:cNvPr id="1" name=""/>
+        <p:cNvGrpSpPr/>
+        <p:nvPr/>
+      </p:nvGrpSpPr>
+      <p:grpSpPr>
+        <a:xfrm>
+          <a:off x="0" y="0"/>
+          <a:ext cx="0" cy="0"/>
+          <a:chOff x="0" y="0"/>
+          <a:chExt cx="0" cy="0"/>
+        </a:xfrm>
+      </p:grpSpPr>
+      <p:cxnSp>
+        <p:nvCxnSpPr>
+          <p:cNvPr id="48" name="Connecteur droit 47">
+            <a:extLst>
+              <a:ext uri="{FF2B5EF4-FFF2-40B4-BE49-F238E27FC236}">
+                <a16:creationId xmlns:a16="http://schemas.microsoft.com/office/drawing/2014/main" id="{0DBF3EC2-A1AC-4FA9-B95E-93021D9077E9}"/>
+              </a:ext>
+            </a:extLst>
+          </p:cNvPr>
+          <p:cNvCxnSpPr>
+            <a:cxnSpLocks/>
+            <a:stCxn id="49" idx="4"/>
+          </p:cNvCxnSpPr>
+          <p:nvPr/>
+        </p:nvCxnSpPr>
+        <p:spPr>
+          <a:xfrm>
+            <a:off x="5709525" y="2070005"/>
+            <a:ext cx="0" cy="2016966"/>
+          </a:xfrm>
+          <a:prstGeom prst="line">
+            <a:avLst/>
+          </a:prstGeom>
+          <a:noFill/>
+          <a:ln w="28575">
+            <a:solidFill>
+              <a:srgbClr val="7030A0"/>
+            </a:solidFill>
+          </a:ln>
+        </p:spPr>
+        <p:style>
+          <a:lnRef idx="2">
+            <a:schemeClr val="accent1">
+              <a:shade val="50000"/>
+            </a:schemeClr>
+          </a:lnRef>
+          <a:fillRef idx="1">
+            <a:schemeClr val="accent1"/>
+          </a:fillRef>
+          <a:effectRef idx="0">
+            <a:schemeClr val="accent1"/>
+          </a:effectRef>
+          <a:fontRef idx="minor">
+            <a:schemeClr val="lt1"/>
+          </a:fontRef>
+        </p:style>
+      </p:cxnSp>
+      <p:sp>
+        <p:nvSpPr>
+          <p:cNvPr id="34" name="Forme libre : forme 33">
+            <a:extLst>
+              <a:ext uri="{FF2B5EF4-FFF2-40B4-BE49-F238E27FC236}">
+                <a16:creationId xmlns:a16="http://schemas.microsoft.com/office/drawing/2014/main" id="{314A2BFF-0FA3-4BD8-90D6-90B3BCFBF0AE}"/>
+              </a:ext>
+            </a:extLst>
+          </p:cNvPr>
+          <p:cNvSpPr/>
+          <p:nvPr/>
+        </p:nvSpPr>
+        <p:spPr>
+          <a:xfrm rot="5400000">
+            <a:off x="7316365" y="3888457"/>
+            <a:ext cx="142722" cy="539751"/>
+          </a:xfrm>
+          <a:custGeom>
+            <a:avLst/>
+            <a:gdLst>
+              <a:gd name="connsiteX0" fmla="*/ 12700 w 139750"/>
+              <a:gd name="connsiteY0" fmla="*/ 0 h 539750"/>
+              <a:gd name="connsiteX1" fmla="*/ 139700 w 139750"/>
+              <a:gd name="connsiteY1" fmla="*/ 311150 h 539750"/>
+              <a:gd name="connsiteX2" fmla="*/ 0 w 139750"/>
+              <a:gd name="connsiteY2" fmla="*/ 539750 h 539750"/>
+              <a:gd name="connsiteX0" fmla="*/ 12700 w 159049"/>
+              <a:gd name="connsiteY0" fmla="*/ 0 h 539750"/>
+              <a:gd name="connsiteX1" fmla="*/ 139700 w 159049"/>
+              <a:gd name="connsiteY1" fmla="*/ 311150 h 539750"/>
+              <a:gd name="connsiteX2" fmla="*/ 0 w 159049"/>
+              <a:gd name="connsiteY2" fmla="*/ 539750 h 539750"/>
+              <a:gd name="connsiteX0" fmla="*/ 12700 w 159049"/>
+              <a:gd name="connsiteY0" fmla="*/ 0 h 539751"/>
+              <a:gd name="connsiteX1" fmla="*/ 139700 w 159049"/>
+              <a:gd name="connsiteY1" fmla="*/ 311150 h 539751"/>
+              <a:gd name="connsiteX2" fmla="*/ 0 w 159049"/>
+              <a:gd name="connsiteY2" fmla="*/ 539750 h 539751"/>
+              <a:gd name="connsiteX0" fmla="*/ 12700 w 142722"/>
+              <a:gd name="connsiteY0" fmla="*/ 0 h 539751"/>
+              <a:gd name="connsiteX1" fmla="*/ 107950 w 142722"/>
+              <a:gd name="connsiteY1" fmla="*/ 279400 h 539751"/>
+              <a:gd name="connsiteX2" fmla="*/ 0 w 142722"/>
+              <a:gd name="connsiteY2" fmla="*/ 539750 h 539751"/>
+              <a:gd name="connsiteX0" fmla="*/ 12700 w 142722"/>
+              <a:gd name="connsiteY0" fmla="*/ 0 h 539751"/>
+              <a:gd name="connsiteX1" fmla="*/ 107950 w 142722"/>
+              <a:gd name="connsiteY1" fmla="*/ 279400 h 539751"/>
+              <a:gd name="connsiteX2" fmla="*/ 0 w 142722"/>
+              <a:gd name="connsiteY2" fmla="*/ 539750 h 539751"/>
+            </a:gdLst>
+            <a:ahLst/>
+            <a:cxnLst>
+              <a:cxn ang="0">
+                <a:pos x="connsiteX0" y="connsiteY0"/>
+              </a:cxn>
+              <a:cxn ang="0">
+                <a:pos x="connsiteX1" y="connsiteY1"/>
+              </a:cxn>
+              <a:cxn ang="0">
+                <a:pos x="connsiteX2" y="connsiteY2"/>
+              </a:cxn>
+            </a:cxnLst>
+            <a:rect l="l" t="t" r="r" b="b"/>
+            <a:pathLst>
+              <a:path w="142722" h="539751">
+                <a:moveTo>
+                  <a:pt x="12700" y="0"/>
+                </a:moveTo>
+                <a:cubicBezTo>
+                  <a:pt x="229658" y="2646"/>
+                  <a:pt x="110067" y="189442"/>
+                  <a:pt x="107950" y="279400"/>
+                </a:cubicBezTo>
+                <a:cubicBezTo>
+                  <a:pt x="105833" y="369358"/>
+                  <a:pt x="195791" y="540279"/>
+                  <a:pt x="0" y="539750"/>
+                </a:cubicBezTo>
+              </a:path>
+            </a:pathLst>
+          </a:custGeom>
+          <a:solidFill>
+            <a:srgbClr val="92D050">
+              <a:alpha val="44000"/>
+            </a:srgbClr>
+          </a:solidFill>
+          <a:ln>
+            <a:solidFill>
+              <a:srgbClr val="00B050"/>
+            </a:solidFill>
+          </a:ln>
+        </p:spPr>
+        <p:style>
+          <a:lnRef idx="2">
+            <a:schemeClr val="accent1">
+              <a:shade val="50000"/>
+            </a:schemeClr>
+          </a:lnRef>
+          <a:fillRef idx="1">
+            <a:schemeClr val="accent1"/>
+          </a:fillRef>
+          <a:effectRef idx="0">
+            <a:schemeClr val="accent1"/>
+          </a:effectRef>
+          <a:fontRef idx="minor">
+            <a:schemeClr val="lt1"/>
+          </a:fontRef>
+        </p:style>
+        <p:txBody>
+          <a:bodyPr rtlCol="0" anchor="ctr"/>
+          <a:lstStyle/>
+          <a:p>
+            <a:pPr algn="ctr"/>
+            <a:endParaRPr lang="fr-FR"/>
+          </a:p>
+        </p:txBody>
+      </p:sp>
+      <p:sp>
+        <p:nvSpPr>
+          <p:cNvPr id="25" name="Forme libre : forme 24">
+            <a:extLst>
+              <a:ext uri="{FF2B5EF4-FFF2-40B4-BE49-F238E27FC236}">
+                <a16:creationId xmlns:a16="http://schemas.microsoft.com/office/drawing/2014/main" id="{6DA1B4F7-D9A1-42F3-AF9E-4AFA3BD693A0}"/>
+              </a:ext>
+            </a:extLst>
+          </p:cNvPr>
+          <p:cNvSpPr/>
+          <p:nvPr/>
+        </p:nvSpPr>
+        <p:spPr>
+          <a:xfrm>
+            <a:off x="8991600" y="3822700"/>
+            <a:ext cx="142722" cy="539751"/>
+          </a:xfrm>
+          <a:custGeom>
+            <a:avLst/>
+            <a:gdLst>
+              <a:gd name="connsiteX0" fmla="*/ 12700 w 139750"/>
+              <a:gd name="connsiteY0" fmla="*/ 0 h 539750"/>
+              <a:gd name="connsiteX1" fmla="*/ 139700 w 139750"/>
+              <a:gd name="connsiteY1" fmla="*/ 311150 h 539750"/>
+              <a:gd name="connsiteX2" fmla="*/ 0 w 139750"/>
+              <a:gd name="connsiteY2" fmla="*/ 539750 h 539750"/>
+              <a:gd name="connsiteX0" fmla="*/ 12700 w 159049"/>
+              <a:gd name="connsiteY0" fmla="*/ 0 h 539750"/>
+              <a:gd name="connsiteX1" fmla="*/ 139700 w 159049"/>
+              <a:gd name="connsiteY1" fmla="*/ 311150 h 539750"/>
+              <a:gd name="connsiteX2" fmla="*/ 0 w 159049"/>
+              <a:gd name="connsiteY2" fmla="*/ 539750 h 539750"/>
+              <a:gd name="connsiteX0" fmla="*/ 12700 w 159049"/>
+              <a:gd name="connsiteY0" fmla="*/ 0 h 539751"/>
+              <a:gd name="connsiteX1" fmla="*/ 139700 w 159049"/>
+              <a:gd name="connsiteY1" fmla="*/ 311150 h 539751"/>
+              <a:gd name="connsiteX2" fmla="*/ 0 w 159049"/>
+              <a:gd name="connsiteY2" fmla="*/ 539750 h 539751"/>
+              <a:gd name="connsiteX0" fmla="*/ 12700 w 142722"/>
+              <a:gd name="connsiteY0" fmla="*/ 0 h 539751"/>
+              <a:gd name="connsiteX1" fmla="*/ 107950 w 142722"/>
+              <a:gd name="connsiteY1" fmla="*/ 279400 h 539751"/>
+              <a:gd name="connsiteX2" fmla="*/ 0 w 142722"/>
+              <a:gd name="connsiteY2" fmla="*/ 539750 h 539751"/>
+              <a:gd name="connsiteX0" fmla="*/ 12700 w 142722"/>
+              <a:gd name="connsiteY0" fmla="*/ 0 h 539751"/>
+              <a:gd name="connsiteX1" fmla="*/ 107950 w 142722"/>
+              <a:gd name="connsiteY1" fmla="*/ 279400 h 539751"/>
+              <a:gd name="connsiteX2" fmla="*/ 0 w 142722"/>
+              <a:gd name="connsiteY2" fmla="*/ 539750 h 539751"/>
+            </a:gdLst>
+            <a:ahLst/>
+            <a:cxnLst>
+              <a:cxn ang="0">
+                <a:pos x="connsiteX0" y="connsiteY0"/>
+              </a:cxn>
+              <a:cxn ang="0">
+                <a:pos x="connsiteX1" y="connsiteY1"/>
+              </a:cxn>
+              <a:cxn ang="0">
+                <a:pos x="connsiteX2" y="connsiteY2"/>
+              </a:cxn>
+            </a:cxnLst>
+            <a:rect l="l" t="t" r="r" b="b"/>
+            <a:pathLst>
+              <a:path w="142722" h="539751">
+                <a:moveTo>
+                  <a:pt x="12700" y="0"/>
+                </a:moveTo>
+                <a:cubicBezTo>
+                  <a:pt x="229658" y="2646"/>
+                  <a:pt x="110067" y="189442"/>
+                  <a:pt x="107950" y="279400"/>
+                </a:cubicBezTo>
+                <a:cubicBezTo>
+                  <a:pt x="105833" y="369358"/>
+                  <a:pt x="195791" y="540279"/>
+                  <a:pt x="0" y="539750"/>
+                </a:cubicBezTo>
+              </a:path>
+            </a:pathLst>
+          </a:custGeom>
+          <a:solidFill>
+            <a:srgbClr val="92D050">
+              <a:alpha val="44000"/>
+            </a:srgbClr>
+          </a:solidFill>
+          <a:ln>
+            <a:solidFill>
+              <a:srgbClr val="00B050"/>
+            </a:solidFill>
+          </a:ln>
+        </p:spPr>
+        <p:style>
+          <a:lnRef idx="2">
+            <a:schemeClr val="accent1">
+              <a:shade val="50000"/>
+            </a:schemeClr>
+          </a:lnRef>
+          <a:fillRef idx="1">
+            <a:schemeClr val="accent1"/>
+          </a:fillRef>
+          <a:effectRef idx="0">
+            <a:schemeClr val="accent1"/>
+          </a:effectRef>
+          <a:fontRef idx="minor">
+            <a:schemeClr val="lt1"/>
+          </a:fontRef>
+        </p:style>
+        <p:txBody>
+          <a:bodyPr rtlCol="0" anchor="ctr"/>
+          <a:lstStyle/>
+          <a:p>
+            <a:pPr algn="ctr"/>
+            <a:endParaRPr lang="fr-FR"/>
+          </a:p>
+        </p:txBody>
+      </p:sp>
+      <p:sp>
+        <p:nvSpPr>
+          <p:cNvPr id="5" name="Ellipse 4">
+            <a:extLst>
+              <a:ext uri="{FF2B5EF4-FFF2-40B4-BE49-F238E27FC236}">
+                <a16:creationId xmlns:a16="http://schemas.microsoft.com/office/drawing/2014/main" id="{DB424FBC-4FC2-4BAD-BC6B-874A50162913}"/>
+              </a:ext>
+            </a:extLst>
+          </p:cNvPr>
+          <p:cNvSpPr/>
+          <p:nvPr/>
+        </p:nvSpPr>
+        <p:spPr>
+          <a:xfrm>
+            <a:off x="7997778" y="4606636"/>
+            <a:ext cx="533400" cy="533400"/>
+          </a:xfrm>
+          <a:prstGeom prst="ellipse">
+            <a:avLst/>
+          </a:prstGeom>
+          <a:noFill/>
+          <a:ln w="28575">
+            <a:solidFill>
+              <a:schemeClr val="tx1">
+                <a:lumMod val="50000"/>
+                <a:lumOff val="50000"/>
+              </a:schemeClr>
+            </a:solidFill>
+          </a:ln>
+        </p:spPr>
+        <p:style>
+          <a:lnRef idx="2">
+            <a:schemeClr val="accent1">
+              <a:shade val="50000"/>
+            </a:schemeClr>
+          </a:lnRef>
+          <a:fillRef idx="1">
+            <a:schemeClr val="accent1"/>
+          </a:fillRef>
+          <a:effectRef idx="0">
+            <a:schemeClr val="accent1"/>
+          </a:effectRef>
+          <a:fontRef idx="minor">
+            <a:schemeClr val="lt1"/>
+          </a:fontRef>
+        </p:style>
+        <p:txBody>
+          <a:bodyPr rtlCol="0" anchor="ctr"/>
+          <a:lstStyle/>
+          <a:p>
+            <a:pPr algn="ctr"/>
+            <a:r>
+              <a:rPr lang="fr-FR" dirty="0">
+                <a:ln>
+                  <a:solidFill>
+                    <a:schemeClr val="tx1">
+                      <a:lumMod val="50000"/>
+                      <a:lumOff val="50000"/>
+                    </a:schemeClr>
+                  </a:solidFill>
+                </a:ln>
+                <a:solidFill>
+                  <a:schemeClr val="tx1">
+                    <a:lumMod val="50000"/>
+                    <a:lumOff val="50000"/>
+                  </a:schemeClr>
+                </a:solidFill>
+              </a:rPr>
+              <a:t>M</a:t>
+            </a:r>
+          </a:p>
+        </p:txBody>
+      </p:sp>
+      <p:cxnSp>
+        <p:nvCxnSpPr>
+          <p:cNvPr id="7" name="Connecteur droit 6">
+            <a:extLst>
+              <a:ext uri="{FF2B5EF4-FFF2-40B4-BE49-F238E27FC236}">
+                <a16:creationId xmlns:a16="http://schemas.microsoft.com/office/drawing/2014/main" id="{0497E5DC-0B4F-43E9-9131-5B4A15F94695}"/>
+              </a:ext>
+            </a:extLst>
+          </p:cNvPr>
+          <p:cNvCxnSpPr>
+            <a:stCxn id="5" idx="0"/>
+          </p:cNvCxnSpPr>
+          <p:nvPr/>
+        </p:nvCxnSpPr>
+        <p:spPr>
+          <a:xfrm flipV="1">
+            <a:off x="8264478" y="1977656"/>
+            <a:ext cx="0" cy="2628980"/>
+          </a:xfrm>
+          <a:prstGeom prst="line">
+            <a:avLst/>
+          </a:prstGeom>
+          <a:noFill/>
+          <a:ln w="28575">
+            <a:solidFill>
+              <a:schemeClr val="tx1">
+                <a:lumMod val="50000"/>
+                <a:lumOff val="50000"/>
+              </a:schemeClr>
+            </a:solidFill>
+          </a:ln>
+        </p:spPr>
+        <p:style>
+          <a:lnRef idx="2">
+            <a:schemeClr val="accent1">
+              <a:shade val="50000"/>
+            </a:schemeClr>
+          </a:lnRef>
+          <a:fillRef idx="1">
+            <a:schemeClr val="accent1"/>
+          </a:fillRef>
+          <a:effectRef idx="0">
+            <a:schemeClr val="accent1"/>
+          </a:effectRef>
+          <a:fontRef idx="minor">
+            <a:schemeClr val="lt1"/>
+          </a:fontRef>
+        </p:style>
+      </p:cxnSp>
+      <p:sp>
+        <p:nvSpPr>
+          <p:cNvPr id="8" name="Rectangle 7">
+            <a:extLst>
+              <a:ext uri="{FF2B5EF4-FFF2-40B4-BE49-F238E27FC236}">
+                <a16:creationId xmlns:a16="http://schemas.microsoft.com/office/drawing/2014/main" id="{B90CEECD-E128-4C88-A558-409744DE97B1}"/>
+              </a:ext>
+            </a:extLst>
+          </p:cNvPr>
+          <p:cNvSpPr/>
+          <p:nvPr/>
+        </p:nvSpPr>
+        <p:spPr>
+          <a:xfrm>
+            <a:off x="8120478" y="2716146"/>
+            <a:ext cx="288000" cy="576000"/>
+          </a:xfrm>
+          <a:prstGeom prst="rect">
+            <a:avLst/>
+          </a:prstGeom>
+          <a:solidFill>
+            <a:schemeClr val="bg1"/>
+          </a:solidFill>
+          <a:ln w="28575">
+            <a:solidFill>
+              <a:schemeClr val="accent2">
+                <a:lumMod val="50000"/>
+              </a:schemeClr>
+            </a:solidFill>
+          </a:ln>
+        </p:spPr>
+        <p:style>
+          <a:lnRef idx="2">
+            <a:schemeClr val="accent1">
+              <a:shade val="50000"/>
+            </a:schemeClr>
+          </a:lnRef>
+          <a:fillRef idx="1">
+            <a:schemeClr val="accent1"/>
+          </a:fillRef>
+          <a:effectRef idx="0">
+            <a:schemeClr val="accent1"/>
+          </a:effectRef>
+          <a:fontRef idx="minor">
+            <a:schemeClr val="lt1"/>
+          </a:fontRef>
+        </p:style>
+        <p:txBody>
+          <a:bodyPr rtlCol="0" anchor="ctr"/>
+          <a:lstStyle/>
+          <a:p>
+            <a:pPr algn="ctr"/>
+            <a:endParaRPr lang="fr-FR">
+              <a:ln>
+                <a:solidFill>
+                  <a:schemeClr val="tx1">
+                    <a:lumMod val="50000"/>
+                    <a:lumOff val="50000"/>
+                  </a:schemeClr>
+                </a:solidFill>
+              </a:ln>
+              <a:solidFill>
+                <a:schemeClr val="tx1">
+                  <a:lumMod val="50000"/>
+                  <a:lumOff val="50000"/>
+                </a:schemeClr>
+              </a:solidFill>
+            </a:endParaRPr>
+          </a:p>
+        </p:txBody>
+      </p:sp>
+      <p:grpSp>
+        <p:nvGrpSpPr>
+          <p:cNvPr id="13" name="Groupe 12">
+            <a:extLst>
+              <a:ext uri="{FF2B5EF4-FFF2-40B4-BE49-F238E27FC236}">
+                <a16:creationId xmlns:a16="http://schemas.microsoft.com/office/drawing/2014/main" id="{8E1F4CA9-4026-4437-8A8E-9F6B841E92BA}"/>
+              </a:ext>
+            </a:extLst>
+          </p:cNvPr>
+          <p:cNvGrpSpPr/>
+          <p:nvPr/>
+        </p:nvGrpSpPr>
+        <p:grpSpPr>
+          <a:xfrm rot="5400000">
+            <a:off x="7976949" y="2930849"/>
+            <a:ext cx="575059" cy="145654"/>
+            <a:chOff x="5565685" y="2400835"/>
+            <a:chExt cx="575059" cy="145654"/>
+          </a:xfrm>
+        </p:grpSpPr>
+        <p:sp>
+          <p:nvSpPr>
+            <p:cNvPr id="9" name="Arc 8">
+              <a:extLst>
+                <a:ext uri="{FF2B5EF4-FFF2-40B4-BE49-F238E27FC236}">
+                  <a16:creationId xmlns:a16="http://schemas.microsoft.com/office/drawing/2014/main" id="{3202C25B-D6FC-4543-B035-4608B889E07B}"/>
+                </a:ext>
+              </a:extLst>
+            </p:cNvPr>
+            <p:cNvSpPr/>
+            <p:nvPr/>
+          </p:nvSpPr>
+          <p:spPr>
+            <a:xfrm>
+              <a:off x="5565685" y="2402489"/>
+              <a:ext cx="144000" cy="144000"/>
+            </a:xfrm>
+            <a:prstGeom prst="arc">
+              <a:avLst>
+                <a:gd name="adj1" fmla="val 10868703"/>
+                <a:gd name="adj2" fmla="val 0"/>
+              </a:avLst>
+            </a:prstGeom>
+            <a:solidFill>
+              <a:schemeClr val="bg1"/>
+            </a:solidFill>
+            <a:ln w="28575">
+              <a:solidFill>
+                <a:schemeClr val="tx1">
+                  <a:lumMod val="50000"/>
+                  <a:lumOff val="50000"/>
+                </a:schemeClr>
+              </a:solidFill>
+            </a:ln>
+          </p:spPr>
+          <p:style>
+            <a:lnRef idx="2">
+              <a:schemeClr val="accent1">
+                <a:shade val="50000"/>
+              </a:schemeClr>
+            </a:lnRef>
+            <a:fillRef idx="1">
+              <a:schemeClr val="accent1"/>
+            </a:fillRef>
+            <a:effectRef idx="0">
+              <a:schemeClr val="accent1"/>
+            </a:effectRef>
+            <a:fontRef idx="minor">
+              <a:schemeClr val="lt1"/>
+            </a:fontRef>
+          </p:style>
+          <p:txBody>
+            <a:bodyPr rtlCol="0" anchor="ctr"/>
+            <a:lstStyle/>
+            <a:p>
+              <a:pPr algn="ctr"/>
+              <a:endParaRPr lang="fr-FR">
+                <a:ln>
+                  <a:solidFill>
+                    <a:schemeClr val="tx1">
+                      <a:lumMod val="50000"/>
+                      <a:lumOff val="50000"/>
+                    </a:schemeClr>
+                  </a:solidFill>
+                </a:ln>
+                <a:solidFill>
+                  <a:schemeClr val="tx1">
+                    <a:lumMod val="50000"/>
+                    <a:lumOff val="50000"/>
+                  </a:schemeClr>
+                </a:solidFill>
+              </a:endParaRPr>
+            </a:p>
+          </p:txBody>
+        </p:sp>
+        <p:sp>
+          <p:nvSpPr>
+            <p:cNvPr id="10" name="Arc 9">
+              <a:extLst>
+                <a:ext uri="{FF2B5EF4-FFF2-40B4-BE49-F238E27FC236}">
+                  <a16:creationId xmlns:a16="http://schemas.microsoft.com/office/drawing/2014/main" id="{894F4694-97CB-4E6B-8A08-D641A335FC3B}"/>
+                </a:ext>
+              </a:extLst>
+            </p:cNvPr>
+            <p:cNvSpPr/>
+            <p:nvPr/>
+          </p:nvSpPr>
+          <p:spPr>
+            <a:xfrm flipV="1">
+              <a:off x="5705214" y="2400835"/>
+              <a:ext cx="144000" cy="144000"/>
+            </a:xfrm>
+            <a:prstGeom prst="arc">
+              <a:avLst>
+                <a:gd name="adj1" fmla="val 10868703"/>
+                <a:gd name="adj2" fmla="val 0"/>
+              </a:avLst>
+            </a:prstGeom>
+            <a:solidFill>
+              <a:schemeClr val="bg1"/>
+            </a:solidFill>
+            <a:ln w="28575">
+              <a:solidFill>
+                <a:schemeClr val="tx1">
+                  <a:lumMod val="50000"/>
+                  <a:lumOff val="50000"/>
+                </a:schemeClr>
+              </a:solidFill>
+            </a:ln>
+          </p:spPr>
+          <p:style>
+            <a:lnRef idx="2">
+              <a:schemeClr val="accent1">
+                <a:shade val="50000"/>
+              </a:schemeClr>
+            </a:lnRef>
+            <a:fillRef idx="1">
+              <a:schemeClr val="accent1"/>
+            </a:fillRef>
+            <a:effectRef idx="0">
+              <a:schemeClr val="accent1"/>
+            </a:effectRef>
+            <a:fontRef idx="minor">
+              <a:schemeClr val="lt1"/>
+            </a:fontRef>
+          </p:style>
+          <p:txBody>
+            <a:bodyPr rtlCol="0" anchor="ctr"/>
+            <a:lstStyle/>
+            <a:p>
+              <a:pPr algn="ctr"/>
+              <a:endParaRPr lang="fr-FR">
+                <a:ln>
+                  <a:solidFill>
+                    <a:schemeClr val="tx1">
+                      <a:lumMod val="50000"/>
+                      <a:lumOff val="50000"/>
+                    </a:schemeClr>
+                  </a:solidFill>
+                </a:ln>
+                <a:solidFill>
+                  <a:schemeClr val="tx1">
+                    <a:lumMod val="50000"/>
+                    <a:lumOff val="50000"/>
+                  </a:schemeClr>
+                </a:solidFill>
+              </a:endParaRPr>
+            </a:p>
+          </p:txBody>
+        </p:sp>
+        <p:sp>
+          <p:nvSpPr>
+            <p:cNvPr id="11" name="Arc 10">
+              <a:extLst>
+                <a:ext uri="{FF2B5EF4-FFF2-40B4-BE49-F238E27FC236}">
+                  <a16:creationId xmlns:a16="http://schemas.microsoft.com/office/drawing/2014/main" id="{D411D02B-7234-4D04-9726-00F0A972CD13}"/>
+                </a:ext>
+              </a:extLst>
+            </p:cNvPr>
+            <p:cNvSpPr/>
+            <p:nvPr/>
+          </p:nvSpPr>
+          <p:spPr>
+            <a:xfrm>
+              <a:off x="5853686" y="2402489"/>
+              <a:ext cx="144000" cy="144000"/>
+            </a:xfrm>
+            <a:prstGeom prst="arc">
+              <a:avLst>
+                <a:gd name="adj1" fmla="val 10868703"/>
+                <a:gd name="adj2" fmla="val 0"/>
+              </a:avLst>
+            </a:prstGeom>
+            <a:solidFill>
+              <a:schemeClr val="bg1"/>
+            </a:solidFill>
+            <a:ln w="28575">
+              <a:solidFill>
+                <a:schemeClr val="tx1">
+                  <a:lumMod val="50000"/>
+                  <a:lumOff val="50000"/>
+                </a:schemeClr>
+              </a:solidFill>
+            </a:ln>
+          </p:spPr>
+          <p:style>
+            <a:lnRef idx="2">
+              <a:schemeClr val="accent1">
+                <a:shade val="50000"/>
+              </a:schemeClr>
+            </a:lnRef>
+            <a:fillRef idx="1">
+              <a:schemeClr val="accent1"/>
+            </a:fillRef>
+            <a:effectRef idx="0">
+              <a:schemeClr val="accent1"/>
+            </a:effectRef>
+            <a:fontRef idx="minor">
+              <a:schemeClr val="lt1"/>
+            </a:fontRef>
+          </p:style>
+          <p:txBody>
+            <a:bodyPr rtlCol="0" anchor="ctr"/>
+            <a:lstStyle/>
+            <a:p>
+              <a:pPr algn="ctr"/>
+              <a:endParaRPr lang="fr-FR">
+                <a:ln>
+                  <a:solidFill>
+                    <a:schemeClr val="tx1">
+                      <a:lumMod val="50000"/>
+                      <a:lumOff val="50000"/>
+                    </a:schemeClr>
+                  </a:solidFill>
+                </a:ln>
+                <a:solidFill>
+                  <a:schemeClr val="tx1">
+                    <a:lumMod val="50000"/>
+                    <a:lumOff val="50000"/>
+                  </a:schemeClr>
+                </a:solidFill>
+              </a:endParaRPr>
+            </a:p>
+          </p:txBody>
+        </p:sp>
+        <p:sp>
+          <p:nvSpPr>
+            <p:cNvPr id="12" name="Arc 11">
+              <a:extLst>
+                <a:ext uri="{FF2B5EF4-FFF2-40B4-BE49-F238E27FC236}">
+                  <a16:creationId xmlns:a16="http://schemas.microsoft.com/office/drawing/2014/main" id="{338C6779-21FA-4593-8C45-054FFCE67BDA}"/>
+                </a:ext>
+              </a:extLst>
+            </p:cNvPr>
+            <p:cNvSpPr/>
+            <p:nvPr/>
+          </p:nvSpPr>
+          <p:spPr>
+            <a:xfrm flipV="1">
+              <a:off x="5996744" y="2400835"/>
+              <a:ext cx="144000" cy="144000"/>
+            </a:xfrm>
+            <a:prstGeom prst="arc">
+              <a:avLst>
+                <a:gd name="adj1" fmla="val 10868703"/>
+                <a:gd name="adj2" fmla="val 0"/>
+              </a:avLst>
+            </a:prstGeom>
+            <a:solidFill>
+              <a:schemeClr val="bg1"/>
+            </a:solidFill>
+            <a:ln w="28575">
+              <a:solidFill>
+                <a:schemeClr val="tx1">
+                  <a:lumMod val="50000"/>
+                  <a:lumOff val="50000"/>
+                </a:schemeClr>
+              </a:solidFill>
+            </a:ln>
+          </p:spPr>
+          <p:style>
+            <a:lnRef idx="2">
+              <a:schemeClr val="accent1">
+                <a:shade val="50000"/>
+              </a:schemeClr>
+            </a:lnRef>
+            <a:fillRef idx="1">
+              <a:schemeClr val="accent1"/>
+            </a:fillRef>
+            <a:effectRef idx="0">
+              <a:schemeClr val="accent1"/>
+            </a:effectRef>
+            <a:fontRef idx="minor">
+              <a:schemeClr val="lt1"/>
+            </a:fontRef>
+          </p:style>
+          <p:txBody>
+            <a:bodyPr rtlCol="0" anchor="ctr"/>
+            <a:lstStyle/>
+            <a:p>
+              <a:pPr algn="ctr"/>
+              <a:endParaRPr lang="fr-FR">
+                <a:ln>
+                  <a:solidFill>
+                    <a:schemeClr val="tx1">
+                      <a:lumMod val="50000"/>
+                      <a:lumOff val="50000"/>
+                    </a:schemeClr>
+                  </a:solidFill>
+                </a:ln>
+                <a:solidFill>
+                  <a:schemeClr val="tx1">
+                    <a:lumMod val="50000"/>
+                    <a:lumOff val="50000"/>
+                  </a:schemeClr>
+                </a:solidFill>
+              </a:endParaRPr>
+            </a:p>
+          </p:txBody>
+        </p:sp>
+      </p:grpSp>
+      <p:sp>
+        <p:nvSpPr>
+          <p:cNvPr id="15" name="Rectangle 14">
+            <a:extLst>
+              <a:ext uri="{FF2B5EF4-FFF2-40B4-BE49-F238E27FC236}">
+                <a16:creationId xmlns:a16="http://schemas.microsoft.com/office/drawing/2014/main" id="{8F994A21-73D3-4528-8604-54767E612210}"/>
+              </a:ext>
+            </a:extLst>
+          </p:cNvPr>
+          <p:cNvSpPr/>
+          <p:nvPr/>
+        </p:nvSpPr>
+        <p:spPr>
+          <a:xfrm>
+            <a:off x="8119652" y="3812401"/>
+            <a:ext cx="288000" cy="576000"/>
+          </a:xfrm>
+          <a:prstGeom prst="rect">
+            <a:avLst/>
+          </a:prstGeom>
+          <a:noFill/>
+          <a:ln w="28575">
+            <a:solidFill>
+              <a:srgbClr val="00B050"/>
+            </a:solidFill>
+          </a:ln>
+        </p:spPr>
+        <p:style>
+          <a:lnRef idx="2">
+            <a:schemeClr val="accent1">
+              <a:shade val="50000"/>
+            </a:schemeClr>
+          </a:lnRef>
+          <a:fillRef idx="1">
+            <a:schemeClr val="accent1"/>
+          </a:fillRef>
+          <a:effectRef idx="0">
+            <a:schemeClr val="accent1"/>
+          </a:effectRef>
+          <a:fontRef idx="minor">
+            <a:schemeClr val="lt1"/>
+          </a:fontRef>
+        </p:style>
+        <p:txBody>
+          <a:bodyPr rtlCol="0" anchor="ctr"/>
+          <a:lstStyle/>
+          <a:p>
+            <a:pPr algn="ctr"/>
+            <a:endParaRPr lang="fr-FR">
+              <a:ln>
+                <a:solidFill>
+                  <a:schemeClr val="tx1">
+                    <a:lumMod val="50000"/>
+                    <a:lumOff val="50000"/>
+                  </a:schemeClr>
+                </a:solidFill>
+              </a:ln>
+              <a:solidFill>
+                <a:schemeClr val="tx1">
+                  <a:lumMod val="50000"/>
+                  <a:lumOff val="50000"/>
+                </a:schemeClr>
+              </a:solidFill>
+            </a:endParaRPr>
+          </a:p>
+        </p:txBody>
+      </p:sp>
+      <p:cxnSp>
+        <p:nvCxnSpPr>
+          <p:cNvPr id="16" name="Connecteur droit 15">
+            <a:extLst>
+              <a:ext uri="{FF2B5EF4-FFF2-40B4-BE49-F238E27FC236}">
+                <a16:creationId xmlns:a16="http://schemas.microsoft.com/office/drawing/2014/main" id="{F53FB9A6-ED9E-4B0B-82C5-90E048A18ED8}"/>
+              </a:ext>
+            </a:extLst>
+          </p:cNvPr>
+          <p:cNvCxnSpPr>
+            <a:cxnSpLocks/>
+            <a:stCxn id="15" idx="3"/>
+          </p:cNvCxnSpPr>
+          <p:nvPr/>
+        </p:nvCxnSpPr>
+        <p:spPr>
+          <a:xfrm>
+            <a:off x="8407652" y="4100401"/>
+            <a:ext cx="588751" cy="0"/>
+          </a:xfrm>
+          <a:prstGeom prst="line">
+            <a:avLst/>
+          </a:prstGeom>
+          <a:noFill/>
+          <a:ln w="28575">
+            <a:solidFill>
+              <a:srgbClr val="00B050"/>
+            </a:solidFill>
+          </a:ln>
+        </p:spPr>
+        <p:style>
+          <a:lnRef idx="2">
+            <a:schemeClr val="accent1">
+              <a:shade val="50000"/>
+            </a:schemeClr>
+          </a:lnRef>
+          <a:fillRef idx="1">
+            <a:schemeClr val="accent1"/>
+          </a:fillRef>
+          <a:effectRef idx="0">
+            <a:schemeClr val="accent1"/>
+          </a:effectRef>
+          <a:fontRef idx="minor">
+            <a:schemeClr val="lt1"/>
+          </a:fontRef>
+        </p:style>
+      </p:cxnSp>
+      <p:cxnSp>
+        <p:nvCxnSpPr>
+          <p:cNvPr id="20" name="Connecteur droit 19">
+            <a:extLst>
+              <a:ext uri="{FF2B5EF4-FFF2-40B4-BE49-F238E27FC236}">
+                <a16:creationId xmlns:a16="http://schemas.microsoft.com/office/drawing/2014/main" id="{6D443234-E79A-4ED2-8D95-A51BC61BC8AD}"/>
+              </a:ext>
+            </a:extLst>
+          </p:cNvPr>
+          <p:cNvCxnSpPr>
+            <a:cxnSpLocks/>
+          </p:cNvCxnSpPr>
+          <p:nvPr/>
+        </p:nvCxnSpPr>
+        <p:spPr>
+          <a:xfrm flipV="1">
+            <a:off x="8996404" y="3812402"/>
+            <a:ext cx="0" cy="575999"/>
+          </a:xfrm>
+          <a:prstGeom prst="line">
+            <a:avLst/>
+          </a:prstGeom>
+          <a:noFill/>
+          <a:ln w="28575">
+            <a:solidFill>
+              <a:srgbClr val="00B050"/>
+            </a:solidFill>
+          </a:ln>
+        </p:spPr>
+        <p:style>
+          <a:lnRef idx="2">
+            <a:schemeClr val="accent1">
+              <a:shade val="50000"/>
+            </a:schemeClr>
+          </a:lnRef>
+          <a:fillRef idx="1">
+            <a:schemeClr val="accent1"/>
+          </a:fillRef>
+          <a:effectRef idx="0">
+            <a:schemeClr val="accent1"/>
+          </a:effectRef>
+          <a:fontRef idx="minor">
+            <a:schemeClr val="lt1"/>
+          </a:fontRef>
+        </p:style>
+      </p:cxnSp>
+      <p:cxnSp>
+        <p:nvCxnSpPr>
+          <p:cNvPr id="26" name="Connecteur droit 25">
+            <a:extLst>
+              <a:ext uri="{FF2B5EF4-FFF2-40B4-BE49-F238E27FC236}">
+                <a16:creationId xmlns:a16="http://schemas.microsoft.com/office/drawing/2014/main" id="{91D99348-D8DC-44DC-8E3C-9F7FDAF099CA}"/>
+              </a:ext>
+            </a:extLst>
+          </p:cNvPr>
+          <p:cNvCxnSpPr>
+            <a:cxnSpLocks/>
+          </p:cNvCxnSpPr>
+          <p:nvPr/>
+        </p:nvCxnSpPr>
+        <p:spPr>
+          <a:xfrm>
+            <a:off x="8119652" y="3759902"/>
+            <a:ext cx="288000" cy="0"/>
+          </a:xfrm>
+          <a:prstGeom prst="line">
+            <a:avLst/>
+          </a:prstGeom>
+          <a:noFill/>
+          <a:ln w="28575">
+            <a:solidFill>
+              <a:schemeClr val="tx1">
+                <a:lumMod val="50000"/>
+                <a:lumOff val="50000"/>
+              </a:schemeClr>
+            </a:solidFill>
+          </a:ln>
+        </p:spPr>
+        <p:style>
+          <a:lnRef idx="2">
+            <a:schemeClr val="accent1">
+              <a:shade val="50000"/>
+            </a:schemeClr>
+          </a:lnRef>
+          <a:fillRef idx="1">
+            <a:schemeClr val="accent1"/>
+          </a:fillRef>
+          <a:effectRef idx="0">
+            <a:schemeClr val="accent1"/>
+          </a:effectRef>
+          <a:fontRef idx="minor">
+            <a:schemeClr val="lt1"/>
+          </a:fontRef>
+        </p:style>
+      </p:cxnSp>
+      <p:cxnSp>
+        <p:nvCxnSpPr>
+          <p:cNvPr id="27" name="Connecteur droit 26">
+            <a:extLst>
+              <a:ext uri="{FF2B5EF4-FFF2-40B4-BE49-F238E27FC236}">
+                <a16:creationId xmlns:a16="http://schemas.microsoft.com/office/drawing/2014/main" id="{5E2BB204-4808-4C59-A927-DDA79D2CA572}"/>
+              </a:ext>
+            </a:extLst>
+          </p:cNvPr>
+          <p:cNvCxnSpPr>
+            <a:cxnSpLocks/>
+          </p:cNvCxnSpPr>
+          <p:nvPr/>
+        </p:nvCxnSpPr>
+        <p:spPr>
+          <a:xfrm>
+            <a:off x="8119652" y="4443852"/>
+            <a:ext cx="288000" cy="0"/>
+          </a:xfrm>
+          <a:prstGeom prst="line">
+            <a:avLst/>
+          </a:prstGeom>
+          <a:noFill/>
+          <a:ln w="28575">
+            <a:solidFill>
+              <a:schemeClr val="tx1">
+                <a:lumMod val="50000"/>
+                <a:lumOff val="50000"/>
+              </a:schemeClr>
+            </a:solidFill>
+          </a:ln>
+        </p:spPr>
+        <p:style>
+          <a:lnRef idx="2">
+            <a:schemeClr val="accent1">
+              <a:shade val="50000"/>
+            </a:schemeClr>
+          </a:lnRef>
+          <a:fillRef idx="1">
+            <a:schemeClr val="accent1"/>
+          </a:fillRef>
+          <a:effectRef idx="0">
+            <a:schemeClr val="accent1"/>
+          </a:effectRef>
+          <a:fontRef idx="minor">
+            <a:schemeClr val="lt1"/>
+          </a:fontRef>
+        </p:style>
+      </p:cxnSp>
+      <p:cxnSp>
+        <p:nvCxnSpPr>
+          <p:cNvPr id="28" name="Connecteur droit 27">
+            <a:extLst>
+              <a:ext uri="{FF2B5EF4-FFF2-40B4-BE49-F238E27FC236}">
+                <a16:creationId xmlns:a16="http://schemas.microsoft.com/office/drawing/2014/main" id="{31B8610E-2084-44F1-A570-2B190CCB0FD1}"/>
+              </a:ext>
+            </a:extLst>
+          </p:cNvPr>
+          <p:cNvCxnSpPr>
+            <a:cxnSpLocks/>
+            <a:stCxn id="15" idx="1"/>
+          </p:cNvCxnSpPr>
+          <p:nvPr/>
+        </p:nvCxnSpPr>
+        <p:spPr>
+          <a:xfrm flipH="1">
+            <a:off x="5080000" y="4100401"/>
+            <a:ext cx="3039652" cy="0"/>
+          </a:xfrm>
+          <a:prstGeom prst="line">
+            <a:avLst/>
+          </a:prstGeom>
+          <a:noFill/>
+          <a:ln w="28575">
+            <a:solidFill>
+              <a:srgbClr val="00B050"/>
+            </a:solidFill>
+          </a:ln>
+        </p:spPr>
+        <p:style>
+          <a:lnRef idx="2">
+            <a:schemeClr val="accent1">
+              <a:shade val="50000"/>
+            </a:schemeClr>
+          </a:lnRef>
+          <a:fillRef idx="1">
+            <a:schemeClr val="accent1"/>
+          </a:fillRef>
+          <a:effectRef idx="0">
+            <a:schemeClr val="accent1"/>
+          </a:effectRef>
+          <a:fontRef idx="minor">
+            <a:schemeClr val="lt1"/>
+          </a:fontRef>
+        </p:style>
+      </p:cxnSp>
+      <p:cxnSp>
+        <p:nvCxnSpPr>
+          <p:cNvPr id="31" name="Connecteur droit 30">
+            <a:extLst>
+              <a:ext uri="{FF2B5EF4-FFF2-40B4-BE49-F238E27FC236}">
+                <a16:creationId xmlns:a16="http://schemas.microsoft.com/office/drawing/2014/main" id="{6D5D4C52-9A07-4D5C-9833-F487544DD8C1}"/>
+              </a:ext>
+            </a:extLst>
+          </p:cNvPr>
+          <p:cNvCxnSpPr>
+            <a:cxnSpLocks/>
+          </p:cNvCxnSpPr>
+          <p:nvPr/>
+        </p:nvCxnSpPr>
+        <p:spPr>
+          <a:xfrm>
+            <a:off x="6961590" y="2317750"/>
+            <a:ext cx="412" cy="1782651"/>
+          </a:xfrm>
+          <a:prstGeom prst="line">
+            <a:avLst/>
+          </a:prstGeom>
+          <a:noFill/>
+          <a:ln w="28575">
+            <a:solidFill>
+              <a:srgbClr val="00B050"/>
+            </a:solidFill>
+          </a:ln>
+        </p:spPr>
+        <p:style>
+          <a:lnRef idx="2">
+            <a:schemeClr val="accent1">
+              <a:shade val="50000"/>
+            </a:schemeClr>
+          </a:lnRef>
+          <a:fillRef idx="1">
+            <a:schemeClr val="accent1"/>
+          </a:fillRef>
+          <a:effectRef idx="0">
+            <a:schemeClr val="accent1"/>
+          </a:effectRef>
+          <a:fontRef idx="minor">
+            <a:schemeClr val="lt1"/>
+          </a:fontRef>
+        </p:style>
+      </p:cxnSp>
+      <p:cxnSp>
+        <p:nvCxnSpPr>
+          <p:cNvPr id="35" name="Connecteur droit 34">
+            <a:extLst>
+              <a:ext uri="{FF2B5EF4-FFF2-40B4-BE49-F238E27FC236}">
+                <a16:creationId xmlns:a16="http://schemas.microsoft.com/office/drawing/2014/main" id="{58387F6A-2070-45F2-BF98-23C943592737}"/>
+              </a:ext>
+            </a:extLst>
+          </p:cNvPr>
+          <p:cNvCxnSpPr>
+            <a:cxnSpLocks/>
+            <a:stCxn id="8" idx="1"/>
+            <a:endCxn id="14" idx="3"/>
+          </p:cNvCxnSpPr>
+          <p:nvPr/>
+        </p:nvCxnSpPr>
+        <p:spPr>
+          <a:xfrm flipH="1">
+            <a:off x="7106002" y="3004146"/>
+            <a:ext cx="1014476" cy="0"/>
+          </a:xfrm>
+          <a:prstGeom prst="line">
+            <a:avLst/>
+          </a:prstGeom>
+          <a:solidFill>
+            <a:schemeClr val="bg1"/>
+          </a:solidFill>
+          <a:ln w="28575">
+            <a:solidFill>
+              <a:schemeClr val="accent2">
+                <a:lumMod val="50000"/>
+              </a:schemeClr>
+            </a:solidFill>
+          </a:ln>
+        </p:spPr>
+        <p:style>
+          <a:lnRef idx="2">
+            <a:schemeClr val="accent1">
+              <a:shade val="50000"/>
+            </a:schemeClr>
+          </a:lnRef>
+          <a:fillRef idx="1">
+            <a:schemeClr val="accent1"/>
+          </a:fillRef>
+          <a:effectRef idx="0">
+            <a:schemeClr val="accent1"/>
+          </a:effectRef>
+          <a:fontRef idx="minor">
+            <a:schemeClr val="lt1"/>
+          </a:fontRef>
+        </p:style>
+      </p:cxnSp>
+      <p:sp>
+        <p:nvSpPr>
+          <p:cNvPr id="14" name="Rectangle 13">
+            <a:extLst>
+              <a:ext uri="{FF2B5EF4-FFF2-40B4-BE49-F238E27FC236}">
+                <a16:creationId xmlns:a16="http://schemas.microsoft.com/office/drawing/2014/main" id="{A3F028BD-6049-4DA9-B661-4FB1BFED7E68}"/>
+              </a:ext>
+            </a:extLst>
+          </p:cNvPr>
+          <p:cNvSpPr/>
+          <p:nvPr/>
+        </p:nvSpPr>
+        <p:spPr>
+          <a:xfrm>
+            <a:off x="6818002" y="2716146"/>
+            <a:ext cx="288000" cy="576000"/>
+          </a:xfrm>
+          <a:prstGeom prst="rect">
+            <a:avLst/>
+          </a:prstGeom>
+          <a:solidFill>
+            <a:schemeClr val="bg1"/>
+          </a:solidFill>
+          <a:ln w="28575">
+            <a:solidFill>
+              <a:schemeClr val="accent2">
+                <a:lumMod val="50000"/>
+              </a:schemeClr>
+            </a:solidFill>
+          </a:ln>
+        </p:spPr>
+        <p:style>
+          <a:lnRef idx="2">
+            <a:schemeClr val="accent1">
+              <a:shade val="50000"/>
+            </a:schemeClr>
+          </a:lnRef>
+          <a:fillRef idx="1">
+            <a:schemeClr val="accent1"/>
+          </a:fillRef>
+          <a:effectRef idx="0">
+            <a:schemeClr val="accent1"/>
+          </a:effectRef>
+          <a:fontRef idx="minor">
+            <a:schemeClr val="lt1"/>
+          </a:fontRef>
+        </p:style>
+        <p:txBody>
+          <a:bodyPr rtlCol="0" anchor="ctr"/>
+          <a:lstStyle/>
+          <a:p>
+            <a:pPr algn="ctr"/>
+            <a:endParaRPr lang="fr-FR" dirty="0">
+              <a:ln>
+                <a:solidFill>
+                  <a:schemeClr val="tx1">
+                    <a:lumMod val="50000"/>
+                    <a:lumOff val="50000"/>
+                  </a:schemeClr>
+                </a:solidFill>
+              </a:ln>
+              <a:solidFill>
+                <a:schemeClr val="tx1">
+                  <a:lumMod val="50000"/>
+                  <a:lumOff val="50000"/>
+                </a:schemeClr>
+              </a:solidFill>
+            </a:endParaRPr>
+          </a:p>
+        </p:txBody>
+      </p:sp>
+      <p:sp>
+        <p:nvSpPr>
+          <p:cNvPr id="38" name="Rectangle 37">
+            <a:extLst>
+              <a:ext uri="{FF2B5EF4-FFF2-40B4-BE49-F238E27FC236}">
+                <a16:creationId xmlns:a16="http://schemas.microsoft.com/office/drawing/2014/main" id="{A2F3173C-E945-473A-8DA5-CB1C7659A769}"/>
+              </a:ext>
+            </a:extLst>
+          </p:cNvPr>
+          <p:cNvSpPr/>
+          <p:nvPr/>
+        </p:nvSpPr>
+        <p:spPr>
+          <a:xfrm>
+            <a:off x="7220013" y="2552700"/>
+            <a:ext cx="777765" cy="451445"/>
+          </a:xfrm>
+          <a:prstGeom prst="rect">
+            <a:avLst/>
+          </a:prstGeom>
+          <a:solidFill>
+            <a:schemeClr val="accent2">
+              <a:lumMod val="20000"/>
+              <a:lumOff val="80000"/>
+            </a:schemeClr>
+          </a:solidFill>
+          <a:ln w="28575">
+            <a:solidFill>
+              <a:schemeClr val="accent2">
+                <a:lumMod val="50000"/>
+              </a:schemeClr>
+            </a:solidFill>
+          </a:ln>
+        </p:spPr>
+        <p:style>
+          <a:lnRef idx="2">
+            <a:schemeClr val="accent1">
+              <a:shade val="50000"/>
+            </a:schemeClr>
+          </a:lnRef>
+          <a:fillRef idx="1">
+            <a:schemeClr val="accent1"/>
+          </a:fillRef>
+          <a:effectRef idx="0">
+            <a:schemeClr val="accent1"/>
+          </a:effectRef>
+          <a:fontRef idx="minor">
+            <a:schemeClr val="lt1"/>
+          </a:fontRef>
+        </p:style>
+        <p:txBody>
+          <a:bodyPr rtlCol="0" anchor="ctr"/>
+          <a:lstStyle/>
+          <a:p>
+            <a:pPr algn="ctr"/>
+            <a:r>
+              <a:rPr lang="fr-FR" sz="1400" dirty="0">
+                <a:ln>
+                  <a:solidFill>
+                    <a:schemeClr val="accent2">
+                      <a:lumMod val="50000"/>
+                    </a:schemeClr>
+                  </a:solidFill>
+                </a:ln>
+                <a:solidFill>
+                  <a:schemeClr val="accent2">
+                    <a:lumMod val="50000"/>
+                  </a:schemeClr>
+                </a:solidFill>
+              </a:rPr>
+              <a:t>M</a:t>
+            </a:r>
+          </a:p>
+          <a:p>
+            <a:pPr algn="ctr"/>
+            <a:r>
+              <a:rPr lang="fr-FR" sz="1400" dirty="0">
+                <a:ln>
+                  <a:solidFill>
+                    <a:schemeClr val="accent2">
+                      <a:lumMod val="50000"/>
+                    </a:schemeClr>
+                  </a:solidFill>
+                </a:ln>
+                <a:solidFill>
+                  <a:schemeClr val="accent2">
+                    <a:lumMod val="50000"/>
+                  </a:schemeClr>
+                </a:solidFill>
+              </a:rPr>
+              <a:t>130kg</a:t>
+            </a:r>
+          </a:p>
+        </p:txBody>
+      </p:sp>
+      <p:sp>
+        <p:nvSpPr>
+          <p:cNvPr id="49" name="Ellipse 48">
+            <a:extLst>
+              <a:ext uri="{FF2B5EF4-FFF2-40B4-BE49-F238E27FC236}">
+                <a16:creationId xmlns:a16="http://schemas.microsoft.com/office/drawing/2014/main" id="{F4F1CB89-F0E4-4542-B98D-6AE9C57426A8}"/>
+              </a:ext>
+            </a:extLst>
+          </p:cNvPr>
+          <p:cNvSpPr/>
+          <p:nvPr/>
+        </p:nvSpPr>
+        <p:spPr>
+          <a:xfrm>
+            <a:off x="5473426" y="1597807"/>
+            <a:ext cx="472198" cy="472198"/>
+          </a:xfrm>
+          <a:prstGeom prst="ellipse">
+            <a:avLst/>
+          </a:prstGeom>
+          <a:solidFill>
+            <a:schemeClr val="bg1"/>
+          </a:solidFill>
+          <a:ln w="28575">
+            <a:solidFill>
+              <a:srgbClr val="00B0F0"/>
+            </a:solidFill>
+          </a:ln>
+        </p:spPr>
+        <p:style>
+          <a:lnRef idx="2">
+            <a:schemeClr val="accent1">
+              <a:shade val="50000"/>
+            </a:schemeClr>
+          </a:lnRef>
+          <a:fillRef idx="1">
+            <a:schemeClr val="accent1"/>
+          </a:fillRef>
+          <a:effectRef idx="0">
+            <a:schemeClr val="accent1"/>
+          </a:effectRef>
+          <a:fontRef idx="minor">
+            <a:schemeClr val="lt1"/>
+          </a:fontRef>
+        </p:style>
+        <p:txBody>
+          <a:bodyPr rtlCol="0" anchor="ctr"/>
+          <a:lstStyle/>
+          <a:p>
+            <a:pPr algn="ctr"/>
+            <a:endParaRPr lang="fr-FR">
+              <a:ln>
+                <a:solidFill>
+                  <a:schemeClr val="tx1">
+                    <a:lumMod val="50000"/>
+                    <a:lumOff val="50000"/>
+                  </a:schemeClr>
+                </a:solidFill>
+              </a:ln>
+              <a:solidFill>
+                <a:schemeClr val="tx1">
+                  <a:lumMod val="50000"/>
+                  <a:lumOff val="50000"/>
+                </a:schemeClr>
+              </a:solidFill>
+            </a:endParaRPr>
+          </a:p>
+        </p:txBody>
+      </p:sp>
+      <p:cxnSp>
+        <p:nvCxnSpPr>
+          <p:cNvPr id="52" name="Connecteur droit 51">
+            <a:extLst>
+              <a:ext uri="{FF2B5EF4-FFF2-40B4-BE49-F238E27FC236}">
+                <a16:creationId xmlns:a16="http://schemas.microsoft.com/office/drawing/2014/main" id="{B2EF7C9D-B611-4620-A406-3F69CC068DA7}"/>
+              </a:ext>
+            </a:extLst>
+          </p:cNvPr>
+          <p:cNvCxnSpPr>
+            <a:cxnSpLocks/>
+          </p:cNvCxnSpPr>
+          <p:nvPr/>
+        </p:nvCxnSpPr>
+        <p:spPr>
+          <a:xfrm flipH="1">
+            <a:off x="6356350" y="2999676"/>
+            <a:ext cx="461653" cy="0"/>
+          </a:xfrm>
+          <a:prstGeom prst="line">
+            <a:avLst/>
+          </a:prstGeom>
+          <a:solidFill>
+            <a:schemeClr val="bg1"/>
+          </a:solidFill>
+          <a:ln w="28575">
+            <a:solidFill>
+              <a:schemeClr val="accent2">
+                <a:lumMod val="50000"/>
+              </a:schemeClr>
+            </a:solidFill>
+          </a:ln>
+        </p:spPr>
+        <p:style>
+          <a:lnRef idx="2">
+            <a:schemeClr val="accent1">
+              <a:shade val="50000"/>
+            </a:schemeClr>
+          </a:lnRef>
+          <a:fillRef idx="1">
+            <a:schemeClr val="accent1"/>
+          </a:fillRef>
+          <a:effectRef idx="0">
+            <a:schemeClr val="accent1"/>
+          </a:effectRef>
+          <a:fontRef idx="minor">
+            <a:schemeClr val="lt1"/>
+          </a:fontRef>
+        </p:style>
+      </p:cxnSp>
+      <p:cxnSp>
+        <p:nvCxnSpPr>
+          <p:cNvPr id="55" name="Connecteur droit 54">
+            <a:extLst>
+              <a:ext uri="{FF2B5EF4-FFF2-40B4-BE49-F238E27FC236}">
+                <a16:creationId xmlns:a16="http://schemas.microsoft.com/office/drawing/2014/main" id="{2CE13157-F9F0-4843-A7CE-45A0B08AD8A7}"/>
+              </a:ext>
+            </a:extLst>
+          </p:cNvPr>
+          <p:cNvCxnSpPr>
+            <a:cxnSpLocks/>
+            <a:stCxn id="49" idx="6"/>
+          </p:cNvCxnSpPr>
+          <p:nvPr/>
+        </p:nvCxnSpPr>
+        <p:spPr>
+          <a:xfrm>
+            <a:off x="5945624" y="1833906"/>
+            <a:ext cx="0" cy="690790"/>
+          </a:xfrm>
+          <a:prstGeom prst="line">
+            <a:avLst/>
+          </a:prstGeom>
+          <a:noFill/>
+          <a:ln w="19050">
+            <a:solidFill>
+              <a:srgbClr val="FF0000"/>
+            </a:solidFill>
+            <a:prstDash val="lgDashDot"/>
+          </a:ln>
+        </p:spPr>
+        <p:style>
+          <a:lnRef idx="2">
+            <a:schemeClr val="accent1">
+              <a:shade val="50000"/>
+            </a:schemeClr>
+          </a:lnRef>
+          <a:fillRef idx="1">
+            <a:schemeClr val="accent1"/>
+          </a:fillRef>
+          <a:effectRef idx="0">
+            <a:schemeClr val="accent1"/>
+          </a:effectRef>
+          <a:fontRef idx="minor">
+            <a:schemeClr val="lt1"/>
+          </a:fontRef>
+        </p:style>
+      </p:cxnSp>
+      <p:cxnSp>
+        <p:nvCxnSpPr>
+          <p:cNvPr id="58" name="Connecteur droit 57">
+            <a:extLst>
+              <a:ext uri="{FF2B5EF4-FFF2-40B4-BE49-F238E27FC236}">
+                <a16:creationId xmlns:a16="http://schemas.microsoft.com/office/drawing/2014/main" id="{1A76C5CB-C671-492F-9CC7-4054BD729005}"/>
+              </a:ext>
+            </a:extLst>
+          </p:cNvPr>
+          <p:cNvCxnSpPr>
+            <a:cxnSpLocks/>
+          </p:cNvCxnSpPr>
+          <p:nvPr/>
+        </p:nvCxnSpPr>
+        <p:spPr>
+          <a:xfrm flipV="1">
+            <a:off x="6356350" y="2524696"/>
+            <a:ext cx="0" cy="474981"/>
+          </a:xfrm>
+          <a:prstGeom prst="line">
+            <a:avLst/>
+          </a:prstGeom>
+          <a:solidFill>
+            <a:schemeClr val="bg1"/>
+          </a:solidFill>
+          <a:ln w="28575">
+            <a:solidFill>
+              <a:schemeClr val="accent2">
+                <a:lumMod val="50000"/>
+              </a:schemeClr>
+            </a:solidFill>
+          </a:ln>
+        </p:spPr>
+        <p:style>
+          <a:lnRef idx="2">
+            <a:schemeClr val="accent1">
+              <a:shade val="50000"/>
+            </a:schemeClr>
+          </a:lnRef>
+          <a:fillRef idx="1">
+            <a:schemeClr val="accent1"/>
+          </a:fillRef>
+          <a:effectRef idx="0">
+            <a:schemeClr val="accent1"/>
+          </a:effectRef>
+          <a:fontRef idx="minor">
+            <a:schemeClr val="lt1"/>
+          </a:fontRef>
+        </p:style>
+      </p:cxnSp>
+      <p:cxnSp>
+        <p:nvCxnSpPr>
+          <p:cNvPr id="32" name="Connecteur droit 31">
+            <a:extLst>
+              <a:ext uri="{FF2B5EF4-FFF2-40B4-BE49-F238E27FC236}">
+                <a16:creationId xmlns:a16="http://schemas.microsoft.com/office/drawing/2014/main" id="{56EBFB24-E838-426D-9046-381E04913227}"/>
+              </a:ext>
+            </a:extLst>
+          </p:cNvPr>
+          <p:cNvCxnSpPr>
+            <a:cxnSpLocks/>
+          </p:cNvCxnSpPr>
+          <p:nvPr/>
+        </p:nvCxnSpPr>
+        <p:spPr>
+          <a:xfrm flipH="1">
+            <a:off x="5945624" y="2524696"/>
+            <a:ext cx="404058" cy="0"/>
+          </a:xfrm>
+          <a:prstGeom prst="line">
+            <a:avLst/>
+          </a:prstGeom>
+          <a:solidFill>
+            <a:schemeClr val="bg1"/>
+          </a:solidFill>
+          <a:ln w="28575">
+            <a:solidFill>
+              <a:schemeClr val="accent2">
+                <a:lumMod val="50000"/>
+              </a:schemeClr>
+            </a:solidFill>
+          </a:ln>
+        </p:spPr>
+        <p:style>
+          <a:lnRef idx="2">
+            <a:schemeClr val="accent1">
+              <a:shade val="50000"/>
+            </a:schemeClr>
+          </a:lnRef>
+          <a:fillRef idx="1">
+            <a:schemeClr val="accent1"/>
+          </a:fillRef>
+          <a:effectRef idx="0">
+            <a:schemeClr val="accent1"/>
+          </a:effectRef>
+          <a:fontRef idx="minor">
+            <a:schemeClr val="lt1"/>
+          </a:fontRef>
+        </p:style>
+      </p:cxnSp>
+      <p:cxnSp>
+        <p:nvCxnSpPr>
+          <p:cNvPr id="39" name="Connecteur droit 38">
+            <a:extLst>
+              <a:ext uri="{FF2B5EF4-FFF2-40B4-BE49-F238E27FC236}">
+                <a16:creationId xmlns:a16="http://schemas.microsoft.com/office/drawing/2014/main" id="{92FE5522-7AC9-4282-B269-9B1EA47FEF73}"/>
+              </a:ext>
+            </a:extLst>
+          </p:cNvPr>
+          <p:cNvCxnSpPr>
+            <a:cxnSpLocks/>
+            <a:stCxn id="49" idx="2"/>
+          </p:cNvCxnSpPr>
+          <p:nvPr/>
+        </p:nvCxnSpPr>
+        <p:spPr>
+          <a:xfrm>
+            <a:off x="5473426" y="1833906"/>
+            <a:ext cx="0" cy="882240"/>
+          </a:xfrm>
+          <a:prstGeom prst="line">
+            <a:avLst/>
+          </a:prstGeom>
+          <a:noFill/>
+          <a:ln w="19050">
+            <a:solidFill>
+              <a:srgbClr val="FF0000"/>
+            </a:solidFill>
+            <a:prstDash val="lgDashDot"/>
+          </a:ln>
+        </p:spPr>
+        <p:style>
+          <a:lnRef idx="2">
+            <a:schemeClr val="accent1">
+              <a:shade val="50000"/>
+            </a:schemeClr>
+          </a:lnRef>
+          <a:fillRef idx="1">
+            <a:schemeClr val="accent1"/>
+          </a:fillRef>
+          <a:effectRef idx="0">
+            <a:schemeClr val="accent1"/>
+          </a:effectRef>
+          <a:fontRef idx="minor">
+            <a:schemeClr val="lt1"/>
+          </a:fontRef>
+        </p:style>
+      </p:cxnSp>
+      <p:grpSp>
+        <p:nvGrpSpPr>
+          <p:cNvPr id="43" name="Groupe 42">
+            <a:extLst>
+              <a:ext uri="{FF2B5EF4-FFF2-40B4-BE49-F238E27FC236}">
+                <a16:creationId xmlns:a16="http://schemas.microsoft.com/office/drawing/2014/main" id="{FC71213B-6A8B-419F-987F-2CB9A1EE2D80}"/>
+              </a:ext>
+            </a:extLst>
+          </p:cNvPr>
+          <p:cNvGrpSpPr/>
+          <p:nvPr/>
+        </p:nvGrpSpPr>
+        <p:grpSpPr>
+          <a:xfrm>
+            <a:off x="6756299" y="1260224"/>
+            <a:ext cx="776254" cy="773937"/>
+            <a:chOff x="915426" y="1268760"/>
+            <a:chExt cx="776254" cy="773937"/>
+          </a:xfrm>
+        </p:grpSpPr>
+        <p:grpSp>
+          <p:nvGrpSpPr>
+            <p:cNvPr id="45" name="Groupe 44">
+              <a:extLst>
+                <a:ext uri="{FF2B5EF4-FFF2-40B4-BE49-F238E27FC236}">
+                  <a16:creationId xmlns:a16="http://schemas.microsoft.com/office/drawing/2014/main" id="{E47DE354-97C0-4BF5-9DB5-38D1A25393F0}"/>
+                </a:ext>
+              </a:extLst>
+            </p:cNvPr>
+            <p:cNvGrpSpPr/>
+            <p:nvPr/>
+          </p:nvGrpSpPr>
+          <p:grpSpPr>
+            <a:xfrm>
+              <a:off x="971600" y="1268760"/>
+              <a:ext cx="720080" cy="720080"/>
+              <a:chOff x="971600" y="1268760"/>
+              <a:chExt cx="720080" cy="720080"/>
+            </a:xfrm>
+          </p:grpSpPr>
+          <p:cxnSp>
+            <p:nvCxnSpPr>
+              <p:cNvPr id="54" name="Connecteur droit 53">
+                <a:extLst>
+                  <a:ext uri="{FF2B5EF4-FFF2-40B4-BE49-F238E27FC236}">
+                    <a16:creationId xmlns:a16="http://schemas.microsoft.com/office/drawing/2014/main" id="{4C353043-5552-4163-A386-EE8ABB418927}"/>
+                  </a:ext>
+                </a:extLst>
+              </p:cNvPr>
+              <p:cNvCxnSpPr/>
+              <p:nvPr/>
+            </p:nvCxnSpPr>
+            <p:spPr>
+              <a:xfrm flipV="1">
+                <a:off x="971600" y="1268760"/>
+                <a:ext cx="0" cy="720080"/>
+              </a:xfrm>
+              <a:prstGeom prst="line">
+                <a:avLst/>
+              </a:prstGeom>
+              <a:ln w="19050">
+                <a:solidFill>
+                  <a:schemeClr val="accent5">
+                    <a:lumMod val="50000"/>
+                  </a:schemeClr>
+                </a:solidFill>
+                <a:tailEnd type="stealth" w="med" len="lg"/>
+              </a:ln>
+            </p:spPr>
+            <p:style>
+              <a:lnRef idx="1">
+                <a:schemeClr val="accent1"/>
+              </a:lnRef>
+              <a:fillRef idx="0">
+                <a:schemeClr val="accent1"/>
+              </a:fillRef>
+              <a:effectRef idx="0">
+                <a:schemeClr val="accent1"/>
+              </a:effectRef>
+              <a:fontRef idx="minor">
+                <a:schemeClr val="tx1"/>
+              </a:fontRef>
+            </p:style>
+          </p:cxnSp>
+          <p:cxnSp>
+            <p:nvCxnSpPr>
+              <p:cNvPr id="56" name="Connecteur droit 55">
+                <a:extLst>
+                  <a:ext uri="{FF2B5EF4-FFF2-40B4-BE49-F238E27FC236}">
+                    <a16:creationId xmlns:a16="http://schemas.microsoft.com/office/drawing/2014/main" id="{24921B3C-4979-43CD-A58A-873A1B2F6E67}"/>
+                  </a:ext>
+                </a:extLst>
+              </p:cNvPr>
+              <p:cNvCxnSpPr/>
+              <p:nvPr/>
+            </p:nvCxnSpPr>
+            <p:spPr>
+              <a:xfrm rot="5400000" flipV="1">
+                <a:off x="1331640" y="1628800"/>
+                <a:ext cx="0" cy="720080"/>
+              </a:xfrm>
+              <a:prstGeom prst="line">
+                <a:avLst/>
+              </a:prstGeom>
+              <a:ln w="19050">
+                <a:solidFill>
+                  <a:schemeClr val="accent5">
+                    <a:lumMod val="50000"/>
+                  </a:schemeClr>
+                </a:solidFill>
+                <a:tailEnd type="stealth" w="med" len="lg"/>
+              </a:ln>
+            </p:spPr>
+            <p:style>
+              <a:lnRef idx="1">
+                <a:schemeClr val="accent1"/>
+              </a:lnRef>
+              <a:fillRef idx="0">
+                <a:schemeClr val="accent1"/>
+              </a:fillRef>
+              <a:effectRef idx="0">
+                <a:schemeClr val="accent1"/>
+              </a:effectRef>
+              <a:fontRef idx="minor">
+                <a:schemeClr val="tx1"/>
+              </a:fontRef>
+            </p:style>
+          </p:cxnSp>
+        </p:grpSp>
+        <p:sp>
+          <p:nvSpPr>
+            <p:cNvPr id="47" name="Ellipse 46">
+              <a:extLst>
+                <a:ext uri="{FF2B5EF4-FFF2-40B4-BE49-F238E27FC236}">
+                  <a16:creationId xmlns:a16="http://schemas.microsoft.com/office/drawing/2014/main" id="{73F9EC5A-24E5-4DDB-AB8E-07C41DBF938B}"/>
+                </a:ext>
+              </a:extLst>
+            </p:cNvPr>
+            <p:cNvSpPr/>
+            <p:nvPr/>
+          </p:nvSpPr>
+          <p:spPr>
+            <a:xfrm>
+              <a:off x="915426" y="1934983"/>
+              <a:ext cx="107714" cy="107714"/>
+            </a:xfrm>
+            <a:prstGeom prst="ellipse">
+              <a:avLst/>
+            </a:prstGeom>
+            <a:solidFill>
+              <a:schemeClr val="bg1"/>
+            </a:solidFill>
+            <a:ln w="19050">
+              <a:solidFill>
+                <a:schemeClr val="accent5">
+                  <a:lumMod val="50000"/>
+                </a:schemeClr>
+              </a:solidFill>
+            </a:ln>
+          </p:spPr>
+          <p:style>
+            <a:lnRef idx="2">
+              <a:schemeClr val="accent1">
+                <a:shade val="50000"/>
+              </a:schemeClr>
+            </a:lnRef>
+            <a:fillRef idx="1">
+              <a:schemeClr val="accent1"/>
+            </a:fillRef>
+            <a:effectRef idx="0">
+              <a:schemeClr val="accent1"/>
+            </a:effectRef>
+            <a:fontRef idx="minor">
+              <a:schemeClr val="lt1"/>
+            </a:fontRef>
+          </p:style>
+          <p:txBody>
+            <a:bodyPr rtlCol="0" anchor="ctr"/>
+            <a:lstStyle/>
+            <a:p>
+              <a:pPr algn="ctr"/>
+              <a:endParaRPr lang="fr-FR"/>
+            </a:p>
+          </p:txBody>
+        </p:sp>
+        <p:sp>
+          <p:nvSpPr>
+            <p:cNvPr id="50" name="Ellipse 49">
+              <a:extLst>
+                <a:ext uri="{FF2B5EF4-FFF2-40B4-BE49-F238E27FC236}">
+                  <a16:creationId xmlns:a16="http://schemas.microsoft.com/office/drawing/2014/main" id="{1D2FE871-FB16-4CAD-91DB-E7699DBE75F8}"/>
+                </a:ext>
+              </a:extLst>
+            </p:cNvPr>
+            <p:cNvSpPr/>
+            <p:nvPr/>
+          </p:nvSpPr>
+          <p:spPr>
+            <a:xfrm>
+              <a:off x="951283" y="1970840"/>
+              <a:ext cx="36000" cy="36000"/>
+            </a:xfrm>
+            <a:prstGeom prst="ellipse">
+              <a:avLst/>
+            </a:prstGeom>
+            <a:solidFill>
+              <a:schemeClr val="accent5">
+                <a:lumMod val="50000"/>
+              </a:schemeClr>
+            </a:solidFill>
+            <a:ln w="19050">
+              <a:noFill/>
+            </a:ln>
+          </p:spPr>
+          <p:style>
+            <a:lnRef idx="2">
+              <a:schemeClr val="accent1">
+                <a:shade val="50000"/>
+              </a:schemeClr>
+            </a:lnRef>
+            <a:fillRef idx="1">
+              <a:schemeClr val="accent1"/>
+            </a:fillRef>
+            <a:effectRef idx="0">
+              <a:schemeClr val="accent1"/>
+            </a:effectRef>
+            <a:fontRef idx="minor">
+              <a:schemeClr val="lt1"/>
+            </a:fontRef>
+          </p:style>
+          <p:txBody>
+            <a:bodyPr rtlCol="0" anchor="ctr"/>
+            <a:lstStyle/>
+            <a:p>
+              <a:pPr algn="ctr"/>
+              <a:endParaRPr lang="fr-FR"/>
+            </a:p>
+          </p:txBody>
+        </p:sp>
+      </p:grpSp>
+      <mc:AlternateContent xmlns:mc="http://schemas.openxmlformats.org/markup-compatibility/2006" xmlns:a14="http://schemas.microsoft.com/office/drawing/2010/main">
+        <mc:Choice Requires="a14">
+          <p:sp>
+            <p:nvSpPr>
+              <p:cNvPr id="59" name="ZoneTexte 58">
+                <a:extLst>
+                  <a:ext uri="{FF2B5EF4-FFF2-40B4-BE49-F238E27FC236}">
+                    <a16:creationId xmlns:a16="http://schemas.microsoft.com/office/drawing/2014/main" id="{88F56A19-DAFD-46DB-82A8-C63398D420F5}"/>
+                  </a:ext>
+                </a:extLst>
+              </p:cNvPr>
+              <p:cNvSpPr txBox="1"/>
+              <p:nvPr/>
+            </p:nvSpPr>
+            <p:spPr>
+              <a:xfrm>
+                <a:off x="7528954" y="1849499"/>
+                <a:ext cx="296363" cy="261610"/>
+              </a:xfrm>
+              <a:prstGeom prst="rect">
+                <a:avLst/>
+              </a:prstGeom>
+              <a:noFill/>
+            </p:spPr>
+            <p:txBody>
+              <a:bodyPr wrap="none" rtlCol="0">
+                <a:spAutoFit/>
+              </a:bodyPr>
+              <a:lstStyle/>
+              <a:p>
+                <a:pPr/>
+                <a14:m>
+                  <m:oMathPara xmlns:m="http://schemas.openxmlformats.org/officeDocument/2006/math">
+                    <m:oMathParaPr>
+                      <m:jc m:val="centerGroup"/>
+                    </m:oMathParaPr>
+                    <m:oMath xmlns:m="http://schemas.openxmlformats.org/officeDocument/2006/math">
+                      <m:acc>
+                        <m:accPr>
+                          <m:chr m:val="⃗"/>
+                          <m:ctrlPr>
+                            <a:rPr lang="fr-FR" sz="1100" i="1" smtClean="0">
+                              <a:latin typeface="Cambria Math" panose="02040503050406030204" pitchFamily="18" charset="0"/>
+                            </a:rPr>
+                          </m:ctrlPr>
+                        </m:accPr>
+                        <m:e>
+                          <m:r>
+                            <a:rPr lang="fr-FR" sz="1100" b="0" i="1" smtClean="0">
+                              <a:latin typeface="Cambria Math" panose="02040503050406030204" pitchFamily="18" charset="0"/>
+                            </a:rPr>
+                            <m:t>𝑥</m:t>
+                          </m:r>
+                        </m:e>
+                      </m:acc>
+                    </m:oMath>
+                  </m:oMathPara>
+                </a14:m>
+                <a:endParaRPr lang="fr-FR" sz="1100" dirty="0"/>
+              </a:p>
+            </p:txBody>
+          </p:sp>
+        </mc:Choice>
+        <mc:Fallback xmlns="">
+          <p:sp>
+            <p:nvSpPr>
+              <p:cNvPr id="59" name="ZoneTexte 58">
+                <a:extLst>
+                  <a:ext uri="{FF2B5EF4-FFF2-40B4-BE49-F238E27FC236}">
+                    <a16:creationId xmlns:a16="http://schemas.microsoft.com/office/drawing/2014/main" id="{88F56A19-DAFD-46DB-82A8-C63398D420F5}"/>
+                  </a:ext>
+                </a:extLst>
+              </p:cNvPr>
+              <p:cNvSpPr txBox="1">
+                <a:spLocks noRot="1" noChangeAspect="1" noMove="1" noResize="1" noEditPoints="1" noAdjustHandles="1" noChangeArrowheads="1" noChangeShapeType="1" noTextEdit="1"/>
+              </p:cNvSpPr>
+              <p:nvPr/>
+            </p:nvSpPr>
+            <p:spPr>
+              <a:xfrm>
+                <a:off x="7528954" y="1849499"/>
+                <a:ext cx="296363" cy="261610"/>
+              </a:xfrm>
+              <a:prstGeom prst="rect">
+                <a:avLst/>
+              </a:prstGeom>
+              <a:blipFill>
+                <a:blip r:embed="rId4"/>
+                <a:stretch>
+                  <a:fillRect t="-2326" r="-2041"/>
+                </a:stretch>
+              </a:blipFill>
+            </p:spPr>
+            <p:txBody>
+              <a:bodyPr/>
+              <a:lstStyle/>
+              <a:p>
+                <a:r>
+                  <a:rPr lang="fr-FR">
+                    <a:noFill/>
+                  </a:rPr>
+                  <a:t> </a:t>
+                </a:r>
+              </a:p>
+            </p:txBody>
+          </p:sp>
+        </mc:Fallback>
+      </mc:AlternateContent>
+      <mc:AlternateContent xmlns:mc="http://schemas.openxmlformats.org/markup-compatibility/2006" xmlns:a14="http://schemas.microsoft.com/office/drawing/2010/main">
+        <mc:Choice Requires="a14">
+          <p:sp>
+            <p:nvSpPr>
+              <p:cNvPr id="60" name="ZoneTexte 59">
+                <a:extLst>
+                  <a:ext uri="{FF2B5EF4-FFF2-40B4-BE49-F238E27FC236}">
+                    <a16:creationId xmlns:a16="http://schemas.microsoft.com/office/drawing/2014/main" id="{F17B7986-BA4C-475B-81B3-55F5577F3203}"/>
+                  </a:ext>
+                </a:extLst>
+              </p:cNvPr>
+              <p:cNvSpPr txBox="1"/>
+              <p:nvPr/>
+            </p:nvSpPr>
+            <p:spPr>
+              <a:xfrm>
+                <a:off x="6669733" y="998614"/>
+                <a:ext cx="297709" cy="261610"/>
+              </a:xfrm>
+              <a:prstGeom prst="rect">
+                <a:avLst/>
+              </a:prstGeom>
+              <a:noFill/>
+            </p:spPr>
+            <p:txBody>
+              <a:bodyPr wrap="none" rtlCol="0">
+                <a:spAutoFit/>
+              </a:bodyPr>
+              <a:lstStyle/>
+              <a:p>
+                <a:pPr/>
+                <a14:m>
+                  <m:oMathPara xmlns:m="http://schemas.openxmlformats.org/officeDocument/2006/math">
+                    <m:oMathParaPr>
+                      <m:jc m:val="centerGroup"/>
+                    </m:oMathParaPr>
+                    <m:oMath xmlns:m="http://schemas.openxmlformats.org/officeDocument/2006/math">
+                      <m:acc>
+                        <m:accPr>
+                          <m:chr m:val="⃗"/>
+                          <m:ctrlPr>
+                            <a:rPr lang="fr-FR" sz="1100" i="1" smtClean="0">
+                              <a:latin typeface="Cambria Math" panose="02040503050406030204" pitchFamily="18" charset="0"/>
+                            </a:rPr>
+                          </m:ctrlPr>
+                        </m:accPr>
+                        <m:e>
+                          <m:r>
+                            <a:rPr lang="fr-FR" sz="1100" b="0" i="1" smtClean="0">
+                              <a:latin typeface="Cambria Math" panose="02040503050406030204" pitchFamily="18" charset="0"/>
+                            </a:rPr>
+                            <m:t>𝑦</m:t>
+                          </m:r>
+                        </m:e>
+                      </m:acc>
+                    </m:oMath>
+                  </m:oMathPara>
+                </a14:m>
+                <a:endParaRPr lang="fr-FR" sz="1100" dirty="0"/>
+              </a:p>
+            </p:txBody>
+          </p:sp>
+        </mc:Choice>
+        <mc:Fallback xmlns="">
+          <p:sp>
+            <p:nvSpPr>
+              <p:cNvPr id="60" name="ZoneTexte 59">
+                <a:extLst>
+                  <a:ext uri="{FF2B5EF4-FFF2-40B4-BE49-F238E27FC236}">
+                    <a16:creationId xmlns:a16="http://schemas.microsoft.com/office/drawing/2014/main" id="{F17B7986-BA4C-475B-81B3-55F5577F3203}"/>
+                  </a:ext>
+                </a:extLst>
+              </p:cNvPr>
+              <p:cNvSpPr txBox="1">
+                <a:spLocks noRot="1" noChangeAspect="1" noMove="1" noResize="1" noEditPoints="1" noAdjustHandles="1" noChangeArrowheads="1" noChangeShapeType="1" noTextEdit="1"/>
+              </p:cNvSpPr>
+              <p:nvPr/>
+            </p:nvSpPr>
+            <p:spPr>
+              <a:xfrm>
+                <a:off x="6669733" y="998614"/>
+                <a:ext cx="297709" cy="261610"/>
+              </a:xfrm>
+              <a:prstGeom prst="rect">
+                <a:avLst/>
+              </a:prstGeom>
+              <a:blipFill>
+                <a:blip r:embed="rId5"/>
+                <a:stretch>
+                  <a:fillRect t="-2326" r="-6122"/>
+                </a:stretch>
+              </a:blipFill>
+            </p:spPr>
+            <p:txBody>
+              <a:bodyPr/>
+              <a:lstStyle/>
+              <a:p>
+                <a:r>
+                  <a:rPr lang="fr-FR">
+                    <a:noFill/>
+                  </a:rPr>
+                  <a:t> </a:t>
+                </a:r>
+              </a:p>
+            </p:txBody>
+          </p:sp>
+        </mc:Fallback>
+      </mc:AlternateContent>
+      <mc:AlternateContent xmlns:mc="http://schemas.openxmlformats.org/markup-compatibility/2006" xmlns:a14="http://schemas.microsoft.com/office/drawing/2010/main">
+        <mc:Choice Requires="a14">
+          <p:sp>
+            <p:nvSpPr>
+              <p:cNvPr id="62" name="ZoneTexte 61">
+                <a:extLst>
+                  <a:ext uri="{FF2B5EF4-FFF2-40B4-BE49-F238E27FC236}">
+                    <a16:creationId xmlns:a16="http://schemas.microsoft.com/office/drawing/2014/main" id="{57A2117F-97F1-4CBF-BDCB-A708A84421B3}"/>
+                  </a:ext>
+                </a:extLst>
+              </p:cNvPr>
+              <p:cNvSpPr txBox="1"/>
+              <p:nvPr/>
+            </p:nvSpPr>
+            <p:spPr>
+              <a:xfrm>
+                <a:off x="6488313" y="1833906"/>
+                <a:ext cx="288091" cy="261610"/>
+              </a:xfrm>
+              <a:prstGeom prst="rect">
+                <a:avLst/>
+              </a:prstGeom>
+              <a:noFill/>
+            </p:spPr>
+            <p:txBody>
+              <a:bodyPr wrap="none" rtlCol="0">
+                <a:spAutoFit/>
+              </a:bodyPr>
+              <a:lstStyle/>
+              <a:p>
+                <a:pPr/>
+                <a14:m>
+                  <m:oMathPara xmlns:m="http://schemas.openxmlformats.org/officeDocument/2006/math">
+                    <m:oMathParaPr>
+                      <m:jc m:val="centerGroup"/>
+                    </m:oMathParaPr>
+                    <m:oMath xmlns:m="http://schemas.openxmlformats.org/officeDocument/2006/math">
+                      <m:acc>
+                        <m:accPr>
+                          <m:chr m:val="⃗"/>
+                          <m:ctrlPr>
+                            <a:rPr lang="fr-FR" sz="1100" i="1" smtClean="0">
+                              <a:latin typeface="Cambria Math" panose="02040503050406030204" pitchFamily="18" charset="0"/>
+                            </a:rPr>
+                          </m:ctrlPr>
+                        </m:accPr>
+                        <m:e>
+                          <m:r>
+                            <a:rPr lang="fr-FR" sz="1100" b="0" i="1" smtClean="0">
+                              <a:latin typeface="Cambria Math" panose="02040503050406030204" pitchFamily="18" charset="0"/>
+                            </a:rPr>
+                            <m:t>𝑧</m:t>
+                          </m:r>
+                        </m:e>
+                      </m:acc>
+                    </m:oMath>
+                  </m:oMathPara>
+                </a14:m>
+                <a:endParaRPr lang="fr-FR" sz="1100" dirty="0"/>
+              </a:p>
+            </p:txBody>
+          </p:sp>
+        </mc:Choice>
+        <mc:Fallback xmlns="">
+          <p:sp>
+            <p:nvSpPr>
+              <p:cNvPr id="62" name="ZoneTexte 61">
+                <a:extLst>
+                  <a:ext uri="{FF2B5EF4-FFF2-40B4-BE49-F238E27FC236}">
+                    <a16:creationId xmlns:a16="http://schemas.microsoft.com/office/drawing/2014/main" id="{57A2117F-97F1-4CBF-BDCB-A708A84421B3}"/>
+                  </a:ext>
+                </a:extLst>
+              </p:cNvPr>
+              <p:cNvSpPr txBox="1">
+                <a:spLocks noRot="1" noChangeAspect="1" noMove="1" noResize="1" noEditPoints="1" noAdjustHandles="1" noChangeArrowheads="1" noChangeShapeType="1" noTextEdit="1"/>
+              </p:cNvSpPr>
+              <p:nvPr/>
+            </p:nvSpPr>
+            <p:spPr>
+              <a:xfrm>
+                <a:off x="6488313" y="1833906"/>
+                <a:ext cx="288091" cy="261610"/>
+              </a:xfrm>
+              <a:prstGeom prst="rect">
+                <a:avLst/>
+              </a:prstGeom>
+              <a:blipFill>
+                <a:blip r:embed="rId6"/>
+                <a:stretch>
+                  <a:fillRect t="-2326" r="-2083"/>
+                </a:stretch>
+              </a:blipFill>
+            </p:spPr>
+            <p:txBody>
+              <a:bodyPr/>
+              <a:lstStyle/>
+              <a:p>
+                <a:r>
+                  <a:rPr lang="fr-FR">
+                    <a:noFill/>
+                  </a:rPr>
+                  <a:t> </a:t>
+                </a:r>
+              </a:p>
+            </p:txBody>
+          </p:sp>
+        </mc:Fallback>
+      </mc:AlternateContent>
+      <p:sp>
+        <p:nvSpPr>
+          <p:cNvPr id="71" name="Ellipse 70">
+            <a:extLst>
+              <a:ext uri="{FF2B5EF4-FFF2-40B4-BE49-F238E27FC236}">
+                <a16:creationId xmlns:a16="http://schemas.microsoft.com/office/drawing/2014/main" id="{545A71A8-F400-4756-A8C0-06C7319B6F7D}"/>
+              </a:ext>
+            </a:extLst>
+          </p:cNvPr>
+          <p:cNvSpPr/>
+          <p:nvPr/>
+        </p:nvSpPr>
+        <p:spPr>
+          <a:xfrm>
+            <a:off x="5606256" y="1734389"/>
+            <a:ext cx="206324" cy="206324"/>
+          </a:xfrm>
+          <a:prstGeom prst="ellipse">
+            <a:avLst/>
+          </a:prstGeom>
+          <a:solidFill>
+            <a:schemeClr val="bg1"/>
+          </a:solidFill>
+          <a:ln w="28575">
+            <a:solidFill>
+              <a:srgbClr val="00B0F0"/>
+            </a:solidFill>
+          </a:ln>
+        </p:spPr>
+        <p:style>
+          <a:lnRef idx="2">
+            <a:schemeClr val="accent1">
+              <a:shade val="50000"/>
+            </a:schemeClr>
+          </a:lnRef>
+          <a:fillRef idx="1">
+            <a:schemeClr val="accent1"/>
+          </a:fillRef>
+          <a:effectRef idx="0">
+            <a:schemeClr val="accent1"/>
+          </a:effectRef>
+          <a:fontRef idx="minor">
+            <a:schemeClr val="lt1"/>
+          </a:fontRef>
+        </p:style>
+        <p:txBody>
+          <a:bodyPr rtlCol="0" anchor="ctr"/>
+          <a:lstStyle/>
+          <a:p>
+            <a:pPr algn="ctr"/>
+            <a:endParaRPr lang="fr-FR">
+              <a:ln>
+                <a:solidFill>
+                  <a:schemeClr val="tx1">
+                    <a:lumMod val="50000"/>
+                    <a:lumOff val="50000"/>
+                  </a:schemeClr>
+                </a:solidFill>
+              </a:ln>
+              <a:solidFill>
+                <a:schemeClr val="tx1">
+                  <a:lumMod val="50000"/>
+                  <a:lumOff val="50000"/>
+                </a:schemeClr>
+              </a:solidFill>
+            </a:endParaRPr>
+          </a:p>
+        </p:txBody>
+      </p:sp>
+      <p:cxnSp>
+        <p:nvCxnSpPr>
+          <p:cNvPr id="72" name="Connecteur droit 71">
+            <a:extLst>
+              <a:ext uri="{FF2B5EF4-FFF2-40B4-BE49-F238E27FC236}">
+                <a16:creationId xmlns:a16="http://schemas.microsoft.com/office/drawing/2014/main" id="{90873405-D0ED-4205-96F3-7D517A1ADD08}"/>
+              </a:ext>
+            </a:extLst>
+          </p:cNvPr>
+          <p:cNvCxnSpPr>
+            <a:cxnSpLocks/>
+            <a:stCxn id="49" idx="7"/>
+            <a:endCxn id="71" idx="7"/>
+          </p:cNvCxnSpPr>
+          <p:nvPr/>
+        </p:nvCxnSpPr>
+        <p:spPr>
+          <a:xfrm flipH="1">
+            <a:off x="5782365" y="1666959"/>
+            <a:ext cx="94107" cy="97645"/>
+          </a:xfrm>
+          <a:prstGeom prst="line">
+            <a:avLst/>
+          </a:prstGeom>
+          <a:solidFill>
+            <a:schemeClr val="bg1"/>
+          </a:solidFill>
+          <a:ln w="28575">
+            <a:solidFill>
+              <a:srgbClr val="00B0F0"/>
+            </a:solidFill>
+          </a:ln>
+        </p:spPr>
+        <p:style>
+          <a:lnRef idx="2">
+            <a:schemeClr val="accent1">
+              <a:shade val="50000"/>
+            </a:schemeClr>
+          </a:lnRef>
+          <a:fillRef idx="1">
+            <a:schemeClr val="accent1"/>
+          </a:fillRef>
+          <a:effectRef idx="0">
+            <a:schemeClr val="accent1"/>
+          </a:effectRef>
+          <a:fontRef idx="minor">
+            <a:schemeClr val="lt1"/>
+          </a:fontRef>
+        </p:style>
+      </p:cxnSp>
+      <p:sp>
+        <p:nvSpPr>
+          <p:cNvPr id="57" name="Rectangle 56">
+            <a:extLst>
+              <a:ext uri="{FF2B5EF4-FFF2-40B4-BE49-F238E27FC236}">
+                <a16:creationId xmlns:a16="http://schemas.microsoft.com/office/drawing/2014/main" id="{9EF7352C-58CE-4555-A4BD-05A9BE9AA460}"/>
+              </a:ext>
+            </a:extLst>
+          </p:cNvPr>
+          <p:cNvSpPr/>
+          <p:nvPr/>
+        </p:nvSpPr>
+        <p:spPr>
+          <a:xfrm>
+            <a:off x="5200913" y="2748968"/>
+            <a:ext cx="472198" cy="1222136"/>
+          </a:xfrm>
+          <a:prstGeom prst="rect">
+            <a:avLst/>
+          </a:prstGeom>
+          <a:solidFill>
+            <a:schemeClr val="accent2">
+              <a:lumMod val="20000"/>
+              <a:lumOff val="80000"/>
+            </a:schemeClr>
+          </a:solidFill>
+          <a:ln w="28575">
+            <a:solidFill>
+              <a:schemeClr val="accent2">
+                <a:lumMod val="50000"/>
+              </a:schemeClr>
+            </a:solidFill>
+          </a:ln>
+        </p:spPr>
+        <p:style>
+          <a:lnRef idx="2">
+            <a:schemeClr val="accent1">
+              <a:shade val="50000"/>
+            </a:schemeClr>
+          </a:lnRef>
+          <a:fillRef idx="1">
+            <a:schemeClr val="accent1"/>
+          </a:fillRef>
+          <a:effectRef idx="0">
+            <a:schemeClr val="accent1"/>
+          </a:effectRef>
+          <a:fontRef idx="minor">
+            <a:schemeClr val="lt1"/>
+          </a:fontRef>
+        </p:style>
+        <p:txBody>
+          <a:bodyPr vert="vert270" rtlCol="0" anchor="ctr"/>
+          <a:lstStyle/>
+          <a:p>
+            <a:pPr algn="ctr"/>
+            <a:r>
+              <a:rPr lang="fr-FR" sz="1400" dirty="0">
+                <a:ln>
+                  <a:solidFill>
+                    <a:schemeClr val="accent2">
+                      <a:lumMod val="50000"/>
+                    </a:schemeClr>
+                  </a:solidFill>
+                </a:ln>
+                <a:solidFill>
+                  <a:schemeClr val="accent2">
+                    <a:lumMod val="50000"/>
+                  </a:schemeClr>
+                </a:solidFill>
+              </a:rPr>
+              <a:t>Contrepoids</a:t>
+            </a:r>
+          </a:p>
+        </p:txBody>
+      </p:sp>
+    </p:spTree>
+    <p:extLst>
+      <p:ext uri="{BB962C8B-B14F-4D97-AF65-F5344CB8AC3E}">
+        <p14:creationId xmlns:p14="http://schemas.microsoft.com/office/powerpoint/2010/main" val="1878319178"/>
+      </p:ext>
+    </p:extLst>
+  </p:cSld>
+  <p:clrMapOvr>
+    <a:masterClrMapping/>
+  </p:clrMapOvr>
+</p:sld>
+</file>
+
+<file path=ppt/slides/slide3.xml><?xml version="1.0" encoding="utf-8"?>
 <p:sld xmlns:a="http://schemas.openxmlformats.org/drawingml/2006/main" xmlns:r="http://schemas.openxmlformats.org/officeDocument/2006/relationships" xmlns:p="http://schemas.openxmlformats.org/presentationml/2006/main">
   <p:cSld>
     <p:spTree>
@@ -11168,7 +13626,7 @@
 </p:sld>
 </file>
 
-<file path=ppt/slides/slide3.xml><?xml version="1.0" encoding="utf-8"?>
+<file path=ppt/slides/slide4.xml><?xml version="1.0" encoding="utf-8"?>
 <p:sld xmlns:a="http://schemas.openxmlformats.org/drawingml/2006/main" xmlns:r="http://schemas.openxmlformats.org/officeDocument/2006/relationships" xmlns:p="http://schemas.openxmlformats.org/presentationml/2006/main">
   <p:cSld>
     <p:spTree>
@@ -11482,8 +13940,8 @@
           </a:fontRef>
         </p:style>
       </p:cxnSp>
-      <mc:AlternateContent xmlns:mc="http://schemas.openxmlformats.org/markup-compatibility/2006">
-        <mc:Choice xmlns:a14="http://schemas.microsoft.com/office/drawing/2010/main" Requires="a14">
+      <mc:AlternateContent xmlns:mc="http://schemas.openxmlformats.org/markup-compatibility/2006" xmlns:a14="http://schemas.microsoft.com/office/drawing/2010/main">
+        <mc:Choice Requires="a14">
           <p:sp>
             <p:nvSpPr>
               <p:cNvPr id="28" name="ZoneTexte 27">
@@ -11512,6 +13970,7 @@
               </a:bodyPr>
               <a:lstStyle/>
               <a:p>
+                <a:pPr/>
                 <a14:m>
                   <m:oMathPara xmlns:m="http://schemas.openxmlformats.org/officeDocument/2006/math">
                     <m:oMathParaPr>
@@ -11532,7 +13991,7 @@
             </p:txBody>
           </p:sp>
         </mc:Choice>
-        <mc:Fallback>
+        <mc:Fallback xmlns="">
           <p:sp>
             <p:nvSpPr>
               <p:cNvPr id="28" name="ZoneTexte 27">
@@ -11577,8 +14036,8 @@
           </p:sp>
         </mc:Fallback>
       </mc:AlternateContent>
-      <mc:AlternateContent xmlns:mc="http://schemas.openxmlformats.org/markup-compatibility/2006">
-        <mc:Choice xmlns:a14="http://schemas.microsoft.com/office/drawing/2010/main" Requires="a14">
+      <mc:AlternateContent xmlns:mc="http://schemas.openxmlformats.org/markup-compatibility/2006" xmlns:a14="http://schemas.microsoft.com/office/drawing/2010/main">
+        <mc:Choice Requires="a14">
           <p:sp>
             <p:nvSpPr>
               <p:cNvPr id="29" name="ZoneTexte 28">
@@ -11607,6 +14066,7 @@
               </a:bodyPr>
               <a:lstStyle/>
               <a:p>
+                <a:pPr/>
                 <a14:m>
                   <m:oMathPara xmlns:m="http://schemas.openxmlformats.org/officeDocument/2006/math">
                     <m:oMathParaPr>
@@ -11645,7 +14105,7 @@
             </p:txBody>
           </p:sp>
         </mc:Choice>
-        <mc:Fallback>
+        <mc:Fallback xmlns="">
           <p:sp>
             <p:nvSpPr>
               <p:cNvPr id="29" name="ZoneTexte 28">
@@ -11790,8 +14250,8 @@
           </a:fontRef>
         </p:style>
       </p:cxnSp>
-      <mc:AlternateContent xmlns:mc="http://schemas.openxmlformats.org/markup-compatibility/2006">
-        <mc:Choice xmlns:a14="http://schemas.microsoft.com/office/drawing/2010/main" Requires="a14">
+      <mc:AlternateContent xmlns:mc="http://schemas.openxmlformats.org/markup-compatibility/2006" xmlns:a14="http://schemas.microsoft.com/office/drawing/2010/main">
+        <mc:Choice Requires="a14">
           <p:sp>
             <p:nvSpPr>
               <p:cNvPr id="48" name="ZoneTexte 47">
@@ -11820,6 +14280,7 @@
               </a:bodyPr>
               <a:lstStyle/>
               <a:p>
+                <a:pPr/>
                 <a14:m>
                   <m:oMathPara xmlns:m="http://schemas.openxmlformats.org/officeDocument/2006/math">
                     <m:oMathParaPr>
@@ -11859,7 +14320,7 @@
             </p:txBody>
           </p:sp>
         </mc:Choice>
-        <mc:Fallback>
+        <mc:Fallback xmlns="">
           <p:sp>
             <p:nvSpPr>
               <p:cNvPr id="48" name="ZoneTexte 47">
@@ -12066,8 +14527,8 @@
             </a:fontRef>
           </p:style>
         </p:cxnSp>
-        <mc:AlternateContent xmlns:mc="http://schemas.openxmlformats.org/markup-compatibility/2006">
-          <mc:Choice xmlns:a14="http://schemas.microsoft.com/office/drawing/2010/main" Requires="a14">
+        <mc:AlternateContent xmlns:mc="http://schemas.openxmlformats.org/markup-compatibility/2006" xmlns:a14="http://schemas.microsoft.com/office/drawing/2010/main">
+          <mc:Choice Requires="a14">
             <p:sp>
               <p:nvSpPr>
                 <p:cNvPr id="55" name="ZoneTexte 54">
@@ -12096,6 +14557,7 @@
                 </a:bodyPr>
                 <a:lstStyle/>
                 <a:p>
+                  <a:pPr/>
                   <a14:m>
                     <m:oMathPara xmlns:m="http://schemas.openxmlformats.org/officeDocument/2006/math">
                       <m:oMathParaPr>
@@ -12116,7 +14578,7 @@
               </p:txBody>
             </p:sp>
           </mc:Choice>
-          <mc:Fallback>
+          <mc:Fallback xmlns="">
             <p:sp>
               <p:nvSpPr>
                 <p:cNvPr id="55" name="ZoneTexte 54">
@@ -12161,8 +14623,8 @@
             </p:sp>
           </mc:Fallback>
         </mc:AlternateContent>
-        <mc:AlternateContent xmlns:mc="http://schemas.openxmlformats.org/markup-compatibility/2006">
-          <mc:Choice xmlns:a14="http://schemas.microsoft.com/office/drawing/2010/main" Requires="a14">
+        <mc:AlternateContent xmlns:mc="http://schemas.openxmlformats.org/markup-compatibility/2006" xmlns:a14="http://schemas.microsoft.com/office/drawing/2010/main">
+          <mc:Choice Requires="a14">
             <p:sp>
               <p:nvSpPr>
                 <p:cNvPr id="56" name="ZoneTexte 55">
@@ -12191,6 +14653,7 @@
                 </a:bodyPr>
                 <a:lstStyle/>
                 <a:p>
+                  <a:pPr/>
                   <a14:m>
                     <m:oMathPara xmlns:m="http://schemas.openxmlformats.org/officeDocument/2006/math">
                       <m:oMathParaPr>
@@ -12229,7 +14692,7 @@
               </p:txBody>
             </p:sp>
           </mc:Choice>
-          <mc:Fallback>
+          <mc:Fallback xmlns="">
             <p:sp>
               <p:nvSpPr>
                 <p:cNvPr id="56" name="ZoneTexte 55">
@@ -12324,8 +14787,8 @@
             </a:fontRef>
           </p:style>
         </p:cxnSp>
-        <mc:AlternateContent xmlns:mc="http://schemas.openxmlformats.org/markup-compatibility/2006">
-          <mc:Choice xmlns:a14="http://schemas.microsoft.com/office/drawing/2010/main" Requires="a14">
+        <mc:AlternateContent xmlns:mc="http://schemas.openxmlformats.org/markup-compatibility/2006" xmlns:a14="http://schemas.microsoft.com/office/drawing/2010/main">
+          <mc:Choice Requires="a14">
             <p:sp>
               <p:nvSpPr>
                 <p:cNvPr id="66" name="ZoneTexte 65">
@@ -12354,6 +14817,7 @@
                 </a:bodyPr>
                 <a:lstStyle/>
                 <a:p>
+                  <a:pPr/>
                   <a14:m>
                     <m:oMathPara xmlns:m="http://schemas.openxmlformats.org/officeDocument/2006/math">
                       <m:oMathParaPr>
@@ -12393,7 +14857,7 @@
               </p:txBody>
             </p:sp>
           </mc:Choice>
-          <mc:Fallback>
+          <mc:Fallback xmlns="">
             <p:sp>
               <p:nvSpPr>
                 <p:cNvPr id="66" name="ZoneTexte 65">
@@ -12731,8 +15195,8 @@
           </a:fontRef>
         </p:style>
       </p:cxnSp>
-      <mc:AlternateContent xmlns:mc="http://schemas.openxmlformats.org/markup-compatibility/2006">
-        <mc:Choice xmlns:a14="http://schemas.microsoft.com/office/drawing/2010/main" Requires="a14">
+      <mc:AlternateContent xmlns:mc="http://schemas.openxmlformats.org/markup-compatibility/2006" xmlns:a14="http://schemas.microsoft.com/office/drawing/2010/main">
+        <mc:Choice Requires="a14">
           <p:sp>
             <p:nvSpPr>
               <p:cNvPr id="85" name="ZoneTexte 84">
@@ -12761,6 +15225,7 @@
               </a:bodyPr>
               <a:lstStyle/>
               <a:p>
+                <a:pPr/>
                 <a14:m>
                   <m:oMathPara xmlns:m="http://schemas.openxmlformats.org/officeDocument/2006/math">
                     <m:oMathParaPr>
@@ -12781,7 +15246,7 @@
             </p:txBody>
           </p:sp>
         </mc:Choice>
-        <mc:Fallback>
+        <mc:Fallback xmlns="">
           <p:sp>
             <p:nvSpPr>
               <p:cNvPr id="85" name="ZoneTexte 84">
@@ -12826,8 +15291,8 @@
           </p:sp>
         </mc:Fallback>
       </mc:AlternateContent>
-      <mc:AlternateContent xmlns:mc="http://schemas.openxmlformats.org/markup-compatibility/2006">
-        <mc:Choice xmlns:a14="http://schemas.microsoft.com/office/drawing/2010/main" Requires="a14">
+      <mc:AlternateContent xmlns:mc="http://schemas.openxmlformats.org/markup-compatibility/2006" xmlns:a14="http://schemas.microsoft.com/office/drawing/2010/main">
+        <mc:Choice Requires="a14">
           <p:sp>
             <p:nvSpPr>
               <p:cNvPr id="86" name="ZoneTexte 85">
@@ -12856,6 +15321,7 @@
               </a:bodyPr>
               <a:lstStyle/>
               <a:p>
+                <a:pPr/>
                 <a14:m>
                   <m:oMathPara xmlns:m="http://schemas.openxmlformats.org/officeDocument/2006/math">
                     <m:oMathParaPr>
@@ -12894,7 +15360,7 @@
             </p:txBody>
           </p:sp>
         </mc:Choice>
-        <mc:Fallback>
+        <mc:Fallback xmlns="">
           <p:sp>
             <p:nvSpPr>
               <p:cNvPr id="86" name="ZoneTexte 85">
@@ -12989,8 +15455,8 @@
           </a:fontRef>
         </p:style>
       </p:cxnSp>
-      <mc:AlternateContent xmlns:mc="http://schemas.openxmlformats.org/markup-compatibility/2006">
-        <mc:Choice xmlns:a14="http://schemas.microsoft.com/office/drawing/2010/main" Requires="a14">
+      <mc:AlternateContent xmlns:mc="http://schemas.openxmlformats.org/markup-compatibility/2006" xmlns:a14="http://schemas.microsoft.com/office/drawing/2010/main">
+        <mc:Choice Requires="a14">
           <p:sp>
             <p:nvSpPr>
               <p:cNvPr id="88" name="ZoneTexte 87">
@@ -13019,6 +15485,7 @@
               </a:bodyPr>
               <a:lstStyle/>
               <a:p>
+                <a:pPr/>
                 <a14:m>
                   <m:oMathPara xmlns:m="http://schemas.openxmlformats.org/officeDocument/2006/math">
                     <m:oMathParaPr>
@@ -13058,7 +15525,7 @@
             </p:txBody>
           </p:sp>
         </mc:Choice>
-        <mc:Fallback>
+        <mc:Fallback xmlns="">
           <p:sp>
             <p:nvSpPr>
               <p:cNvPr id="88" name="ZoneTexte 87">
@@ -13203,8 +15670,8 @@
           </a:fontRef>
         </p:style>
       </p:cxnSp>
-      <mc:AlternateContent xmlns:mc="http://schemas.openxmlformats.org/markup-compatibility/2006">
-        <mc:Choice xmlns:a14="http://schemas.microsoft.com/office/drawing/2010/main" Requires="a14">
+      <mc:AlternateContent xmlns:mc="http://schemas.openxmlformats.org/markup-compatibility/2006" xmlns:a14="http://schemas.microsoft.com/office/drawing/2010/main">
+        <mc:Choice Requires="a14">
           <p:sp>
             <p:nvSpPr>
               <p:cNvPr id="91" name="ZoneTexte 90">
@@ -13233,6 +15700,7 @@
               </a:bodyPr>
               <a:lstStyle/>
               <a:p>
+                <a:pPr/>
                 <a14:m>
                   <m:oMathPara xmlns:m="http://schemas.openxmlformats.org/officeDocument/2006/math">
                     <m:oMathParaPr>
@@ -13272,7 +15740,7 @@
             </p:txBody>
           </p:sp>
         </mc:Choice>
-        <mc:Fallback>
+        <mc:Fallback xmlns="">
           <p:sp>
             <p:nvSpPr>
               <p:cNvPr id="91" name="ZoneTexte 90">

--- a/Chapitre_01_Energetique/Cy_06_01_Application_04_Mammographie/images/Figures.pptx
+++ b/Chapitre_01_Energetique/Cy_06_01_Application_04_Mammographie/images/Figures.pptx
@@ -7,8 +7,10 @@
   <p:sldIdLst>
     <p:sldId id="256" r:id="rId2"/>
     <p:sldId id="259" r:id="rId3"/>
-    <p:sldId id="257" r:id="rId4"/>
-    <p:sldId id="258" r:id="rId5"/>
+    <p:sldId id="260" r:id="rId4"/>
+    <p:sldId id="257" r:id="rId5"/>
+    <p:sldId id="261" r:id="rId6"/>
+    <p:sldId id="258" r:id="rId7"/>
   </p:sldIdLst>
   <p:sldSz cx="12192000" cy="6858000"/>
   <p:notesSz cx="6858000" cy="9144000"/>
@@ -262,7 +264,7 @@
           <a:p>
             <a:fld id="{AE586705-6A2C-477C-BCED-5CFA24B97EE3}" type="datetimeFigureOut">
               <a:rPr lang="fr-FR" smtClean="0"/>
-              <a:t>01/06/2020</a:t>
+              <a:t>02/06/2020</a:t>
             </a:fld>
             <a:endParaRPr lang="fr-FR"/>
           </a:p>
@@ -460,7 +462,7 @@
           <a:p>
             <a:fld id="{AE586705-6A2C-477C-BCED-5CFA24B97EE3}" type="datetimeFigureOut">
               <a:rPr lang="fr-FR" smtClean="0"/>
-              <a:t>01/06/2020</a:t>
+              <a:t>02/06/2020</a:t>
             </a:fld>
             <a:endParaRPr lang="fr-FR"/>
           </a:p>
@@ -668,7 +670,7 @@
           <a:p>
             <a:fld id="{AE586705-6A2C-477C-BCED-5CFA24B97EE3}" type="datetimeFigureOut">
               <a:rPr lang="fr-FR" smtClean="0"/>
-              <a:t>01/06/2020</a:t>
+              <a:t>02/06/2020</a:t>
             </a:fld>
             <a:endParaRPr lang="fr-FR"/>
           </a:p>
@@ -866,7 +868,7 @@
           <a:p>
             <a:fld id="{AE586705-6A2C-477C-BCED-5CFA24B97EE3}" type="datetimeFigureOut">
               <a:rPr lang="fr-FR" smtClean="0"/>
-              <a:t>01/06/2020</a:t>
+              <a:t>02/06/2020</a:t>
             </a:fld>
             <a:endParaRPr lang="fr-FR"/>
           </a:p>
@@ -1141,7 +1143,7 @@
           <a:p>
             <a:fld id="{AE586705-6A2C-477C-BCED-5CFA24B97EE3}" type="datetimeFigureOut">
               <a:rPr lang="fr-FR" smtClean="0"/>
-              <a:t>01/06/2020</a:t>
+              <a:t>02/06/2020</a:t>
             </a:fld>
             <a:endParaRPr lang="fr-FR"/>
           </a:p>
@@ -1406,7 +1408,7 @@
           <a:p>
             <a:fld id="{AE586705-6A2C-477C-BCED-5CFA24B97EE3}" type="datetimeFigureOut">
               <a:rPr lang="fr-FR" smtClean="0"/>
-              <a:t>01/06/2020</a:t>
+              <a:t>02/06/2020</a:t>
             </a:fld>
             <a:endParaRPr lang="fr-FR"/>
           </a:p>
@@ -1818,7 +1820,7 @@
           <a:p>
             <a:fld id="{AE586705-6A2C-477C-BCED-5CFA24B97EE3}" type="datetimeFigureOut">
               <a:rPr lang="fr-FR" smtClean="0"/>
-              <a:t>01/06/2020</a:t>
+              <a:t>02/06/2020</a:t>
             </a:fld>
             <a:endParaRPr lang="fr-FR"/>
           </a:p>
@@ -1959,7 +1961,7 @@
           <a:p>
             <a:fld id="{AE586705-6A2C-477C-BCED-5CFA24B97EE3}" type="datetimeFigureOut">
               <a:rPr lang="fr-FR" smtClean="0"/>
-              <a:t>01/06/2020</a:t>
+              <a:t>02/06/2020</a:t>
             </a:fld>
             <a:endParaRPr lang="fr-FR"/>
           </a:p>
@@ -2072,7 +2074,7 @@
           <a:p>
             <a:fld id="{AE586705-6A2C-477C-BCED-5CFA24B97EE3}" type="datetimeFigureOut">
               <a:rPr lang="fr-FR" smtClean="0"/>
-              <a:t>01/06/2020</a:t>
+              <a:t>02/06/2020</a:t>
             </a:fld>
             <a:endParaRPr lang="fr-FR"/>
           </a:p>
@@ -2383,7 +2385,7 @@
           <a:p>
             <a:fld id="{AE586705-6A2C-477C-BCED-5CFA24B97EE3}" type="datetimeFigureOut">
               <a:rPr lang="fr-FR" smtClean="0"/>
-              <a:t>01/06/2020</a:t>
+              <a:t>02/06/2020</a:t>
             </a:fld>
             <a:endParaRPr lang="fr-FR"/>
           </a:p>
@@ -2671,7 +2673,7 @@
           <a:p>
             <a:fld id="{AE586705-6A2C-477C-BCED-5CFA24B97EE3}" type="datetimeFigureOut">
               <a:rPr lang="fr-FR" smtClean="0"/>
-              <a:t>01/06/2020</a:t>
+              <a:t>02/06/2020</a:t>
             </a:fld>
             <a:endParaRPr lang="fr-FR"/>
           </a:p>
@@ -2912,7 +2914,7 @@
           <a:p>
             <a:fld id="{AE586705-6A2C-477C-BCED-5CFA24B97EE3}" type="datetimeFigureOut">
               <a:rPr lang="fr-FR" smtClean="0"/>
-              <a:t>01/06/2020</a:t>
+              <a:t>02/06/2020</a:t>
             </a:fld>
             <a:endParaRPr lang="fr-FR"/>
           </a:p>
@@ -9597,6 +9599,3444 @@
 </file>
 
 <file path=ppt/slides/slide3.xml><?xml version="1.0" encoding="utf-8"?>
+<p:sld xmlns:a="http://schemas.openxmlformats.org/drawingml/2006/main" xmlns:r="http://schemas.openxmlformats.org/officeDocument/2006/relationships" xmlns:p="http://schemas.openxmlformats.org/presentationml/2006/main">
+  <p:cSld>
+    <p:spTree>
+      <p:nvGrpSpPr>
+        <p:cNvPr id="1" name=""/>
+        <p:cNvGrpSpPr/>
+        <p:nvPr/>
+      </p:nvGrpSpPr>
+      <p:grpSpPr>
+        <a:xfrm>
+          <a:off x="0" y="0"/>
+          <a:ext cx="0" cy="0"/>
+          <a:chOff x="0" y="0"/>
+          <a:chExt cx="0" cy="0"/>
+        </a:xfrm>
+      </p:grpSpPr>
+      <p:cxnSp>
+        <p:nvCxnSpPr>
+          <p:cNvPr id="44" name="Connecteur droit 43">
+            <a:extLst>
+              <a:ext uri="{FF2B5EF4-FFF2-40B4-BE49-F238E27FC236}">
+                <a16:creationId xmlns:a16="http://schemas.microsoft.com/office/drawing/2014/main" id="{E0E4B345-8009-4FF2-9099-CB97D6B6FBE3}"/>
+              </a:ext>
+            </a:extLst>
+          </p:cNvPr>
+          <p:cNvCxnSpPr>
+            <a:cxnSpLocks/>
+          </p:cNvCxnSpPr>
+          <p:nvPr/>
+        </p:nvCxnSpPr>
+        <p:spPr>
+          <a:xfrm flipV="1">
+            <a:off x="5483595" y="3721100"/>
+            <a:ext cx="0" cy="396000"/>
+          </a:xfrm>
+          <a:prstGeom prst="line">
+            <a:avLst/>
+          </a:prstGeom>
+          <a:noFill/>
+          <a:ln w="28575">
+            <a:solidFill>
+              <a:srgbClr val="00B050"/>
+            </a:solidFill>
+          </a:ln>
+        </p:spPr>
+        <p:style>
+          <a:lnRef idx="2">
+            <a:schemeClr val="accent1">
+              <a:shade val="50000"/>
+            </a:schemeClr>
+          </a:lnRef>
+          <a:fillRef idx="1">
+            <a:schemeClr val="accent1"/>
+          </a:fillRef>
+          <a:effectRef idx="0">
+            <a:schemeClr val="accent1"/>
+          </a:effectRef>
+          <a:fontRef idx="minor">
+            <a:schemeClr val="lt1"/>
+          </a:fontRef>
+        </p:style>
+      </p:cxnSp>
+      <p:cxnSp>
+        <p:nvCxnSpPr>
+          <p:cNvPr id="48" name="Connecteur droit 47">
+            <a:extLst>
+              <a:ext uri="{FF2B5EF4-FFF2-40B4-BE49-F238E27FC236}">
+                <a16:creationId xmlns:a16="http://schemas.microsoft.com/office/drawing/2014/main" id="{0DBF3EC2-A1AC-4FA9-B95E-93021D9077E9}"/>
+              </a:ext>
+            </a:extLst>
+          </p:cNvPr>
+          <p:cNvCxnSpPr>
+            <a:cxnSpLocks/>
+            <a:stCxn id="49" idx="4"/>
+          </p:cNvCxnSpPr>
+          <p:nvPr/>
+        </p:nvCxnSpPr>
+        <p:spPr>
+          <a:xfrm>
+            <a:off x="5709525" y="2070005"/>
+            <a:ext cx="0" cy="2016966"/>
+          </a:xfrm>
+          <a:prstGeom prst="line">
+            <a:avLst/>
+          </a:prstGeom>
+          <a:noFill/>
+          <a:ln w="28575">
+            <a:solidFill>
+              <a:srgbClr val="00B050"/>
+            </a:solidFill>
+          </a:ln>
+        </p:spPr>
+        <p:style>
+          <a:lnRef idx="2">
+            <a:schemeClr val="accent1">
+              <a:shade val="50000"/>
+            </a:schemeClr>
+          </a:lnRef>
+          <a:fillRef idx="1">
+            <a:schemeClr val="accent1"/>
+          </a:fillRef>
+          <a:effectRef idx="0">
+            <a:schemeClr val="accent1"/>
+          </a:effectRef>
+          <a:fontRef idx="minor">
+            <a:schemeClr val="lt1"/>
+          </a:fontRef>
+        </p:style>
+      </p:cxnSp>
+      <p:sp>
+        <p:nvSpPr>
+          <p:cNvPr id="34" name="Forme libre : forme 33">
+            <a:extLst>
+              <a:ext uri="{FF2B5EF4-FFF2-40B4-BE49-F238E27FC236}">
+                <a16:creationId xmlns:a16="http://schemas.microsoft.com/office/drawing/2014/main" id="{314A2BFF-0FA3-4BD8-90D6-90B3BCFBF0AE}"/>
+              </a:ext>
+            </a:extLst>
+          </p:cNvPr>
+          <p:cNvSpPr/>
+          <p:nvPr/>
+        </p:nvSpPr>
+        <p:spPr>
+          <a:xfrm rot="5400000">
+            <a:off x="7316365" y="3888457"/>
+            <a:ext cx="142722" cy="539751"/>
+          </a:xfrm>
+          <a:custGeom>
+            <a:avLst/>
+            <a:gdLst>
+              <a:gd name="connsiteX0" fmla="*/ 12700 w 139750"/>
+              <a:gd name="connsiteY0" fmla="*/ 0 h 539750"/>
+              <a:gd name="connsiteX1" fmla="*/ 139700 w 139750"/>
+              <a:gd name="connsiteY1" fmla="*/ 311150 h 539750"/>
+              <a:gd name="connsiteX2" fmla="*/ 0 w 139750"/>
+              <a:gd name="connsiteY2" fmla="*/ 539750 h 539750"/>
+              <a:gd name="connsiteX0" fmla="*/ 12700 w 159049"/>
+              <a:gd name="connsiteY0" fmla="*/ 0 h 539750"/>
+              <a:gd name="connsiteX1" fmla="*/ 139700 w 159049"/>
+              <a:gd name="connsiteY1" fmla="*/ 311150 h 539750"/>
+              <a:gd name="connsiteX2" fmla="*/ 0 w 159049"/>
+              <a:gd name="connsiteY2" fmla="*/ 539750 h 539750"/>
+              <a:gd name="connsiteX0" fmla="*/ 12700 w 159049"/>
+              <a:gd name="connsiteY0" fmla="*/ 0 h 539751"/>
+              <a:gd name="connsiteX1" fmla="*/ 139700 w 159049"/>
+              <a:gd name="connsiteY1" fmla="*/ 311150 h 539751"/>
+              <a:gd name="connsiteX2" fmla="*/ 0 w 159049"/>
+              <a:gd name="connsiteY2" fmla="*/ 539750 h 539751"/>
+              <a:gd name="connsiteX0" fmla="*/ 12700 w 142722"/>
+              <a:gd name="connsiteY0" fmla="*/ 0 h 539751"/>
+              <a:gd name="connsiteX1" fmla="*/ 107950 w 142722"/>
+              <a:gd name="connsiteY1" fmla="*/ 279400 h 539751"/>
+              <a:gd name="connsiteX2" fmla="*/ 0 w 142722"/>
+              <a:gd name="connsiteY2" fmla="*/ 539750 h 539751"/>
+              <a:gd name="connsiteX0" fmla="*/ 12700 w 142722"/>
+              <a:gd name="connsiteY0" fmla="*/ 0 h 539751"/>
+              <a:gd name="connsiteX1" fmla="*/ 107950 w 142722"/>
+              <a:gd name="connsiteY1" fmla="*/ 279400 h 539751"/>
+              <a:gd name="connsiteX2" fmla="*/ 0 w 142722"/>
+              <a:gd name="connsiteY2" fmla="*/ 539750 h 539751"/>
+            </a:gdLst>
+            <a:ahLst/>
+            <a:cxnLst>
+              <a:cxn ang="0">
+                <a:pos x="connsiteX0" y="connsiteY0"/>
+              </a:cxn>
+              <a:cxn ang="0">
+                <a:pos x="connsiteX1" y="connsiteY1"/>
+              </a:cxn>
+              <a:cxn ang="0">
+                <a:pos x="connsiteX2" y="connsiteY2"/>
+              </a:cxn>
+            </a:cxnLst>
+            <a:rect l="l" t="t" r="r" b="b"/>
+            <a:pathLst>
+              <a:path w="142722" h="539751">
+                <a:moveTo>
+                  <a:pt x="12700" y="0"/>
+                </a:moveTo>
+                <a:cubicBezTo>
+                  <a:pt x="229658" y="2646"/>
+                  <a:pt x="110067" y="189442"/>
+                  <a:pt x="107950" y="279400"/>
+                </a:cubicBezTo>
+                <a:cubicBezTo>
+                  <a:pt x="105833" y="369358"/>
+                  <a:pt x="195791" y="540279"/>
+                  <a:pt x="0" y="539750"/>
+                </a:cubicBezTo>
+              </a:path>
+            </a:pathLst>
+          </a:custGeom>
+          <a:solidFill>
+            <a:srgbClr val="92D050">
+              <a:alpha val="44000"/>
+            </a:srgbClr>
+          </a:solidFill>
+          <a:ln>
+            <a:solidFill>
+              <a:srgbClr val="00B050"/>
+            </a:solidFill>
+          </a:ln>
+        </p:spPr>
+        <p:style>
+          <a:lnRef idx="2">
+            <a:schemeClr val="accent1">
+              <a:shade val="50000"/>
+            </a:schemeClr>
+          </a:lnRef>
+          <a:fillRef idx="1">
+            <a:schemeClr val="accent1"/>
+          </a:fillRef>
+          <a:effectRef idx="0">
+            <a:schemeClr val="accent1"/>
+          </a:effectRef>
+          <a:fontRef idx="minor">
+            <a:schemeClr val="lt1"/>
+          </a:fontRef>
+        </p:style>
+        <p:txBody>
+          <a:bodyPr rtlCol="0" anchor="ctr"/>
+          <a:lstStyle/>
+          <a:p>
+            <a:pPr algn="ctr"/>
+            <a:endParaRPr lang="fr-FR"/>
+          </a:p>
+        </p:txBody>
+      </p:sp>
+      <p:sp>
+        <p:nvSpPr>
+          <p:cNvPr id="25" name="Forme libre : forme 24">
+            <a:extLst>
+              <a:ext uri="{FF2B5EF4-FFF2-40B4-BE49-F238E27FC236}">
+                <a16:creationId xmlns:a16="http://schemas.microsoft.com/office/drawing/2014/main" id="{6DA1B4F7-D9A1-42F3-AF9E-4AFA3BD693A0}"/>
+              </a:ext>
+            </a:extLst>
+          </p:cNvPr>
+          <p:cNvSpPr/>
+          <p:nvPr/>
+        </p:nvSpPr>
+        <p:spPr>
+          <a:xfrm>
+            <a:off x="8991600" y="3822700"/>
+            <a:ext cx="142722" cy="539751"/>
+          </a:xfrm>
+          <a:custGeom>
+            <a:avLst/>
+            <a:gdLst>
+              <a:gd name="connsiteX0" fmla="*/ 12700 w 139750"/>
+              <a:gd name="connsiteY0" fmla="*/ 0 h 539750"/>
+              <a:gd name="connsiteX1" fmla="*/ 139700 w 139750"/>
+              <a:gd name="connsiteY1" fmla="*/ 311150 h 539750"/>
+              <a:gd name="connsiteX2" fmla="*/ 0 w 139750"/>
+              <a:gd name="connsiteY2" fmla="*/ 539750 h 539750"/>
+              <a:gd name="connsiteX0" fmla="*/ 12700 w 159049"/>
+              <a:gd name="connsiteY0" fmla="*/ 0 h 539750"/>
+              <a:gd name="connsiteX1" fmla="*/ 139700 w 159049"/>
+              <a:gd name="connsiteY1" fmla="*/ 311150 h 539750"/>
+              <a:gd name="connsiteX2" fmla="*/ 0 w 159049"/>
+              <a:gd name="connsiteY2" fmla="*/ 539750 h 539750"/>
+              <a:gd name="connsiteX0" fmla="*/ 12700 w 159049"/>
+              <a:gd name="connsiteY0" fmla="*/ 0 h 539751"/>
+              <a:gd name="connsiteX1" fmla="*/ 139700 w 159049"/>
+              <a:gd name="connsiteY1" fmla="*/ 311150 h 539751"/>
+              <a:gd name="connsiteX2" fmla="*/ 0 w 159049"/>
+              <a:gd name="connsiteY2" fmla="*/ 539750 h 539751"/>
+              <a:gd name="connsiteX0" fmla="*/ 12700 w 142722"/>
+              <a:gd name="connsiteY0" fmla="*/ 0 h 539751"/>
+              <a:gd name="connsiteX1" fmla="*/ 107950 w 142722"/>
+              <a:gd name="connsiteY1" fmla="*/ 279400 h 539751"/>
+              <a:gd name="connsiteX2" fmla="*/ 0 w 142722"/>
+              <a:gd name="connsiteY2" fmla="*/ 539750 h 539751"/>
+              <a:gd name="connsiteX0" fmla="*/ 12700 w 142722"/>
+              <a:gd name="connsiteY0" fmla="*/ 0 h 539751"/>
+              <a:gd name="connsiteX1" fmla="*/ 107950 w 142722"/>
+              <a:gd name="connsiteY1" fmla="*/ 279400 h 539751"/>
+              <a:gd name="connsiteX2" fmla="*/ 0 w 142722"/>
+              <a:gd name="connsiteY2" fmla="*/ 539750 h 539751"/>
+            </a:gdLst>
+            <a:ahLst/>
+            <a:cxnLst>
+              <a:cxn ang="0">
+                <a:pos x="connsiteX0" y="connsiteY0"/>
+              </a:cxn>
+              <a:cxn ang="0">
+                <a:pos x="connsiteX1" y="connsiteY1"/>
+              </a:cxn>
+              <a:cxn ang="0">
+                <a:pos x="connsiteX2" y="connsiteY2"/>
+              </a:cxn>
+            </a:cxnLst>
+            <a:rect l="l" t="t" r="r" b="b"/>
+            <a:pathLst>
+              <a:path w="142722" h="539751">
+                <a:moveTo>
+                  <a:pt x="12700" y="0"/>
+                </a:moveTo>
+                <a:cubicBezTo>
+                  <a:pt x="229658" y="2646"/>
+                  <a:pt x="110067" y="189442"/>
+                  <a:pt x="107950" y="279400"/>
+                </a:cubicBezTo>
+                <a:cubicBezTo>
+                  <a:pt x="105833" y="369358"/>
+                  <a:pt x="195791" y="540279"/>
+                  <a:pt x="0" y="539750"/>
+                </a:cubicBezTo>
+              </a:path>
+            </a:pathLst>
+          </a:custGeom>
+          <a:solidFill>
+            <a:srgbClr val="92D050">
+              <a:alpha val="44000"/>
+            </a:srgbClr>
+          </a:solidFill>
+          <a:ln>
+            <a:solidFill>
+              <a:srgbClr val="00B050"/>
+            </a:solidFill>
+          </a:ln>
+        </p:spPr>
+        <p:style>
+          <a:lnRef idx="2">
+            <a:schemeClr val="accent1">
+              <a:shade val="50000"/>
+            </a:schemeClr>
+          </a:lnRef>
+          <a:fillRef idx="1">
+            <a:schemeClr val="accent1"/>
+          </a:fillRef>
+          <a:effectRef idx="0">
+            <a:schemeClr val="accent1"/>
+          </a:effectRef>
+          <a:fontRef idx="minor">
+            <a:schemeClr val="lt1"/>
+          </a:fontRef>
+        </p:style>
+        <p:txBody>
+          <a:bodyPr rtlCol="0" anchor="ctr"/>
+          <a:lstStyle/>
+          <a:p>
+            <a:pPr algn="ctr"/>
+            <a:endParaRPr lang="fr-FR"/>
+          </a:p>
+        </p:txBody>
+      </p:sp>
+      <p:sp>
+        <p:nvSpPr>
+          <p:cNvPr id="5" name="Ellipse 4">
+            <a:extLst>
+              <a:ext uri="{FF2B5EF4-FFF2-40B4-BE49-F238E27FC236}">
+                <a16:creationId xmlns:a16="http://schemas.microsoft.com/office/drawing/2014/main" id="{DB424FBC-4FC2-4BAD-BC6B-874A50162913}"/>
+              </a:ext>
+            </a:extLst>
+          </p:cNvPr>
+          <p:cNvSpPr/>
+          <p:nvPr/>
+        </p:nvSpPr>
+        <p:spPr>
+          <a:xfrm>
+            <a:off x="7997778" y="4606636"/>
+            <a:ext cx="533400" cy="533400"/>
+          </a:xfrm>
+          <a:prstGeom prst="ellipse">
+            <a:avLst/>
+          </a:prstGeom>
+          <a:noFill/>
+          <a:ln w="28575">
+            <a:solidFill>
+              <a:schemeClr val="tx1">
+                <a:lumMod val="50000"/>
+                <a:lumOff val="50000"/>
+              </a:schemeClr>
+            </a:solidFill>
+          </a:ln>
+        </p:spPr>
+        <p:style>
+          <a:lnRef idx="2">
+            <a:schemeClr val="accent1">
+              <a:shade val="50000"/>
+            </a:schemeClr>
+          </a:lnRef>
+          <a:fillRef idx="1">
+            <a:schemeClr val="accent1"/>
+          </a:fillRef>
+          <a:effectRef idx="0">
+            <a:schemeClr val="accent1"/>
+          </a:effectRef>
+          <a:fontRef idx="minor">
+            <a:schemeClr val="lt1"/>
+          </a:fontRef>
+        </p:style>
+        <p:txBody>
+          <a:bodyPr rtlCol="0" anchor="ctr"/>
+          <a:lstStyle/>
+          <a:p>
+            <a:pPr algn="ctr"/>
+            <a:r>
+              <a:rPr lang="fr-FR" dirty="0">
+                <a:ln>
+                  <a:solidFill>
+                    <a:schemeClr val="tx1">
+                      <a:lumMod val="50000"/>
+                      <a:lumOff val="50000"/>
+                    </a:schemeClr>
+                  </a:solidFill>
+                </a:ln>
+                <a:solidFill>
+                  <a:schemeClr val="tx1">
+                    <a:lumMod val="50000"/>
+                    <a:lumOff val="50000"/>
+                  </a:schemeClr>
+                </a:solidFill>
+              </a:rPr>
+              <a:t>M</a:t>
+            </a:r>
+          </a:p>
+        </p:txBody>
+      </p:sp>
+      <p:cxnSp>
+        <p:nvCxnSpPr>
+          <p:cNvPr id="7" name="Connecteur droit 6">
+            <a:extLst>
+              <a:ext uri="{FF2B5EF4-FFF2-40B4-BE49-F238E27FC236}">
+                <a16:creationId xmlns:a16="http://schemas.microsoft.com/office/drawing/2014/main" id="{0497E5DC-0B4F-43E9-9131-5B4A15F94695}"/>
+              </a:ext>
+            </a:extLst>
+          </p:cNvPr>
+          <p:cNvCxnSpPr>
+            <a:stCxn id="5" idx="0"/>
+          </p:cNvCxnSpPr>
+          <p:nvPr/>
+        </p:nvCxnSpPr>
+        <p:spPr>
+          <a:xfrm flipV="1">
+            <a:off x="8264478" y="1977656"/>
+            <a:ext cx="0" cy="2628980"/>
+          </a:xfrm>
+          <a:prstGeom prst="line">
+            <a:avLst/>
+          </a:prstGeom>
+          <a:noFill/>
+          <a:ln w="28575">
+            <a:solidFill>
+              <a:schemeClr val="tx1">
+                <a:lumMod val="50000"/>
+                <a:lumOff val="50000"/>
+              </a:schemeClr>
+            </a:solidFill>
+          </a:ln>
+        </p:spPr>
+        <p:style>
+          <a:lnRef idx="2">
+            <a:schemeClr val="accent1">
+              <a:shade val="50000"/>
+            </a:schemeClr>
+          </a:lnRef>
+          <a:fillRef idx="1">
+            <a:schemeClr val="accent1"/>
+          </a:fillRef>
+          <a:effectRef idx="0">
+            <a:schemeClr val="accent1"/>
+          </a:effectRef>
+          <a:fontRef idx="minor">
+            <a:schemeClr val="lt1"/>
+          </a:fontRef>
+        </p:style>
+      </p:cxnSp>
+      <p:sp>
+        <p:nvSpPr>
+          <p:cNvPr id="8" name="Rectangle 7">
+            <a:extLst>
+              <a:ext uri="{FF2B5EF4-FFF2-40B4-BE49-F238E27FC236}">
+                <a16:creationId xmlns:a16="http://schemas.microsoft.com/office/drawing/2014/main" id="{B90CEECD-E128-4C88-A558-409744DE97B1}"/>
+              </a:ext>
+            </a:extLst>
+          </p:cNvPr>
+          <p:cNvSpPr/>
+          <p:nvPr/>
+        </p:nvSpPr>
+        <p:spPr>
+          <a:xfrm>
+            <a:off x="8120478" y="2716146"/>
+            <a:ext cx="288000" cy="576000"/>
+          </a:xfrm>
+          <a:prstGeom prst="rect">
+            <a:avLst/>
+          </a:prstGeom>
+          <a:solidFill>
+            <a:schemeClr val="bg1"/>
+          </a:solidFill>
+          <a:ln w="28575">
+            <a:solidFill>
+              <a:schemeClr val="accent2">
+                <a:lumMod val="50000"/>
+              </a:schemeClr>
+            </a:solidFill>
+          </a:ln>
+        </p:spPr>
+        <p:style>
+          <a:lnRef idx="2">
+            <a:schemeClr val="accent1">
+              <a:shade val="50000"/>
+            </a:schemeClr>
+          </a:lnRef>
+          <a:fillRef idx="1">
+            <a:schemeClr val="accent1"/>
+          </a:fillRef>
+          <a:effectRef idx="0">
+            <a:schemeClr val="accent1"/>
+          </a:effectRef>
+          <a:fontRef idx="minor">
+            <a:schemeClr val="lt1"/>
+          </a:fontRef>
+        </p:style>
+        <p:txBody>
+          <a:bodyPr rtlCol="0" anchor="ctr"/>
+          <a:lstStyle/>
+          <a:p>
+            <a:pPr algn="ctr"/>
+            <a:endParaRPr lang="fr-FR">
+              <a:ln>
+                <a:solidFill>
+                  <a:schemeClr val="tx1">
+                    <a:lumMod val="50000"/>
+                    <a:lumOff val="50000"/>
+                  </a:schemeClr>
+                </a:solidFill>
+              </a:ln>
+              <a:solidFill>
+                <a:schemeClr val="tx1">
+                  <a:lumMod val="50000"/>
+                  <a:lumOff val="50000"/>
+                </a:schemeClr>
+              </a:solidFill>
+            </a:endParaRPr>
+          </a:p>
+        </p:txBody>
+      </p:sp>
+      <p:grpSp>
+        <p:nvGrpSpPr>
+          <p:cNvPr id="13" name="Groupe 12">
+            <a:extLst>
+              <a:ext uri="{FF2B5EF4-FFF2-40B4-BE49-F238E27FC236}">
+                <a16:creationId xmlns:a16="http://schemas.microsoft.com/office/drawing/2014/main" id="{8E1F4CA9-4026-4437-8A8E-9F6B841E92BA}"/>
+              </a:ext>
+            </a:extLst>
+          </p:cNvPr>
+          <p:cNvGrpSpPr/>
+          <p:nvPr/>
+        </p:nvGrpSpPr>
+        <p:grpSpPr>
+          <a:xfrm rot="5400000">
+            <a:off x="7976949" y="2930849"/>
+            <a:ext cx="575059" cy="145654"/>
+            <a:chOff x="5565685" y="2400835"/>
+            <a:chExt cx="575059" cy="145654"/>
+          </a:xfrm>
+        </p:grpSpPr>
+        <p:sp>
+          <p:nvSpPr>
+            <p:cNvPr id="9" name="Arc 8">
+              <a:extLst>
+                <a:ext uri="{FF2B5EF4-FFF2-40B4-BE49-F238E27FC236}">
+                  <a16:creationId xmlns:a16="http://schemas.microsoft.com/office/drawing/2014/main" id="{3202C25B-D6FC-4543-B035-4608B889E07B}"/>
+                </a:ext>
+              </a:extLst>
+            </p:cNvPr>
+            <p:cNvSpPr/>
+            <p:nvPr/>
+          </p:nvSpPr>
+          <p:spPr>
+            <a:xfrm>
+              <a:off x="5565685" y="2402489"/>
+              <a:ext cx="144000" cy="144000"/>
+            </a:xfrm>
+            <a:prstGeom prst="arc">
+              <a:avLst>
+                <a:gd name="adj1" fmla="val 10868703"/>
+                <a:gd name="adj2" fmla="val 0"/>
+              </a:avLst>
+            </a:prstGeom>
+            <a:solidFill>
+              <a:schemeClr val="bg1"/>
+            </a:solidFill>
+            <a:ln w="28575">
+              <a:solidFill>
+                <a:schemeClr val="tx1">
+                  <a:lumMod val="50000"/>
+                  <a:lumOff val="50000"/>
+                </a:schemeClr>
+              </a:solidFill>
+            </a:ln>
+          </p:spPr>
+          <p:style>
+            <a:lnRef idx="2">
+              <a:schemeClr val="accent1">
+                <a:shade val="50000"/>
+              </a:schemeClr>
+            </a:lnRef>
+            <a:fillRef idx="1">
+              <a:schemeClr val="accent1"/>
+            </a:fillRef>
+            <a:effectRef idx="0">
+              <a:schemeClr val="accent1"/>
+            </a:effectRef>
+            <a:fontRef idx="minor">
+              <a:schemeClr val="lt1"/>
+            </a:fontRef>
+          </p:style>
+          <p:txBody>
+            <a:bodyPr rtlCol="0" anchor="ctr"/>
+            <a:lstStyle/>
+            <a:p>
+              <a:pPr algn="ctr"/>
+              <a:endParaRPr lang="fr-FR">
+                <a:ln>
+                  <a:solidFill>
+                    <a:schemeClr val="tx1">
+                      <a:lumMod val="50000"/>
+                      <a:lumOff val="50000"/>
+                    </a:schemeClr>
+                  </a:solidFill>
+                </a:ln>
+                <a:solidFill>
+                  <a:schemeClr val="tx1">
+                    <a:lumMod val="50000"/>
+                    <a:lumOff val="50000"/>
+                  </a:schemeClr>
+                </a:solidFill>
+              </a:endParaRPr>
+            </a:p>
+          </p:txBody>
+        </p:sp>
+        <p:sp>
+          <p:nvSpPr>
+            <p:cNvPr id="10" name="Arc 9">
+              <a:extLst>
+                <a:ext uri="{FF2B5EF4-FFF2-40B4-BE49-F238E27FC236}">
+                  <a16:creationId xmlns:a16="http://schemas.microsoft.com/office/drawing/2014/main" id="{894F4694-97CB-4E6B-8A08-D641A335FC3B}"/>
+                </a:ext>
+              </a:extLst>
+            </p:cNvPr>
+            <p:cNvSpPr/>
+            <p:nvPr/>
+          </p:nvSpPr>
+          <p:spPr>
+            <a:xfrm flipV="1">
+              <a:off x="5705214" y="2400835"/>
+              <a:ext cx="144000" cy="144000"/>
+            </a:xfrm>
+            <a:prstGeom prst="arc">
+              <a:avLst>
+                <a:gd name="adj1" fmla="val 10868703"/>
+                <a:gd name="adj2" fmla="val 0"/>
+              </a:avLst>
+            </a:prstGeom>
+            <a:solidFill>
+              <a:schemeClr val="bg1"/>
+            </a:solidFill>
+            <a:ln w="28575">
+              <a:solidFill>
+                <a:schemeClr val="tx1">
+                  <a:lumMod val="50000"/>
+                  <a:lumOff val="50000"/>
+                </a:schemeClr>
+              </a:solidFill>
+            </a:ln>
+          </p:spPr>
+          <p:style>
+            <a:lnRef idx="2">
+              <a:schemeClr val="accent1">
+                <a:shade val="50000"/>
+              </a:schemeClr>
+            </a:lnRef>
+            <a:fillRef idx="1">
+              <a:schemeClr val="accent1"/>
+            </a:fillRef>
+            <a:effectRef idx="0">
+              <a:schemeClr val="accent1"/>
+            </a:effectRef>
+            <a:fontRef idx="minor">
+              <a:schemeClr val="lt1"/>
+            </a:fontRef>
+          </p:style>
+          <p:txBody>
+            <a:bodyPr rtlCol="0" anchor="ctr"/>
+            <a:lstStyle/>
+            <a:p>
+              <a:pPr algn="ctr"/>
+              <a:endParaRPr lang="fr-FR">
+                <a:ln>
+                  <a:solidFill>
+                    <a:schemeClr val="tx1">
+                      <a:lumMod val="50000"/>
+                      <a:lumOff val="50000"/>
+                    </a:schemeClr>
+                  </a:solidFill>
+                </a:ln>
+                <a:solidFill>
+                  <a:schemeClr val="tx1">
+                    <a:lumMod val="50000"/>
+                    <a:lumOff val="50000"/>
+                  </a:schemeClr>
+                </a:solidFill>
+              </a:endParaRPr>
+            </a:p>
+          </p:txBody>
+        </p:sp>
+        <p:sp>
+          <p:nvSpPr>
+            <p:cNvPr id="11" name="Arc 10">
+              <a:extLst>
+                <a:ext uri="{FF2B5EF4-FFF2-40B4-BE49-F238E27FC236}">
+                  <a16:creationId xmlns:a16="http://schemas.microsoft.com/office/drawing/2014/main" id="{D411D02B-7234-4D04-9726-00F0A972CD13}"/>
+                </a:ext>
+              </a:extLst>
+            </p:cNvPr>
+            <p:cNvSpPr/>
+            <p:nvPr/>
+          </p:nvSpPr>
+          <p:spPr>
+            <a:xfrm>
+              <a:off x="5853686" y="2402489"/>
+              <a:ext cx="144000" cy="144000"/>
+            </a:xfrm>
+            <a:prstGeom prst="arc">
+              <a:avLst>
+                <a:gd name="adj1" fmla="val 10868703"/>
+                <a:gd name="adj2" fmla="val 0"/>
+              </a:avLst>
+            </a:prstGeom>
+            <a:solidFill>
+              <a:schemeClr val="bg1"/>
+            </a:solidFill>
+            <a:ln w="28575">
+              <a:solidFill>
+                <a:schemeClr val="tx1">
+                  <a:lumMod val="50000"/>
+                  <a:lumOff val="50000"/>
+                </a:schemeClr>
+              </a:solidFill>
+            </a:ln>
+          </p:spPr>
+          <p:style>
+            <a:lnRef idx="2">
+              <a:schemeClr val="accent1">
+                <a:shade val="50000"/>
+              </a:schemeClr>
+            </a:lnRef>
+            <a:fillRef idx="1">
+              <a:schemeClr val="accent1"/>
+            </a:fillRef>
+            <a:effectRef idx="0">
+              <a:schemeClr val="accent1"/>
+            </a:effectRef>
+            <a:fontRef idx="minor">
+              <a:schemeClr val="lt1"/>
+            </a:fontRef>
+          </p:style>
+          <p:txBody>
+            <a:bodyPr rtlCol="0" anchor="ctr"/>
+            <a:lstStyle/>
+            <a:p>
+              <a:pPr algn="ctr"/>
+              <a:endParaRPr lang="fr-FR">
+                <a:ln>
+                  <a:solidFill>
+                    <a:schemeClr val="tx1">
+                      <a:lumMod val="50000"/>
+                      <a:lumOff val="50000"/>
+                    </a:schemeClr>
+                  </a:solidFill>
+                </a:ln>
+                <a:solidFill>
+                  <a:schemeClr val="tx1">
+                    <a:lumMod val="50000"/>
+                    <a:lumOff val="50000"/>
+                  </a:schemeClr>
+                </a:solidFill>
+              </a:endParaRPr>
+            </a:p>
+          </p:txBody>
+        </p:sp>
+        <p:sp>
+          <p:nvSpPr>
+            <p:cNvPr id="12" name="Arc 11">
+              <a:extLst>
+                <a:ext uri="{FF2B5EF4-FFF2-40B4-BE49-F238E27FC236}">
+                  <a16:creationId xmlns:a16="http://schemas.microsoft.com/office/drawing/2014/main" id="{338C6779-21FA-4593-8C45-054FFCE67BDA}"/>
+                </a:ext>
+              </a:extLst>
+            </p:cNvPr>
+            <p:cNvSpPr/>
+            <p:nvPr/>
+          </p:nvSpPr>
+          <p:spPr>
+            <a:xfrm flipV="1">
+              <a:off x="5996744" y="2400835"/>
+              <a:ext cx="144000" cy="144000"/>
+            </a:xfrm>
+            <a:prstGeom prst="arc">
+              <a:avLst>
+                <a:gd name="adj1" fmla="val 10868703"/>
+                <a:gd name="adj2" fmla="val 0"/>
+              </a:avLst>
+            </a:prstGeom>
+            <a:solidFill>
+              <a:schemeClr val="bg1"/>
+            </a:solidFill>
+            <a:ln w="28575">
+              <a:solidFill>
+                <a:schemeClr val="tx1">
+                  <a:lumMod val="50000"/>
+                  <a:lumOff val="50000"/>
+                </a:schemeClr>
+              </a:solidFill>
+            </a:ln>
+          </p:spPr>
+          <p:style>
+            <a:lnRef idx="2">
+              <a:schemeClr val="accent1">
+                <a:shade val="50000"/>
+              </a:schemeClr>
+            </a:lnRef>
+            <a:fillRef idx="1">
+              <a:schemeClr val="accent1"/>
+            </a:fillRef>
+            <a:effectRef idx="0">
+              <a:schemeClr val="accent1"/>
+            </a:effectRef>
+            <a:fontRef idx="minor">
+              <a:schemeClr val="lt1"/>
+            </a:fontRef>
+          </p:style>
+          <p:txBody>
+            <a:bodyPr rtlCol="0" anchor="ctr"/>
+            <a:lstStyle/>
+            <a:p>
+              <a:pPr algn="ctr"/>
+              <a:endParaRPr lang="fr-FR">
+                <a:ln>
+                  <a:solidFill>
+                    <a:schemeClr val="tx1">
+                      <a:lumMod val="50000"/>
+                      <a:lumOff val="50000"/>
+                    </a:schemeClr>
+                  </a:solidFill>
+                </a:ln>
+                <a:solidFill>
+                  <a:schemeClr val="tx1">
+                    <a:lumMod val="50000"/>
+                    <a:lumOff val="50000"/>
+                  </a:schemeClr>
+                </a:solidFill>
+              </a:endParaRPr>
+            </a:p>
+          </p:txBody>
+        </p:sp>
+      </p:grpSp>
+      <p:sp>
+        <p:nvSpPr>
+          <p:cNvPr id="15" name="Rectangle 14">
+            <a:extLst>
+              <a:ext uri="{FF2B5EF4-FFF2-40B4-BE49-F238E27FC236}">
+                <a16:creationId xmlns:a16="http://schemas.microsoft.com/office/drawing/2014/main" id="{8F994A21-73D3-4528-8604-54767E612210}"/>
+              </a:ext>
+            </a:extLst>
+          </p:cNvPr>
+          <p:cNvSpPr/>
+          <p:nvPr/>
+        </p:nvSpPr>
+        <p:spPr>
+          <a:xfrm>
+            <a:off x="8119652" y="3812401"/>
+            <a:ext cx="288000" cy="576000"/>
+          </a:xfrm>
+          <a:prstGeom prst="rect">
+            <a:avLst/>
+          </a:prstGeom>
+          <a:noFill/>
+          <a:ln w="28575">
+            <a:solidFill>
+              <a:srgbClr val="00B050"/>
+            </a:solidFill>
+          </a:ln>
+        </p:spPr>
+        <p:style>
+          <a:lnRef idx="2">
+            <a:schemeClr val="accent1">
+              <a:shade val="50000"/>
+            </a:schemeClr>
+          </a:lnRef>
+          <a:fillRef idx="1">
+            <a:schemeClr val="accent1"/>
+          </a:fillRef>
+          <a:effectRef idx="0">
+            <a:schemeClr val="accent1"/>
+          </a:effectRef>
+          <a:fontRef idx="minor">
+            <a:schemeClr val="lt1"/>
+          </a:fontRef>
+        </p:style>
+        <p:txBody>
+          <a:bodyPr rtlCol="0" anchor="ctr"/>
+          <a:lstStyle/>
+          <a:p>
+            <a:pPr algn="ctr"/>
+            <a:endParaRPr lang="fr-FR">
+              <a:ln>
+                <a:solidFill>
+                  <a:schemeClr val="tx1">
+                    <a:lumMod val="50000"/>
+                    <a:lumOff val="50000"/>
+                  </a:schemeClr>
+                </a:solidFill>
+              </a:ln>
+              <a:solidFill>
+                <a:schemeClr val="tx1">
+                  <a:lumMod val="50000"/>
+                  <a:lumOff val="50000"/>
+                </a:schemeClr>
+              </a:solidFill>
+            </a:endParaRPr>
+          </a:p>
+        </p:txBody>
+      </p:sp>
+      <p:cxnSp>
+        <p:nvCxnSpPr>
+          <p:cNvPr id="16" name="Connecteur droit 15">
+            <a:extLst>
+              <a:ext uri="{FF2B5EF4-FFF2-40B4-BE49-F238E27FC236}">
+                <a16:creationId xmlns:a16="http://schemas.microsoft.com/office/drawing/2014/main" id="{F53FB9A6-ED9E-4B0B-82C5-90E048A18ED8}"/>
+              </a:ext>
+            </a:extLst>
+          </p:cNvPr>
+          <p:cNvCxnSpPr>
+            <a:cxnSpLocks/>
+            <a:stCxn id="15" idx="3"/>
+          </p:cNvCxnSpPr>
+          <p:nvPr/>
+        </p:nvCxnSpPr>
+        <p:spPr>
+          <a:xfrm>
+            <a:off x="8407652" y="4100401"/>
+            <a:ext cx="588751" cy="0"/>
+          </a:xfrm>
+          <a:prstGeom prst="line">
+            <a:avLst/>
+          </a:prstGeom>
+          <a:noFill/>
+          <a:ln w="28575">
+            <a:solidFill>
+              <a:srgbClr val="00B050"/>
+            </a:solidFill>
+          </a:ln>
+        </p:spPr>
+        <p:style>
+          <a:lnRef idx="2">
+            <a:schemeClr val="accent1">
+              <a:shade val="50000"/>
+            </a:schemeClr>
+          </a:lnRef>
+          <a:fillRef idx="1">
+            <a:schemeClr val="accent1"/>
+          </a:fillRef>
+          <a:effectRef idx="0">
+            <a:schemeClr val="accent1"/>
+          </a:effectRef>
+          <a:fontRef idx="minor">
+            <a:schemeClr val="lt1"/>
+          </a:fontRef>
+        </p:style>
+      </p:cxnSp>
+      <p:cxnSp>
+        <p:nvCxnSpPr>
+          <p:cNvPr id="20" name="Connecteur droit 19">
+            <a:extLst>
+              <a:ext uri="{FF2B5EF4-FFF2-40B4-BE49-F238E27FC236}">
+                <a16:creationId xmlns:a16="http://schemas.microsoft.com/office/drawing/2014/main" id="{6D443234-E79A-4ED2-8D95-A51BC61BC8AD}"/>
+              </a:ext>
+            </a:extLst>
+          </p:cNvPr>
+          <p:cNvCxnSpPr>
+            <a:cxnSpLocks/>
+          </p:cNvCxnSpPr>
+          <p:nvPr/>
+        </p:nvCxnSpPr>
+        <p:spPr>
+          <a:xfrm flipV="1">
+            <a:off x="8996404" y="3812402"/>
+            <a:ext cx="0" cy="575999"/>
+          </a:xfrm>
+          <a:prstGeom prst="line">
+            <a:avLst/>
+          </a:prstGeom>
+          <a:noFill/>
+          <a:ln w="28575">
+            <a:solidFill>
+              <a:srgbClr val="00B050"/>
+            </a:solidFill>
+          </a:ln>
+        </p:spPr>
+        <p:style>
+          <a:lnRef idx="2">
+            <a:schemeClr val="accent1">
+              <a:shade val="50000"/>
+            </a:schemeClr>
+          </a:lnRef>
+          <a:fillRef idx="1">
+            <a:schemeClr val="accent1"/>
+          </a:fillRef>
+          <a:effectRef idx="0">
+            <a:schemeClr val="accent1"/>
+          </a:effectRef>
+          <a:fontRef idx="minor">
+            <a:schemeClr val="lt1"/>
+          </a:fontRef>
+        </p:style>
+      </p:cxnSp>
+      <p:cxnSp>
+        <p:nvCxnSpPr>
+          <p:cNvPr id="26" name="Connecteur droit 25">
+            <a:extLst>
+              <a:ext uri="{FF2B5EF4-FFF2-40B4-BE49-F238E27FC236}">
+                <a16:creationId xmlns:a16="http://schemas.microsoft.com/office/drawing/2014/main" id="{91D99348-D8DC-44DC-8E3C-9F7FDAF099CA}"/>
+              </a:ext>
+            </a:extLst>
+          </p:cNvPr>
+          <p:cNvCxnSpPr>
+            <a:cxnSpLocks/>
+          </p:cNvCxnSpPr>
+          <p:nvPr/>
+        </p:nvCxnSpPr>
+        <p:spPr>
+          <a:xfrm>
+            <a:off x="8119652" y="3759902"/>
+            <a:ext cx="288000" cy="0"/>
+          </a:xfrm>
+          <a:prstGeom prst="line">
+            <a:avLst/>
+          </a:prstGeom>
+          <a:noFill/>
+          <a:ln w="28575">
+            <a:solidFill>
+              <a:schemeClr val="tx1">
+                <a:lumMod val="50000"/>
+                <a:lumOff val="50000"/>
+              </a:schemeClr>
+            </a:solidFill>
+          </a:ln>
+        </p:spPr>
+        <p:style>
+          <a:lnRef idx="2">
+            <a:schemeClr val="accent1">
+              <a:shade val="50000"/>
+            </a:schemeClr>
+          </a:lnRef>
+          <a:fillRef idx="1">
+            <a:schemeClr val="accent1"/>
+          </a:fillRef>
+          <a:effectRef idx="0">
+            <a:schemeClr val="accent1"/>
+          </a:effectRef>
+          <a:fontRef idx="minor">
+            <a:schemeClr val="lt1"/>
+          </a:fontRef>
+        </p:style>
+      </p:cxnSp>
+      <p:cxnSp>
+        <p:nvCxnSpPr>
+          <p:cNvPr id="27" name="Connecteur droit 26">
+            <a:extLst>
+              <a:ext uri="{FF2B5EF4-FFF2-40B4-BE49-F238E27FC236}">
+                <a16:creationId xmlns:a16="http://schemas.microsoft.com/office/drawing/2014/main" id="{5E2BB204-4808-4C59-A927-DDA79D2CA572}"/>
+              </a:ext>
+            </a:extLst>
+          </p:cNvPr>
+          <p:cNvCxnSpPr>
+            <a:cxnSpLocks/>
+          </p:cNvCxnSpPr>
+          <p:nvPr/>
+        </p:nvCxnSpPr>
+        <p:spPr>
+          <a:xfrm>
+            <a:off x="8119652" y="4443852"/>
+            <a:ext cx="288000" cy="0"/>
+          </a:xfrm>
+          <a:prstGeom prst="line">
+            <a:avLst/>
+          </a:prstGeom>
+          <a:noFill/>
+          <a:ln w="28575">
+            <a:solidFill>
+              <a:schemeClr val="tx1">
+                <a:lumMod val="50000"/>
+                <a:lumOff val="50000"/>
+              </a:schemeClr>
+            </a:solidFill>
+          </a:ln>
+        </p:spPr>
+        <p:style>
+          <a:lnRef idx="2">
+            <a:schemeClr val="accent1">
+              <a:shade val="50000"/>
+            </a:schemeClr>
+          </a:lnRef>
+          <a:fillRef idx="1">
+            <a:schemeClr val="accent1"/>
+          </a:fillRef>
+          <a:effectRef idx="0">
+            <a:schemeClr val="accent1"/>
+          </a:effectRef>
+          <a:fontRef idx="minor">
+            <a:schemeClr val="lt1"/>
+          </a:fontRef>
+        </p:style>
+      </p:cxnSp>
+      <p:cxnSp>
+        <p:nvCxnSpPr>
+          <p:cNvPr id="28" name="Connecteur droit 27">
+            <a:extLst>
+              <a:ext uri="{FF2B5EF4-FFF2-40B4-BE49-F238E27FC236}">
+                <a16:creationId xmlns:a16="http://schemas.microsoft.com/office/drawing/2014/main" id="{31B8610E-2084-44F1-A570-2B190CCB0FD1}"/>
+              </a:ext>
+            </a:extLst>
+          </p:cNvPr>
+          <p:cNvCxnSpPr>
+            <a:cxnSpLocks/>
+            <a:stCxn id="15" idx="1"/>
+          </p:cNvCxnSpPr>
+          <p:nvPr/>
+        </p:nvCxnSpPr>
+        <p:spPr>
+          <a:xfrm flipH="1">
+            <a:off x="5080000" y="4100401"/>
+            <a:ext cx="3039652" cy="0"/>
+          </a:xfrm>
+          <a:prstGeom prst="line">
+            <a:avLst/>
+          </a:prstGeom>
+          <a:noFill/>
+          <a:ln w="28575">
+            <a:solidFill>
+              <a:srgbClr val="00B050"/>
+            </a:solidFill>
+          </a:ln>
+        </p:spPr>
+        <p:style>
+          <a:lnRef idx="2">
+            <a:schemeClr val="accent1">
+              <a:shade val="50000"/>
+            </a:schemeClr>
+          </a:lnRef>
+          <a:fillRef idx="1">
+            <a:schemeClr val="accent1"/>
+          </a:fillRef>
+          <a:effectRef idx="0">
+            <a:schemeClr val="accent1"/>
+          </a:effectRef>
+          <a:fontRef idx="minor">
+            <a:schemeClr val="lt1"/>
+          </a:fontRef>
+        </p:style>
+      </p:cxnSp>
+      <p:cxnSp>
+        <p:nvCxnSpPr>
+          <p:cNvPr id="31" name="Connecteur droit 30">
+            <a:extLst>
+              <a:ext uri="{FF2B5EF4-FFF2-40B4-BE49-F238E27FC236}">
+                <a16:creationId xmlns:a16="http://schemas.microsoft.com/office/drawing/2014/main" id="{6D5D4C52-9A07-4D5C-9833-F487544DD8C1}"/>
+              </a:ext>
+            </a:extLst>
+          </p:cNvPr>
+          <p:cNvCxnSpPr>
+            <a:cxnSpLocks/>
+          </p:cNvCxnSpPr>
+          <p:nvPr/>
+        </p:nvCxnSpPr>
+        <p:spPr>
+          <a:xfrm>
+            <a:off x="6961590" y="2317750"/>
+            <a:ext cx="412" cy="1782651"/>
+          </a:xfrm>
+          <a:prstGeom prst="line">
+            <a:avLst/>
+          </a:prstGeom>
+          <a:noFill/>
+          <a:ln w="28575">
+            <a:solidFill>
+              <a:srgbClr val="00B050"/>
+            </a:solidFill>
+          </a:ln>
+        </p:spPr>
+        <p:style>
+          <a:lnRef idx="2">
+            <a:schemeClr val="accent1">
+              <a:shade val="50000"/>
+            </a:schemeClr>
+          </a:lnRef>
+          <a:fillRef idx="1">
+            <a:schemeClr val="accent1"/>
+          </a:fillRef>
+          <a:effectRef idx="0">
+            <a:schemeClr val="accent1"/>
+          </a:effectRef>
+          <a:fontRef idx="minor">
+            <a:schemeClr val="lt1"/>
+          </a:fontRef>
+        </p:style>
+      </p:cxnSp>
+      <p:cxnSp>
+        <p:nvCxnSpPr>
+          <p:cNvPr id="35" name="Connecteur droit 34">
+            <a:extLst>
+              <a:ext uri="{FF2B5EF4-FFF2-40B4-BE49-F238E27FC236}">
+                <a16:creationId xmlns:a16="http://schemas.microsoft.com/office/drawing/2014/main" id="{58387F6A-2070-45F2-BF98-23C943592737}"/>
+              </a:ext>
+            </a:extLst>
+          </p:cNvPr>
+          <p:cNvCxnSpPr>
+            <a:cxnSpLocks/>
+            <a:stCxn id="8" idx="1"/>
+            <a:endCxn id="14" idx="3"/>
+          </p:cNvCxnSpPr>
+          <p:nvPr/>
+        </p:nvCxnSpPr>
+        <p:spPr>
+          <a:xfrm flipH="1">
+            <a:off x="7106002" y="3004146"/>
+            <a:ext cx="1014476" cy="0"/>
+          </a:xfrm>
+          <a:prstGeom prst="line">
+            <a:avLst/>
+          </a:prstGeom>
+          <a:solidFill>
+            <a:schemeClr val="bg1"/>
+          </a:solidFill>
+          <a:ln w="28575">
+            <a:solidFill>
+              <a:schemeClr val="accent2">
+                <a:lumMod val="50000"/>
+              </a:schemeClr>
+            </a:solidFill>
+          </a:ln>
+        </p:spPr>
+        <p:style>
+          <a:lnRef idx="2">
+            <a:schemeClr val="accent1">
+              <a:shade val="50000"/>
+            </a:schemeClr>
+          </a:lnRef>
+          <a:fillRef idx="1">
+            <a:schemeClr val="accent1"/>
+          </a:fillRef>
+          <a:effectRef idx="0">
+            <a:schemeClr val="accent1"/>
+          </a:effectRef>
+          <a:fontRef idx="minor">
+            <a:schemeClr val="lt1"/>
+          </a:fontRef>
+        </p:style>
+      </p:cxnSp>
+      <p:sp>
+        <p:nvSpPr>
+          <p:cNvPr id="14" name="Rectangle 13">
+            <a:extLst>
+              <a:ext uri="{FF2B5EF4-FFF2-40B4-BE49-F238E27FC236}">
+                <a16:creationId xmlns:a16="http://schemas.microsoft.com/office/drawing/2014/main" id="{A3F028BD-6049-4DA9-B661-4FB1BFED7E68}"/>
+              </a:ext>
+            </a:extLst>
+          </p:cNvPr>
+          <p:cNvSpPr/>
+          <p:nvPr/>
+        </p:nvSpPr>
+        <p:spPr>
+          <a:xfrm>
+            <a:off x="6818002" y="2716146"/>
+            <a:ext cx="288000" cy="576000"/>
+          </a:xfrm>
+          <a:prstGeom prst="rect">
+            <a:avLst/>
+          </a:prstGeom>
+          <a:solidFill>
+            <a:schemeClr val="bg1"/>
+          </a:solidFill>
+          <a:ln w="28575">
+            <a:solidFill>
+              <a:schemeClr val="accent2">
+                <a:lumMod val="50000"/>
+              </a:schemeClr>
+            </a:solidFill>
+          </a:ln>
+        </p:spPr>
+        <p:style>
+          <a:lnRef idx="2">
+            <a:schemeClr val="accent1">
+              <a:shade val="50000"/>
+            </a:schemeClr>
+          </a:lnRef>
+          <a:fillRef idx="1">
+            <a:schemeClr val="accent1"/>
+          </a:fillRef>
+          <a:effectRef idx="0">
+            <a:schemeClr val="accent1"/>
+          </a:effectRef>
+          <a:fontRef idx="minor">
+            <a:schemeClr val="lt1"/>
+          </a:fontRef>
+        </p:style>
+        <p:txBody>
+          <a:bodyPr rtlCol="0" anchor="ctr"/>
+          <a:lstStyle/>
+          <a:p>
+            <a:pPr algn="ctr"/>
+            <a:endParaRPr lang="fr-FR" dirty="0">
+              <a:ln>
+                <a:solidFill>
+                  <a:schemeClr val="tx1">
+                    <a:lumMod val="50000"/>
+                    <a:lumOff val="50000"/>
+                  </a:schemeClr>
+                </a:solidFill>
+              </a:ln>
+              <a:solidFill>
+                <a:schemeClr val="tx1">
+                  <a:lumMod val="50000"/>
+                  <a:lumOff val="50000"/>
+                </a:schemeClr>
+              </a:solidFill>
+            </a:endParaRPr>
+          </a:p>
+        </p:txBody>
+      </p:sp>
+      <p:sp>
+        <p:nvSpPr>
+          <p:cNvPr id="38" name="Rectangle 37">
+            <a:extLst>
+              <a:ext uri="{FF2B5EF4-FFF2-40B4-BE49-F238E27FC236}">
+                <a16:creationId xmlns:a16="http://schemas.microsoft.com/office/drawing/2014/main" id="{A2F3173C-E945-473A-8DA5-CB1C7659A769}"/>
+              </a:ext>
+            </a:extLst>
+          </p:cNvPr>
+          <p:cNvSpPr/>
+          <p:nvPr/>
+        </p:nvSpPr>
+        <p:spPr>
+          <a:xfrm>
+            <a:off x="7220013" y="2552700"/>
+            <a:ext cx="777765" cy="451445"/>
+          </a:xfrm>
+          <a:prstGeom prst="rect">
+            <a:avLst/>
+          </a:prstGeom>
+          <a:solidFill>
+            <a:schemeClr val="accent2">
+              <a:lumMod val="20000"/>
+              <a:lumOff val="80000"/>
+            </a:schemeClr>
+          </a:solidFill>
+          <a:ln w="28575">
+            <a:solidFill>
+              <a:schemeClr val="accent2">
+                <a:lumMod val="50000"/>
+              </a:schemeClr>
+            </a:solidFill>
+          </a:ln>
+        </p:spPr>
+        <p:style>
+          <a:lnRef idx="2">
+            <a:schemeClr val="accent1">
+              <a:shade val="50000"/>
+            </a:schemeClr>
+          </a:lnRef>
+          <a:fillRef idx="1">
+            <a:schemeClr val="accent1"/>
+          </a:fillRef>
+          <a:effectRef idx="0">
+            <a:schemeClr val="accent1"/>
+          </a:effectRef>
+          <a:fontRef idx="minor">
+            <a:schemeClr val="lt1"/>
+          </a:fontRef>
+        </p:style>
+        <p:txBody>
+          <a:bodyPr rtlCol="0" anchor="ctr"/>
+          <a:lstStyle/>
+          <a:p>
+            <a:pPr algn="ctr"/>
+            <a:r>
+              <a:rPr lang="fr-FR" sz="1400" dirty="0">
+                <a:ln>
+                  <a:solidFill>
+                    <a:schemeClr val="accent2">
+                      <a:lumMod val="50000"/>
+                    </a:schemeClr>
+                  </a:solidFill>
+                </a:ln>
+                <a:solidFill>
+                  <a:schemeClr val="accent2">
+                    <a:lumMod val="50000"/>
+                  </a:schemeClr>
+                </a:solidFill>
+              </a:rPr>
+              <a:t>M</a:t>
+            </a:r>
+          </a:p>
+          <a:p>
+            <a:pPr algn="ctr"/>
+            <a:r>
+              <a:rPr lang="fr-FR" sz="1400" dirty="0">
+                <a:ln>
+                  <a:solidFill>
+                    <a:schemeClr val="accent2">
+                      <a:lumMod val="50000"/>
+                    </a:schemeClr>
+                  </a:solidFill>
+                </a:ln>
+                <a:solidFill>
+                  <a:schemeClr val="accent2">
+                    <a:lumMod val="50000"/>
+                  </a:schemeClr>
+                </a:solidFill>
+              </a:rPr>
+              <a:t>130kg</a:t>
+            </a:r>
+          </a:p>
+        </p:txBody>
+      </p:sp>
+      <p:sp>
+        <p:nvSpPr>
+          <p:cNvPr id="49" name="Ellipse 48">
+            <a:extLst>
+              <a:ext uri="{FF2B5EF4-FFF2-40B4-BE49-F238E27FC236}">
+                <a16:creationId xmlns:a16="http://schemas.microsoft.com/office/drawing/2014/main" id="{F4F1CB89-F0E4-4542-B98D-6AE9C57426A8}"/>
+              </a:ext>
+            </a:extLst>
+          </p:cNvPr>
+          <p:cNvSpPr/>
+          <p:nvPr/>
+        </p:nvSpPr>
+        <p:spPr>
+          <a:xfrm>
+            <a:off x="5473426" y="1597807"/>
+            <a:ext cx="472198" cy="472198"/>
+          </a:xfrm>
+          <a:prstGeom prst="ellipse">
+            <a:avLst/>
+          </a:prstGeom>
+          <a:solidFill>
+            <a:schemeClr val="bg1"/>
+          </a:solidFill>
+          <a:ln w="28575">
+            <a:solidFill>
+              <a:srgbClr val="00B0F0"/>
+            </a:solidFill>
+          </a:ln>
+        </p:spPr>
+        <p:style>
+          <a:lnRef idx="2">
+            <a:schemeClr val="accent1">
+              <a:shade val="50000"/>
+            </a:schemeClr>
+          </a:lnRef>
+          <a:fillRef idx="1">
+            <a:schemeClr val="accent1"/>
+          </a:fillRef>
+          <a:effectRef idx="0">
+            <a:schemeClr val="accent1"/>
+          </a:effectRef>
+          <a:fontRef idx="minor">
+            <a:schemeClr val="lt1"/>
+          </a:fontRef>
+        </p:style>
+        <p:txBody>
+          <a:bodyPr rtlCol="0" anchor="ctr"/>
+          <a:lstStyle/>
+          <a:p>
+            <a:pPr algn="ctr"/>
+            <a:endParaRPr lang="fr-FR">
+              <a:ln>
+                <a:solidFill>
+                  <a:schemeClr val="tx1">
+                    <a:lumMod val="50000"/>
+                    <a:lumOff val="50000"/>
+                  </a:schemeClr>
+                </a:solidFill>
+              </a:ln>
+              <a:solidFill>
+                <a:schemeClr val="tx1">
+                  <a:lumMod val="50000"/>
+                  <a:lumOff val="50000"/>
+                </a:schemeClr>
+              </a:solidFill>
+            </a:endParaRPr>
+          </a:p>
+        </p:txBody>
+      </p:sp>
+      <p:cxnSp>
+        <p:nvCxnSpPr>
+          <p:cNvPr id="52" name="Connecteur droit 51">
+            <a:extLst>
+              <a:ext uri="{FF2B5EF4-FFF2-40B4-BE49-F238E27FC236}">
+                <a16:creationId xmlns:a16="http://schemas.microsoft.com/office/drawing/2014/main" id="{B2EF7C9D-B611-4620-A406-3F69CC068DA7}"/>
+              </a:ext>
+            </a:extLst>
+          </p:cNvPr>
+          <p:cNvCxnSpPr>
+            <a:cxnSpLocks/>
+          </p:cNvCxnSpPr>
+          <p:nvPr/>
+        </p:nvCxnSpPr>
+        <p:spPr>
+          <a:xfrm flipH="1">
+            <a:off x="6356350" y="2999676"/>
+            <a:ext cx="461653" cy="0"/>
+          </a:xfrm>
+          <a:prstGeom prst="line">
+            <a:avLst/>
+          </a:prstGeom>
+          <a:solidFill>
+            <a:schemeClr val="bg1"/>
+          </a:solidFill>
+          <a:ln w="28575">
+            <a:solidFill>
+              <a:schemeClr val="accent2">
+                <a:lumMod val="50000"/>
+              </a:schemeClr>
+            </a:solidFill>
+          </a:ln>
+        </p:spPr>
+        <p:style>
+          <a:lnRef idx="2">
+            <a:schemeClr val="accent1">
+              <a:shade val="50000"/>
+            </a:schemeClr>
+          </a:lnRef>
+          <a:fillRef idx="1">
+            <a:schemeClr val="accent1"/>
+          </a:fillRef>
+          <a:effectRef idx="0">
+            <a:schemeClr val="accent1"/>
+          </a:effectRef>
+          <a:fontRef idx="minor">
+            <a:schemeClr val="lt1"/>
+          </a:fontRef>
+        </p:style>
+      </p:cxnSp>
+      <p:cxnSp>
+        <p:nvCxnSpPr>
+          <p:cNvPr id="55" name="Connecteur droit 54">
+            <a:extLst>
+              <a:ext uri="{FF2B5EF4-FFF2-40B4-BE49-F238E27FC236}">
+                <a16:creationId xmlns:a16="http://schemas.microsoft.com/office/drawing/2014/main" id="{2CE13157-F9F0-4843-A7CE-45A0B08AD8A7}"/>
+              </a:ext>
+            </a:extLst>
+          </p:cNvPr>
+          <p:cNvCxnSpPr>
+            <a:cxnSpLocks/>
+            <a:stCxn id="49" idx="6"/>
+          </p:cNvCxnSpPr>
+          <p:nvPr/>
+        </p:nvCxnSpPr>
+        <p:spPr>
+          <a:xfrm>
+            <a:off x="5945624" y="1833906"/>
+            <a:ext cx="0" cy="690790"/>
+          </a:xfrm>
+          <a:prstGeom prst="line">
+            <a:avLst/>
+          </a:prstGeom>
+          <a:noFill/>
+          <a:ln w="19050">
+            <a:solidFill>
+              <a:srgbClr val="FF0000"/>
+            </a:solidFill>
+            <a:prstDash val="lgDashDot"/>
+          </a:ln>
+        </p:spPr>
+        <p:style>
+          <a:lnRef idx="2">
+            <a:schemeClr val="accent1">
+              <a:shade val="50000"/>
+            </a:schemeClr>
+          </a:lnRef>
+          <a:fillRef idx="1">
+            <a:schemeClr val="accent1"/>
+          </a:fillRef>
+          <a:effectRef idx="0">
+            <a:schemeClr val="accent1"/>
+          </a:effectRef>
+          <a:fontRef idx="minor">
+            <a:schemeClr val="lt1"/>
+          </a:fontRef>
+        </p:style>
+      </p:cxnSp>
+      <p:cxnSp>
+        <p:nvCxnSpPr>
+          <p:cNvPr id="58" name="Connecteur droit 57">
+            <a:extLst>
+              <a:ext uri="{FF2B5EF4-FFF2-40B4-BE49-F238E27FC236}">
+                <a16:creationId xmlns:a16="http://schemas.microsoft.com/office/drawing/2014/main" id="{1A76C5CB-C671-492F-9CC7-4054BD729005}"/>
+              </a:ext>
+            </a:extLst>
+          </p:cNvPr>
+          <p:cNvCxnSpPr>
+            <a:cxnSpLocks/>
+          </p:cNvCxnSpPr>
+          <p:nvPr/>
+        </p:nvCxnSpPr>
+        <p:spPr>
+          <a:xfrm flipV="1">
+            <a:off x="6356350" y="2524696"/>
+            <a:ext cx="0" cy="474981"/>
+          </a:xfrm>
+          <a:prstGeom prst="line">
+            <a:avLst/>
+          </a:prstGeom>
+          <a:solidFill>
+            <a:schemeClr val="bg1"/>
+          </a:solidFill>
+          <a:ln w="28575">
+            <a:solidFill>
+              <a:schemeClr val="accent2">
+                <a:lumMod val="50000"/>
+              </a:schemeClr>
+            </a:solidFill>
+          </a:ln>
+        </p:spPr>
+        <p:style>
+          <a:lnRef idx="2">
+            <a:schemeClr val="accent1">
+              <a:shade val="50000"/>
+            </a:schemeClr>
+          </a:lnRef>
+          <a:fillRef idx="1">
+            <a:schemeClr val="accent1"/>
+          </a:fillRef>
+          <a:effectRef idx="0">
+            <a:schemeClr val="accent1"/>
+          </a:effectRef>
+          <a:fontRef idx="minor">
+            <a:schemeClr val="lt1"/>
+          </a:fontRef>
+        </p:style>
+      </p:cxnSp>
+      <p:cxnSp>
+        <p:nvCxnSpPr>
+          <p:cNvPr id="32" name="Connecteur droit 31">
+            <a:extLst>
+              <a:ext uri="{FF2B5EF4-FFF2-40B4-BE49-F238E27FC236}">
+                <a16:creationId xmlns:a16="http://schemas.microsoft.com/office/drawing/2014/main" id="{56EBFB24-E838-426D-9046-381E04913227}"/>
+              </a:ext>
+            </a:extLst>
+          </p:cNvPr>
+          <p:cNvCxnSpPr>
+            <a:cxnSpLocks/>
+          </p:cNvCxnSpPr>
+          <p:nvPr/>
+        </p:nvCxnSpPr>
+        <p:spPr>
+          <a:xfrm flipH="1">
+            <a:off x="5945624" y="2524696"/>
+            <a:ext cx="404058" cy="0"/>
+          </a:xfrm>
+          <a:prstGeom prst="line">
+            <a:avLst/>
+          </a:prstGeom>
+          <a:solidFill>
+            <a:schemeClr val="bg1"/>
+          </a:solidFill>
+          <a:ln w="28575">
+            <a:solidFill>
+              <a:schemeClr val="accent2">
+                <a:lumMod val="50000"/>
+              </a:schemeClr>
+            </a:solidFill>
+          </a:ln>
+        </p:spPr>
+        <p:style>
+          <a:lnRef idx="2">
+            <a:schemeClr val="accent1">
+              <a:shade val="50000"/>
+            </a:schemeClr>
+          </a:lnRef>
+          <a:fillRef idx="1">
+            <a:schemeClr val="accent1"/>
+          </a:fillRef>
+          <a:effectRef idx="0">
+            <a:schemeClr val="accent1"/>
+          </a:effectRef>
+          <a:fontRef idx="minor">
+            <a:schemeClr val="lt1"/>
+          </a:fontRef>
+        </p:style>
+      </p:cxnSp>
+      <p:cxnSp>
+        <p:nvCxnSpPr>
+          <p:cNvPr id="39" name="Connecteur droit 38">
+            <a:extLst>
+              <a:ext uri="{FF2B5EF4-FFF2-40B4-BE49-F238E27FC236}">
+                <a16:creationId xmlns:a16="http://schemas.microsoft.com/office/drawing/2014/main" id="{92FE5522-7AC9-4282-B269-9B1EA47FEF73}"/>
+              </a:ext>
+            </a:extLst>
+          </p:cNvPr>
+          <p:cNvCxnSpPr>
+            <a:cxnSpLocks/>
+            <a:stCxn id="49" idx="2"/>
+          </p:cNvCxnSpPr>
+          <p:nvPr/>
+        </p:nvCxnSpPr>
+        <p:spPr>
+          <a:xfrm>
+            <a:off x="5473426" y="1833906"/>
+            <a:ext cx="0" cy="882240"/>
+          </a:xfrm>
+          <a:prstGeom prst="line">
+            <a:avLst/>
+          </a:prstGeom>
+          <a:noFill/>
+          <a:ln w="19050">
+            <a:solidFill>
+              <a:srgbClr val="FF0000"/>
+            </a:solidFill>
+            <a:prstDash val="lgDashDot"/>
+          </a:ln>
+        </p:spPr>
+        <p:style>
+          <a:lnRef idx="2">
+            <a:schemeClr val="accent1">
+              <a:shade val="50000"/>
+            </a:schemeClr>
+          </a:lnRef>
+          <a:fillRef idx="1">
+            <a:schemeClr val="accent1"/>
+          </a:fillRef>
+          <a:effectRef idx="0">
+            <a:schemeClr val="accent1"/>
+          </a:effectRef>
+          <a:fontRef idx="minor">
+            <a:schemeClr val="lt1"/>
+          </a:fontRef>
+        </p:style>
+      </p:cxnSp>
+      <p:grpSp>
+        <p:nvGrpSpPr>
+          <p:cNvPr id="43" name="Groupe 42">
+            <a:extLst>
+              <a:ext uri="{FF2B5EF4-FFF2-40B4-BE49-F238E27FC236}">
+                <a16:creationId xmlns:a16="http://schemas.microsoft.com/office/drawing/2014/main" id="{FC71213B-6A8B-419F-987F-2CB9A1EE2D80}"/>
+              </a:ext>
+            </a:extLst>
+          </p:cNvPr>
+          <p:cNvGrpSpPr/>
+          <p:nvPr/>
+        </p:nvGrpSpPr>
+        <p:grpSpPr>
+          <a:xfrm>
+            <a:off x="6756299" y="1260224"/>
+            <a:ext cx="776254" cy="773937"/>
+            <a:chOff x="915426" y="1268760"/>
+            <a:chExt cx="776254" cy="773937"/>
+          </a:xfrm>
+        </p:grpSpPr>
+        <p:grpSp>
+          <p:nvGrpSpPr>
+            <p:cNvPr id="45" name="Groupe 44">
+              <a:extLst>
+                <a:ext uri="{FF2B5EF4-FFF2-40B4-BE49-F238E27FC236}">
+                  <a16:creationId xmlns:a16="http://schemas.microsoft.com/office/drawing/2014/main" id="{E47DE354-97C0-4BF5-9DB5-38D1A25393F0}"/>
+                </a:ext>
+              </a:extLst>
+            </p:cNvPr>
+            <p:cNvGrpSpPr/>
+            <p:nvPr/>
+          </p:nvGrpSpPr>
+          <p:grpSpPr>
+            <a:xfrm>
+              <a:off x="971600" y="1268760"/>
+              <a:ext cx="720080" cy="720080"/>
+              <a:chOff x="971600" y="1268760"/>
+              <a:chExt cx="720080" cy="720080"/>
+            </a:xfrm>
+          </p:grpSpPr>
+          <p:cxnSp>
+            <p:nvCxnSpPr>
+              <p:cNvPr id="54" name="Connecteur droit 53">
+                <a:extLst>
+                  <a:ext uri="{FF2B5EF4-FFF2-40B4-BE49-F238E27FC236}">
+                    <a16:creationId xmlns:a16="http://schemas.microsoft.com/office/drawing/2014/main" id="{4C353043-5552-4163-A386-EE8ABB418927}"/>
+                  </a:ext>
+                </a:extLst>
+              </p:cNvPr>
+              <p:cNvCxnSpPr/>
+              <p:nvPr/>
+            </p:nvCxnSpPr>
+            <p:spPr>
+              <a:xfrm flipV="1">
+                <a:off x="971600" y="1268760"/>
+                <a:ext cx="0" cy="720080"/>
+              </a:xfrm>
+              <a:prstGeom prst="line">
+                <a:avLst/>
+              </a:prstGeom>
+              <a:ln w="19050">
+                <a:solidFill>
+                  <a:schemeClr val="accent5">
+                    <a:lumMod val="50000"/>
+                  </a:schemeClr>
+                </a:solidFill>
+                <a:tailEnd type="stealth" w="med" len="lg"/>
+              </a:ln>
+            </p:spPr>
+            <p:style>
+              <a:lnRef idx="1">
+                <a:schemeClr val="accent1"/>
+              </a:lnRef>
+              <a:fillRef idx="0">
+                <a:schemeClr val="accent1"/>
+              </a:fillRef>
+              <a:effectRef idx="0">
+                <a:schemeClr val="accent1"/>
+              </a:effectRef>
+              <a:fontRef idx="minor">
+                <a:schemeClr val="tx1"/>
+              </a:fontRef>
+            </p:style>
+          </p:cxnSp>
+          <p:cxnSp>
+            <p:nvCxnSpPr>
+              <p:cNvPr id="56" name="Connecteur droit 55">
+                <a:extLst>
+                  <a:ext uri="{FF2B5EF4-FFF2-40B4-BE49-F238E27FC236}">
+                    <a16:creationId xmlns:a16="http://schemas.microsoft.com/office/drawing/2014/main" id="{24921B3C-4979-43CD-A58A-873A1B2F6E67}"/>
+                  </a:ext>
+                </a:extLst>
+              </p:cNvPr>
+              <p:cNvCxnSpPr/>
+              <p:nvPr/>
+            </p:nvCxnSpPr>
+            <p:spPr>
+              <a:xfrm rot="5400000" flipV="1">
+                <a:off x="1331640" y="1628800"/>
+                <a:ext cx="0" cy="720080"/>
+              </a:xfrm>
+              <a:prstGeom prst="line">
+                <a:avLst/>
+              </a:prstGeom>
+              <a:ln w="19050">
+                <a:solidFill>
+                  <a:schemeClr val="accent5">
+                    <a:lumMod val="50000"/>
+                  </a:schemeClr>
+                </a:solidFill>
+                <a:tailEnd type="stealth" w="med" len="lg"/>
+              </a:ln>
+            </p:spPr>
+            <p:style>
+              <a:lnRef idx="1">
+                <a:schemeClr val="accent1"/>
+              </a:lnRef>
+              <a:fillRef idx="0">
+                <a:schemeClr val="accent1"/>
+              </a:fillRef>
+              <a:effectRef idx="0">
+                <a:schemeClr val="accent1"/>
+              </a:effectRef>
+              <a:fontRef idx="minor">
+                <a:schemeClr val="tx1"/>
+              </a:fontRef>
+            </p:style>
+          </p:cxnSp>
+        </p:grpSp>
+        <p:sp>
+          <p:nvSpPr>
+            <p:cNvPr id="47" name="Ellipse 46">
+              <a:extLst>
+                <a:ext uri="{FF2B5EF4-FFF2-40B4-BE49-F238E27FC236}">
+                  <a16:creationId xmlns:a16="http://schemas.microsoft.com/office/drawing/2014/main" id="{73F9EC5A-24E5-4DDB-AB8E-07C41DBF938B}"/>
+                </a:ext>
+              </a:extLst>
+            </p:cNvPr>
+            <p:cNvSpPr/>
+            <p:nvPr/>
+          </p:nvSpPr>
+          <p:spPr>
+            <a:xfrm>
+              <a:off x="915426" y="1934983"/>
+              <a:ext cx="107714" cy="107714"/>
+            </a:xfrm>
+            <a:prstGeom prst="ellipse">
+              <a:avLst/>
+            </a:prstGeom>
+            <a:solidFill>
+              <a:schemeClr val="bg1"/>
+            </a:solidFill>
+            <a:ln w="19050">
+              <a:solidFill>
+                <a:schemeClr val="accent5">
+                  <a:lumMod val="50000"/>
+                </a:schemeClr>
+              </a:solidFill>
+            </a:ln>
+          </p:spPr>
+          <p:style>
+            <a:lnRef idx="2">
+              <a:schemeClr val="accent1">
+                <a:shade val="50000"/>
+              </a:schemeClr>
+            </a:lnRef>
+            <a:fillRef idx="1">
+              <a:schemeClr val="accent1"/>
+            </a:fillRef>
+            <a:effectRef idx="0">
+              <a:schemeClr val="accent1"/>
+            </a:effectRef>
+            <a:fontRef idx="minor">
+              <a:schemeClr val="lt1"/>
+            </a:fontRef>
+          </p:style>
+          <p:txBody>
+            <a:bodyPr rtlCol="0" anchor="ctr"/>
+            <a:lstStyle/>
+            <a:p>
+              <a:pPr algn="ctr"/>
+              <a:endParaRPr lang="fr-FR"/>
+            </a:p>
+          </p:txBody>
+        </p:sp>
+        <p:sp>
+          <p:nvSpPr>
+            <p:cNvPr id="50" name="Ellipse 49">
+              <a:extLst>
+                <a:ext uri="{FF2B5EF4-FFF2-40B4-BE49-F238E27FC236}">
+                  <a16:creationId xmlns:a16="http://schemas.microsoft.com/office/drawing/2014/main" id="{1D2FE871-FB16-4CAD-91DB-E7699DBE75F8}"/>
+                </a:ext>
+              </a:extLst>
+            </p:cNvPr>
+            <p:cNvSpPr/>
+            <p:nvPr/>
+          </p:nvSpPr>
+          <p:spPr>
+            <a:xfrm>
+              <a:off x="951283" y="1970840"/>
+              <a:ext cx="36000" cy="36000"/>
+            </a:xfrm>
+            <a:prstGeom prst="ellipse">
+              <a:avLst/>
+            </a:prstGeom>
+            <a:solidFill>
+              <a:schemeClr val="accent5">
+                <a:lumMod val="50000"/>
+              </a:schemeClr>
+            </a:solidFill>
+            <a:ln w="19050">
+              <a:noFill/>
+            </a:ln>
+          </p:spPr>
+          <p:style>
+            <a:lnRef idx="2">
+              <a:schemeClr val="accent1">
+                <a:shade val="50000"/>
+              </a:schemeClr>
+            </a:lnRef>
+            <a:fillRef idx="1">
+              <a:schemeClr val="accent1"/>
+            </a:fillRef>
+            <a:effectRef idx="0">
+              <a:schemeClr val="accent1"/>
+            </a:effectRef>
+            <a:fontRef idx="minor">
+              <a:schemeClr val="lt1"/>
+            </a:fontRef>
+          </p:style>
+          <p:txBody>
+            <a:bodyPr rtlCol="0" anchor="ctr"/>
+            <a:lstStyle/>
+            <a:p>
+              <a:pPr algn="ctr"/>
+              <a:endParaRPr lang="fr-FR"/>
+            </a:p>
+          </p:txBody>
+        </p:sp>
+      </p:grpSp>
+      <mc:AlternateContent xmlns:mc="http://schemas.openxmlformats.org/markup-compatibility/2006" xmlns:a14="http://schemas.microsoft.com/office/drawing/2010/main">
+        <mc:Choice Requires="a14">
+          <p:sp>
+            <p:nvSpPr>
+              <p:cNvPr id="59" name="ZoneTexte 58">
+                <a:extLst>
+                  <a:ext uri="{FF2B5EF4-FFF2-40B4-BE49-F238E27FC236}">
+                    <a16:creationId xmlns:a16="http://schemas.microsoft.com/office/drawing/2014/main" id="{88F56A19-DAFD-46DB-82A8-C63398D420F5}"/>
+                  </a:ext>
+                </a:extLst>
+              </p:cNvPr>
+              <p:cNvSpPr txBox="1"/>
+              <p:nvPr/>
+            </p:nvSpPr>
+            <p:spPr>
+              <a:xfrm>
+                <a:off x="7528954" y="1849499"/>
+                <a:ext cx="296363" cy="261610"/>
+              </a:xfrm>
+              <a:prstGeom prst="rect">
+                <a:avLst/>
+              </a:prstGeom>
+              <a:noFill/>
+            </p:spPr>
+            <p:txBody>
+              <a:bodyPr wrap="none" rtlCol="0">
+                <a:spAutoFit/>
+              </a:bodyPr>
+              <a:lstStyle/>
+              <a:p>
+                <a:pPr/>
+                <a14:m>
+                  <m:oMathPara xmlns:m="http://schemas.openxmlformats.org/officeDocument/2006/math">
+                    <m:oMathParaPr>
+                      <m:jc m:val="centerGroup"/>
+                    </m:oMathParaPr>
+                    <m:oMath xmlns:m="http://schemas.openxmlformats.org/officeDocument/2006/math">
+                      <m:acc>
+                        <m:accPr>
+                          <m:chr m:val="⃗"/>
+                          <m:ctrlPr>
+                            <a:rPr lang="fr-FR" sz="1100" i="1" smtClean="0">
+                              <a:latin typeface="Cambria Math" panose="02040503050406030204" pitchFamily="18" charset="0"/>
+                            </a:rPr>
+                          </m:ctrlPr>
+                        </m:accPr>
+                        <m:e>
+                          <m:r>
+                            <a:rPr lang="fr-FR" sz="1100" b="0" i="1" smtClean="0">
+                              <a:latin typeface="Cambria Math" panose="02040503050406030204" pitchFamily="18" charset="0"/>
+                            </a:rPr>
+                            <m:t>𝑥</m:t>
+                          </m:r>
+                        </m:e>
+                      </m:acc>
+                    </m:oMath>
+                  </m:oMathPara>
+                </a14:m>
+                <a:endParaRPr lang="fr-FR" sz="1100" dirty="0"/>
+              </a:p>
+            </p:txBody>
+          </p:sp>
+        </mc:Choice>
+        <mc:Fallback xmlns="">
+          <p:sp>
+            <p:nvSpPr>
+              <p:cNvPr id="59" name="ZoneTexte 58">
+                <a:extLst>
+                  <a:ext uri="{FF2B5EF4-FFF2-40B4-BE49-F238E27FC236}">
+                    <a16:creationId xmlns:a16="http://schemas.microsoft.com/office/drawing/2014/main" id="{88F56A19-DAFD-46DB-82A8-C63398D420F5}"/>
+                  </a:ext>
+                </a:extLst>
+              </p:cNvPr>
+              <p:cNvSpPr txBox="1">
+                <a:spLocks noRot="1" noChangeAspect="1" noMove="1" noResize="1" noEditPoints="1" noAdjustHandles="1" noChangeArrowheads="1" noChangeShapeType="1" noTextEdit="1"/>
+              </p:cNvSpPr>
+              <p:nvPr/>
+            </p:nvSpPr>
+            <p:spPr>
+              <a:xfrm>
+                <a:off x="7528954" y="1849499"/>
+                <a:ext cx="296363" cy="261610"/>
+              </a:xfrm>
+              <a:prstGeom prst="rect">
+                <a:avLst/>
+              </a:prstGeom>
+              <a:blipFill>
+                <a:blip r:embed="rId4"/>
+                <a:stretch>
+                  <a:fillRect t="-2326" r="-2041"/>
+                </a:stretch>
+              </a:blipFill>
+            </p:spPr>
+            <p:txBody>
+              <a:bodyPr/>
+              <a:lstStyle/>
+              <a:p>
+                <a:r>
+                  <a:rPr lang="fr-FR">
+                    <a:noFill/>
+                  </a:rPr>
+                  <a:t> </a:t>
+                </a:r>
+              </a:p>
+            </p:txBody>
+          </p:sp>
+        </mc:Fallback>
+      </mc:AlternateContent>
+      <mc:AlternateContent xmlns:mc="http://schemas.openxmlformats.org/markup-compatibility/2006" xmlns:a14="http://schemas.microsoft.com/office/drawing/2010/main">
+        <mc:Choice Requires="a14">
+          <p:sp>
+            <p:nvSpPr>
+              <p:cNvPr id="60" name="ZoneTexte 59">
+                <a:extLst>
+                  <a:ext uri="{FF2B5EF4-FFF2-40B4-BE49-F238E27FC236}">
+                    <a16:creationId xmlns:a16="http://schemas.microsoft.com/office/drawing/2014/main" id="{F17B7986-BA4C-475B-81B3-55F5577F3203}"/>
+                  </a:ext>
+                </a:extLst>
+              </p:cNvPr>
+              <p:cNvSpPr txBox="1"/>
+              <p:nvPr/>
+            </p:nvSpPr>
+            <p:spPr>
+              <a:xfrm>
+                <a:off x="6669733" y="998614"/>
+                <a:ext cx="297709" cy="261610"/>
+              </a:xfrm>
+              <a:prstGeom prst="rect">
+                <a:avLst/>
+              </a:prstGeom>
+              <a:noFill/>
+            </p:spPr>
+            <p:txBody>
+              <a:bodyPr wrap="none" rtlCol="0">
+                <a:spAutoFit/>
+              </a:bodyPr>
+              <a:lstStyle/>
+              <a:p>
+                <a:pPr/>
+                <a14:m>
+                  <m:oMathPara xmlns:m="http://schemas.openxmlformats.org/officeDocument/2006/math">
+                    <m:oMathParaPr>
+                      <m:jc m:val="centerGroup"/>
+                    </m:oMathParaPr>
+                    <m:oMath xmlns:m="http://schemas.openxmlformats.org/officeDocument/2006/math">
+                      <m:acc>
+                        <m:accPr>
+                          <m:chr m:val="⃗"/>
+                          <m:ctrlPr>
+                            <a:rPr lang="fr-FR" sz="1100" i="1" smtClean="0">
+                              <a:latin typeface="Cambria Math" panose="02040503050406030204" pitchFamily="18" charset="0"/>
+                            </a:rPr>
+                          </m:ctrlPr>
+                        </m:accPr>
+                        <m:e>
+                          <m:r>
+                            <a:rPr lang="fr-FR" sz="1100" b="0" i="1" smtClean="0">
+                              <a:latin typeface="Cambria Math" panose="02040503050406030204" pitchFamily="18" charset="0"/>
+                            </a:rPr>
+                            <m:t>𝑦</m:t>
+                          </m:r>
+                        </m:e>
+                      </m:acc>
+                    </m:oMath>
+                  </m:oMathPara>
+                </a14:m>
+                <a:endParaRPr lang="fr-FR" sz="1100" dirty="0"/>
+              </a:p>
+            </p:txBody>
+          </p:sp>
+        </mc:Choice>
+        <mc:Fallback xmlns="">
+          <p:sp>
+            <p:nvSpPr>
+              <p:cNvPr id="60" name="ZoneTexte 59">
+                <a:extLst>
+                  <a:ext uri="{FF2B5EF4-FFF2-40B4-BE49-F238E27FC236}">
+                    <a16:creationId xmlns:a16="http://schemas.microsoft.com/office/drawing/2014/main" id="{F17B7986-BA4C-475B-81B3-55F5577F3203}"/>
+                  </a:ext>
+                </a:extLst>
+              </p:cNvPr>
+              <p:cNvSpPr txBox="1">
+                <a:spLocks noRot="1" noChangeAspect="1" noMove="1" noResize="1" noEditPoints="1" noAdjustHandles="1" noChangeArrowheads="1" noChangeShapeType="1" noTextEdit="1"/>
+              </p:cNvSpPr>
+              <p:nvPr/>
+            </p:nvSpPr>
+            <p:spPr>
+              <a:xfrm>
+                <a:off x="6669733" y="998614"/>
+                <a:ext cx="297709" cy="261610"/>
+              </a:xfrm>
+              <a:prstGeom prst="rect">
+                <a:avLst/>
+              </a:prstGeom>
+              <a:blipFill>
+                <a:blip r:embed="rId5"/>
+                <a:stretch>
+                  <a:fillRect t="-2326" r="-6122"/>
+                </a:stretch>
+              </a:blipFill>
+            </p:spPr>
+            <p:txBody>
+              <a:bodyPr/>
+              <a:lstStyle/>
+              <a:p>
+                <a:r>
+                  <a:rPr lang="fr-FR">
+                    <a:noFill/>
+                  </a:rPr>
+                  <a:t> </a:t>
+                </a:r>
+              </a:p>
+            </p:txBody>
+          </p:sp>
+        </mc:Fallback>
+      </mc:AlternateContent>
+      <mc:AlternateContent xmlns:mc="http://schemas.openxmlformats.org/markup-compatibility/2006" xmlns:a14="http://schemas.microsoft.com/office/drawing/2010/main">
+        <mc:Choice Requires="a14">
+          <p:sp>
+            <p:nvSpPr>
+              <p:cNvPr id="62" name="ZoneTexte 61">
+                <a:extLst>
+                  <a:ext uri="{FF2B5EF4-FFF2-40B4-BE49-F238E27FC236}">
+                    <a16:creationId xmlns:a16="http://schemas.microsoft.com/office/drawing/2014/main" id="{57A2117F-97F1-4CBF-BDCB-A708A84421B3}"/>
+                  </a:ext>
+                </a:extLst>
+              </p:cNvPr>
+              <p:cNvSpPr txBox="1"/>
+              <p:nvPr/>
+            </p:nvSpPr>
+            <p:spPr>
+              <a:xfrm>
+                <a:off x="6488313" y="1833906"/>
+                <a:ext cx="288091" cy="261610"/>
+              </a:xfrm>
+              <a:prstGeom prst="rect">
+                <a:avLst/>
+              </a:prstGeom>
+              <a:noFill/>
+            </p:spPr>
+            <p:txBody>
+              <a:bodyPr wrap="none" rtlCol="0">
+                <a:spAutoFit/>
+              </a:bodyPr>
+              <a:lstStyle/>
+              <a:p>
+                <a:pPr/>
+                <a14:m>
+                  <m:oMathPara xmlns:m="http://schemas.openxmlformats.org/officeDocument/2006/math">
+                    <m:oMathParaPr>
+                      <m:jc m:val="centerGroup"/>
+                    </m:oMathParaPr>
+                    <m:oMath xmlns:m="http://schemas.openxmlformats.org/officeDocument/2006/math">
+                      <m:acc>
+                        <m:accPr>
+                          <m:chr m:val="⃗"/>
+                          <m:ctrlPr>
+                            <a:rPr lang="fr-FR" sz="1100" i="1" smtClean="0">
+                              <a:latin typeface="Cambria Math" panose="02040503050406030204" pitchFamily="18" charset="0"/>
+                            </a:rPr>
+                          </m:ctrlPr>
+                        </m:accPr>
+                        <m:e>
+                          <m:r>
+                            <a:rPr lang="fr-FR" sz="1100" b="0" i="1" smtClean="0">
+                              <a:latin typeface="Cambria Math" panose="02040503050406030204" pitchFamily="18" charset="0"/>
+                            </a:rPr>
+                            <m:t>𝑧</m:t>
+                          </m:r>
+                        </m:e>
+                      </m:acc>
+                    </m:oMath>
+                  </m:oMathPara>
+                </a14:m>
+                <a:endParaRPr lang="fr-FR" sz="1100" dirty="0"/>
+              </a:p>
+            </p:txBody>
+          </p:sp>
+        </mc:Choice>
+        <mc:Fallback xmlns="">
+          <p:sp>
+            <p:nvSpPr>
+              <p:cNvPr id="62" name="ZoneTexte 61">
+                <a:extLst>
+                  <a:ext uri="{FF2B5EF4-FFF2-40B4-BE49-F238E27FC236}">
+                    <a16:creationId xmlns:a16="http://schemas.microsoft.com/office/drawing/2014/main" id="{57A2117F-97F1-4CBF-BDCB-A708A84421B3}"/>
+                  </a:ext>
+                </a:extLst>
+              </p:cNvPr>
+              <p:cNvSpPr txBox="1">
+                <a:spLocks noRot="1" noChangeAspect="1" noMove="1" noResize="1" noEditPoints="1" noAdjustHandles="1" noChangeArrowheads="1" noChangeShapeType="1" noTextEdit="1"/>
+              </p:cNvSpPr>
+              <p:nvPr/>
+            </p:nvSpPr>
+            <p:spPr>
+              <a:xfrm>
+                <a:off x="6488313" y="1833906"/>
+                <a:ext cx="288091" cy="261610"/>
+              </a:xfrm>
+              <a:prstGeom prst="rect">
+                <a:avLst/>
+              </a:prstGeom>
+              <a:blipFill>
+                <a:blip r:embed="rId6"/>
+                <a:stretch>
+                  <a:fillRect t="-2326" r="-2083"/>
+                </a:stretch>
+              </a:blipFill>
+            </p:spPr>
+            <p:txBody>
+              <a:bodyPr/>
+              <a:lstStyle/>
+              <a:p>
+                <a:r>
+                  <a:rPr lang="fr-FR">
+                    <a:noFill/>
+                  </a:rPr>
+                  <a:t> </a:t>
+                </a:r>
+              </a:p>
+            </p:txBody>
+          </p:sp>
+        </mc:Fallback>
+      </mc:AlternateContent>
+      <p:sp>
+        <p:nvSpPr>
+          <p:cNvPr id="71" name="Ellipse 70">
+            <a:extLst>
+              <a:ext uri="{FF2B5EF4-FFF2-40B4-BE49-F238E27FC236}">
+                <a16:creationId xmlns:a16="http://schemas.microsoft.com/office/drawing/2014/main" id="{545A71A8-F400-4756-A8C0-06C7319B6F7D}"/>
+              </a:ext>
+            </a:extLst>
+          </p:cNvPr>
+          <p:cNvSpPr/>
+          <p:nvPr/>
+        </p:nvSpPr>
+        <p:spPr>
+          <a:xfrm>
+            <a:off x="5606256" y="1734389"/>
+            <a:ext cx="206324" cy="206324"/>
+          </a:xfrm>
+          <a:prstGeom prst="ellipse">
+            <a:avLst/>
+          </a:prstGeom>
+          <a:solidFill>
+            <a:schemeClr val="bg1"/>
+          </a:solidFill>
+          <a:ln w="28575">
+            <a:solidFill>
+              <a:srgbClr val="00B0F0"/>
+            </a:solidFill>
+          </a:ln>
+        </p:spPr>
+        <p:style>
+          <a:lnRef idx="2">
+            <a:schemeClr val="accent1">
+              <a:shade val="50000"/>
+            </a:schemeClr>
+          </a:lnRef>
+          <a:fillRef idx="1">
+            <a:schemeClr val="accent1"/>
+          </a:fillRef>
+          <a:effectRef idx="0">
+            <a:schemeClr val="accent1"/>
+          </a:effectRef>
+          <a:fontRef idx="minor">
+            <a:schemeClr val="lt1"/>
+          </a:fontRef>
+        </p:style>
+        <p:txBody>
+          <a:bodyPr rtlCol="0" anchor="ctr"/>
+          <a:lstStyle/>
+          <a:p>
+            <a:pPr algn="ctr"/>
+            <a:endParaRPr lang="fr-FR">
+              <a:ln>
+                <a:solidFill>
+                  <a:schemeClr val="tx1">
+                    <a:lumMod val="50000"/>
+                    <a:lumOff val="50000"/>
+                  </a:schemeClr>
+                </a:solidFill>
+              </a:ln>
+              <a:solidFill>
+                <a:schemeClr val="tx1">
+                  <a:lumMod val="50000"/>
+                  <a:lumOff val="50000"/>
+                </a:schemeClr>
+              </a:solidFill>
+            </a:endParaRPr>
+          </a:p>
+        </p:txBody>
+      </p:sp>
+      <p:cxnSp>
+        <p:nvCxnSpPr>
+          <p:cNvPr id="72" name="Connecteur droit 71">
+            <a:extLst>
+              <a:ext uri="{FF2B5EF4-FFF2-40B4-BE49-F238E27FC236}">
+                <a16:creationId xmlns:a16="http://schemas.microsoft.com/office/drawing/2014/main" id="{90873405-D0ED-4205-96F3-7D517A1ADD08}"/>
+              </a:ext>
+            </a:extLst>
+          </p:cNvPr>
+          <p:cNvCxnSpPr>
+            <a:cxnSpLocks/>
+            <a:stCxn id="49" idx="7"/>
+            <a:endCxn id="71" idx="7"/>
+          </p:cNvCxnSpPr>
+          <p:nvPr/>
+        </p:nvCxnSpPr>
+        <p:spPr>
+          <a:xfrm flipH="1">
+            <a:off x="5782365" y="1666959"/>
+            <a:ext cx="94107" cy="97645"/>
+          </a:xfrm>
+          <a:prstGeom prst="line">
+            <a:avLst/>
+          </a:prstGeom>
+          <a:solidFill>
+            <a:schemeClr val="bg1"/>
+          </a:solidFill>
+          <a:ln w="28575">
+            <a:solidFill>
+              <a:srgbClr val="00B0F0"/>
+            </a:solidFill>
+          </a:ln>
+        </p:spPr>
+        <p:style>
+          <a:lnRef idx="2">
+            <a:schemeClr val="accent1">
+              <a:shade val="50000"/>
+            </a:schemeClr>
+          </a:lnRef>
+          <a:fillRef idx="1">
+            <a:schemeClr val="accent1"/>
+          </a:fillRef>
+          <a:effectRef idx="0">
+            <a:schemeClr val="accent1"/>
+          </a:effectRef>
+          <a:fontRef idx="minor">
+            <a:schemeClr val="lt1"/>
+          </a:fontRef>
+        </p:style>
+      </p:cxnSp>
+      <p:pic>
+        <p:nvPicPr>
+          <p:cNvPr id="2" name="Image 1">
+            <a:extLst>
+              <a:ext uri="{FF2B5EF4-FFF2-40B4-BE49-F238E27FC236}">
+                <a16:creationId xmlns:a16="http://schemas.microsoft.com/office/drawing/2014/main" id="{83C5D398-DB6F-4DDB-BA6A-C79E83C001C5}"/>
+              </a:ext>
+            </a:extLst>
+          </p:cNvPr>
+          <p:cNvPicPr>
+            <a:picLocks noChangeAspect="1"/>
+          </p:cNvPicPr>
+          <p:nvPr/>
+        </p:nvPicPr>
+        <p:blipFill>
+          <a:blip r:embed="rId7"/>
+          <a:stretch>
+            <a:fillRect/>
+          </a:stretch>
+        </p:blipFill>
+        <p:spPr>
+          <a:xfrm>
+            <a:off x="5332753" y="2627688"/>
+            <a:ext cx="314383" cy="1150554"/>
+          </a:xfrm>
+          <a:prstGeom prst="rect">
+            <a:avLst/>
+          </a:prstGeom>
+        </p:spPr>
+      </p:pic>
+      <p:cxnSp>
+        <p:nvCxnSpPr>
+          <p:cNvPr id="53" name="Connecteur droit 52">
+            <a:extLst>
+              <a:ext uri="{FF2B5EF4-FFF2-40B4-BE49-F238E27FC236}">
+                <a16:creationId xmlns:a16="http://schemas.microsoft.com/office/drawing/2014/main" id="{D33E6FF8-A986-486E-B4F7-0E75B5BB8357}"/>
+              </a:ext>
+            </a:extLst>
+          </p:cNvPr>
+          <p:cNvCxnSpPr>
+            <a:cxnSpLocks/>
+          </p:cNvCxnSpPr>
+          <p:nvPr/>
+        </p:nvCxnSpPr>
+        <p:spPr>
+          <a:xfrm>
+            <a:off x="1651100" y="4362037"/>
+            <a:ext cx="2176836" cy="0"/>
+          </a:xfrm>
+          <a:prstGeom prst="line">
+            <a:avLst/>
+          </a:prstGeom>
+          <a:ln w="19050">
+            <a:solidFill>
+              <a:schemeClr val="accent5">
+                <a:lumMod val="50000"/>
+              </a:schemeClr>
+            </a:solidFill>
+            <a:tailEnd type="stealth" w="med" len="lg"/>
+          </a:ln>
+        </p:spPr>
+        <p:style>
+          <a:lnRef idx="1">
+            <a:schemeClr val="accent1"/>
+          </a:lnRef>
+          <a:fillRef idx="0">
+            <a:schemeClr val="accent1"/>
+          </a:fillRef>
+          <a:effectRef idx="0">
+            <a:schemeClr val="accent1"/>
+          </a:effectRef>
+          <a:fontRef idx="minor">
+            <a:schemeClr val="tx1"/>
+          </a:fontRef>
+        </p:style>
+      </p:cxnSp>
+      <p:cxnSp>
+        <p:nvCxnSpPr>
+          <p:cNvPr id="61" name="Connecteur droit 60">
+            <a:extLst>
+              <a:ext uri="{FF2B5EF4-FFF2-40B4-BE49-F238E27FC236}">
+                <a16:creationId xmlns:a16="http://schemas.microsoft.com/office/drawing/2014/main" id="{C5AB99C4-F337-4FF5-B61A-EE0576AF21E0}"/>
+              </a:ext>
+            </a:extLst>
+          </p:cNvPr>
+          <p:cNvCxnSpPr>
+            <a:cxnSpLocks/>
+          </p:cNvCxnSpPr>
+          <p:nvPr/>
+        </p:nvCxnSpPr>
+        <p:spPr>
+          <a:xfrm flipV="1">
+            <a:off x="1651100" y="2940050"/>
+            <a:ext cx="0" cy="1421987"/>
+          </a:xfrm>
+          <a:prstGeom prst="line">
+            <a:avLst/>
+          </a:prstGeom>
+          <a:ln w="19050">
+            <a:solidFill>
+              <a:schemeClr val="accent5">
+                <a:lumMod val="50000"/>
+              </a:schemeClr>
+            </a:solidFill>
+            <a:tailEnd type="stealth" w="med" len="lg"/>
+          </a:ln>
+        </p:spPr>
+        <p:style>
+          <a:lnRef idx="1">
+            <a:schemeClr val="accent1"/>
+          </a:lnRef>
+          <a:fillRef idx="0">
+            <a:schemeClr val="accent1"/>
+          </a:fillRef>
+          <a:effectRef idx="0">
+            <a:schemeClr val="accent1"/>
+          </a:effectRef>
+          <a:fontRef idx="minor">
+            <a:schemeClr val="tx1"/>
+          </a:fontRef>
+        </p:style>
+      </p:cxnSp>
+      <p:cxnSp>
+        <p:nvCxnSpPr>
+          <p:cNvPr id="63" name="Connecteur droit 62">
+            <a:extLst>
+              <a:ext uri="{FF2B5EF4-FFF2-40B4-BE49-F238E27FC236}">
+                <a16:creationId xmlns:a16="http://schemas.microsoft.com/office/drawing/2014/main" id="{F46AED3B-9328-40B6-9C3D-1ED1C1932179}"/>
+              </a:ext>
+            </a:extLst>
+          </p:cNvPr>
+          <p:cNvCxnSpPr>
+            <a:cxnSpLocks/>
+          </p:cNvCxnSpPr>
+          <p:nvPr/>
+        </p:nvCxnSpPr>
+        <p:spPr>
+          <a:xfrm>
+            <a:off x="2090262" y="3471150"/>
+            <a:ext cx="1219514" cy="396000"/>
+          </a:xfrm>
+          <a:prstGeom prst="line">
+            <a:avLst/>
+          </a:prstGeom>
+          <a:solidFill>
+            <a:schemeClr val="bg1"/>
+          </a:solidFill>
+          <a:ln w="28575">
+            <a:solidFill>
+              <a:schemeClr val="accent2">
+                <a:lumMod val="50000"/>
+              </a:schemeClr>
+            </a:solidFill>
+          </a:ln>
+        </p:spPr>
+        <p:style>
+          <a:lnRef idx="2">
+            <a:schemeClr val="accent1">
+              <a:shade val="50000"/>
+            </a:schemeClr>
+          </a:lnRef>
+          <a:fillRef idx="1">
+            <a:schemeClr val="accent1"/>
+          </a:fillRef>
+          <a:effectRef idx="0">
+            <a:schemeClr val="accent1"/>
+          </a:effectRef>
+          <a:fontRef idx="minor">
+            <a:schemeClr val="lt1"/>
+          </a:fontRef>
+        </p:style>
+      </p:cxnSp>
+      <mc:AlternateContent xmlns:mc="http://schemas.openxmlformats.org/markup-compatibility/2006" xmlns:a14="http://schemas.microsoft.com/office/drawing/2010/main">
+        <mc:Choice Requires="a14">
+          <p:sp>
+            <p:nvSpPr>
+              <p:cNvPr id="66" name="ZoneTexte 65">
+                <a:extLst>
+                  <a:ext uri="{FF2B5EF4-FFF2-40B4-BE49-F238E27FC236}">
+                    <a16:creationId xmlns:a16="http://schemas.microsoft.com/office/drawing/2014/main" id="{C5527381-4ED7-4209-8DE6-EAFE5273FD48}"/>
+                  </a:ext>
+                </a:extLst>
+              </p:cNvPr>
+              <p:cNvSpPr txBox="1"/>
+              <p:nvPr/>
+            </p:nvSpPr>
+            <p:spPr>
+              <a:xfrm>
+                <a:off x="3639514" y="4058675"/>
+                <a:ext cx="186718" cy="276999"/>
+              </a:xfrm>
+              <a:prstGeom prst="rect">
+                <a:avLst/>
+              </a:prstGeom>
+              <a:noFill/>
+            </p:spPr>
+            <p:txBody>
+              <a:bodyPr wrap="none" lIns="0" tIns="0" rIns="0" bIns="0" rtlCol="0">
+                <a:spAutoFit/>
+              </a:bodyPr>
+              <a:lstStyle/>
+              <a:p>
+                <a:pPr/>
+                <a14:m>
+                  <m:oMathPara xmlns:m="http://schemas.openxmlformats.org/officeDocument/2006/math">
+                    <m:oMathParaPr>
+                      <m:jc m:val="centerGroup"/>
+                    </m:oMathParaPr>
+                    <m:oMath xmlns:m="http://schemas.openxmlformats.org/officeDocument/2006/math">
+                      <m:r>
+                        <a:rPr lang="fr-FR" b="0" i="1" smtClean="0">
+                          <a:latin typeface="Cambria Math" panose="02040503050406030204" pitchFamily="18" charset="0"/>
+                        </a:rPr>
+                        <m:t>𝑦</m:t>
+                      </m:r>
+                    </m:oMath>
+                  </m:oMathPara>
+                </a14:m>
+                <a:endParaRPr lang="fr-FR" dirty="0"/>
+              </a:p>
+            </p:txBody>
+          </p:sp>
+        </mc:Choice>
+        <mc:Fallback xmlns="">
+          <p:sp>
+            <p:nvSpPr>
+              <p:cNvPr id="66" name="ZoneTexte 65">
+                <a:extLst>
+                  <a:ext uri="{FF2B5EF4-FFF2-40B4-BE49-F238E27FC236}">
+                    <a16:creationId xmlns:a16="http://schemas.microsoft.com/office/drawing/2014/main" id="{C5527381-4ED7-4209-8DE6-EAFE5273FD48}"/>
+                  </a:ext>
+                </a:extLst>
+              </p:cNvPr>
+              <p:cNvSpPr txBox="1">
+                <a:spLocks noRot="1" noChangeAspect="1" noMove="1" noResize="1" noEditPoints="1" noAdjustHandles="1" noChangeArrowheads="1" noChangeShapeType="1" noTextEdit="1"/>
+              </p:cNvSpPr>
+              <p:nvPr/>
+            </p:nvSpPr>
+            <p:spPr>
+              <a:xfrm>
+                <a:off x="3639514" y="4058675"/>
+                <a:ext cx="186718" cy="276999"/>
+              </a:xfrm>
+              <a:prstGeom prst="rect">
+                <a:avLst/>
+              </a:prstGeom>
+              <a:blipFill>
+                <a:blip r:embed="rId8"/>
+                <a:stretch>
+                  <a:fillRect l="-32258" r="-25806" b="-26667"/>
+                </a:stretch>
+              </a:blipFill>
+            </p:spPr>
+            <p:txBody>
+              <a:bodyPr/>
+              <a:lstStyle/>
+              <a:p>
+                <a:r>
+                  <a:rPr lang="fr-FR">
+                    <a:noFill/>
+                  </a:rPr>
+                  <a:t> </a:t>
+                </a:r>
+              </a:p>
+            </p:txBody>
+          </p:sp>
+        </mc:Fallback>
+      </mc:AlternateContent>
+      <mc:AlternateContent xmlns:mc="http://schemas.openxmlformats.org/markup-compatibility/2006" xmlns:a14="http://schemas.microsoft.com/office/drawing/2010/main">
+        <mc:Choice Requires="a14">
+          <p:sp>
+            <p:nvSpPr>
+              <p:cNvPr id="67" name="ZoneTexte 66">
+                <a:extLst>
+                  <a:ext uri="{FF2B5EF4-FFF2-40B4-BE49-F238E27FC236}">
+                    <a16:creationId xmlns:a16="http://schemas.microsoft.com/office/drawing/2014/main" id="{CE3C348A-155E-43EB-846E-3D0C8040697D}"/>
+                  </a:ext>
+                </a:extLst>
+              </p:cNvPr>
+              <p:cNvSpPr txBox="1"/>
+              <p:nvPr/>
+            </p:nvSpPr>
+            <p:spPr>
+              <a:xfrm>
+                <a:off x="1382181" y="2789176"/>
+                <a:ext cx="203004" cy="276999"/>
+              </a:xfrm>
+              <a:prstGeom prst="rect">
+                <a:avLst/>
+              </a:prstGeom>
+              <a:noFill/>
+            </p:spPr>
+            <p:txBody>
+              <a:bodyPr wrap="none" lIns="0" tIns="0" rIns="0" bIns="0" rtlCol="0">
+                <a:spAutoFit/>
+              </a:bodyPr>
+              <a:lstStyle/>
+              <a:p>
+                <a:pPr/>
+                <a14:m>
+                  <m:oMathPara xmlns:m="http://schemas.openxmlformats.org/officeDocument/2006/math">
+                    <m:oMathParaPr>
+                      <m:jc m:val="centerGroup"/>
+                    </m:oMathParaPr>
+                    <m:oMath xmlns:m="http://schemas.openxmlformats.org/officeDocument/2006/math">
+                      <m:r>
+                        <a:rPr lang="fr-FR" b="0" i="1" smtClean="0">
+                          <a:latin typeface="Cambria Math" panose="02040503050406030204" pitchFamily="18" charset="0"/>
+                        </a:rPr>
+                        <m:t>𝐹</m:t>
+                      </m:r>
+                    </m:oMath>
+                  </m:oMathPara>
+                </a14:m>
+                <a:endParaRPr lang="fr-FR" dirty="0"/>
+              </a:p>
+            </p:txBody>
+          </p:sp>
+        </mc:Choice>
+        <mc:Fallback xmlns="">
+          <p:sp>
+            <p:nvSpPr>
+              <p:cNvPr id="67" name="ZoneTexte 66">
+                <a:extLst>
+                  <a:ext uri="{FF2B5EF4-FFF2-40B4-BE49-F238E27FC236}">
+                    <a16:creationId xmlns:a16="http://schemas.microsoft.com/office/drawing/2014/main" id="{CE3C348A-155E-43EB-846E-3D0C8040697D}"/>
+                  </a:ext>
+                </a:extLst>
+              </p:cNvPr>
+              <p:cNvSpPr txBox="1">
+                <a:spLocks noRot="1" noChangeAspect="1" noMove="1" noResize="1" noEditPoints="1" noAdjustHandles="1" noChangeArrowheads="1" noChangeShapeType="1" noTextEdit="1"/>
+              </p:cNvSpPr>
+              <p:nvPr/>
+            </p:nvSpPr>
+            <p:spPr>
+              <a:xfrm>
+                <a:off x="1382181" y="2789176"/>
+                <a:ext cx="203004" cy="276999"/>
+              </a:xfrm>
+              <a:prstGeom prst="rect">
+                <a:avLst/>
+              </a:prstGeom>
+              <a:blipFill>
+                <a:blip r:embed="rId9"/>
+                <a:stretch>
+                  <a:fillRect l="-30303" r="-21212" b="-6667"/>
+                </a:stretch>
+              </a:blipFill>
+            </p:spPr>
+            <p:txBody>
+              <a:bodyPr/>
+              <a:lstStyle/>
+              <a:p>
+                <a:r>
+                  <a:rPr lang="fr-FR">
+                    <a:noFill/>
+                  </a:rPr>
+                  <a:t> </a:t>
+                </a:r>
+              </a:p>
+            </p:txBody>
+          </p:sp>
+        </mc:Fallback>
+      </mc:AlternateContent>
+      <p:cxnSp>
+        <p:nvCxnSpPr>
+          <p:cNvPr id="69" name="Connecteur droit 68">
+            <a:extLst>
+              <a:ext uri="{FF2B5EF4-FFF2-40B4-BE49-F238E27FC236}">
+                <a16:creationId xmlns:a16="http://schemas.microsoft.com/office/drawing/2014/main" id="{50201CF6-D845-47D8-BDD9-4E0F0ECEF28B}"/>
+              </a:ext>
+            </a:extLst>
+          </p:cNvPr>
+          <p:cNvCxnSpPr>
+            <a:cxnSpLocks/>
+          </p:cNvCxnSpPr>
+          <p:nvPr/>
+        </p:nvCxnSpPr>
+        <p:spPr>
+          <a:xfrm flipV="1">
+            <a:off x="3309776" y="3867150"/>
+            <a:ext cx="0" cy="494862"/>
+          </a:xfrm>
+          <a:prstGeom prst="line">
+            <a:avLst/>
+          </a:prstGeom>
+          <a:solidFill>
+            <a:schemeClr val="bg1"/>
+          </a:solidFill>
+          <a:ln w="12700">
+            <a:solidFill>
+              <a:schemeClr val="accent2">
+                <a:lumMod val="50000"/>
+              </a:schemeClr>
+            </a:solidFill>
+          </a:ln>
+        </p:spPr>
+        <p:style>
+          <a:lnRef idx="2">
+            <a:schemeClr val="accent1">
+              <a:shade val="50000"/>
+            </a:schemeClr>
+          </a:lnRef>
+          <a:fillRef idx="1">
+            <a:schemeClr val="accent1"/>
+          </a:fillRef>
+          <a:effectRef idx="0">
+            <a:schemeClr val="accent1"/>
+          </a:effectRef>
+          <a:fontRef idx="minor">
+            <a:schemeClr val="lt1"/>
+          </a:fontRef>
+        </p:style>
+      </p:cxnSp>
+      <p:cxnSp>
+        <p:nvCxnSpPr>
+          <p:cNvPr id="75" name="Connecteur droit 74">
+            <a:extLst>
+              <a:ext uri="{FF2B5EF4-FFF2-40B4-BE49-F238E27FC236}">
+                <a16:creationId xmlns:a16="http://schemas.microsoft.com/office/drawing/2014/main" id="{CEF2E691-8367-4C87-8A36-1DD2863F757F}"/>
+              </a:ext>
+            </a:extLst>
+          </p:cNvPr>
+          <p:cNvCxnSpPr>
+            <a:cxnSpLocks/>
+          </p:cNvCxnSpPr>
+          <p:nvPr/>
+        </p:nvCxnSpPr>
+        <p:spPr>
+          <a:xfrm flipV="1">
+            <a:off x="2098618" y="3473669"/>
+            <a:ext cx="0" cy="862005"/>
+          </a:xfrm>
+          <a:prstGeom prst="line">
+            <a:avLst/>
+          </a:prstGeom>
+          <a:solidFill>
+            <a:schemeClr val="bg1"/>
+          </a:solidFill>
+          <a:ln w="12700">
+            <a:solidFill>
+              <a:schemeClr val="accent2">
+                <a:lumMod val="50000"/>
+              </a:schemeClr>
+            </a:solidFill>
+          </a:ln>
+        </p:spPr>
+        <p:style>
+          <a:lnRef idx="2">
+            <a:schemeClr val="accent1">
+              <a:shade val="50000"/>
+            </a:schemeClr>
+          </a:lnRef>
+          <a:fillRef idx="1">
+            <a:schemeClr val="accent1"/>
+          </a:fillRef>
+          <a:effectRef idx="0">
+            <a:schemeClr val="accent1"/>
+          </a:effectRef>
+          <a:fontRef idx="minor">
+            <a:schemeClr val="lt1"/>
+          </a:fontRef>
+        </p:style>
+      </p:cxnSp>
+      <mc:AlternateContent xmlns:mc="http://schemas.openxmlformats.org/markup-compatibility/2006" xmlns:a14="http://schemas.microsoft.com/office/drawing/2010/main">
+        <mc:Choice Requires="a14">
+          <p:sp>
+            <p:nvSpPr>
+              <p:cNvPr id="76" name="ZoneTexte 75">
+                <a:extLst>
+                  <a:ext uri="{FF2B5EF4-FFF2-40B4-BE49-F238E27FC236}">
+                    <a16:creationId xmlns:a16="http://schemas.microsoft.com/office/drawing/2014/main" id="{4E1E8A0D-9BB1-4FA1-9781-B5C039A0308A}"/>
+                  </a:ext>
+                </a:extLst>
+              </p:cNvPr>
+              <p:cNvSpPr txBox="1"/>
+              <p:nvPr/>
+            </p:nvSpPr>
+            <p:spPr>
+              <a:xfrm>
+                <a:off x="2005259" y="4414764"/>
+                <a:ext cx="283091" cy="276999"/>
+              </a:xfrm>
+              <a:prstGeom prst="rect">
+                <a:avLst/>
+              </a:prstGeom>
+              <a:noFill/>
+            </p:spPr>
+            <p:txBody>
+              <a:bodyPr wrap="none" lIns="0" tIns="0" rIns="0" bIns="0" rtlCol="0">
+                <a:spAutoFit/>
+              </a:bodyPr>
+              <a:lstStyle/>
+              <a:p>
+                <a:pPr/>
+                <a14:m>
+                  <m:oMathPara xmlns:m="http://schemas.openxmlformats.org/officeDocument/2006/math">
+                    <m:oMathParaPr>
+                      <m:jc m:val="centerGroup"/>
+                    </m:oMathParaPr>
+                    <m:oMath xmlns:m="http://schemas.openxmlformats.org/officeDocument/2006/math">
+                      <m:sSub>
+                        <m:sSubPr>
+                          <m:ctrlPr>
+                            <a:rPr lang="fr-FR" b="0" i="1" smtClean="0">
+                              <a:latin typeface="Cambria Math" panose="02040503050406030204" pitchFamily="18" charset="0"/>
+                            </a:rPr>
+                          </m:ctrlPr>
+                        </m:sSubPr>
+                        <m:e>
+                          <m:r>
+                            <a:rPr lang="fr-FR" b="0" i="1" smtClean="0">
+                              <a:latin typeface="Cambria Math" panose="02040503050406030204" pitchFamily="18" charset="0"/>
+                            </a:rPr>
+                            <m:t>𝑦</m:t>
+                          </m:r>
+                        </m:e>
+                        <m:sub>
+                          <m:r>
+                            <a:rPr lang="fr-FR" b="0" i="1" smtClean="0">
+                              <a:latin typeface="Cambria Math" panose="02040503050406030204" pitchFamily="18" charset="0"/>
+                            </a:rPr>
+                            <m:t>0</m:t>
+                          </m:r>
+                        </m:sub>
+                      </m:sSub>
+                    </m:oMath>
+                  </m:oMathPara>
+                </a14:m>
+                <a:endParaRPr lang="fr-FR" dirty="0"/>
+              </a:p>
+            </p:txBody>
+          </p:sp>
+        </mc:Choice>
+        <mc:Fallback xmlns="">
+          <p:sp>
+            <p:nvSpPr>
+              <p:cNvPr id="76" name="ZoneTexte 75">
+                <a:extLst>
+                  <a:ext uri="{FF2B5EF4-FFF2-40B4-BE49-F238E27FC236}">
+                    <a16:creationId xmlns:a16="http://schemas.microsoft.com/office/drawing/2014/main" id="{4E1E8A0D-9BB1-4FA1-9781-B5C039A0308A}"/>
+                  </a:ext>
+                </a:extLst>
+              </p:cNvPr>
+              <p:cNvSpPr txBox="1">
+                <a:spLocks noRot="1" noChangeAspect="1" noMove="1" noResize="1" noEditPoints="1" noAdjustHandles="1" noChangeArrowheads="1" noChangeShapeType="1" noTextEdit="1"/>
+              </p:cNvSpPr>
+              <p:nvPr/>
+            </p:nvSpPr>
+            <p:spPr>
+              <a:xfrm>
+                <a:off x="2005259" y="4414764"/>
+                <a:ext cx="283091" cy="276999"/>
+              </a:xfrm>
+              <a:prstGeom prst="rect">
+                <a:avLst/>
+              </a:prstGeom>
+              <a:blipFill>
+                <a:blip r:embed="rId10"/>
+                <a:stretch>
+                  <a:fillRect l="-21739" r="-6522" b="-23913"/>
+                </a:stretch>
+              </a:blipFill>
+            </p:spPr>
+            <p:txBody>
+              <a:bodyPr/>
+              <a:lstStyle/>
+              <a:p>
+                <a:r>
+                  <a:rPr lang="fr-FR">
+                    <a:noFill/>
+                  </a:rPr>
+                  <a:t> </a:t>
+                </a:r>
+              </a:p>
+            </p:txBody>
+          </p:sp>
+        </mc:Fallback>
+      </mc:AlternateContent>
+      <mc:AlternateContent xmlns:mc="http://schemas.openxmlformats.org/markup-compatibility/2006" xmlns:a14="http://schemas.microsoft.com/office/drawing/2010/main">
+        <mc:Choice Requires="a14">
+          <p:sp>
+            <p:nvSpPr>
+              <p:cNvPr id="78" name="ZoneTexte 77">
+                <a:extLst>
+                  <a:ext uri="{FF2B5EF4-FFF2-40B4-BE49-F238E27FC236}">
+                    <a16:creationId xmlns:a16="http://schemas.microsoft.com/office/drawing/2014/main" id="{E8BB408E-94BB-4207-8FDD-B608D74E99C8}"/>
+                  </a:ext>
+                </a:extLst>
+              </p:cNvPr>
+              <p:cNvSpPr txBox="1"/>
+              <p:nvPr/>
+            </p:nvSpPr>
+            <p:spPr>
+              <a:xfrm>
+                <a:off x="2889265" y="4414764"/>
+                <a:ext cx="845332" cy="276999"/>
+              </a:xfrm>
+              <a:prstGeom prst="rect">
+                <a:avLst/>
+              </a:prstGeom>
+              <a:noFill/>
+            </p:spPr>
+            <p:txBody>
+              <a:bodyPr wrap="square" lIns="0" tIns="0" rIns="0" bIns="0" rtlCol="0">
+                <a:spAutoFit/>
+              </a:bodyPr>
+              <a:lstStyle/>
+              <a:p>
+                <a:pPr/>
+                <a14:m>
+                  <m:oMathPara xmlns:m="http://schemas.openxmlformats.org/officeDocument/2006/math">
+                    <m:oMathParaPr>
+                      <m:jc m:val="centerGroup"/>
+                    </m:oMathParaPr>
+                    <m:oMath xmlns:m="http://schemas.openxmlformats.org/officeDocument/2006/math">
+                      <m:sSub>
+                        <m:sSubPr>
+                          <m:ctrlPr>
+                            <a:rPr lang="fr-FR" b="0" i="1" smtClean="0">
+                              <a:latin typeface="Cambria Math" panose="02040503050406030204" pitchFamily="18" charset="0"/>
+                            </a:rPr>
+                          </m:ctrlPr>
+                        </m:sSubPr>
+                        <m:e>
+                          <m:r>
+                            <a:rPr lang="fr-FR" b="0" i="1" smtClean="0">
+                              <a:latin typeface="Cambria Math" panose="02040503050406030204" pitchFamily="18" charset="0"/>
+                            </a:rPr>
+                            <m:t>𝑦</m:t>
+                          </m:r>
+                        </m:e>
+                        <m:sub>
+                          <m:r>
+                            <a:rPr lang="fr-FR" b="0" i="1" smtClean="0">
+                              <a:latin typeface="Cambria Math" panose="02040503050406030204" pitchFamily="18" charset="0"/>
+                            </a:rPr>
+                            <m:t>0</m:t>
+                          </m:r>
+                        </m:sub>
+                      </m:sSub>
+                      <m:r>
+                        <a:rPr lang="fr-FR" b="0" i="1" smtClean="0">
+                          <a:latin typeface="Cambria Math" panose="02040503050406030204" pitchFamily="18" charset="0"/>
+                        </a:rPr>
+                        <m:t>+0,8</m:t>
+                      </m:r>
+                    </m:oMath>
+                  </m:oMathPara>
+                </a14:m>
+                <a:endParaRPr lang="fr-FR" dirty="0"/>
+              </a:p>
+            </p:txBody>
+          </p:sp>
+        </mc:Choice>
+        <mc:Fallback xmlns="">
+          <p:sp>
+            <p:nvSpPr>
+              <p:cNvPr id="78" name="ZoneTexte 77">
+                <a:extLst>
+                  <a:ext uri="{FF2B5EF4-FFF2-40B4-BE49-F238E27FC236}">
+                    <a16:creationId xmlns:a16="http://schemas.microsoft.com/office/drawing/2014/main" id="{E8BB408E-94BB-4207-8FDD-B608D74E99C8}"/>
+                  </a:ext>
+                </a:extLst>
+              </p:cNvPr>
+              <p:cNvSpPr txBox="1">
+                <a:spLocks noRot="1" noChangeAspect="1" noMove="1" noResize="1" noEditPoints="1" noAdjustHandles="1" noChangeArrowheads="1" noChangeShapeType="1" noTextEdit="1"/>
+              </p:cNvSpPr>
+              <p:nvPr/>
+            </p:nvSpPr>
+            <p:spPr>
+              <a:xfrm>
+                <a:off x="2889265" y="4414764"/>
+                <a:ext cx="845332" cy="276999"/>
+              </a:xfrm>
+              <a:prstGeom prst="rect">
+                <a:avLst/>
+              </a:prstGeom>
+              <a:blipFill>
+                <a:blip r:embed="rId11"/>
+                <a:stretch>
+                  <a:fillRect l="-7914" r="-7194" b="-23913"/>
+                </a:stretch>
+              </a:blipFill>
+            </p:spPr>
+            <p:txBody>
+              <a:bodyPr/>
+              <a:lstStyle/>
+              <a:p>
+                <a:r>
+                  <a:rPr lang="fr-FR">
+                    <a:noFill/>
+                  </a:rPr>
+                  <a:t> </a:t>
+                </a:r>
+              </a:p>
+            </p:txBody>
+          </p:sp>
+        </mc:Fallback>
+      </mc:AlternateContent>
+      <p:cxnSp>
+        <p:nvCxnSpPr>
+          <p:cNvPr id="79" name="Connecteur droit 78">
+            <a:extLst>
+              <a:ext uri="{FF2B5EF4-FFF2-40B4-BE49-F238E27FC236}">
+                <a16:creationId xmlns:a16="http://schemas.microsoft.com/office/drawing/2014/main" id="{3080EC6F-A4BB-447A-9ADE-09A4E83B005F}"/>
+              </a:ext>
+            </a:extLst>
+          </p:cNvPr>
+          <p:cNvCxnSpPr>
+            <a:cxnSpLocks/>
+          </p:cNvCxnSpPr>
+          <p:nvPr/>
+        </p:nvCxnSpPr>
+        <p:spPr>
+          <a:xfrm>
+            <a:off x="1651099" y="3473669"/>
+            <a:ext cx="447519" cy="0"/>
+          </a:xfrm>
+          <a:prstGeom prst="line">
+            <a:avLst/>
+          </a:prstGeom>
+          <a:solidFill>
+            <a:schemeClr val="bg1"/>
+          </a:solidFill>
+          <a:ln w="12700">
+            <a:solidFill>
+              <a:schemeClr val="accent2">
+                <a:lumMod val="50000"/>
+              </a:schemeClr>
+            </a:solidFill>
+          </a:ln>
+        </p:spPr>
+        <p:style>
+          <a:lnRef idx="2">
+            <a:schemeClr val="accent1">
+              <a:shade val="50000"/>
+            </a:schemeClr>
+          </a:lnRef>
+          <a:fillRef idx="1">
+            <a:schemeClr val="accent1"/>
+          </a:fillRef>
+          <a:effectRef idx="0">
+            <a:schemeClr val="accent1"/>
+          </a:effectRef>
+          <a:fontRef idx="minor">
+            <a:schemeClr val="lt1"/>
+          </a:fontRef>
+        </p:style>
+      </p:cxnSp>
+      <p:cxnSp>
+        <p:nvCxnSpPr>
+          <p:cNvPr id="80" name="Connecteur droit 79">
+            <a:extLst>
+              <a:ext uri="{FF2B5EF4-FFF2-40B4-BE49-F238E27FC236}">
+                <a16:creationId xmlns:a16="http://schemas.microsoft.com/office/drawing/2014/main" id="{9B956E4D-9729-4D93-B94E-81961F8ED104}"/>
+              </a:ext>
+            </a:extLst>
+          </p:cNvPr>
+          <p:cNvCxnSpPr>
+            <a:cxnSpLocks/>
+          </p:cNvCxnSpPr>
+          <p:nvPr/>
+        </p:nvCxnSpPr>
+        <p:spPr>
+          <a:xfrm>
+            <a:off x="1651099" y="3867150"/>
+            <a:ext cx="1658677" cy="0"/>
+          </a:xfrm>
+          <a:prstGeom prst="line">
+            <a:avLst/>
+          </a:prstGeom>
+          <a:solidFill>
+            <a:schemeClr val="bg1"/>
+          </a:solidFill>
+          <a:ln w="12700">
+            <a:solidFill>
+              <a:schemeClr val="accent2">
+                <a:lumMod val="50000"/>
+              </a:schemeClr>
+            </a:solidFill>
+          </a:ln>
+        </p:spPr>
+        <p:style>
+          <a:lnRef idx="2">
+            <a:schemeClr val="accent1">
+              <a:shade val="50000"/>
+            </a:schemeClr>
+          </a:lnRef>
+          <a:fillRef idx="1">
+            <a:schemeClr val="accent1"/>
+          </a:fillRef>
+          <a:effectRef idx="0">
+            <a:schemeClr val="accent1"/>
+          </a:effectRef>
+          <a:fontRef idx="minor">
+            <a:schemeClr val="lt1"/>
+          </a:fontRef>
+        </p:style>
+      </p:cxnSp>
+      <mc:AlternateContent xmlns:mc="http://schemas.openxmlformats.org/markup-compatibility/2006" xmlns:a14="http://schemas.microsoft.com/office/drawing/2010/main">
+        <mc:Choice Requires="a14">
+          <p:sp>
+            <p:nvSpPr>
+              <p:cNvPr id="82" name="ZoneTexte 81">
+                <a:extLst>
+                  <a:ext uri="{FF2B5EF4-FFF2-40B4-BE49-F238E27FC236}">
+                    <a16:creationId xmlns:a16="http://schemas.microsoft.com/office/drawing/2014/main" id="{70857EAE-24A9-424B-91EB-0EE1F044A9B7}"/>
+                  </a:ext>
+                </a:extLst>
+              </p:cNvPr>
+              <p:cNvSpPr txBox="1"/>
+              <p:nvPr/>
+            </p:nvSpPr>
+            <p:spPr>
+              <a:xfrm>
+                <a:off x="1211580" y="3721100"/>
+                <a:ext cx="395108" cy="276999"/>
+              </a:xfrm>
+              <a:prstGeom prst="rect">
+                <a:avLst/>
+              </a:prstGeom>
+              <a:noFill/>
+            </p:spPr>
+            <p:txBody>
+              <a:bodyPr wrap="none" lIns="0" tIns="0" rIns="0" bIns="0" rtlCol="0">
+                <a:spAutoFit/>
+              </a:bodyPr>
+              <a:lstStyle/>
+              <a:p>
+                <a:pPr/>
+                <a14:m>
+                  <m:oMathPara xmlns:m="http://schemas.openxmlformats.org/officeDocument/2006/math">
+                    <m:oMathParaPr>
+                      <m:jc m:val="centerGroup"/>
+                    </m:oMathParaPr>
+                    <m:oMath xmlns:m="http://schemas.openxmlformats.org/officeDocument/2006/math">
+                      <m:r>
+                        <a:rPr lang="fr-FR" b="0" i="1" smtClean="0">
+                          <a:latin typeface="Cambria Math" panose="02040503050406030204" pitchFamily="18" charset="0"/>
+                        </a:rPr>
+                        <m:t>𝑀𝑔</m:t>
+                      </m:r>
+                    </m:oMath>
+                  </m:oMathPara>
+                </a14:m>
+                <a:endParaRPr lang="fr-FR" dirty="0"/>
+              </a:p>
+            </p:txBody>
+          </p:sp>
+        </mc:Choice>
+        <mc:Fallback xmlns="">
+          <p:sp>
+            <p:nvSpPr>
+              <p:cNvPr id="82" name="ZoneTexte 81">
+                <a:extLst>
+                  <a:ext uri="{FF2B5EF4-FFF2-40B4-BE49-F238E27FC236}">
+                    <a16:creationId xmlns:a16="http://schemas.microsoft.com/office/drawing/2014/main" id="{70857EAE-24A9-424B-91EB-0EE1F044A9B7}"/>
+                  </a:ext>
+                </a:extLst>
+              </p:cNvPr>
+              <p:cNvSpPr txBox="1">
+                <a:spLocks noRot="1" noChangeAspect="1" noMove="1" noResize="1" noEditPoints="1" noAdjustHandles="1" noChangeArrowheads="1" noChangeShapeType="1" noTextEdit="1"/>
+              </p:cNvSpPr>
+              <p:nvPr/>
+            </p:nvSpPr>
+            <p:spPr>
+              <a:xfrm>
+                <a:off x="1211580" y="3721100"/>
+                <a:ext cx="395108" cy="276999"/>
+              </a:xfrm>
+              <a:prstGeom prst="rect">
+                <a:avLst/>
+              </a:prstGeom>
+              <a:blipFill>
+                <a:blip r:embed="rId12"/>
+                <a:stretch>
+                  <a:fillRect l="-21538" r="-16923" b="-32609"/>
+                </a:stretch>
+              </a:blipFill>
+            </p:spPr>
+            <p:txBody>
+              <a:bodyPr/>
+              <a:lstStyle/>
+              <a:p>
+                <a:r>
+                  <a:rPr lang="fr-FR">
+                    <a:noFill/>
+                  </a:rPr>
+                  <a:t> </a:t>
+                </a:r>
+              </a:p>
+            </p:txBody>
+          </p:sp>
+        </mc:Fallback>
+      </mc:AlternateContent>
+      <mc:AlternateContent xmlns:mc="http://schemas.openxmlformats.org/markup-compatibility/2006" xmlns:a14="http://schemas.microsoft.com/office/drawing/2010/main">
+        <mc:Choice Requires="a14">
+          <p:sp>
+            <p:nvSpPr>
+              <p:cNvPr id="83" name="ZoneTexte 82">
+                <a:extLst>
+                  <a:ext uri="{FF2B5EF4-FFF2-40B4-BE49-F238E27FC236}">
+                    <a16:creationId xmlns:a16="http://schemas.microsoft.com/office/drawing/2014/main" id="{03C55779-7D0F-4307-94E3-D4883B143E1E}"/>
+                  </a:ext>
+                </a:extLst>
+              </p:cNvPr>
+              <p:cNvSpPr txBox="1"/>
+              <p:nvPr/>
+            </p:nvSpPr>
+            <p:spPr>
+              <a:xfrm>
+                <a:off x="906443" y="3332650"/>
+                <a:ext cx="699679" cy="276999"/>
+              </a:xfrm>
+              <a:prstGeom prst="rect">
+                <a:avLst/>
+              </a:prstGeom>
+              <a:noFill/>
+            </p:spPr>
+            <p:txBody>
+              <a:bodyPr wrap="none" lIns="0" tIns="0" rIns="0" bIns="0" rtlCol="0">
+                <a:spAutoFit/>
+              </a:bodyPr>
+              <a:lstStyle/>
+              <a:p>
+                <a:pPr/>
+                <a14:m>
+                  <m:oMathPara xmlns:m="http://schemas.openxmlformats.org/officeDocument/2006/math">
+                    <m:oMathParaPr>
+                      <m:jc m:val="centerGroup"/>
+                    </m:oMathParaPr>
+                    <m:oMath xmlns:m="http://schemas.openxmlformats.org/officeDocument/2006/math">
+                      <m:r>
+                        <a:rPr lang="fr-FR" b="0" i="1" smtClean="0">
+                          <a:latin typeface="Cambria Math" panose="02040503050406030204" pitchFamily="18" charset="0"/>
+                        </a:rPr>
+                        <m:t>1,1</m:t>
+                      </m:r>
+                      <m:r>
+                        <a:rPr lang="fr-FR" b="0" i="1" smtClean="0">
+                          <a:latin typeface="Cambria Math" panose="02040503050406030204" pitchFamily="18" charset="0"/>
+                        </a:rPr>
+                        <m:t>𝑀𝑔</m:t>
+                      </m:r>
+                    </m:oMath>
+                  </m:oMathPara>
+                </a14:m>
+                <a:endParaRPr lang="fr-FR" dirty="0"/>
+              </a:p>
+            </p:txBody>
+          </p:sp>
+        </mc:Choice>
+        <mc:Fallback xmlns="">
+          <p:sp>
+            <p:nvSpPr>
+              <p:cNvPr id="83" name="ZoneTexte 82">
+                <a:extLst>
+                  <a:ext uri="{FF2B5EF4-FFF2-40B4-BE49-F238E27FC236}">
+                    <a16:creationId xmlns:a16="http://schemas.microsoft.com/office/drawing/2014/main" id="{03C55779-7D0F-4307-94E3-D4883B143E1E}"/>
+                  </a:ext>
+                </a:extLst>
+              </p:cNvPr>
+              <p:cNvSpPr txBox="1">
+                <a:spLocks noRot="1" noChangeAspect="1" noMove="1" noResize="1" noEditPoints="1" noAdjustHandles="1" noChangeArrowheads="1" noChangeShapeType="1" noTextEdit="1"/>
+              </p:cNvSpPr>
+              <p:nvPr/>
+            </p:nvSpPr>
+            <p:spPr>
+              <a:xfrm>
+                <a:off x="906443" y="3332650"/>
+                <a:ext cx="699679" cy="276999"/>
+              </a:xfrm>
+              <a:prstGeom prst="rect">
+                <a:avLst/>
+              </a:prstGeom>
+              <a:blipFill>
+                <a:blip r:embed="rId13"/>
+                <a:stretch>
+                  <a:fillRect l="-7895" r="-11404" b="-33333"/>
+                </a:stretch>
+              </a:blipFill>
+            </p:spPr>
+            <p:txBody>
+              <a:bodyPr/>
+              <a:lstStyle/>
+              <a:p>
+                <a:r>
+                  <a:rPr lang="fr-FR">
+                    <a:noFill/>
+                  </a:rPr>
+                  <a:t> </a:t>
+                </a:r>
+              </a:p>
+            </p:txBody>
+          </p:sp>
+        </mc:Fallback>
+      </mc:AlternateContent>
+    </p:spTree>
+    <p:extLst>
+      <p:ext uri="{BB962C8B-B14F-4D97-AF65-F5344CB8AC3E}">
+        <p14:creationId xmlns:p14="http://schemas.microsoft.com/office/powerpoint/2010/main" val="841074986"/>
+      </p:ext>
+    </p:extLst>
+  </p:cSld>
+  <p:clrMapOvr>
+    <a:masterClrMapping/>
+  </p:clrMapOvr>
+</p:sld>
+</file>
+
+<file path=ppt/slides/slide4.xml><?xml version="1.0" encoding="utf-8"?>
 <p:sld xmlns:a="http://schemas.openxmlformats.org/drawingml/2006/main" xmlns:r="http://schemas.openxmlformats.org/officeDocument/2006/relationships" xmlns:p="http://schemas.openxmlformats.org/presentationml/2006/main">
   <p:cSld>
     <p:spTree>
@@ -13626,7 +17066,3114 @@
 </p:sld>
 </file>
 
-<file path=ppt/slides/slide4.xml><?xml version="1.0" encoding="utf-8"?>
+<file path=ppt/slides/slide5.xml><?xml version="1.0" encoding="utf-8"?>
+<p:sld xmlns:a="http://schemas.openxmlformats.org/drawingml/2006/main" xmlns:r="http://schemas.openxmlformats.org/officeDocument/2006/relationships" xmlns:p="http://schemas.openxmlformats.org/presentationml/2006/main">
+  <p:cSld>
+    <p:spTree>
+      <p:nvGrpSpPr>
+        <p:cNvPr id="1" name=""/>
+        <p:cNvGrpSpPr/>
+        <p:nvPr/>
+      </p:nvGrpSpPr>
+      <p:grpSpPr>
+        <a:xfrm>
+          <a:off x="0" y="0"/>
+          <a:ext cx="0" cy="0"/>
+          <a:chOff x="0" y="0"/>
+          <a:chExt cx="0" cy="0"/>
+        </a:xfrm>
+      </p:grpSpPr>
+      <p:cxnSp>
+        <p:nvCxnSpPr>
+          <p:cNvPr id="4" name="Connecteur droit 3">
+            <a:extLst>
+              <a:ext uri="{FF2B5EF4-FFF2-40B4-BE49-F238E27FC236}">
+                <a16:creationId xmlns:a16="http://schemas.microsoft.com/office/drawing/2014/main" id="{F95B65DC-E2FC-4F2F-B210-051D76D051AD}"/>
+              </a:ext>
+            </a:extLst>
+          </p:cNvPr>
+          <p:cNvCxnSpPr>
+            <a:cxnSpLocks/>
+            <a:stCxn id="9" idx="4"/>
+          </p:cNvCxnSpPr>
+          <p:nvPr/>
+        </p:nvCxnSpPr>
+        <p:spPr>
+          <a:xfrm>
+            <a:off x="5709525" y="2070005"/>
+            <a:ext cx="0" cy="1609467"/>
+          </a:xfrm>
+          <a:prstGeom prst="line">
+            <a:avLst/>
+          </a:prstGeom>
+          <a:noFill/>
+          <a:ln w="28575">
+            <a:solidFill>
+              <a:srgbClr val="7030A0"/>
+            </a:solidFill>
+          </a:ln>
+        </p:spPr>
+        <p:style>
+          <a:lnRef idx="2">
+            <a:schemeClr val="accent1">
+              <a:shade val="50000"/>
+            </a:schemeClr>
+          </a:lnRef>
+          <a:fillRef idx="1">
+            <a:schemeClr val="accent1"/>
+          </a:fillRef>
+          <a:effectRef idx="0">
+            <a:schemeClr val="accent1"/>
+          </a:effectRef>
+          <a:fontRef idx="minor">
+            <a:schemeClr val="lt1"/>
+          </a:fontRef>
+        </p:style>
+      </p:cxnSp>
+      <p:cxnSp>
+        <p:nvCxnSpPr>
+          <p:cNvPr id="5" name="Connecteur droit 4">
+            <a:extLst>
+              <a:ext uri="{FF2B5EF4-FFF2-40B4-BE49-F238E27FC236}">
+                <a16:creationId xmlns:a16="http://schemas.microsoft.com/office/drawing/2014/main" id="{C75CE488-9BB2-4EF7-A644-799EBCF91AFC}"/>
+              </a:ext>
+            </a:extLst>
+          </p:cNvPr>
+          <p:cNvCxnSpPr>
+            <a:cxnSpLocks/>
+          </p:cNvCxnSpPr>
+          <p:nvPr/>
+        </p:nvCxnSpPr>
+        <p:spPr>
+          <a:xfrm flipH="1">
+            <a:off x="5080000" y="4100401"/>
+            <a:ext cx="1548508" cy="0"/>
+          </a:xfrm>
+          <a:prstGeom prst="line">
+            <a:avLst/>
+          </a:prstGeom>
+          <a:noFill/>
+          <a:ln w="28575">
+            <a:solidFill>
+              <a:srgbClr val="00B050"/>
+            </a:solidFill>
+          </a:ln>
+        </p:spPr>
+        <p:style>
+          <a:lnRef idx="2">
+            <a:schemeClr val="accent1">
+              <a:shade val="50000"/>
+            </a:schemeClr>
+          </a:lnRef>
+          <a:fillRef idx="1">
+            <a:schemeClr val="accent1"/>
+          </a:fillRef>
+          <a:effectRef idx="0">
+            <a:schemeClr val="accent1"/>
+          </a:effectRef>
+          <a:fontRef idx="minor">
+            <a:schemeClr val="lt1"/>
+          </a:fontRef>
+        </p:style>
+      </p:cxnSp>
+      <p:cxnSp>
+        <p:nvCxnSpPr>
+          <p:cNvPr id="6" name="Connecteur droit 5">
+            <a:extLst>
+              <a:ext uri="{FF2B5EF4-FFF2-40B4-BE49-F238E27FC236}">
+                <a16:creationId xmlns:a16="http://schemas.microsoft.com/office/drawing/2014/main" id="{1A844DA5-3FDE-480A-A070-8B294106F0AC}"/>
+              </a:ext>
+            </a:extLst>
+          </p:cNvPr>
+          <p:cNvCxnSpPr>
+            <a:cxnSpLocks/>
+          </p:cNvCxnSpPr>
+          <p:nvPr/>
+        </p:nvCxnSpPr>
+        <p:spPr>
+          <a:xfrm>
+            <a:off x="6097927" y="2999676"/>
+            <a:ext cx="0" cy="1110855"/>
+          </a:xfrm>
+          <a:prstGeom prst="line">
+            <a:avLst/>
+          </a:prstGeom>
+          <a:noFill/>
+          <a:ln w="28575">
+            <a:solidFill>
+              <a:srgbClr val="00B050"/>
+            </a:solidFill>
+          </a:ln>
+        </p:spPr>
+        <p:style>
+          <a:lnRef idx="2">
+            <a:schemeClr val="accent1">
+              <a:shade val="50000"/>
+            </a:schemeClr>
+          </a:lnRef>
+          <a:fillRef idx="1">
+            <a:schemeClr val="accent1"/>
+          </a:fillRef>
+          <a:effectRef idx="0">
+            <a:schemeClr val="accent1"/>
+          </a:effectRef>
+          <a:fontRef idx="minor">
+            <a:schemeClr val="lt1"/>
+          </a:fontRef>
+        </p:style>
+      </p:cxnSp>
+      <p:sp>
+        <p:nvSpPr>
+          <p:cNvPr id="7" name="Rectangle 6">
+            <a:extLst>
+              <a:ext uri="{FF2B5EF4-FFF2-40B4-BE49-F238E27FC236}">
+                <a16:creationId xmlns:a16="http://schemas.microsoft.com/office/drawing/2014/main" id="{55ABD723-B3CA-4B95-966F-4E55F6554C21}"/>
+              </a:ext>
+            </a:extLst>
+          </p:cNvPr>
+          <p:cNvSpPr/>
+          <p:nvPr/>
+        </p:nvSpPr>
+        <p:spPr>
+          <a:xfrm>
+            <a:off x="5567202" y="2716146"/>
+            <a:ext cx="288000" cy="576000"/>
+          </a:xfrm>
+          <a:prstGeom prst="rect">
+            <a:avLst/>
+          </a:prstGeom>
+          <a:solidFill>
+            <a:schemeClr val="bg1"/>
+          </a:solidFill>
+          <a:ln w="28575">
+            <a:solidFill>
+              <a:srgbClr val="00B050"/>
+            </a:solidFill>
+          </a:ln>
+        </p:spPr>
+        <p:style>
+          <a:lnRef idx="2">
+            <a:schemeClr val="accent1">
+              <a:shade val="50000"/>
+            </a:schemeClr>
+          </a:lnRef>
+          <a:fillRef idx="1">
+            <a:schemeClr val="accent1"/>
+          </a:fillRef>
+          <a:effectRef idx="0">
+            <a:schemeClr val="accent1"/>
+          </a:effectRef>
+          <a:fontRef idx="minor">
+            <a:schemeClr val="lt1"/>
+          </a:fontRef>
+        </p:style>
+        <p:txBody>
+          <a:bodyPr rtlCol="0" anchor="ctr"/>
+          <a:lstStyle/>
+          <a:p>
+            <a:pPr algn="ctr"/>
+            <a:endParaRPr lang="fr-FR" dirty="0">
+              <a:ln>
+                <a:solidFill>
+                  <a:schemeClr val="tx1">
+                    <a:lumMod val="50000"/>
+                    <a:lumOff val="50000"/>
+                  </a:schemeClr>
+                </a:solidFill>
+              </a:ln>
+              <a:solidFill>
+                <a:schemeClr val="tx1">
+                  <a:lumMod val="50000"/>
+                  <a:lumOff val="50000"/>
+                </a:schemeClr>
+              </a:solidFill>
+            </a:endParaRPr>
+          </a:p>
+        </p:txBody>
+      </p:sp>
+      <p:cxnSp>
+        <p:nvCxnSpPr>
+          <p:cNvPr id="8" name="Connecteur droit 7">
+            <a:extLst>
+              <a:ext uri="{FF2B5EF4-FFF2-40B4-BE49-F238E27FC236}">
+                <a16:creationId xmlns:a16="http://schemas.microsoft.com/office/drawing/2014/main" id="{120F2573-B4D5-4BE0-851E-66BAF2452658}"/>
+              </a:ext>
+            </a:extLst>
+          </p:cNvPr>
+          <p:cNvCxnSpPr>
+            <a:cxnSpLocks/>
+          </p:cNvCxnSpPr>
+          <p:nvPr/>
+        </p:nvCxnSpPr>
+        <p:spPr>
+          <a:xfrm>
+            <a:off x="5852312" y="3004228"/>
+            <a:ext cx="242725" cy="0"/>
+          </a:xfrm>
+          <a:prstGeom prst="line">
+            <a:avLst/>
+          </a:prstGeom>
+          <a:noFill/>
+          <a:ln w="28575">
+            <a:solidFill>
+              <a:srgbClr val="00B050"/>
+            </a:solidFill>
+          </a:ln>
+        </p:spPr>
+        <p:style>
+          <a:lnRef idx="2">
+            <a:schemeClr val="accent1">
+              <a:shade val="50000"/>
+            </a:schemeClr>
+          </a:lnRef>
+          <a:fillRef idx="1">
+            <a:schemeClr val="accent1"/>
+          </a:fillRef>
+          <a:effectRef idx="0">
+            <a:schemeClr val="accent1"/>
+          </a:effectRef>
+          <a:fontRef idx="minor">
+            <a:schemeClr val="lt1"/>
+          </a:fontRef>
+        </p:style>
+      </p:cxnSp>
+      <p:sp>
+        <p:nvSpPr>
+          <p:cNvPr id="9" name="Ellipse 8">
+            <a:extLst>
+              <a:ext uri="{FF2B5EF4-FFF2-40B4-BE49-F238E27FC236}">
+                <a16:creationId xmlns:a16="http://schemas.microsoft.com/office/drawing/2014/main" id="{C28A4AA0-2851-4A1B-B1DC-2821CF084754}"/>
+              </a:ext>
+            </a:extLst>
+          </p:cNvPr>
+          <p:cNvSpPr/>
+          <p:nvPr/>
+        </p:nvSpPr>
+        <p:spPr>
+          <a:xfrm>
+            <a:off x="5473426" y="1597807"/>
+            <a:ext cx="472198" cy="472198"/>
+          </a:xfrm>
+          <a:prstGeom prst="ellipse">
+            <a:avLst/>
+          </a:prstGeom>
+          <a:solidFill>
+            <a:schemeClr val="bg1"/>
+          </a:solidFill>
+          <a:ln w="28575">
+            <a:solidFill>
+              <a:srgbClr val="00B0F0"/>
+            </a:solidFill>
+          </a:ln>
+        </p:spPr>
+        <p:style>
+          <a:lnRef idx="2">
+            <a:schemeClr val="accent1">
+              <a:shade val="50000"/>
+            </a:schemeClr>
+          </a:lnRef>
+          <a:fillRef idx="1">
+            <a:schemeClr val="accent1"/>
+          </a:fillRef>
+          <a:effectRef idx="0">
+            <a:schemeClr val="accent1"/>
+          </a:effectRef>
+          <a:fontRef idx="minor">
+            <a:schemeClr val="lt1"/>
+          </a:fontRef>
+        </p:style>
+        <p:txBody>
+          <a:bodyPr rtlCol="0" anchor="ctr"/>
+          <a:lstStyle/>
+          <a:p>
+            <a:pPr algn="ctr"/>
+            <a:endParaRPr lang="fr-FR">
+              <a:ln>
+                <a:solidFill>
+                  <a:schemeClr val="tx1">
+                    <a:lumMod val="50000"/>
+                    <a:lumOff val="50000"/>
+                  </a:schemeClr>
+                </a:solidFill>
+              </a:ln>
+              <a:solidFill>
+                <a:schemeClr val="tx1">
+                  <a:lumMod val="50000"/>
+                  <a:lumOff val="50000"/>
+                </a:schemeClr>
+              </a:solidFill>
+            </a:endParaRPr>
+          </a:p>
+        </p:txBody>
+      </p:sp>
+      <p:cxnSp>
+        <p:nvCxnSpPr>
+          <p:cNvPr id="11" name="Connecteur droit 10">
+            <a:extLst>
+              <a:ext uri="{FF2B5EF4-FFF2-40B4-BE49-F238E27FC236}">
+                <a16:creationId xmlns:a16="http://schemas.microsoft.com/office/drawing/2014/main" id="{36DB9A6F-E5D4-41F8-9FD2-7DFA4B3FCD73}"/>
+              </a:ext>
+            </a:extLst>
+          </p:cNvPr>
+          <p:cNvCxnSpPr>
+            <a:cxnSpLocks/>
+            <a:stCxn id="9" idx="2"/>
+          </p:cNvCxnSpPr>
+          <p:nvPr/>
+        </p:nvCxnSpPr>
+        <p:spPr>
+          <a:xfrm flipH="1">
+            <a:off x="5473425" y="1833906"/>
+            <a:ext cx="1" cy="2253065"/>
+          </a:xfrm>
+          <a:prstGeom prst="line">
+            <a:avLst/>
+          </a:prstGeom>
+          <a:noFill/>
+          <a:ln w="28575">
+            <a:solidFill>
+              <a:srgbClr val="00B050"/>
+            </a:solidFill>
+          </a:ln>
+        </p:spPr>
+        <p:style>
+          <a:lnRef idx="2">
+            <a:schemeClr val="accent1">
+              <a:shade val="50000"/>
+            </a:schemeClr>
+          </a:lnRef>
+          <a:fillRef idx="1">
+            <a:schemeClr val="accent1"/>
+          </a:fillRef>
+          <a:effectRef idx="0">
+            <a:schemeClr val="accent1"/>
+          </a:effectRef>
+          <a:fontRef idx="minor">
+            <a:schemeClr val="lt1"/>
+          </a:fontRef>
+        </p:style>
+      </p:cxnSp>
+      <p:cxnSp>
+        <p:nvCxnSpPr>
+          <p:cNvPr id="12" name="Connecteur droit 11">
+            <a:extLst>
+              <a:ext uri="{FF2B5EF4-FFF2-40B4-BE49-F238E27FC236}">
+                <a16:creationId xmlns:a16="http://schemas.microsoft.com/office/drawing/2014/main" id="{10D56991-BD7E-41F6-BBA1-C14D90E0D80D}"/>
+              </a:ext>
+            </a:extLst>
+          </p:cNvPr>
+          <p:cNvCxnSpPr>
+            <a:cxnSpLocks/>
+          </p:cNvCxnSpPr>
+          <p:nvPr/>
+        </p:nvCxnSpPr>
+        <p:spPr>
+          <a:xfrm flipV="1">
+            <a:off x="5270500" y="1849849"/>
+            <a:ext cx="0" cy="2237122"/>
+          </a:xfrm>
+          <a:prstGeom prst="line">
+            <a:avLst/>
+          </a:prstGeom>
+          <a:ln w="19050">
+            <a:solidFill>
+              <a:schemeClr val="accent5">
+                <a:lumMod val="50000"/>
+              </a:schemeClr>
+            </a:solidFill>
+            <a:tailEnd type="stealth" w="med" len="lg"/>
+          </a:ln>
+        </p:spPr>
+        <p:style>
+          <a:lnRef idx="1">
+            <a:schemeClr val="accent1"/>
+          </a:lnRef>
+          <a:fillRef idx="0">
+            <a:schemeClr val="accent1"/>
+          </a:fillRef>
+          <a:effectRef idx="0">
+            <a:schemeClr val="accent1"/>
+          </a:effectRef>
+          <a:fontRef idx="minor">
+            <a:schemeClr val="tx1"/>
+          </a:fontRef>
+        </p:style>
+      </p:cxnSp>
+      <p:cxnSp>
+        <p:nvCxnSpPr>
+          <p:cNvPr id="13" name="Connecteur droit 12">
+            <a:extLst>
+              <a:ext uri="{FF2B5EF4-FFF2-40B4-BE49-F238E27FC236}">
+                <a16:creationId xmlns:a16="http://schemas.microsoft.com/office/drawing/2014/main" id="{6A46D8B8-DFF8-4498-9029-EDAD99E53E44}"/>
+              </a:ext>
+            </a:extLst>
+          </p:cNvPr>
+          <p:cNvCxnSpPr>
+            <a:cxnSpLocks/>
+          </p:cNvCxnSpPr>
+          <p:nvPr/>
+        </p:nvCxnSpPr>
+        <p:spPr>
+          <a:xfrm flipH="1">
+            <a:off x="5257801" y="1849849"/>
+            <a:ext cx="1206499" cy="0"/>
+          </a:xfrm>
+          <a:prstGeom prst="line">
+            <a:avLst/>
+          </a:prstGeom>
+          <a:noFill/>
+          <a:ln w="12700">
+            <a:solidFill>
+              <a:srgbClr val="7030A0"/>
+            </a:solidFill>
+          </a:ln>
+        </p:spPr>
+        <p:style>
+          <a:lnRef idx="2">
+            <a:schemeClr val="accent1">
+              <a:shade val="50000"/>
+            </a:schemeClr>
+          </a:lnRef>
+          <a:fillRef idx="1">
+            <a:schemeClr val="accent1"/>
+          </a:fillRef>
+          <a:effectRef idx="0">
+            <a:schemeClr val="accent1"/>
+          </a:effectRef>
+          <a:fontRef idx="minor">
+            <a:schemeClr val="lt1"/>
+          </a:fontRef>
+        </p:style>
+      </p:cxnSp>
+      <p:sp>
+        <p:nvSpPr>
+          <p:cNvPr id="14" name="Ellipse 13">
+            <a:extLst>
+              <a:ext uri="{FF2B5EF4-FFF2-40B4-BE49-F238E27FC236}">
+                <a16:creationId xmlns:a16="http://schemas.microsoft.com/office/drawing/2014/main" id="{08F62DC7-5236-4D5C-9319-CF6253B01173}"/>
+              </a:ext>
+            </a:extLst>
+          </p:cNvPr>
+          <p:cNvSpPr/>
+          <p:nvPr/>
+        </p:nvSpPr>
+        <p:spPr>
+          <a:xfrm>
+            <a:off x="5606256" y="1734389"/>
+            <a:ext cx="206324" cy="206324"/>
+          </a:xfrm>
+          <a:prstGeom prst="ellipse">
+            <a:avLst/>
+          </a:prstGeom>
+          <a:solidFill>
+            <a:schemeClr val="bg1"/>
+          </a:solidFill>
+          <a:ln w="28575">
+            <a:solidFill>
+              <a:srgbClr val="00B0F0"/>
+            </a:solidFill>
+          </a:ln>
+        </p:spPr>
+        <p:style>
+          <a:lnRef idx="2">
+            <a:schemeClr val="accent1">
+              <a:shade val="50000"/>
+            </a:schemeClr>
+          </a:lnRef>
+          <a:fillRef idx="1">
+            <a:schemeClr val="accent1"/>
+          </a:fillRef>
+          <a:effectRef idx="0">
+            <a:schemeClr val="accent1"/>
+          </a:effectRef>
+          <a:fontRef idx="minor">
+            <a:schemeClr val="lt1"/>
+          </a:fontRef>
+        </p:style>
+        <p:txBody>
+          <a:bodyPr rtlCol="0" anchor="ctr"/>
+          <a:lstStyle/>
+          <a:p>
+            <a:pPr algn="ctr"/>
+            <a:endParaRPr lang="fr-FR">
+              <a:ln>
+                <a:solidFill>
+                  <a:schemeClr val="tx1">
+                    <a:lumMod val="50000"/>
+                    <a:lumOff val="50000"/>
+                  </a:schemeClr>
+                </a:solidFill>
+              </a:ln>
+              <a:solidFill>
+                <a:schemeClr val="tx1">
+                  <a:lumMod val="50000"/>
+                  <a:lumOff val="50000"/>
+                </a:schemeClr>
+              </a:solidFill>
+            </a:endParaRPr>
+          </a:p>
+        </p:txBody>
+      </p:sp>
+      <p:cxnSp>
+        <p:nvCxnSpPr>
+          <p:cNvPr id="15" name="Connecteur droit 14">
+            <a:extLst>
+              <a:ext uri="{FF2B5EF4-FFF2-40B4-BE49-F238E27FC236}">
+                <a16:creationId xmlns:a16="http://schemas.microsoft.com/office/drawing/2014/main" id="{E39545B9-6434-4987-98D6-7F31043A50C5}"/>
+              </a:ext>
+            </a:extLst>
+          </p:cNvPr>
+          <p:cNvCxnSpPr>
+            <a:cxnSpLocks/>
+            <a:stCxn id="9" idx="7"/>
+            <a:endCxn id="14" idx="7"/>
+          </p:cNvCxnSpPr>
+          <p:nvPr/>
+        </p:nvCxnSpPr>
+        <p:spPr>
+          <a:xfrm flipH="1">
+            <a:off x="5782365" y="1666959"/>
+            <a:ext cx="94107" cy="97645"/>
+          </a:xfrm>
+          <a:prstGeom prst="line">
+            <a:avLst/>
+          </a:prstGeom>
+          <a:solidFill>
+            <a:schemeClr val="bg1"/>
+          </a:solidFill>
+          <a:ln w="28575">
+            <a:solidFill>
+              <a:srgbClr val="00B0F0"/>
+            </a:solidFill>
+          </a:ln>
+        </p:spPr>
+        <p:style>
+          <a:lnRef idx="2">
+            <a:schemeClr val="accent1">
+              <a:shade val="50000"/>
+            </a:schemeClr>
+          </a:lnRef>
+          <a:fillRef idx="1">
+            <a:schemeClr val="accent1"/>
+          </a:fillRef>
+          <a:effectRef idx="0">
+            <a:schemeClr val="accent1"/>
+          </a:effectRef>
+          <a:fontRef idx="minor">
+            <a:schemeClr val="lt1"/>
+          </a:fontRef>
+        </p:style>
+      </p:cxnSp>
+      <p:cxnSp>
+        <p:nvCxnSpPr>
+          <p:cNvPr id="16" name="Connecteur droit 15">
+            <a:extLst>
+              <a:ext uri="{FF2B5EF4-FFF2-40B4-BE49-F238E27FC236}">
+                <a16:creationId xmlns:a16="http://schemas.microsoft.com/office/drawing/2014/main" id="{AB47B24B-F1E4-4107-B83D-D9F707CAA3DD}"/>
+              </a:ext>
+            </a:extLst>
+          </p:cNvPr>
+          <p:cNvCxnSpPr>
+            <a:cxnSpLocks/>
+          </p:cNvCxnSpPr>
+          <p:nvPr/>
+        </p:nvCxnSpPr>
+        <p:spPr>
+          <a:xfrm>
+            <a:off x="5945624" y="1833906"/>
+            <a:ext cx="0" cy="690790"/>
+          </a:xfrm>
+          <a:prstGeom prst="line">
+            <a:avLst/>
+          </a:prstGeom>
+          <a:noFill/>
+          <a:ln w="19050">
+            <a:solidFill>
+              <a:srgbClr val="FF0000"/>
+            </a:solidFill>
+            <a:prstDash val="lgDashDot"/>
+          </a:ln>
+        </p:spPr>
+        <p:style>
+          <a:lnRef idx="2">
+            <a:schemeClr val="accent1">
+              <a:shade val="50000"/>
+            </a:schemeClr>
+          </a:lnRef>
+          <a:fillRef idx="1">
+            <a:schemeClr val="accent1"/>
+          </a:fillRef>
+          <a:effectRef idx="0">
+            <a:schemeClr val="accent1"/>
+          </a:effectRef>
+          <a:fontRef idx="minor">
+            <a:schemeClr val="lt1"/>
+          </a:fontRef>
+        </p:style>
+      </p:cxnSp>
+      <mc:AlternateContent xmlns:mc="http://schemas.openxmlformats.org/markup-compatibility/2006">
+        <mc:Choice xmlns:a14="http://schemas.microsoft.com/office/drawing/2010/main" Requires="a14">
+          <p:sp>
+            <p:nvSpPr>
+              <p:cNvPr id="19" name="ZoneTexte 36">
+                <a:extLst>
+                  <a:ext uri="{FF2B5EF4-FFF2-40B4-BE49-F238E27FC236}">
+                    <a16:creationId xmlns:a16="http://schemas.microsoft.com/office/drawing/2014/main" id="{8E258B9C-41DD-4167-86C4-3FE9B2E366EC}"/>
+                  </a:ext>
+                </a:extLst>
+              </p:cNvPr>
+              <p:cNvSpPr txBox="1"/>
+              <p:nvPr/>
+            </p:nvSpPr>
+            <p:spPr>
+              <a:xfrm>
+                <a:off x="2659406" y="1460141"/>
+                <a:ext cx="344582" cy="275332"/>
+              </a:xfrm>
+              <a:prstGeom prst="rect">
+                <a:avLst/>
+              </a:prstGeom>
+              <a:noFill/>
+            </p:spPr>
+            <p:txBody>
+              <a:bodyPr wrap="none" rtlCol="0">
+                <a:spAutoFit/>
+              </a:bodyPr>
+              <a:lstStyle>
+                <a:defPPr>
+                  <a:defRPr lang="fr-FR"/>
+                </a:defPPr>
+                <a:lvl1pPr marL="0" algn="l" defTabSz="914400" rtl="0" eaLnBrk="1" latinLnBrk="0" hangingPunct="1">
+                  <a:defRPr sz="1800" kern="1200">
+                    <a:solidFill>
+                      <a:schemeClr val="tx1"/>
+                    </a:solidFill>
+                    <a:latin typeface="+mn-lt"/>
+                    <a:ea typeface="+mn-ea"/>
+                    <a:cs typeface="+mn-cs"/>
+                  </a:defRPr>
+                </a:lvl1pPr>
+                <a:lvl2pPr marL="457200" algn="l" defTabSz="914400" rtl="0" eaLnBrk="1" latinLnBrk="0" hangingPunct="1">
+                  <a:defRPr sz="1800" kern="1200">
+                    <a:solidFill>
+                      <a:schemeClr val="tx1"/>
+                    </a:solidFill>
+                    <a:latin typeface="+mn-lt"/>
+                    <a:ea typeface="+mn-ea"/>
+                    <a:cs typeface="+mn-cs"/>
+                  </a:defRPr>
+                </a:lvl2pPr>
+                <a:lvl3pPr marL="914400" algn="l" defTabSz="914400" rtl="0" eaLnBrk="1" latinLnBrk="0" hangingPunct="1">
+                  <a:defRPr sz="1800" kern="1200">
+                    <a:solidFill>
+                      <a:schemeClr val="tx1"/>
+                    </a:solidFill>
+                    <a:latin typeface="+mn-lt"/>
+                    <a:ea typeface="+mn-ea"/>
+                    <a:cs typeface="+mn-cs"/>
+                  </a:defRPr>
+                </a:lvl3pPr>
+                <a:lvl4pPr marL="1371600" algn="l" defTabSz="914400" rtl="0" eaLnBrk="1" latinLnBrk="0" hangingPunct="1">
+                  <a:defRPr sz="1800" kern="1200">
+                    <a:solidFill>
+                      <a:schemeClr val="tx1"/>
+                    </a:solidFill>
+                    <a:latin typeface="+mn-lt"/>
+                    <a:ea typeface="+mn-ea"/>
+                    <a:cs typeface="+mn-cs"/>
+                  </a:defRPr>
+                </a:lvl4pPr>
+                <a:lvl5pPr marL="1828800" algn="l" defTabSz="914400" rtl="0" eaLnBrk="1" latinLnBrk="0" hangingPunct="1">
+                  <a:defRPr sz="1800" kern="1200">
+                    <a:solidFill>
+                      <a:schemeClr val="tx1"/>
+                    </a:solidFill>
+                    <a:latin typeface="+mn-lt"/>
+                    <a:ea typeface="+mn-ea"/>
+                    <a:cs typeface="+mn-cs"/>
+                  </a:defRPr>
+                </a:lvl5pPr>
+                <a:lvl6pPr marL="2286000" algn="l" defTabSz="914400" rtl="0" eaLnBrk="1" latinLnBrk="0" hangingPunct="1">
+                  <a:defRPr sz="1800" kern="1200">
+                    <a:solidFill>
+                      <a:schemeClr val="tx1"/>
+                    </a:solidFill>
+                    <a:latin typeface="+mn-lt"/>
+                    <a:ea typeface="+mn-ea"/>
+                    <a:cs typeface="+mn-cs"/>
+                  </a:defRPr>
+                </a:lvl6pPr>
+                <a:lvl7pPr marL="2743200" algn="l" defTabSz="914400" rtl="0" eaLnBrk="1" latinLnBrk="0" hangingPunct="1">
+                  <a:defRPr sz="1800" kern="1200">
+                    <a:solidFill>
+                      <a:schemeClr val="tx1"/>
+                    </a:solidFill>
+                    <a:latin typeface="+mn-lt"/>
+                    <a:ea typeface="+mn-ea"/>
+                    <a:cs typeface="+mn-cs"/>
+                  </a:defRPr>
+                </a:lvl7pPr>
+                <a:lvl8pPr marL="3200400" algn="l" defTabSz="914400" rtl="0" eaLnBrk="1" latinLnBrk="0" hangingPunct="1">
+                  <a:defRPr sz="1800" kern="1200">
+                    <a:solidFill>
+                      <a:schemeClr val="tx1"/>
+                    </a:solidFill>
+                    <a:latin typeface="+mn-lt"/>
+                    <a:ea typeface="+mn-ea"/>
+                    <a:cs typeface="+mn-cs"/>
+                  </a:defRPr>
+                </a:lvl8pPr>
+                <a:lvl9pPr marL="3657600" algn="l" defTabSz="914400" rtl="0" eaLnBrk="1" latinLnBrk="0" hangingPunct="1">
+                  <a:defRPr sz="1800" kern="1200">
+                    <a:solidFill>
+                      <a:schemeClr val="tx1"/>
+                    </a:solidFill>
+                    <a:latin typeface="+mn-lt"/>
+                    <a:ea typeface="+mn-ea"/>
+                    <a:cs typeface="+mn-cs"/>
+                  </a:defRPr>
+                </a:lvl9pPr>
+              </a:lstStyle>
+              <a:p>
+                <a:pPr/>
+                <a14:m>
+                  <m:oMathPara xmlns:m="http://schemas.openxmlformats.org/officeDocument/2006/math">
+                    <m:oMathParaPr>
+                      <m:jc m:val="centerGroup"/>
+                    </m:oMathParaPr>
+                    <m:oMath xmlns:m="http://schemas.openxmlformats.org/officeDocument/2006/math">
+                      <m:sSub>
+                        <m:sSubPr>
+                          <m:ctrlPr>
+                            <a:rPr lang="fr-FR" sz="1100" b="0" i="1" smtClean="0">
+                              <a:latin typeface="Cambria Math" panose="02040503050406030204" pitchFamily="18" charset="0"/>
+                            </a:rPr>
+                          </m:ctrlPr>
+                        </m:sSubPr>
+                        <m:e>
+                          <m:r>
+                            <a:rPr lang="fr-FR" sz="1100" b="0" i="1" smtClean="0">
+                              <a:latin typeface="Cambria Math" panose="02040503050406030204" pitchFamily="18" charset="0"/>
+                            </a:rPr>
+                            <m:t>𝐹</m:t>
+                          </m:r>
+                        </m:e>
+                        <m:sub>
+                          <m:r>
+                            <a:rPr lang="fr-FR" sz="1100" b="0" i="1" smtClean="0">
+                              <a:latin typeface="Cambria Math" panose="02040503050406030204" pitchFamily="18" charset="0"/>
+                            </a:rPr>
+                            <m:t>𝑔</m:t>
+                          </m:r>
+                        </m:sub>
+                      </m:sSub>
+                    </m:oMath>
+                  </m:oMathPara>
+                </a14:m>
+                <a:endParaRPr lang="fr-FR" sz="1100" dirty="0"/>
+              </a:p>
+            </p:txBody>
+          </p:sp>
+        </mc:Choice>
+        <mc:Fallback>
+          <p:sp>
+            <p:nvSpPr>
+              <p:cNvPr id="19" name="ZoneTexte 36">
+                <a:extLst>
+                  <a:ext uri="{FF2B5EF4-FFF2-40B4-BE49-F238E27FC236}">
+                    <a16:creationId xmlns:a16="http://schemas.microsoft.com/office/drawing/2014/main" id="{8E258B9C-41DD-4167-86C4-3FE9B2E366EC}"/>
+                  </a:ext>
+                </a:extLst>
+              </p:cNvPr>
+              <p:cNvSpPr txBox="1">
+                <a:spLocks noRot="1" noChangeAspect="1" noMove="1" noResize="1" noEditPoints="1" noAdjustHandles="1" noChangeArrowheads="1" noChangeShapeType="1" noTextEdit="1"/>
+              </p:cNvSpPr>
+              <p:nvPr/>
+            </p:nvSpPr>
+            <p:spPr>
+              <a:xfrm>
+                <a:off x="2659406" y="1460141"/>
+                <a:ext cx="344582" cy="275332"/>
+              </a:xfrm>
+              <a:prstGeom prst="rect">
+                <a:avLst/>
+              </a:prstGeom>
+              <a:blipFill>
+                <a:blip r:embed="rId2"/>
+                <a:stretch>
+                  <a:fillRect/>
+                </a:stretch>
+              </a:blipFill>
+            </p:spPr>
+            <p:txBody>
+              <a:bodyPr/>
+              <a:lstStyle/>
+              <a:p>
+                <a:r>
+                  <a:rPr lang="fr-FR">
+                    <a:noFill/>
+                  </a:rPr>
+                  <a:t> </a:t>
+                </a:r>
+              </a:p>
+            </p:txBody>
+          </p:sp>
+        </mc:Fallback>
+      </mc:AlternateContent>
+      <p:cxnSp>
+        <p:nvCxnSpPr>
+          <p:cNvPr id="20" name="Connecteur droit 19">
+            <a:extLst>
+              <a:ext uri="{FF2B5EF4-FFF2-40B4-BE49-F238E27FC236}">
+                <a16:creationId xmlns:a16="http://schemas.microsoft.com/office/drawing/2014/main" id="{F8EB6A0B-A1C6-45BC-992F-5CD4B8D6B859}"/>
+              </a:ext>
+            </a:extLst>
+          </p:cNvPr>
+          <p:cNvCxnSpPr>
+            <a:cxnSpLocks/>
+          </p:cNvCxnSpPr>
+          <p:nvPr/>
+        </p:nvCxnSpPr>
+        <p:spPr>
+          <a:xfrm flipV="1">
+            <a:off x="6261100" y="1849849"/>
+            <a:ext cx="0" cy="2237122"/>
+          </a:xfrm>
+          <a:prstGeom prst="line">
+            <a:avLst/>
+          </a:prstGeom>
+          <a:ln w="19050">
+            <a:solidFill>
+              <a:schemeClr val="accent5">
+                <a:lumMod val="50000"/>
+              </a:schemeClr>
+            </a:solidFill>
+            <a:tailEnd type="stealth" w="med" len="lg"/>
+          </a:ln>
+        </p:spPr>
+        <p:style>
+          <a:lnRef idx="1">
+            <a:schemeClr val="accent1"/>
+          </a:lnRef>
+          <a:fillRef idx="0">
+            <a:schemeClr val="accent1"/>
+          </a:fillRef>
+          <a:effectRef idx="0">
+            <a:schemeClr val="accent1"/>
+          </a:effectRef>
+          <a:fontRef idx="minor">
+            <a:schemeClr val="tx1"/>
+          </a:fontRef>
+        </p:style>
+      </p:cxnSp>
+      <mc:AlternateContent xmlns:mc="http://schemas.openxmlformats.org/markup-compatibility/2006" xmlns:a14="http://schemas.microsoft.com/office/drawing/2010/main">
+        <mc:Choice Requires="a14">
+          <p:sp>
+            <p:nvSpPr>
+              <p:cNvPr id="22" name="ZoneTexte 36">
+                <a:extLst>
+                  <a:ext uri="{FF2B5EF4-FFF2-40B4-BE49-F238E27FC236}">
+                    <a16:creationId xmlns:a16="http://schemas.microsoft.com/office/drawing/2014/main" id="{C51BCB85-3A7F-44C6-8C42-16C5B76F7690}"/>
+                  </a:ext>
+                </a:extLst>
+              </p:cNvPr>
+              <p:cNvSpPr txBox="1"/>
+              <p:nvPr/>
+            </p:nvSpPr>
+            <p:spPr>
+              <a:xfrm>
+                <a:off x="6261100" y="2706800"/>
+                <a:ext cx="297709" cy="261610"/>
+              </a:xfrm>
+              <a:prstGeom prst="rect">
+                <a:avLst/>
+              </a:prstGeom>
+              <a:noFill/>
+            </p:spPr>
+            <p:txBody>
+              <a:bodyPr wrap="none" rtlCol="0">
+                <a:spAutoFit/>
+              </a:bodyPr>
+              <a:lstStyle>
+                <a:defPPr>
+                  <a:defRPr lang="fr-FR"/>
+                </a:defPPr>
+                <a:lvl1pPr marL="0" algn="l" defTabSz="914400" rtl="0" eaLnBrk="1" latinLnBrk="0" hangingPunct="1">
+                  <a:defRPr sz="1800" kern="1200">
+                    <a:solidFill>
+                      <a:schemeClr val="tx1"/>
+                    </a:solidFill>
+                    <a:latin typeface="+mn-lt"/>
+                    <a:ea typeface="+mn-ea"/>
+                    <a:cs typeface="+mn-cs"/>
+                  </a:defRPr>
+                </a:lvl1pPr>
+                <a:lvl2pPr marL="457200" algn="l" defTabSz="914400" rtl="0" eaLnBrk="1" latinLnBrk="0" hangingPunct="1">
+                  <a:defRPr sz="1800" kern="1200">
+                    <a:solidFill>
+                      <a:schemeClr val="tx1"/>
+                    </a:solidFill>
+                    <a:latin typeface="+mn-lt"/>
+                    <a:ea typeface="+mn-ea"/>
+                    <a:cs typeface="+mn-cs"/>
+                  </a:defRPr>
+                </a:lvl2pPr>
+                <a:lvl3pPr marL="914400" algn="l" defTabSz="914400" rtl="0" eaLnBrk="1" latinLnBrk="0" hangingPunct="1">
+                  <a:defRPr sz="1800" kern="1200">
+                    <a:solidFill>
+                      <a:schemeClr val="tx1"/>
+                    </a:solidFill>
+                    <a:latin typeface="+mn-lt"/>
+                    <a:ea typeface="+mn-ea"/>
+                    <a:cs typeface="+mn-cs"/>
+                  </a:defRPr>
+                </a:lvl3pPr>
+                <a:lvl4pPr marL="1371600" algn="l" defTabSz="914400" rtl="0" eaLnBrk="1" latinLnBrk="0" hangingPunct="1">
+                  <a:defRPr sz="1800" kern="1200">
+                    <a:solidFill>
+                      <a:schemeClr val="tx1"/>
+                    </a:solidFill>
+                    <a:latin typeface="+mn-lt"/>
+                    <a:ea typeface="+mn-ea"/>
+                    <a:cs typeface="+mn-cs"/>
+                  </a:defRPr>
+                </a:lvl4pPr>
+                <a:lvl5pPr marL="1828800" algn="l" defTabSz="914400" rtl="0" eaLnBrk="1" latinLnBrk="0" hangingPunct="1">
+                  <a:defRPr sz="1800" kern="1200">
+                    <a:solidFill>
+                      <a:schemeClr val="tx1"/>
+                    </a:solidFill>
+                    <a:latin typeface="+mn-lt"/>
+                    <a:ea typeface="+mn-ea"/>
+                    <a:cs typeface="+mn-cs"/>
+                  </a:defRPr>
+                </a:lvl5pPr>
+                <a:lvl6pPr marL="2286000" algn="l" defTabSz="914400" rtl="0" eaLnBrk="1" latinLnBrk="0" hangingPunct="1">
+                  <a:defRPr sz="1800" kern="1200">
+                    <a:solidFill>
+                      <a:schemeClr val="tx1"/>
+                    </a:solidFill>
+                    <a:latin typeface="+mn-lt"/>
+                    <a:ea typeface="+mn-ea"/>
+                    <a:cs typeface="+mn-cs"/>
+                  </a:defRPr>
+                </a:lvl6pPr>
+                <a:lvl7pPr marL="2743200" algn="l" defTabSz="914400" rtl="0" eaLnBrk="1" latinLnBrk="0" hangingPunct="1">
+                  <a:defRPr sz="1800" kern="1200">
+                    <a:solidFill>
+                      <a:schemeClr val="tx1"/>
+                    </a:solidFill>
+                    <a:latin typeface="+mn-lt"/>
+                    <a:ea typeface="+mn-ea"/>
+                    <a:cs typeface="+mn-cs"/>
+                  </a:defRPr>
+                </a:lvl7pPr>
+                <a:lvl8pPr marL="3200400" algn="l" defTabSz="914400" rtl="0" eaLnBrk="1" latinLnBrk="0" hangingPunct="1">
+                  <a:defRPr sz="1800" kern="1200">
+                    <a:solidFill>
+                      <a:schemeClr val="tx1"/>
+                    </a:solidFill>
+                    <a:latin typeface="+mn-lt"/>
+                    <a:ea typeface="+mn-ea"/>
+                    <a:cs typeface="+mn-cs"/>
+                  </a:defRPr>
+                </a:lvl8pPr>
+                <a:lvl9pPr marL="3657600" algn="l" defTabSz="914400" rtl="0" eaLnBrk="1" latinLnBrk="0" hangingPunct="1">
+                  <a:defRPr sz="1800" kern="1200">
+                    <a:solidFill>
+                      <a:schemeClr val="tx1"/>
+                    </a:solidFill>
+                    <a:latin typeface="+mn-lt"/>
+                    <a:ea typeface="+mn-ea"/>
+                    <a:cs typeface="+mn-cs"/>
+                  </a:defRPr>
+                </a:lvl9pPr>
+              </a:lstStyle>
+              <a:p>
+                <a:pPr/>
+                <a14:m>
+                  <m:oMathPara xmlns:m="http://schemas.openxmlformats.org/officeDocument/2006/math">
+                    <m:oMathParaPr>
+                      <m:jc m:val="centerGroup"/>
+                    </m:oMathParaPr>
+                    <m:oMath xmlns:m="http://schemas.openxmlformats.org/officeDocument/2006/math">
+                      <m:r>
+                        <a:rPr lang="fr-FR" sz="1100" b="0" i="1" smtClean="0">
+                          <a:latin typeface="Cambria Math" panose="02040503050406030204" pitchFamily="18" charset="0"/>
+                        </a:rPr>
+                        <m:t>𝑦</m:t>
+                      </m:r>
+                    </m:oMath>
+                  </m:oMathPara>
+                </a14:m>
+                <a:endParaRPr lang="fr-FR" sz="1100" dirty="0"/>
+              </a:p>
+            </p:txBody>
+          </p:sp>
+        </mc:Choice>
+        <mc:Fallback xmlns="">
+          <p:sp>
+            <p:nvSpPr>
+              <p:cNvPr id="22" name="ZoneTexte 36">
+                <a:extLst>
+                  <a:ext uri="{FF2B5EF4-FFF2-40B4-BE49-F238E27FC236}">
+                    <a16:creationId xmlns:a16="http://schemas.microsoft.com/office/drawing/2014/main" id="{C51BCB85-3A7F-44C6-8C42-16C5B76F7690}"/>
+                  </a:ext>
+                </a:extLst>
+              </p:cNvPr>
+              <p:cNvSpPr txBox="1">
+                <a:spLocks noRot="1" noChangeAspect="1" noMove="1" noResize="1" noEditPoints="1" noAdjustHandles="1" noChangeArrowheads="1" noChangeShapeType="1" noTextEdit="1"/>
+              </p:cNvSpPr>
+              <p:nvPr/>
+            </p:nvSpPr>
+            <p:spPr>
+              <a:xfrm>
+                <a:off x="6261100" y="2706800"/>
+                <a:ext cx="297709" cy="261610"/>
+              </a:xfrm>
+              <a:prstGeom prst="rect">
+                <a:avLst/>
+              </a:prstGeom>
+              <a:blipFill>
+                <a:blip r:embed="rId3"/>
+                <a:stretch>
+                  <a:fillRect/>
+                </a:stretch>
+              </a:blipFill>
+            </p:spPr>
+            <p:txBody>
+              <a:bodyPr/>
+              <a:lstStyle/>
+              <a:p>
+                <a:r>
+                  <a:rPr lang="fr-FR">
+                    <a:noFill/>
+                  </a:rPr>
+                  <a:t> </a:t>
+                </a:r>
+              </a:p>
+            </p:txBody>
+          </p:sp>
+        </mc:Fallback>
+      </mc:AlternateContent>
+      <p:sp>
+        <p:nvSpPr>
+          <p:cNvPr id="24" name="Forme libre : forme 23">
+            <a:extLst>
+              <a:ext uri="{FF2B5EF4-FFF2-40B4-BE49-F238E27FC236}">
+                <a16:creationId xmlns:a16="http://schemas.microsoft.com/office/drawing/2014/main" id="{6CBA0D82-1C2B-43C0-960A-8E1433AA0090}"/>
+              </a:ext>
+            </a:extLst>
+          </p:cNvPr>
+          <p:cNvSpPr/>
+          <p:nvPr/>
+        </p:nvSpPr>
+        <p:spPr>
+          <a:xfrm rot="5400000">
+            <a:off x="5671939" y="3901887"/>
+            <a:ext cx="142722" cy="539751"/>
+          </a:xfrm>
+          <a:custGeom>
+            <a:avLst/>
+            <a:gdLst>
+              <a:gd name="connsiteX0" fmla="*/ 12700 w 139750"/>
+              <a:gd name="connsiteY0" fmla="*/ 0 h 539750"/>
+              <a:gd name="connsiteX1" fmla="*/ 139700 w 139750"/>
+              <a:gd name="connsiteY1" fmla="*/ 311150 h 539750"/>
+              <a:gd name="connsiteX2" fmla="*/ 0 w 139750"/>
+              <a:gd name="connsiteY2" fmla="*/ 539750 h 539750"/>
+              <a:gd name="connsiteX0" fmla="*/ 12700 w 159049"/>
+              <a:gd name="connsiteY0" fmla="*/ 0 h 539750"/>
+              <a:gd name="connsiteX1" fmla="*/ 139700 w 159049"/>
+              <a:gd name="connsiteY1" fmla="*/ 311150 h 539750"/>
+              <a:gd name="connsiteX2" fmla="*/ 0 w 159049"/>
+              <a:gd name="connsiteY2" fmla="*/ 539750 h 539750"/>
+              <a:gd name="connsiteX0" fmla="*/ 12700 w 159049"/>
+              <a:gd name="connsiteY0" fmla="*/ 0 h 539751"/>
+              <a:gd name="connsiteX1" fmla="*/ 139700 w 159049"/>
+              <a:gd name="connsiteY1" fmla="*/ 311150 h 539751"/>
+              <a:gd name="connsiteX2" fmla="*/ 0 w 159049"/>
+              <a:gd name="connsiteY2" fmla="*/ 539750 h 539751"/>
+              <a:gd name="connsiteX0" fmla="*/ 12700 w 142722"/>
+              <a:gd name="connsiteY0" fmla="*/ 0 h 539751"/>
+              <a:gd name="connsiteX1" fmla="*/ 107950 w 142722"/>
+              <a:gd name="connsiteY1" fmla="*/ 279400 h 539751"/>
+              <a:gd name="connsiteX2" fmla="*/ 0 w 142722"/>
+              <a:gd name="connsiteY2" fmla="*/ 539750 h 539751"/>
+              <a:gd name="connsiteX0" fmla="*/ 12700 w 142722"/>
+              <a:gd name="connsiteY0" fmla="*/ 0 h 539751"/>
+              <a:gd name="connsiteX1" fmla="*/ 107950 w 142722"/>
+              <a:gd name="connsiteY1" fmla="*/ 279400 h 539751"/>
+              <a:gd name="connsiteX2" fmla="*/ 0 w 142722"/>
+              <a:gd name="connsiteY2" fmla="*/ 539750 h 539751"/>
+            </a:gdLst>
+            <a:ahLst/>
+            <a:cxnLst>
+              <a:cxn ang="0">
+                <a:pos x="connsiteX0" y="connsiteY0"/>
+              </a:cxn>
+              <a:cxn ang="0">
+                <a:pos x="connsiteX1" y="connsiteY1"/>
+              </a:cxn>
+              <a:cxn ang="0">
+                <a:pos x="connsiteX2" y="connsiteY2"/>
+              </a:cxn>
+            </a:cxnLst>
+            <a:rect l="l" t="t" r="r" b="b"/>
+            <a:pathLst>
+              <a:path w="142722" h="539751">
+                <a:moveTo>
+                  <a:pt x="12700" y="0"/>
+                </a:moveTo>
+                <a:cubicBezTo>
+                  <a:pt x="229658" y="2646"/>
+                  <a:pt x="110067" y="189442"/>
+                  <a:pt x="107950" y="279400"/>
+                </a:cubicBezTo>
+                <a:cubicBezTo>
+                  <a:pt x="105833" y="369358"/>
+                  <a:pt x="195791" y="540279"/>
+                  <a:pt x="0" y="539750"/>
+                </a:cubicBezTo>
+              </a:path>
+            </a:pathLst>
+          </a:custGeom>
+          <a:solidFill>
+            <a:srgbClr val="92D050">
+              <a:alpha val="44000"/>
+            </a:srgbClr>
+          </a:solidFill>
+          <a:ln>
+            <a:solidFill>
+              <a:srgbClr val="00B050"/>
+            </a:solidFill>
+          </a:ln>
+        </p:spPr>
+        <p:style>
+          <a:lnRef idx="2">
+            <a:schemeClr val="accent1">
+              <a:shade val="50000"/>
+            </a:schemeClr>
+          </a:lnRef>
+          <a:fillRef idx="1">
+            <a:schemeClr val="accent1"/>
+          </a:fillRef>
+          <a:effectRef idx="0">
+            <a:schemeClr val="accent1"/>
+          </a:effectRef>
+          <a:fontRef idx="minor">
+            <a:schemeClr val="lt1"/>
+          </a:fontRef>
+        </p:style>
+        <p:txBody>
+          <a:bodyPr rtlCol="0" anchor="ctr"/>
+          <a:lstStyle/>
+          <a:p>
+            <a:pPr algn="ctr"/>
+            <a:endParaRPr lang="fr-FR"/>
+          </a:p>
+        </p:txBody>
+      </p:sp>
+      <mc:AlternateContent xmlns:mc="http://schemas.openxmlformats.org/markup-compatibility/2006">
+        <mc:Choice xmlns:a14="http://schemas.microsoft.com/office/drawing/2010/main" Requires="a14">
+          <p:sp>
+            <p:nvSpPr>
+              <p:cNvPr id="25" name="ZoneTexte 36">
+                <a:extLst>
+                  <a:ext uri="{FF2B5EF4-FFF2-40B4-BE49-F238E27FC236}">
+                    <a16:creationId xmlns:a16="http://schemas.microsoft.com/office/drawing/2014/main" id="{F52BB472-AFC3-4649-A647-F1C6CCA45C33}"/>
+                  </a:ext>
+                </a:extLst>
+              </p:cNvPr>
+              <p:cNvSpPr txBox="1"/>
+              <p:nvPr/>
+            </p:nvSpPr>
+            <p:spPr>
+              <a:xfrm>
+                <a:off x="5244088" y="1560379"/>
+                <a:ext cx="274113" cy="261610"/>
+              </a:xfrm>
+              <a:prstGeom prst="rect">
+                <a:avLst/>
+              </a:prstGeom>
+              <a:noFill/>
+            </p:spPr>
+            <p:txBody>
+              <a:bodyPr wrap="none" rtlCol="0">
+                <a:spAutoFit/>
+              </a:bodyPr>
+              <a:lstStyle>
+                <a:defPPr>
+                  <a:defRPr lang="fr-FR"/>
+                </a:defPPr>
+                <a:lvl1pPr marL="0" algn="l" defTabSz="914400" rtl="0" eaLnBrk="1" latinLnBrk="0" hangingPunct="1">
+                  <a:defRPr sz="1800" kern="1200">
+                    <a:solidFill>
+                      <a:schemeClr val="tx1"/>
+                    </a:solidFill>
+                    <a:latin typeface="+mn-lt"/>
+                    <a:ea typeface="+mn-ea"/>
+                    <a:cs typeface="+mn-cs"/>
+                  </a:defRPr>
+                </a:lvl1pPr>
+                <a:lvl2pPr marL="457200" algn="l" defTabSz="914400" rtl="0" eaLnBrk="1" latinLnBrk="0" hangingPunct="1">
+                  <a:defRPr sz="1800" kern="1200">
+                    <a:solidFill>
+                      <a:schemeClr val="tx1"/>
+                    </a:solidFill>
+                    <a:latin typeface="+mn-lt"/>
+                    <a:ea typeface="+mn-ea"/>
+                    <a:cs typeface="+mn-cs"/>
+                  </a:defRPr>
+                </a:lvl2pPr>
+                <a:lvl3pPr marL="914400" algn="l" defTabSz="914400" rtl="0" eaLnBrk="1" latinLnBrk="0" hangingPunct="1">
+                  <a:defRPr sz="1800" kern="1200">
+                    <a:solidFill>
+                      <a:schemeClr val="tx1"/>
+                    </a:solidFill>
+                    <a:latin typeface="+mn-lt"/>
+                    <a:ea typeface="+mn-ea"/>
+                    <a:cs typeface="+mn-cs"/>
+                  </a:defRPr>
+                </a:lvl3pPr>
+                <a:lvl4pPr marL="1371600" algn="l" defTabSz="914400" rtl="0" eaLnBrk="1" latinLnBrk="0" hangingPunct="1">
+                  <a:defRPr sz="1800" kern="1200">
+                    <a:solidFill>
+                      <a:schemeClr val="tx1"/>
+                    </a:solidFill>
+                    <a:latin typeface="+mn-lt"/>
+                    <a:ea typeface="+mn-ea"/>
+                    <a:cs typeface="+mn-cs"/>
+                  </a:defRPr>
+                </a:lvl4pPr>
+                <a:lvl5pPr marL="1828800" algn="l" defTabSz="914400" rtl="0" eaLnBrk="1" latinLnBrk="0" hangingPunct="1">
+                  <a:defRPr sz="1800" kern="1200">
+                    <a:solidFill>
+                      <a:schemeClr val="tx1"/>
+                    </a:solidFill>
+                    <a:latin typeface="+mn-lt"/>
+                    <a:ea typeface="+mn-ea"/>
+                    <a:cs typeface="+mn-cs"/>
+                  </a:defRPr>
+                </a:lvl5pPr>
+                <a:lvl6pPr marL="2286000" algn="l" defTabSz="914400" rtl="0" eaLnBrk="1" latinLnBrk="0" hangingPunct="1">
+                  <a:defRPr sz="1800" kern="1200">
+                    <a:solidFill>
+                      <a:schemeClr val="tx1"/>
+                    </a:solidFill>
+                    <a:latin typeface="+mn-lt"/>
+                    <a:ea typeface="+mn-ea"/>
+                    <a:cs typeface="+mn-cs"/>
+                  </a:defRPr>
+                </a:lvl6pPr>
+                <a:lvl7pPr marL="2743200" algn="l" defTabSz="914400" rtl="0" eaLnBrk="1" latinLnBrk="0" hangingPunct="1">
+                  <a:defRPr sz="1800" kern="1200">
+                    <a:solidFill>
+                      <a:schemeClr val="tx1"/>
+                    </a:solidFill>
+                    <a:latin typeface="+mn-lt"/>
+                    <a:ea typeface="+mn-ea"/>
+                    <a:cs typeface="+mn-cs"/>
+                  </a:defRPr>
+                </a:lvl7pPr>
+                <a:lvl8pPr marL="3200400" algn="l" defTabSz="914400" rtl="0" eaLnBrk="1" latinLnBrk="0" hangingPunct="1">
+                  <a:defRPr sz="1800" kern="1200">
+                    <a:solidFill>
+                      <a:schemeClr val="tx1"/>
+                    </a:solidFill>
+                    <a:latin typeface="+mn-lt"/>
+                    <a:ea typeface="+mn-ea"/>
+                    <a:cs typeface="+mn-cs"/>
+                  </a:defRPr>
+                </a:lvl8pPr>
+                <a:lvl9pPr marL="3657600" algn="l" defTabSz="914400" rtl="0" eaLnBrk="1" latinLnBrk="0" hangingPunct="1">
+                  <a:defRPr sz="1800" kern="1200">
+                    <a:solidFill>
+                      <a:schemeClr val="tx1"/>
+                    </a:solidFill>
+                    <a:latin typeface="+mn-lt"/>
+                    <a:ea typeface="+mn-ea"/>
+                    <a:cs typeface="+mn-cs"/>
+                  </a:defRPr>
+                </a:lvl9pPr>
+              </a:lstStyle>
+              <a:p>
+                <a:pPr/>
+                <a14:m>
+                  <m:oMathPara xmlns:m="http://schemas.openxmlformats.org/officeDocument/2006/math">
+                    <m:oMathParaPr>
+                      <m:jc m:val="centerGroup"/>
+                    </m:oMathParaPr>
+                    <m:oMath xmlns:m="http://schemas.openxmlformats.org/officeDocument/2006/math">
+                      <m:r>
+                        <a:rPr lang="fr-FR" sz="1100" b="0" i="1" smtClean="0">
+                          <a:latin typeface="Cambria Math" panose="02040503050406030204" pitchFamily="18" charset="0"/>
+                        </a:rPr>
+                        <m:t>𝐼</m:t>
+                      </m:r>
+                    </m:oMath>
+                  </m:oMathPara>
+                </a14:m>
+                <a:endParaRPr lang="fr-FR" sz="1100" dirty="0"/>
+              </a:p>
+            </p:txBody>
+          </p:sp>
+        </mc:Choice>
+        <mc:Fallback>
+          <p:sp>
+            <p:nvSpPr>
+              <p:cNvPr id="25" name="ZoneTexte 36">
+                <a:extLst>
+                  <a:ext uri="{FF2B5EF4-FFF2-40B4-BE49-F238E27FC236}">
+                    <a16:creationId xmlns:a16="http://schemas.microsoft.com/office/drawing/2014/main" id="{F52BB472-AFC3-4649-A647-F1C6CCA45C33}"/>
+                  </a:ext>
+                </a:extLst>
+              </p:cNvPr>
+              <p:cNvSpPr txBox="1">
+                <a:spLocks noRot="1" noChangeAspect="1" noMove="1" noResize="1" noEditPoints="1" noAdjustHandles="1" noChangeArrowheads="1" noChangeShapeType="1" noTextEdit="1"/>
+              </p:cNvSpPr>
+              <p:nvPr/>
+            </p:nvSpPr>
+            <p:spPr>
+              <a:xfrm>
+                <a:off x="5244088" y="1560379"/>
+                <a:ext cx="274113" cy="261610"/>
+              </a:xfrm>
+              <a:prstGeom prst="rect">
+                <a:avLst/>
+              </a:prstGeom>
+              <a:blipFill>
+                <a:blip r:embed="rId4"/>
+                <a:stretch>
+                  <a:fillRect/>
+                </a:stretch>
+              </a:blipFill>
+            </p:spPr>
+            <p:txBody>
+              <a:bodyPr/>
+              <a:lstStyle/>
+              <a:p>
+                <a:r>
+                  <a:rPr lang="fr-FR">
+                    <a:noFill/>
+                  </a:rPr>
+                  <a:t> </a:t>
+                </a:r>
+              </a:p>
+            </p:txBody>
+          </p:sp>
+        </mc:Fallback>
+      </mc:AlternateContent>
+      <mc:AlternateContent xmlns:mc="http://schemas.openxmlformats.org/markup-compatibility/2006">
+        <mc:Choice xmlns:a14="http://schemas.microsoft.com/office/drawing/2010/main" Requires="a14">
+          <p:sp>
+            <p:nvSpPr>
+              <p:cNvPr id="26" name="ZoneTexte 36">
+                <a:extLst>
+                  <a:ext uri="{FF2B5EF4-FFF2-40B4-BE49-F238E27FC236}">
+                    <a16:creationId xmlns:a16="http://schemas.microsoft.com/office/drawing/2014/main" id="{AABEB782-8A2E-44B8-9E1E-A6F3CA580D2A}"/>
+                  </a:ext>
+                </a:extLst>
+              </p:cNvPr>
+              <p:cNvSpPr txBox="1"/>
+              <p:nvPr/>
+            </p:nvSpPr>
+            <p:spPr>
+              <a:xfrm>
+                <a:off x="5594856" y="1362727"/>
+                <a:ext cx="316369" cy="261610"/>
+              </a:xfrm>
+              <a:prstGeom prst="rect">
+                <a:avLst/>
+              </a:prstGeom>
+              <a:noFill/>
+            </p:spPr>
+            <p:txBody>
+              <a:bodyPr wrap="none" rtlCol="0">
+                <a:spAutoFit/>
+              </a:bodyPr>
+              <a:lstStyle>
+                <a:defPPr>
+                  <a:defRPr lang="fr-FR"/>
+                </a:defPPr>
+                <a:lvl1pPr marL="0" algn="l" defTabSz="914400" rtl="0" eaLnBrk="1" latinLnBrk="0" hangingPunct="1">
+                  <a:defRPr sz="1800" kern="1200">
+                    <a:solidFill>
+                      <a:schemeClr val="tx1"/>
+                    </a:solidFill>
+                    <a:latin typeface="+mn-lt"/>
+                    <a:ea typeface="+mn-ea"/>
+                    <a:cs typeface="+mn-cs"/>
+                  </a:defRPr>
+                </a:lvl1pPr>
+                <a:lvl2pPr marL="457200" algn="l" defTabSz="914400" rtl="0" eaLnBrk="1" latinLnBrk="0" hangingPunct="1">
+                  <a:defRPr sz="1800" kern="1200">
+                    <a:solidFill>
+                      <a:schemeClr val="tx1"/>
+                    </a:solidFill>
+                    <a:latin typeface="+mn-lt"/>
+                    <a:ea typeface="+mn-ea"/>
+                    <a:cs typeface="+mn-cs"/>
+                  </a:defRPr>
+                </a:lvl2pPr>
+                <a:lvl3pPr marL="914400" algn="l" defTabSz="914400" rtl="0" eaLnBrk="1" latinLnBrk="0" hangingPunct="1">
+                  <a:defRPr sz="1800" kern="1200">
+                    <a:solidFill>
+                      <a:schemeClr val="tx1"/>
+                    </a:solidFill>
+                    <a:latin typeface="+mn-lt"/>
+                    <a:ea typeface="+mn-ea"/>
+                    <a:cs typeface="+mn-cs"/>
+                  </a:defRPr>
+                </a:lvl3pPr>
+                <a:lvl4pPr marL="1371600" algn="l" defTabSz="914400" rtl="0" eaLnBrk="1" latinLnBrk="0" hangingPunct="1">
+                  <a:defRPr sz="1800" kern="1200">
+                    <a:solidFill>
+                      <a:schemeClr val="tx1"/>
+                    </a:solidFill>
+                    <a:latin typeface="+mn-lt"/>
+                    <a:ea typeface="+mn-ea"/>
+                    <a:cs typeface="+mn-cs"/>
+                  </a:defRPr>
+                </a:lvl4pPr>
+                <a:lvl5pPr marL="1828800" algn="l" defTabSz="914400" rtl="0" eaLnBrk="1" latinLnBrk="0" hangingPunct="1">
+                  <a:defRPr sz="1800" kern="1200">
+                    <a:solidFill>
+                      <a:schemeClr val="tx1"/>
+                    </a:solidFill>
+                    <a:latin typeface="+mn-lt"/>
+                    <a:ea typeface="+mn-ea"/>
+                    <a:cs typeface="+mn-cs"/>
+                  </a:defRPr>
+                </a:lvl5pPr>
+                <a:lvl6pPr marL="2286000" algn="l" defTabSz="914400" rtl="0" eaLnBrk="1" latinLnBrk="0" hangingPunct="1">
+                  <a:defRPr sz="1800" kern="1200">
+                    <a:solidFill>
+                      <a:schemeClr val="tx1"/>
+                    </a:solidFill>
+                    <a:latin typeface="+mn-lt"/>
+                    <a:ea typeface="+mn-ea"/>
+                    <a:cs typeface="+mn-cs"/>
+                  </a:defRPr>
+                </a:lvl6pPr>
+                <a:lvl7pPr marL="2743200" algn="l" defTabSz="914400" rtl="0" eaLnBrk="1" latinLnBrk="0" hangingPunct="1">
+                  <a:defRPr sz="1800" kern="1200">
+                    <a:solidFill>
+                      <a:schemeClr val="tx1"/>
+                    </a:solidFill>
+                    <a:latin typeface="+mn-lt"/>
+                    <a:ea typeface="+mn-ea"/>
+                    <a:cs typeface="+mn-cs"/>
+                  </a:defRPr>
+                </a:lvl7pPr>
+                <a:lvl8pPr marL="3200400" algn="l" defTabSz="914400" rtl="0" eaLnBrk="1" latinLnBrk="0" hangingPunct="1">
+                  <a:defRPr sz="1800" kern="1200">
+                    <a:solidFill>
+                      <a:schemeClr val="tx1"/>
+                    </a:solidFill>
+                    <a:latin typeface="+mn-lt"/>
+                    <a:ea typeface="+mn-ea"/>
+                    <a:cs typeface="+mn-cs"/>
+                  </a:defRPr>
+                </a:lvl8pPr>
+                <a:lvl9pPr marL="3657600" algn="l" defTabSz="914400" rtl="0" eaLnBrk="1" latinLnBrk="0" hangingPunct="1">
+                  <a:defRPr sz="1800" kern="1200">
+                    <a:solidFill>
+                      <a:schemeClr val="tx1"/>
+                    </a:solidFill>
+                    <a:latin typeface="+mn-lt"/>
+                    <a:ea typeface="+mn-ea"/>
+                    <a:cs typeface="+mn-cs"/>
+                  </a:defRPr>
+                </a:lvl9pPr>
+              </a:lstStyle>
+              <a:p>
+                <a:pPr/>
+                <a14:m>
+                  <m:oMathPara xmlns:m="http://schemas.openxmlformats.org/officeDocument/2006/math">
+                    <m:oMathParaPr>
+                      <m:jc m:val="centerGroup"/>
+                    </m:oMathParaPr>
+                    <m:oMath xmlns:m="http://schemas.openxmlformats.org/officeDocument/2006/math">
+                      <m:r>
+                        <a:rPr lang="fr-FR" sz="1100" b="0" i="1" smtClean="0">
+                          <a:latin typeface="Cambria Math" panose="02040503050406030204" pitchFamily="18" charset="0"/>
+                        </a:rPr>
+                        <m:t>𝑂</m:t>
+                      </m:r>
+                    </m:oMath>
+                  </m:oMathPara>
+                </a14:m>
+                <a:endParaRPr lang="fr-FR" sz="1100" dirty="0"/>
+              </a:p>
+            </p:txBody>
+          </p:sp>
+        </mc:Choice>
+        <mc:Fallback>
+          <p:sp>
+            <p:nvSpPr>
+              <p:cNvPr id="26" name="ZoneTexte 36">
+                <a:extLst>
+                  <a:ext uri="{FF2B5EF4-FFF2-40B4-BE49-F238E27FC236}">
+                    <a16:creationId xmlns:a16="http://schemas.microsoft.com/office/drawing/2014/main" id="{AABEB782-8A2E-44B8-9E1E-A6F3CA580D2A}"/>
+                  </a:ext>
+                </a:extLst>
+              </p:cNvPr>
+              <p:cNvSpPr txBox="1">
+                <a:spLocks noRot="1" noChangeAspect="1" noMove="1" noResize="1" noEditPoints="1" noAdjustHandles="1" noChangeArrowheads="1" noChangeShapeType="1" noTextEdit="1"/>
+              </p:cNvSpPr>
+              <p:nvPr/>
+            </p:nvSpPr>
+            <p:spPr>
+              <a:xfrm>
+                <a:off x="5594856" y="1362727"/>
+                <a:ext cx="316369" cy="261610"/>
+              </a:xfrm>
+              <a:prstGeom prst="rect">
+                <a:avLst/>
+              </a:prstGeom>
+              <a:blipFill>
+                <a:blip r:embed="rId5"/>
+                <a:stretch>
+                  <a:fillRect/>
+                </a:stretch>
+              </a:blipFill>
+            </p:spPr>
+            <p:txBody>
+              <a:bodyPr/>
+              <a:lstStyle/>
+              <a:p>
+                <a:r>
+                  <a:rPr lang="fr-FR">
+                    <a:noFill/>
+                  </a:rPr>
+                  <a:t> </a:t>
+                </a:r>
+              </a:p>
+            </p:txBody>
+          </p:sp>
+        </mc:Fallback>
+      </mc:AlternateContent>
+      <mc:AlternateContent xmlns:mc="http://schemas.openxmlformats.org/markup-compatibility/2006" xmlns:a14="http://schemas.microsoft.com/office/drawing/2010/main">
+        <mc:Choice Requires="a14">
+          <p:sp>
+            <p:nvSpPr>
+              <p:cNvPr id="28" name="ZoneTexte 36">
+                <a:extLst>
+                  <a:ext uri="{FF2B5EF4-FFF2-40B4-BE49-F238E27FC236}">
+                    <a16:creationId xmlns:a16="http://schemas.microsoft.com/office/drawing/2014/main" id="{9A8E0D1E-D038-4DB4-A137-C029877B94EA}"/>
+                  </a:ext>
+                </a:extLst>
+              </p:cNvPr>
+              <p:cNvSpPr txBox="1"/>
+              <p:nvPr/>
+            </p:nvSpPr>
+            <p:spPr>
+              <a:xfrm>
+                <a:off x="5894076" y="1612791"/>
+                <a:ext cx="317010" cy="261610"/>
+              </a:xfrm>
+              <a:prstGeom prst="rect">
+                <a:avLst/>
+              </a:prstGeom>
+              <a:noFill/>
+            </p:spPr>
+            <p:txBody>
+              <a:bodyPr wrap="none" rtlCol="0">
+                <a:spAutoFit/>
+              </a:bodyPr>
+              <a:lstStyle>
+                <a:defPPr>
+                  <a:defRPr lang="fr-FR"/>
+                </a:defPPr>
+                <a:lvl1pPr marL="0" algn="l" defTabSz="914400" rtl="0" eaLnBrk="1" latinLnBrk="0" hangingPunct="1">
+                  <a:defRPr sz="1800" kern="1200">
+                    <a:solidFill>
+                      <a:schemeClr val="tx1"/>
+                    </a:solidFill>
+                    <a:latin typeface="+mn-lt"/>
+                    <a:ea typeface="+mn-ea"/>
+                    <a:cs typeface="+mn-cs"/>
+                  </a:defRPr>
+                </a:lvl1pPr>
+                <a:lvl2pPr marL="457200" algn="l" defTabSz="914400" rtl="0" eaLnBrk="1" latinLnBrk="0" hangingPunct="1">
+                  <a:defRPr sz="1800" kern="1200">
+                    <a:solidFill>
+                      <a:schemeClr val="tx1"/>
+                    </a:solidFill>
+                    <a:latin typeface="+mn-lt"/>
+                    <a:ea typeface="+mn-ea"/>
+                    <a:cs typeface="+mn-cs"/>
+                  </a:defRPr>
+                </a:lvl2pPr>
+                <a:lvl3pPr marL="914400" algn="l" defTabSz="914400" rtl="0" eaLnBrk="1" latinLnBrk="0" hangingPunct="1">
+                  <a:defRPr sz="1800" kern="1200">
+                    <a:solidFill>
+                      <a:schemeClr val="tx1"/>
+                    </a:solidFill>
+                    <a:latin typeface="+mn-lt"/>
+                    <a:ea typeface="+mn-ea"/>
+                    <a:cs typeface="+mn-cs"/>
+                  </a:defRPr>
+                </a:lvl3pPr>
+                <a:lvl4pPr marL="1371600" algn="l" defTabSz="914400" rtl="0" eaLnBrk="1" latinLnBrk="0" hangingPunct="1">
+                  <a:defRPr sz="1800" kern="1200">
+                    <a:solidFill>
+                      <a:schemeClr val="tx1"/>
+                    </a:solidFill>
+                    <a:latin typeface="+mn-lt"/>
+                    <a:ea typeface="+mn-ea"/>
+                    <a:cs typeface="+mn-cs"/>
+                  </a:defRPr>
+                </a:lvl4pPr>
+                <a:lvl5pPr marL="1828800" algn="l" defTabSz="914400" rtl="0" eaLnBrk="1" latinLnBrk="0" hangingPunct="1">
+                  <a:defRPr sz="1800" kern="1200">
+                    <a:solidFill>
+                      <a:schemeClr val="tx1"/>
+                    </a:solidFill>
+                    <a:latin typeface="+mn-lt"/>
+                    <a:ea typeface="+mn-ea"/>
+                    <a:cs typeface="+mn-cs"/>
+                  </a:defRPr>
+                </a:lvl5pPr>
+                <a:lvl6pPr marL="2286000" algn="l" defTabSz="914400" rtl="0" eaLnBrk="1" latinLnBrk="0" hangingPunct="1">
+                  <a:defRPr sz="1800" kern="1200">
+                    <a:solidFill>
+                      <a:schemeClr val="tx1"/>
+                    </a:solidFill>
+                    <a:latin typeface="+mn-lt"/>
+                    <a:ea typeface="+mn-ea"/>
+                    <a:cs typeface="+mn-cs"/>
+                  </a:defRPr>
+                </a:lvl6pPr>
+                <a:lvl7pPr marL="2743200" algn="l" defTabSz="914400" rtl="0" eaLnBrk="1" latinLnBrk="0" hangingPunct="1">
+                  <a:defRPr sz="1800" kern="1200">
+                    <a:solidFill>
+                      <a:schemeClr val="tx1"/>
+                    </a:solidFill>
+                    <a:latin typeface="+mn-lt"/>
+                    <a:ea typeface="+mn-ea"/>
+                    <a:cs typeface="+mn-cs"/>
+                  </a:defRPr>
+                </a:lvl7pPr>
+                <a:lvl8pPr marL="3200400" algn="l" defTabSz="914400" rtl="0" eaLnBrk="1" latinLnBrk="0" hangingPunct="1">
+                  <a:defRPr sz="1800" kern="1200">
+                    <a:solidFill>
+                      <a:schemeClr val="tx1"/>
+                    </a:solidFill>
+                    <a:latin typeface="+mn-lt"/>
+                    <a:ea typeface="+mn-ea"/>
+                    <a:cs typeface="+mn-cs"/>
+                  </a:defRPr>
+                </a:lvl8pPr>
+                <a:lvl9pPr marL="3657600" algn="l" defTabSz="914400" rtl="0" eaLnBrk="1" latinLnBrk="0" hangingPunct="1">
+                  <a:defRPr sz="1800" kern="1200">
+                    <a:solidFill>
+                      <a:schemeClr val="tx1"/>
+                    </a:solidFill>
+                    <a:latin typeface="+mn-lt"/>
+                    <a:ea typeface="+mn-ea"/>
+                    <a:cs typeface="+mn-cs"/>
+                  </a:defRPr>
+                </a:lvl9pPr>
+              </a:lstStyle>
+              <a:p>
+                <a:pPr/>
+                <a14:m>
+                  <m:oMathPara xmlns:m="http://schemas.openxmlformats.org/officeDocument/2006/math">
+                    <m:oMathParaPr>
+                      <m:jc m:val="centerGroup"/>
+                    </m:oMathParaPr>
+                    <m:oMath xmlns:m="http://schemas.openxmlformats.org/officeDocument/2006/math">
+                      <m:r>
+                        <a:rPr lang="fr-FR" sz="1100" b="0" i="1" smtClean="0">
+                          <a:latin typeface="Cambria Math" panose="02040503050406030204" pitchFamily="18" charset="0"/>
+                        </a:rPr>
+                        <m:t>𝑄</m:t>
+                      </m:r>
+                    </m:oMath>
+                  </m:oMathPara>
+                </a14:m>
+                <a:endParaRPr lang="fr-FR" sz="1100" dirty="0"/>
+              </a:p>
+            </p:txBody>
+          </p:sp>
+        </mc:Choice>
+        <mc:Fallback xmlns="">
+          <p:sp>
+            <p:nvSpPr>
+              <p:cNvPr id="28" name="ZoneTexte 36">
+                <a:extLst>
+                  <a:ext uri="{FF2B5EF4-FFF2-40B4-BE49-F238E27FC236}">
+                    <a16:creationId xmlns:a16="http://schemas.microsoft.com/office/drawing/2014/main" id="{9A8E0D1E-D038-4DB4-A137-C029877B94EA}"/>
+                  </a:ext>
+                </a:extLst>
+              </p:cNvPr>
+              <p:cNvSpPr txBox="1">
+                <a:spLocks noRot="1" noChangeAspect="1" noMove="1" noResize="1" noEditPoints="1" noAdjustHandles="1" noChangeArrowheads="1" noChangeShapeType="1" noTextEdit="1"/>
+              </p:cNvSpPr>
+              <p:nvPr/>
+            </p:nvSpPr>
+            <p:spPr>
+              <a:xfrm>
+                <a:off x="5894076" y="1612791"/>
+                <a:ext cx="317010" cy="261610"/>
+              </a:xfrm>
+              <a:prstGeom prst="rect">
+                <a:avLst/>
+              </a:prstGeom>
+              <a:blipFill>
+                <a:blip r:embed="rId6"/>
+                <a:stretch>
+                  <a:fillRect b="-2381"/>
+                </a:stretch>
+              </a:blipFill>
+            </p:spPr>
+            <p:txBody>
+              <a:bodyPr/>
+              <a:lstStyle/>
+              <a:p>
+                <a:r>
+                  <a:rPr lang="fr-FR">
+                    <a:noFill/>
+                  </a:rPr>
+                  <a:t> </a:t>
+                </a:r>
+              </a:p>
+            </p:txBody>
+          </p:sp>
+        </mc:Fallback>
+      </mc:AlternateContent>
+      <p:sp>
+        <p:nvSpPr>
+          <p:cNvPr id="21" name="Ellipse 20">
+            <a:extLst>
+              <a:ext uri="{FF2B5EF4-FFF2-40B4-BE49-F238E27FC236}">
+                <a16:creationId xmlns:a16="http://schemas.microsoft.com/office/drawing/2014/main" id="{6C9E4A59-40E9-4C62-98C5-6005675DE822}"/>
+              </a:ext>
+            </a:extLst>
+          </p:cNvPr>
+          <p:cNvSpPr/>
+          <p:nvPr/>
+        </p:nvSpPr>
+        <p:spPr>
+          <a:xfrm>
+            <a:off x="2965753" y="1041180"/>
+            <a:ext cx="472198" cy="472198"/>
+          </a:xfrm>
+          <a:prstGeom prst="ellipse">
+            <a:avLst/>
+          </a:prstGeom>
+          <a:solidFill>
+            <a:schemeClr val="bg1"/>
+          </a:solidFill>
+          <a:ln w="28575">
+            <a:solidFill>
+              <a:srgbClr val="00B0F0"/>
+            </a:solidFill>
+          </a:ln>
+        </p:spPr>
+        <p:style>
+          <a:lnRef idx="2">
+            <a:schemeClr val="accent1">
+              <a:shade val="50000"/>
+            </a:schemeClr>
+          </a:lnRef>
+          <a:fillRef idx="1">
+            <a:schemeClr val="accent1"/>
+          </a:fillRef>
+          <a:effectRef idx="0">
+            <a:schemeClr val="accent1"/>
+          </a:effectRef>
+          <a:fontRef idx="minor">
+            <a:schemeClr val="lt1"/>
+          </a:fontRef>
+        </p:style>
+        <p:txBody>
+          <a:bodyPr rtlCol="0" anchor="ctr"/>
+          <a:lstStyle/>
+          <a:p>
+            <a:pPr algn="ctr"/>
+            <a:endParaRPr lang="fr-FR">
+              <a:ln>
+                <a:solidFill>
+                  <a:schemeClr val="tx1">
+                    <a:lumMod val="50000"/>
+                    <a:lumOff val="50000"/>
+                  </a:schemeClr>
+                </a:solidFill>
+              </a:ln>
+              <a:solidFill>
+                <a:schemeClr val="tx1">
+                  <a:lumMod val="50000"/>
+                  <a:lumOff val="50000"/>
+                </a:schemeClr>
+              </a:solidFill>
+            </a:endParaRPr>
+          </a:p>
+        </p:txBody>
+      </p:sp>
+      <p:sp>
+        <p:nvSpPr>
+          <p:cNvPr id="23" name="Ellipse 22">
+            <a:extLst>
+              <a:ext uri="{FF2B5EF4-FFF2-40B4-BE49-F238E27FC236}">
+                <a16:creationId xmlns:a16="http://schemas.microsoft.com/office/drawing/2014/main" id="{157972F1-6A49-45B2-A49A-CFF13C0B6603}"/>
+              </a:ext>
+            </a:extLst>
+          </p:cNvPr>
+          <p:cNvSpPr/>
+          <p:nvPr/>
+        </p:nvSpPr>
+        <p:spPr>
+          <a:xfrm>
+            <a:off x="3098583" y="1177762"/>
+            <a:ext cx="206324" cy="206324"/>
+          </a:xfrm>
+          <a:prstGeom prst="ellipse">
+            <a:avLst/>
+          </a:prstGeom>
+          <a:solidFill>
+            <a:schemeClr val="bg1"/>
+          </a:solidFill>
+          <a:ln w="28575">
+            <a:solidFill>
+              <a:srgbClr val="00B0F0"/>
+            </a:solidFill>
+          </a:ln>
+        </p:spPr>
+        <p:style>
+          <a:lnRef idx="2">
+            <a:schemeClr val="accent1">
+              <a:shade val="50000"/>
+            </a:schemeClr>
+          </a:lnRef>
+          <a:fillRef idx="1">
+            <a:schemeClr val="accent1"/>
+          </a:fillRef>
+          <a:effectRef idx="0">
+            <a:schemeClr val="accent1"/>
+          </a:effectRef>
+          <a:fontRef idx="minor">
+            <a:schemeClr val="lt1"/>
+          </a:fontRef>
+        </p:style>
+        <p:txBody>
+          <a:bodyPr rtlCol="0" anchor="ctr"/>
+          <a:lstStyle/>
+          <a:p>
+            <a:pPr algn="ctr"/>
+            <a:endParaRPr lang="fr-FR">
+              <a:ln>
+                <a:solidFill>
+                  <a:schemeClr val="tx1">
+                    <a:lumMod val="50000"/>
+                    <a:lumOff val="50000"/>
+                  </a:schemeClr>
+                </a:solidFill>
+              </a:ln>
+              <a:solidFill>
+                <a:schemeClr val="tx1">
+                  <a:lumMod val="50000"/>
+                  <a:lumOff val="50000"/>
+                </a:schemeClr>
+              </a:solidFill>
+            </a:endParaRPr>
+          </a:p>
+        </p:txBody>
+      </p:sp>
+      <p:cxnSp>
+        <p:nvCxnSpPr>
+          <p:cNvPr id="27" name="Connecteur droit 26">
+            <a:extLst>
+              <a:ext uri="{FF2B5EF4-FFF2-40B4-BE49-F238E27FC236}">
+                <a16:creationId xmlns:a16="http://schemas.microsoft.com/office/drawing/2014/main" id="{49C34E74-C6AD-44E0-8DEE-CC7F91407BA2}"/>
+              </a:ext>
+            </a:extLst>
+          </p:cNvPr>
+          <p:cNvCxnSpPr>
+            <a:cxnSpLocks/>
+            <a:stCxn id="21" idx="7"/>
+            <a:endCxn id="23" idx="7"/>
+          </p:cNvCxnSpPr>
+          <p:nvPr/>
+        </p:nvCxnSpPr>
+        <p:spPr>
+          <a:xfrm flipH="1">
+            <a:off x="3274692" y="1110332"/>
+            <a:ext cx="94107" cy="97645"/>
+          </a:xfrm>
+          <a:prstGeom prst="line">
+            <a:avLst/>
+          </a:prstGeom>
+          <a:solidFill>
+            <a:schemeClr val="bg1"/>
+          </a:solidFill>
+          <a:ln w="28575">
+            <a:solidFill>
+              <a:srgbClr val="00B0F0"/>
+            </a:solidFill>
+          </a:ln>
+        </p:spPr>
+        <p:style>
+          <a:lnRef idx="2">
+            <a:schemeClr val="accent1">
+              <a:shade val="50000"/>
+            </a:schemeClr>
+          </a:lnRef>
+          <a:fillRef idx="1">
+            <a:schemeClr val="accent1"/>
+          </a:fillRef>
+          <a:effectRef idx="0">
+            <a:schemeClr val="accent1"/>
+          </a:effectRef>
+          <a:fontRef idx="minor">
+            <a:schemeClr val="lt1"/>
+          </a:fontRef>
+        </p:style>
+      </p:cxnSp>
+      <mc:AlternateContent xmlns:mc="http://schemas.openxmlformats.org/markup-compatibility/2006">
+        <mc:Choice xmlns:a14="http://schemas.microsoft.com/office/drawing/2010/main" Requires="a14">
+          <p:sp>
+            <p:nvSpPr>
+              <p:cNvPr id="29" name="ZoneTexte 36">
+                <a:extLst>
+                  <a:ext uri="{FF2B5EF4-FFF2-40B4-BE49-F238E27FC236}">
+                    <a16:creationId xmlns:a16="http://schemas.microsoft.com/office/drawing/2014/main" id="{D1495BE4-66AF-42C9-ADD6-F013565E433F}"/>
+                  </a:ext>
+                </a:extLst>
+              </p:cNvPr>
+              <p:cNvSpPr txBox="1"/>
+              <p:nvPr/>
+            </p:nvSpPr>
+            <p:spPr>
+              <a:xfrm>
+                <a:off x="2736415" y="1003752"/>
+                <a:ext cx="274113" cy="261610"/>
+              </a:xfrm>
+              <a:prstGeom prst="rect">
+                <a:avLst/>
+              </a:prstGeom>
+              <a:noFill/>
+            </p:spPr>
+            <p:txBody>
+              <a:bodyPr wrap="none" rtlCol="0">
+                <a:spAutoFit/>
+              </a:bodyPr>
+              <a:lstStyle>
+                <a:defPPr>
+                  <a:defRPr lang="fr-FR"/>
+                </a:defPPr>
+                <a:lvl1pPr marL="0" algn="l" defTabSz="914400" rtl="0" eaLnBrk="1" latinLnBrk="0" hangingPunct="1">
+                  <a:defRPr sz="1800" kern="1200">
+                    <a:solidFill>
+                      <a:schemeClr val="tx1"/>
+                    </a:solidFill>
+                    <a:latin typeface="+mn-lt"/>
+                    <a:ea typeface="+mn-ea"/>
+                    <a:cs typeface="+mn-cs"/>
+                  </a:defRPr>
+                </a:lvl1pPr>
+                <a:lvl2pPr marL="457200" algn="l" defTabSz="914400" rtl="0" eaLnBrk="1" latinLnBrk="0" hangingPunct="1">
+                  <a:defRPr sz="1800" kern="1200">
+                    <a:solidFill>
+                      <a:schemeClr val="tx1"/>
+                    </a:solidFill>
+                    <a:latin typeface="+mn-lt"/>
+                    <a:ea typeface="+mn-ea"/>
+                    <a:cs typeface="+mn-cs"/>
+                  </a:defRPr>
+                </a:lvl2pPr>
+                <a:lvl3pPr marL="914400" algn="l" defTabSz="914400" rtl="0" eaLnBrk="1" latinLnBrk="0" hangingPunct="1">
+                  <a:defRPr sz="1800" kern="1200">
+                    <a:solidFill>
+                      <a:schemeClr val="tx1"/>
+                    </a:solidFill>
+                    <a:latin typeface="+mn-lt"/>
+                    <a:ea typeface="+mn-ea"/>
+                    <a:cs typeface="+mn-cs"/>
+                  </a:defRPr>
+                </a:lvl3pPr>
+                <a:lvl4pPr marL="1371600" algn="l" defTabSz="914400" rtl="0" eaLnBrk="1" latinLnBrk="0" hangingPunct="1">
+                  <a:defRPr sz="1800" kern="1200">
+                    <a:solidFill>
+                      <a:schemeClr val="tx1"/>
+                    </a:solidFill>
+                    <a:latin typeface="+mn-lt"/>
+                    <a:ea typeface="+mn-ea"/>
+                    <a:cs typeface="+mn-cs"/>
+                  </a:defRPr>
+                </a:lvl4pPr>
+                <a:lvl5pPr marL="1828800" algn="l" defTabSz="914400" rtl="0" eaLnBrk="1" latinLnBrk="0" hangingPunct="1">
+                  <a:defRPr sz="1800" kern="1200">
+                    <a:solidFill>
+                      <a:schemeClr val="tx1"/>
+                    </a:solidFill>
+                    <a:latin typeface="+mn-lt"/>
+                    <a:ea typeface="+mn-ea"/>
+                    <a:cs typeface="+mn-cs"/>
+                  </a:defRPr>
+                </a:lvl5pPr>
+                <a:lvl6pPr marL="2286000" algn="l" defTabSz="914400" rtl="0" eaLnBrk="1" latinLnBrk="0" hangingPunct="1">
+                  <a:defRPr sz="1800" kern="1200">
+                    <a:solidFill>
+                      <a:schemeClr val="tx1"/>
+                    </a:solidFill>
+                    <a:latin typeface="+mn-lt"/>
+                    <a:ea typeface="+mn-ea"/>
+                    <a:cs typeface="+mn-cs"/>
+                  </a:defRPr>
+                </a:lvl6pPr>
+                <a:lvl7pPr marL="2743200" algn="l" defTabSz="914400" rtl="0" eaLnBrk="1" latinLnBrk="0" hangingPunct="1">
+                  <a:defRPr sz="1800" kern="1200">
+                    <a:solidFill>
+                      <a:schemeClr val="tx1"/>
+                    </a:solidFill>
+                    <a:latin typeface="+mn-lt"/>
+                    <a:ea typeface="+mn-ea"/>
+                    <a:cs typeface="+mn-cs"/>
+                  </a:defRPr>
+                </a:lvl7pPr>
+                <a:lvl8pPr marL="3200400" algn="l" defTabSz="914400" rtl="0" eaLnBrk="1" latinLnBrk="0" hangingPunct="1">
+                  <a:defRPr sz="1800" kern="1200">
+                    <a:solidFill>
+                      <a:schemeClr val="tx1"/>
+                    </a:solidFill>
+                    <a:latin typeface="+mn-lt"/>
+                    <a:ea typeface="+mn-ea"/>
+                    <a:cs typeface="+mn-cs"/>
+                  </a:defRPr>
+                </a:lvl8pPr>
+                <a:lvl9pPr marL="3657600" algn="l" defTabSz="914400" rtl="0" eaLnBrk="1" latinLnBrk="0" hangingPunct="1">
+                  <a:defRPr sz="1800" kern="1200">
+                    <a:solidFill>
+                      <a:schemeClr val="tx1"/>
+                    </a:solidFill>
+                    <a:latin typeface="+mn-lt"/>
+                    <a:ea typeface="+mn-ea"/>
+                    <a:cs typeface="+mn-cs"/>
+                  </a:defRPr>
+                </a:lvl9pPr>
+              </a:lstStyle>
+              <a:p>
+                <a:pPr/>
+                <a14:m>
+                  <m:oMathPara xmlns:m="http://schemas.openxmlformats.org/officeDocument/2006/math">
+                    <m:oMathParaPr>
+                      <m:jc m:val="centerGroup"/>
+                    </m:oMathParaPr>
+                    <m:oMath xmlns:m="http://schemas.openxmlformats.org/officeDocument/2006/math">
+                      <m:r>
+                        <a:rPr lang="fr-FR" sz="1100" b="0" i="1" smtClean="0">
+                          <a:latin typeface="Cambria Math" panose="02040503050406030204" pitchFamily="18" charset="0"/>
+                        </a:rPr>
+                        <m:t>𝐼</m:t>
+                      </m:r>
+                    </m:oMath>
+                  </m:oMathPara>
+                </a14:m>
+                <a:endParaRPr lang="fr-FR" sz="1100" dirty="0"/>
+              </a:p>
+            </p:txBody>
+          </p:sp>
+        </mc:Choice>
+        <mc:Fallback>
+          <p:sp>
+            <p:nvSpPr>
+              <p:cNvPr id="29" name="ZoneTexte 36">
+                <a:extLst>
+                  <a:ext uri="{FF2B5EF4-FFF2-40B4-BE49-F238E27FC236}">
+                    <a16:creationId xmlns:a16="http://schemas.microsoft.com/office/drawing/2014/main" id="{D1495BE4-66AF-42C9-ADD6-F013565E433F}"/>
+                  </a:ext>
+                </a:extLst>
+              </p:cNvPr>
+              <p:cNvSpPr txBox="1">
+                <a:spLocks noRot="1" noChangeAspect="1" noMove="1" noResize="1" noEditPoints="1" noAdjustHandles="1" noChangeArrowheads="1" noChangeShapeType="1" noTextEdit="1"/>
+              </p:cNvSpPr>
+              <p:nvPr/>
+            </p:nvSpPr>
+            <p:spPr>
+              <a:xfrm>
+                <a:off x="2736415" y="1003752"/>
+                <a:ext cx="274113" cy="261610"/>
+              </a:xfrm>
+              <a:prstGeom prst="rect">
+                <a:avLst/>
+              </a:prstGeom>
+              <a:blipFill>
+                <a:blip r:embed="rId4"/>
+                <a:stretch>
+                  <a:fillRect/>
+                </a:stretch>
+              </a:blipFill>
+            </p:spPr>
+            <p:txBody>
+              <a:bodyPr/>
+              <a:lstStyle/>
+              <a:p>
+                <a:r>
+                  <a:rPr lang="fr-FR">
+                    <a:noFill/>
+                  </a:rPr>
+                  <a:t> </a:t>
+                </a:r>
+              </a:p>
+            </p:txBody>
+          </p:sp>
+        </mc:Fallback>
+      </mc:AlternateContent>
+      <mc:AlternateContent xmlns:mc="http://schemas.openxmlformats.org/markup-compatibility/2006">
+        <mc:Choice xmlns:a14="http://schemas.microsoft.com/office/drawing/2010/main" Requires="a14">
+          <p:sp>
+            <p:nvSpPr>
+              <p:cNvPr id="30" name="ZoneTexte 36">
+                <a:extLst>
+                  <a:ext uri="{FF2B5EF4-FFF2-40B4-BE49-F238E27FC236}">
+                    <a16:creationId xmlns:a16="http://schemas.microsoft.com/office/drawing/2014/main" id="{7125CA4B-D606-4C4D-AC63-C8F1981AB220}"/>
+                  </a:ext>
+                </a:extLst>
+              </p:cNvPr>
+              <p:cNvSpPr txBox="1"/>
+              <p:nvPr/>
+            </p:nvSpPr>
+            <p:spPr>
+              <a:xfrm>
+                <a:off x="3116507" y="814490"/>
+                <a:ext cx="316369" cy="261610"/>
+              </a:xfrm>
+              <a:prstGeom prst="rect">
+                <a:avLst/>
+              </a:prstGeom>
+              <a:noFill/>
+            </p:spPr>
+            <p:txBody>
+              <a:bodyPr wrap="none" rtlCol="0">
+                <a:spAutoFit/>
+              </a:bodyPr>
+              <a:lstStyle>
+                <a:defPPr>
+                  <a:defRPr lang="fr-FR"/>
+                </a:defPPr>
+                <a:lvl1pPr marL="0" algn="l" defTabSz="914400" rtl="0" eaLnBrk="1" latinLnBrk="0" hangingPunct="1">
+                  <a:defRPr sz="1800" kern="1200">
+                    <a:solidFill>
+                      <a:schemeClr val="tx1"/>
+                    </a:solidFill>
+                    <a:latin typeface="+mn-lt"/>
+                    <a:ea typeface="+mn-ea"/>
+                    <a:cs typeface="+mn-cs"/>
+                  </a:defRPr>
+                </a:lvl1pPr>
+                <a:lvl2pPr marL="457200" algn="l" defTabSz="914400" rtl="0" eaLnBrk="1" latinLnBrk="0" hangingPunct="1">
+                  <a:defRPr sz="1800" kern="1200">
+                    <a:solidFill>
+                      <a:schemeClr val="tx1"/>
+                    </a:solidFill>
+                    <a:latin typeface="+mn-lt"/>
+                    <a:ea typeface="+mn-ea"/>
+                    <a:cs typeface="+mn-cs"/>
+                  </a:defRPr>
+                </a:lvl2pPr>
+                <a:lvl3pPr marL="914400" algn="l" defTabSz="914400" rtl="0" eaLnBrk="1" latinLnBrk="0" hangingPunct="1">
+                  <a:defRPr sz="1800" kern="1200">
+                    <a:solidFill>
+                      <a:schemeClr val="tx1"/>
+                    </a:solidFill>
+                    <a:latin typeface="+mn-lt"/>
+                    <a:ea typeface="+mn-ea"/>
+                    <a:cs typeface="+mn-cs"/>
+                  </a:defRPr>
+                </a:lvl3pPr>
+                <a:lvl4pPr marL="1371600" algn="l" defTabSz="914400" rtl="0" eaLnBrk="1" latinLnBrk="0" hangingPunct="1">
+                  <a:defRPr sz="1800" kern="1200">
+                    <a:solidFill>
+                      <a:schemeClr val="tx1"/>
+                    </a:solidFill>
+                    <a:latin typeface="+mn-lt"/>
+                    <a:ea typeface="+mn-ea"/>
+                    <a:cs typeface="+mn-cs"/>
+                  </a:defRPr>
+                </a:lvl4pPr>
+                <a:lvl5pPr marL="1828800" algn="l" defTabSz="914400" rtl="0" eaLnBrk="1" latinLnBrk="0" hangingPunct="1">
+                  <a:defRPr sz="1800" kern="1200">
+                    <a:solidFill>
+                      <a:schemeClr val="tx1"/>
+                    </a:solidFill>
+                    <a:latin typeface="+mn-lt"/>
+                    <a:ea typeface="+mn-ea"/>
+                    <a:cs typeface="+mn-cs"/>
+                  </a:defRPr>
+                </a:lvl5pPr>
+                <a:lvl6pPr marL="2286000" algn="l" defTabSz="914400" rtl="0" eaLnBrk="1" latinLnBrk="0" hangingPunct="1">
+                  <a:defRPr sz="1800" kern="1200">
+                    <a:solidFill>
+                      <a:schemeClr val="tx1"/>
+                    </a:solidFill>
+                    <a:latin typeface="+mn-lt"/>
+                    <a:ea typeface="+mn-ea"/>
+                    <a:cs typeface="+mn-cs"/>
+                  </a:defRPr>
+                </a:lvl6pPr>
+                <a:lvl7pPr marL="2743200" algn="l" defTabSz="914400" rtl="0" eaLnBrk="1" latinLnBrk="0" hangingPunct="1">
+                  <a:defRPr sz="1800" kern="1200">
+                    <a:solidFill>
+                      <a:schemeClr val="tx1"/>
+                    </a:solidFill>
+                    <a:latin typeface="+mn-lt"/>
+                    <a:ea typeface="+mn-ea"/>
+                    <a:cs typeface="+mn-cs"/>
+                  </a:defRPr>
+                </a:lvl7pPr>
+                <a:lvl8pPr marL="3200400" algn="l" defTabSz="914400" rtl="0" eaLnBrk="1" latinLnBrk="0" hangingPunct="1">
+                  <a:defRPr sz="1800" kern="1200">
+                    <a:solidFill>
+                      <a:schemeClr val="tx1"/>
+                    </a:solidFill>
+                    <a:latin typeface="+mn-lt"/>
+                    <a:ea typeface="+mn-ea"/>
+                    <a:cs typeface="+mn-cs"/>
+                  </a:defRPr>
+                </a:lvl8pPr>
+                <a:lvl9pPr marL="3657600" algn="l" defTabSz="914400" rtl="0" eaLnBrk="1" latinLnBrk="0" hangingPunct="1">
+                  <a:defRPr sz="1800" kern="1200">
+                    <a:solidFill>
+                      <a:schemeClr val="tx1"/>
+                    </a:solidFill>
+                    <a:latin typeface="+mn-lt"/>
+                    <a:ea typeface="+mn-ea"/>
+                    <a:cs typeface="+mn-cs"/>
+                  </a:defRPr>
+                </a:lvl9pPr>
+              </a:lstStyle>
+              <a:p>
+                <a:pPr/>
+                <a14:m>
+                  <m:oMathPara xmlns:m="http://schemas.openxmlformats.org/officeDocument/2006/math">
+                    <m:oMathParaPr>
+                      <m:jc m:val="centerGroup"/>
+                    </m:oMathParaPr>
+                    <m:oMath xmlns:m="http://schemas.openxmlformats.org/officeDocument/2006/math">
+                      <m:r>
+                        <a:rPr lang="fr-FR" sz="1100" b="0" i="1" smtClean="0">
+                          <a:latin typeface="Cambria Math" panose="02040503050406030204" pitchFamily="18" charset="0"/>
+                        </a:rPr>
+                        <m:t>𝑂</m:t>
+                      </m:r>
+                    </m:oMath>
+                  </m:oMathPara>
+                </a14:m>
+                <a:endParaRPr lang="fr-FR" sz="1100" dirty="0"/>
+              </a:p>
+            </p:txBody>
+          </p:sp>
+        </mc:Choice>
+        <mc:Fallback>
+          <p:sp>
+            <p:nvSpPr>
+              <p:cNvPr id="30" name="ZoneTexte 36">
+                <a:extLst>
+                  <a:ext uri="{FF2B5EF4-FFF2-40B4-BE49-F238E27FC236}">
+                    <a16:creationId xmlns:a16="http://schemas.microsoft.com/office/drawing/2014/main" id="{7125CA4B-D606-4C4D-AC63-C8F1981AB220}"/>
+                  </a:ext>
+                </a:extLst>
+              </p:cNvPr>
+              <p:cNvSpPr txBox="1">
+                <a:spLocks noRot="1" noChangeAspect="1" noMove="1" noResize="1" noEditPoints="1" noAdjustHandles="1" noChangeArrowheads="1" noChangeShapeType="1" noTextEdit="1"/>
+              </p:cNvSpPr>
+              <p:nvPr/>
+            </p:nvSpPr>
+            <p:spPr>
+              <a:xfrm>
+                <a:off x="3116507" y="814490"/>
+                <a:ext cx="316369" cy="261610"/>
+              </a:xfrm>
+              <a:prstGeom prst="rect">
+                <a:avLst/>
+              </a:prstGeom>
+              <a:blipFill>
+                <a:blip r:embed="rId7"/>
+                <a:stretch>
+                  <a:fillRect/>
+                </a:stretch>
+              </a:blipFill>
+            </p:spPr>
+            <p:txBody>
+              <a:bodyPr/>
+              <a:lstStyle/>
+              <a:p>
+                <a:r>
+                  <a:rPr lang="fr-FR">
+                    <a:noFill/>
+                  </a:rPr>
+                  <a:t> </a:t>
+                </a:r>
+              </a:p>
+            </p:txBody>
+          </p:sp>
+        </mc:Fallback>
+      </mc:AlternateContent>
+      <mc:AlternateContent xmlns:mc="http://schemas.openxmlformats.org/markup-compatibility/2006">
+        <mc:Choice xmlns:a14="http://schemas.microsoft.com/office/drawing/2010/main" Requires="a14">
+          <p:sp>
+            <p:nvSpPr>
+              <p:cNvPr id="31" name="ZoneTexte 36">
+                <a:extLst>
+                  <a:ext uri="{FF2B5EF4-FFF2-40B4-BE49-F238E27FC236}">
+                    <a16:creationId xmlns:a16="http://schemas.microsoft.com/office/drawing/2014/main" id="{61BAAD46-EA84-40A6-A3A0-FDF7FC9C4F5D}"/>
+                  </a:ext>
+                </a:extLst>
+              </p:cNvPr>
+              <p:cNvSpPr txBox="1"/>
+              <p:nvPr/>
+            </p:nvSpPr>
+            <p:spPr>
+              <a:xfrm>
+                <a:off x="3386403" y="1056164"/>
+                <a:ext cx="317010" cy="261610"/>
+              </a:xfrm>
+              <a:prstGeom prst="rect">
+                <a:avLst/>
+              </a:prstGeom>
+              <a:noFill/>
+            </p:spPr>
+            <p:txBody>
+              <a:bodyPr wrap="none" rtlCol="0">
+                <a:spAutoFit/>
+              </a:bodyPr>
+              <a:lstStyle>
+                <a:defPPr>
+                  <a:defRPr lang="fr-FR"/>
+                </a:defPPr>
+                <a:lvl1pPr marL="0" algn="l" defTabSz="914400" rtl="0" eaLnBrk="1" latinLnBrk="0" hangingPunct="1">
+                  <a:defRPr sz="1800" kern="1200">
+                    <a:solidFill>
+                      <a:schemeClr val="tx1"/>
+                    </a:solidFill>
+                    <a:latin typeface="+mn-lt"/>
+                    <a:ea typeface="+mn-ea"/>
+                    <a:cs typeface="+mn-cs"/>
+                  </a:defRPr>
+                </a:lvl1pPr>
+                <a:lvl2pPr marL="457200" algn="l" defTabSz="914400" rtl="0" eaLnBrk="1" latinLnBrk="0" hangingPunct="1">
+                  <a:defRPr sz="1800" kern="1200">
+                    <a:solidFill>
+                      <a:schemeClr val="tx1"/>
+                    </a:solidFill>
+                    <a:latin typeface="+mn-lt"/>
+                    <a:ea typeface="+mn-ea"/>
+                    <a:cs typeface="+mn-cs"/>
+                  </a:defRPr>
+                </a:lvl2pPr>
+                <a:lvl3pPr marL="914400" algn="l" defTabSz="914400" rtl="0" eaLnBrk="1" latinLnBrk="0" hangingPunct="1">
+                  <a:defRPr sz="1800" kern="1200">
+                    <a:solidFill>
+                      <a:schemeClr val="tx1"/>
+                    </a:solidFill>
+                    <a:latin typeface="+mn-lt"/>
+                    <a:ea typeface="+mn-ea"/>
+                    <a:cs typeface="+mn-cs"/>
+                  </a:defRPr>
+                </a:lvl3pPr>
+                <a:lvl4pPr marL="1371600" algn="l" defTabSz="914400" rtl="0" eaLnBrk="1" latinLnBrk="0" hangingPunct="1">
+                  <a:defRPr sz="1800" kern="1200">
+                    <a:solidFill>
+                      <a:schemeClr val="tx1"/>
+                    </a:solidFill>
+                    <a:latin typeface="+mn-lt"/>
+                    <a:ea typeface="+mn-ea"/>
+                    <a:cs typeface="+mn-cs"/>
+                  </a:defRPr>
+                </a:lvl4pPr>
+                <a:lvl5pPr marL="1828800" algn="l" defTabSz="914400" rtl="0" eaLnBrk="1" latinLnBrk="0" hangingPunct="1">
+                  <a:defRPr sz="1800" kern="1200">
+                    <a:solidFill>
+                      <a:schemeClr val="tx1"/>
+                    </a:solidFill>
+                    <a:latin typeface="+mn-lt"/>
+                    <a:ea typeface="+mn-ea"/>
+                    <a:cs typeface="+mn-cs"/>
+                  </a:defRPr>
+                </a:lvl5pPr>
+                <a:lvl6pPr marL="2286000" algn="l" defTabSz="914400" rtl="0" eaLnBrk="1" latinLnBrk="0" hangingPunct="1">
+                  <a:defRPr sz="1800" kern="1200">
+                    <a:solidFill>
+                      <a:schemeClr val="tx1"/>
+                    </a:solidFill>
+                    <a:latin typeface="+mn-lt"/>
+                    <a:ea typeface="+mn-ea"/>
+                    <a:cs typeface="+mn-cs"/>
+                  </a:defRPr>
+                </a:lvl6pPr>
+                <a:lvl7pPr marL="2743200" algn="l" defTabSz="914400" rtl="0" eaLnBrk="1" latinLnBrk="0" hangingPunct="1">
+                  <a:defRPr sz="1800" kern="1200">
+                    <a:solidFill>
+                      <a:schemeClr val="tx1"/>
+                    </a:solidFill>
+                    <a:latin typeface="+mn-lt"/>
+                    <a:ea typeface="+mn-ea"/>
+                    <a:cs typeface="+mn-cs"/>
+                  </a:defRPr>
+                </a:lvl7pPr>
+                <a:lvl8pPr marL="3200400" algn="l" defTabSz="914400" rtl="0" eaLnBrk="1" latinLnBrk="0" hangingPunct="1">
+                  <a:defRPr sz="1800" kern="1200">
+                    <a:solidFill>
+                      <a:schemeClr val="tx1"/>
+                    </a:solidFill>
+                    <a:latin typeface="+mn-lt"/>
+                    <a:ea typeface="+mn-ea"/>
+                    <a:cs typeface="+mn-cs"/>
+                  </a:defRPr>
+                </a:lvl8pPr>
+                <a:lvl9pPr marL="3657600" algn="l" defTabSz="914400" rtl="0" eaLnBrk="1" latinLnBrk="0" hangingPunct="1">
+                  <a:defRPr sz="1800" kern="1200">
+                    <a:solidFill>
+                      <a:schemeClr val="tx1"/>
+                    </a:solidFill>
+                    <a:latin typeface="+mn-lt"/>
+                    <a:ea typeface="+mn-ea"/>
+                    <a:cs typeface="+mn-cs"/>
+                  </a:defRPr>
+                </a:lvl9pPr>
+              </a:lstStyle>
+              <a:p>
+                <a:pPr/>
+                <a14:m>
+                  <m:oMathPara xmlns:m="http://schemas.openxmlformats.org/officeDocument/2006/math">
+                    <m:oMathParaPr>
+                      <m:jc m:val="centerGroup"/>
+                    </m:oMathParaPr>
+                    <m:oMath xmlns:m="http://schemas.openxmlformats.org/officeDocument/2006/math">
+                      <m:r>
+                        <a:rPr lang="fr-FR" sz="1100" b="0" i="1" smtClean="0">
+                          <a:latin typeface="Cambria Math" panose="02040503050406030204" pitchFamily="18" charset="0"/>
+                        </a:rPr>
+                        <m:t>𝑄</m:t>
+                      </m:r>
+                    </m:oMath>
+                  </m:oMathPara>
+                </a14:m>
+                <a:endParaRPr lang="fr-FR" sz="1100" dirty="0"/>
+              </a:p>
+            </p:txBody>
+          </p:sp>
+        </mc:Choice>
+        <mc:Fallback>
+          <p:sp>
+            <p:nvSpPr>
+              <p:cNvPr id="31" name="ZoneTexte 36">
+                <a:extLst>
+                  <a:ext uri="{FF2B5EF4-FFF2-40B4-BE49-F238E27FC236}">
+                    <a16:creationId xmlns:a16="http://schemas.microsoft.com/office/drawing/2014/main" id="{61BAAD46-EA84-40A6-A3A0-FDF7FC9C4F5D}"/>
+                  </a:ext>
+                </a:extLst>
+              </p:cNvPr>
+              <p:cNvSpPr txBox="1">
+                <a:spLocks noRot="1" noChangeAspect="1" noMove="1" noResize="1" noEditPoints="1" noAdjustHandles="1" noChangeArrowheads="1" noChangeShapeType="1" noTextEdit="1"/>
+              </p:cNvSpPr>
+              <p:nvPr/>
+            </p:nvSpPr>
+            <p:spPr>
+              <a:xfrm>
+                <a:off x="3386403" y="1056164"/>
+                <a:ext cx="317010" cy="261610"/>
+              </a:xfrm>
+              <a:prstGeom prst="rect">
+                <a:avLst/>
+              </a:prstGeom>
+              <a:blipFill>
+                <a:blip r:embed="rId8"/>
+                <a:stretch>
+                  <a:fillRect b="-2326"/>
+                </a:stretch>
+              </a:blipFill>
+            </p:spPr>
+            <p:txBody>
+              <a:bodyPr/>
+              <a:lstStyle/>
+              <a:p>
+                <a:r>
+                  <a:rPr lang="fr-FR">
+                    <a:noFill/>
+                  </a:rPr>
+                  <a:t> </a:t>
+                </a:r>
+              </a:p>
+            </p:txBody>
+          </p:sp>
+        </mc:Fallback>
+      </mc:AlternateContent>
+      <p:cxnSp>
+        <p:nvCxnSpPr>
+          <p:cNvPr id="32" name="Connecteur droit 31">
+            <a:extLst>
+              <a:ext uri="{FF2B5EF4-FFF2-40B4-BE49-F238E27FC236}">
+                <a16:creationId xmlns:a16="http://schemas.microsoft.com/office/drawing/2014/main" id="{5CB7B208-AB21-49D6-A5B2-E82119437D9E}"/>
+              </a:ext>
+            </a:extLst>
+          </p:cNvPr>
+          <p:cNvCxnSpPr>
+            <a:cxnSpLocks/>
+            <a:stCxn id="21" idx="2"/>
+          </p:cNvCxnSpPr>
+          <p:nvPr/>
+        </p:nvCxnSpPr>
+        <p:spPr>
+          <a:xfrm>
+            <a:off x="2965753" y="1277279"/>
+            <a:ext cx="0" cy="497709"/>
+          </a:xfrm>
+          <a:prstGeom prst="line">
+            <a:avLst/>
+          </a:prstGeom>
+          <a:ln w="19050">
+            <a:solidFill>
+              <a:schemeClr val="accent5">
+                <a:lumMod val="50000"/>
+              </a:schemeClr>
+            </a:solidFill>
+            <a:tailEnd type="stealth" w="med" len="lg"/>
+          </a:ln>
+        </p:spPr>
+        <p:style>
+          <a:lnRef idx="1">
+            <a:schemeClr val="accent1"/>
+          </a:lnRef>
+          <a:fillRef idx="0">
+            <a:schemeClr val="accent1"/>
+          </a:fillRef>
+          <a:effectRef idx="0">
+            <a:schemeClr val="accent1"/>
+          </a:effectRef>
+          <a:fontRef idx="minor">
+            <a:schemeClr val="tx1"/>
+          </a:fontRef>
+        </p:style>
+      </p:cxnSp>
+      <p:cxnSp>
+        <p:nvCxnSpPr>
+          <p:cNvPr id="33" name="Connecteur droit 32">
+            <a:extLst>
+              <a:ext uri="{FF2B5EF4-FFF2-40B4-BE49-F238E27FC236}">
+                <a16:creationId xmlns:a16="http://schemas.microsoft.com/office/drawing/2014/main" id="{4A5384C0-E180-4000-939A-31C99D11711C}"/>
+              </a:ext>
+            </a:extLst>
+          </p:cNvPr>
+          <p:cNvCxnSpPr>
+            <a:cxnSpLocks/>
+          </p:cNvCxnSpPr>
+          <p:nvPr/>
+        </p:nvCxnSpPr>
+        <p:spPr>
+          <a:xfrm>
+            <a:off x="3437951" y="1270369"/>
+            <a:ext cx="0" cy="494235"/>
+          </a:xfrm>
+          <a:prstGeom prst="line">
+            <a:avLst/>
+          </a:prstGeom>
+          <a:ln w="19050">
+            <a:solidFill>
+              <a:schemeClr val="accent5">
+                <a:lumMod val="50000"/>
+              </a:schemeClr>
+            </a:solidFill>
+            <a:tailEnd type="stealth" w="med" len="lg"/>
+          </a:ln>
+        </p:spPr>
+        <p:style>
+          <a:lnRef idx="1">
+            <a:schemeClr val="accent1"/>
+          </a:lnRef>
+          <a:fillRef idx="0">
+            <a:schemeClr val="accent1"/>
+          </a:fillRef>
+          <a:effectRef idx="0">
+            <a:schemeClr val="accent1"/>
+          </a:effectRef>
+          <a:fontRef idx="minor">
+            <a:schemeClr val="tx1"/>
+          </a:fontRef>
+        </p:style>
+      </p:cxnSp>
+      <mc:AlternateContent xmlns:mc="http://schemas.openxmlformats.org/markup-compatibility/2006">
+        <mc:Choice xmlns:a14="http://schemas.microsoft.com/office/drawing/2010/main" Requires="a14">
+          <p:sp>
+            <p:nvSpPr>
+              <p:cNvPr id="34" name="ZoneTexte 36">
+                <a:extLst>
+                  <a:ext uri="{FF2B5EF4-FFF2-40B4-BE49-F238E27FC236}">
+                    <a16:creationId xmlns:a16="http://schemas.microsoft.com/office/drawing/2014/main" id="{F20C0F1E-BE32-47B9-BBE3-453CD671418E}"/>
+                  </a:ext>
+                </a:extLst>
+              </p:cNvPr>
+              <p:cNvSpPr txBox="1"/>
+              <p:nvPr/>
+            </p:nvSpPr>
+            <p:spPr>
+              <a:xfrm>
+                <a:off x="3432728" y="1480375"/>
+                <a:ext cx="362663" cy="261610"/>
+              </a:xfrm>
+              <a:prstGeom prst="rect">
+                <a:avLst/>
+              </a:prstGeom>
+              <a:noFill/>
+            </p:spPr>
+            <p:txBody>
+              <a:bodyPr wrap="none" rtlCol="0">
+                <a:spAutoFit/>
+              </a:bodyPr>
+              <a:lstStyle>
+                <a:defPPr>
+                  <a:defRPr lang="fr-FR"/>
+                </a:defPPr>
+                <a:lvl1pPr marL="0" algn="l" defTabSz="914400" rtl="0" eaLnBrk="1" latinLnBrk="0" hangingPunct="1">
+                  <a:defRPr sz="1800" kern="1200">
+                    <a:solidFill>
+                      <a:schemeClr val="tx1"/>
+                    </a:solidFill>
+                    <a:latin typeface="+mn-lt"/>
+                    <a:ea typeface="+mn-ea"/>
+                    <a:cs typeface="+mn-cs"/>
+                  </a:defRPr>
+                </a:lvl1pPr>
+                <a:lvl2pPr marL="457200" algn="l" defTabSz="914400" rtl="0" eaLnBrk="1" latinLnBrk="0" hangingPunct="1">
+                  <a:defRPr sz="1800" kern="1200">
+                    <a:solidFill>
+                      <a:schemeClr val="tx1"/>
+                    </a:solidFill>
+                    <a:latin typeface="+mn-lt"/>
+                    <a:ea typeface="+mn-ea"/>
+                    <a:cs typeface="+mn-cs"/>
+                  </a:defRPr>
+                </a:lvl2pPr>
+                <a:lvl3pPr marL="914400" algn="l" defTabSz="914400" rtl="0" eaLnBrk="1" latinLnBrk="0" hangingPunct="1">
+                  <a:defRPr sz="1800" kern="1200">
+                    <a:solidFill>
+                      <a:schemeClr val="tx1"/>
+                    </a:solidFill>
+                    <a:latin typeface="+mn-lt"/>
+                    <a:ea typeface="+mn-ea"/>
+                    <a:cs typeface="+mn-cs"/>
+                  </a:defRPr>
+                </a:lvl3pPr>
+                <a:lvl4pPr marL="1371600" algn="l" defTabSz="914400" rtl="0" eaLnBrk="1" latinLnBrk="0" hangingPunct="1">
+                  <a:defRPr sz="1800" kern="1200">
+                    <a:solidFill>
+                      <a:schemeClr val="tx1"/>
+                    </a:solidFill>
+                    <a:latin typeface="+mn-lt"/>
+                    <a:ea typeface="+mn-ea"/>
+                    <a:cs typeface="+mn-cs"/>
+                  </a:defRPr>
+                </a:lvl4pPr>
+                <a:lvl5pPr marL="1828800" algn="l" defTabSz="914400" rtl="0" eaLnBrk="1" latinLnBrk="0" hangingPunct="1">
+                  <a:defRPr sz="1800" kern="1200">
+                    <a:solidFill>
+                      <a:schemeClr val="tx1"/>
+                    </a:solidFill>
+                    <a:latin typeface="+mn-lt"/>
+                    <a:ea typeface="+mn-ea"/>
+                    <a:cs typeface="+mn-cs"/>
+                  </a:defRPr>
+                </a:lvl5pPr>
+                <a:lvl6pPr marL="2286000" algn="l" defTabSz="914400" rtl="0" eaLnBrk="1" latinLnBrk="0" hangingPunct="1">
+                  <a:defRPr sz="1800" kern="1200">
+                    <a:solidFill>
+                      <a:schemeClr val="tx1"/>
+                    </a:solidFill>
+                    <a:latin typeface="+mn-lt"/>
+                    <a:ea typeface="+mn-ea"/>
+                    <a:cs typeface="+mn-cs"/>
+                  </a:defRPr>
+                </a:lvl6pPr>
+                <a:lvl7pPr marL="2743200" algn="l" defTabSz="914400" rtl="0" eaLnBrk="1" latinLnBrk="0" hangingPunct="1">
+                  <a:defRPr sz="1800" kern="1200">
+                    <a:solidFill>
+                      <a:schemeClr val="tx1"/>
+                    </a:solidFill>
+                    <a:latin typeface="+mn-lt"/>
+                    <a:ea typeface="+mn-ea"/>
+                    <a:cs typeface="+mn-cs"/>
+                  </a:defRPr>
+                </a:lvl7pPr>
+                <a:lvl8pPr marL="3200400" algn="l" defTabSz="914400" rtl="0" eaLnBrk="1" latinLnBrk="0" hangingPunct="1">
+                  <a:defRPr sz="1800" kern="1200">
+                    <a:solidFill>
+                      <a:schemeClr val="tx1"/>
+                    </a:solidFill>
+                    <a:latin typeface="+mn-lt"/>
+                    <a:ea typeface="+mn-ea"/>
+                    <a:cs typeface="+mn-cs"/>
+                  </a:defRPr>
+                </a:lvl8pPr>
+                <a:lvl9pPr marL="3657600" algn="l" defTabSz="914400" rtl="0" eaLnBrk="1" latinLnBrk="0" hangingPunct="1">
+                  <a:defRPr sz="1800" kern="1200">
+                    <a:solidFill>
+                      <a:schemeClr val="tx1"/>
+                    </a:solidFill>
+                    <a:latin typeface="+mn-lt"/>
+                    <a:ea typeface="+mn-ea"/>
+                    <a:cs typeface="+mn-cs"/>
+                  </a:defRPr>
+                </a:lvl9pPr>
+              </a:lstStyle>
+              <a:p>
+                <a:pPr/>
+                <a14:m>
+                  <m:oMathPara xmlns:m="http://schemas.openxmlformats.org/officeDocument/2006/math">
+                    <m:oMathParaPr>
+                      <m:jc m:val="centerGroup"/>
+                    </m:oMathParaPr>
+                    <m:oMath xmlns:m="http://schemas.openxmlformats.org/officeDocument/2006/math">
+                      <m:sSub>
+                        <m:sSubPr>
+                          <m:ctrlPr>
+                            <a:rPr lang="fr-FR" sz="1100" b="0" i="1" smtClean="0">
+                              <a:latin typeface="Cambria Math" panose="02040503050406030204" pitchFamily="18" charset="0"/>
+                            </a:rPr>
+                          </m:ctrlPr>
+                        </m:sSubPr>
+                        <m:e>
+                          <m:r>
+                            <a:rPr lang="fr-FR" sz="1100" b="0" i="1" smtClean="0">
+                              <a:latin typeface="Cambria Math" panose="02040503050406030204" pitchFamily="18" charset="0"/>
+                            </a:rPr>
+                            <m:t>𝐹</m:t>
+                          </m:r>
+                        </m:e>
+                        <m:sub>
+                          <m:r>
+                            <a:rPr lang="fr-FR" sz="1100" b="0" i="1" smtClean="0">
+                              <a:latin typeface="Cambria Math" panose="02040503050406030204" pitchFamily="18" charset="0"/>
+                            </a:rPr>
+                            <m:t>𝑑</m:t>
+                          </m:r>
+                        </m:sub>
+                      </m:sSub>
+                    </m:oMath>
+                  </m:oMathPara>
+                </a14:m>
+                <a:endParaRPr lang="fr-FR" sz="1100" dirty="0"/>
+              </a:p>
+            </p:txBody>
+          </p:sp>
+        </mc:Choice>
+        <mc:Fallback>
+          <p:sp>
+            <p:nvSpPr>
+              <p:cNvPr id="34" name="ZoneTexte 36">
+                <a:extLst>
+                  <a:ext uri="{FF2B5EF4-FFF2-40B4-BE49-F238E27FC236}">
+                    <a16:creationId xmlns:a16="http://schemas.microsoft.com/office/drawing/2014/main" id="{F20C0F1E-BE32-47B9-BBE3-453CD671418E}"/>
+                  </a:ext>
+                </a:extLst>
+              </p:cNvPr>
+              <p:cNvSpPr txBox="1">
+                <a:spLocks noRot="1" noChangeAspect="1" noMove="1" noResize="1" noEditPoints="1" noAdjustHandles="1" noChangeArrowheads="1" noChangeShapeType="1" noTextEdit="1"/>
+              </p:cNvSpPr>
+              <p:nvPr/>
+            </p:nvSpPr>
+            <p:spPr>
+              <a:xfrm>
+                <a:off x="3432728" y="1480375"/>
+                <a:ext cx="362663" cy="261610"/>
+              </a:xfrm>
+              <a:prstGeom prst="rect">
+                <a:avLst/>
+              </a:prstGeom>
+              <a:blipFill>
+                <a:blip r:embed="rId9"/>
+                <a:stretch>
+                  <a:fillRect/>
+                </a:stretch>
+              </a:blipFill>
+            </p:spPr>
+            <p:txBody>
+              <a:bodyPr/>
+              <a:lstStyle/>
+              <a:p>
+                <a:r>
+                  <a:rPr lang="fr-FR">
+                    <a:noFill/>
+                  </a:rPr>
+                  <a:t> </a:t>
+                </a:r>
+              </a:p>
+            </p:txBody>
+          </p:sp>
+        </mc:Fallback>
+      </mc:AlternateContent>
+      <p:cxnSp>
+        <p:nvCxnSpPr>
+          <p:cNvPr id="35" name="Connecteur droit 34">
+            <a:extLst>
+              <a:ext uri="{FF2B5EF4-FFF2-40B4-BE49-F238E27FC236}">
+                <a16:creationId xmlns:a16="http://schemas.microsoft.com/office/drawing/2014/main" id="{B2340B20-E948-4188-9EA4-5B6FB17954FD}"/>
+              </a:ext>
+            </a:extLst>
+          </p:cNvPr>
+          <p:cNvCxnSpPr>
+            <a:cxnSpLocks/>
+            <a:stCxn id="23" idx="0"/>
+          </p:cNvCxnSpPr>
+          <p:nvPr/>
+        </p:nvCxnSpPr>
+        <p:spPr>
+          <a:xfrm flipV="1">
+            <a:off x="3201745" y="433346"/>
+            <a:ext cx="0" cy="744416"/>
+          </a:xfrm>
+          <a:prstGeom prst="line">
+            <a:avLst/>
+          </a:prstGeom>
+          <a:ln w="19050">
+            <a:solidFill>
+              <a:schemeClr val="accent5">
+                <a:lumMod val="50000"/>
+              </a:schemeClr>
+            </a:solidFill>
+            <a:tailEnd type="stealth" w="med" len="lg"/>
+          </a:ln>
+        </p:spPr>
+        <p:style>
+          <a:lnRef idx="1">
+            <a:schemeClr val="accent1"/>
+          </a:lnRef>
+          <a:fillRef idx="0">
+            <a:schemeClr val="accent1"/>
+          </a:fillRef>
+          <a:effectRef idx="0">
+            <a:schemeClr val="accent1"/>
+          </a:effectRef>
+          <a:fontRef idx="minor">
+            <a:schemeClr val="tx1"/>
+          </a:fontRef>
+        </p:style>
+      </p:cxnSp>
+      <mc:AlternateContent xmlns:mc="http://schemas.openxmlformats.org/markup-compatibility/2006">
+        <mc:Choice xmlns:a14="http://schemas.microsoft.com/office/drawing/2010/main" Requires="a14">
+          <p:sp>
+            <p:nvSpPr>
+              <p:cNvPr id="37" name="ZoneTexte 36">
+                <a:extLst>
+                  <a:ext uri="{FF2B5EF4-FFF2-40B4-BE49-F238E27FC236}">
+                    <a16:creationId xmlns:a16="http://schemas.microsoft.com/office/drawing/2014/main" id="{D1B06912-7273-4F12-9186-DC7E1FE001E7}"/>
+                  </a:ext>
+                </a:extLst>
+              </p:cNvPr>
+              <p:cNvSpPr txBox="1"/>
+              <p:nvPr/>
+            </p:nvSpPr>
+            <p:spPr>
+              <a:xfrm>
+                <a:off x="3182245" y="432043"/>
+                <a:ext cx="341888" cy="261610"/>
+              </a:xfrm>
+              <a:prstGeom prst="rect">
+                <a:avLst/>
+              </a:prstGeom>
+              <a:noFill/>
+            </p:spPr>
+            <p:txBody>
+              <a:bodyPr wrap="none" rtlCol="0">
+                <a:spAutoFit/>
+              </a:bodyPr>
+              <a:lstStyle>
+                <a:defPPr>
+                  <a:defRPr lang="fr-FR"/>
+                </a:defPPr>
+                <a:lvl1pPr marL="0" algn="l" defTabSz="914400" rtl="0" eaLnBrk="1" latinLnBrk="0" hangingPunct="1">
+                  <a:defRPr sz="1800" kern="1200">
+                    <a:solidFill>
+                      <a:schemeClr val="tx1"/>
+                    </a:solidFill>
+                    <a:latin typeface="+mn-lt"/>
+                    <a:ea typeface="+mn-ea"/>
+                    <a:cs typeface="+mn-cs"/>
+                  </a:defRPr>
+                </a:lvl1pPr>
+                <a:lvl2pPr marL="457200" algn="l" defTabSz="914400" rtl="0" eaLnBrk="1" latinLnBrk="0" hangingPunct="1">
+                  <a:defRPr sz="1800" kern="1200">
+                    <a:solidFill>
+                      <a:schemeClr val="tx1"/>
+                    </a:solidFill>
+                    <a:latin typeface="+mn-lt"/>
+                    <a:ea typeface="+mn-ea"/>
+                    <a:cs typeface="+mn-cs"/>
+                  </a:defRPr>
+                </a:lvl2pPr>
+                <a:lvl3pPr marL="914400" algn="l" defTabSz="914400" rtl="0" eaLnBrk="1" latinLnBrk="0" hangingPunct="1">
+                  <a:defRPr sz="1800" kern="1200">
+                    <a:solidFill>
+                      <a:schemeClr val="tx1"/>
+                    </a:solidFill>
+                    <a:latin typeface="+mn-lt"/>
+                    <a:ea typeface="+mn-ea"/>
+                    <a:cs typeface="+mn-cs"/>
+                  </a:defRPr>
+                </a:lvl3pPr>
+                <a:lvl4pPr marL="1371600" algn="l" defTabSz="914400" rtl="0" eaLnBrk="1" latinLnBrk="0" hangingPunct="1">
+                  <a:defRPr sz="1800" kern="1200">
+                    <a:solidFill>
+                      <a:schemeClr val="tx1"/>
+                    </a:solidFill>
+                    <a:latin typeface="+mn-lt"/>
+                    <a:ea typeface="+mn-ea"/>
+                    <a:cs typeface="+mn-cs"/>
+                  </a:defRPr>
+                </a:lvl4pPr>
+                <a:lvl5pPr marL="1828800" algn="l" defTabSz="914400" rtl="0" eaLnBrk="1" latinLnBrk="0" hangingPunct="1">
+                  <a:defRPr sz="1800" kern="1200">
+                    <a:solidFill>
+                      <a:schemeClr val="tx1"/>
+                    </a:solidFill>
+                    <a:latin typeface="+mn-lt"/>
+                    <a:ea typeface="+mn-ea"/>
+                    <a:cs typeface="+mn-cs"/>
+                  </a:defRPr>
+                </a:lvl5pPr>
+                <a:lvl6pPr marL="2286000" algn="l" defTabSz="914400" rtl="0" eaLnBrk="1" latinLnBrk="0" hangingPunct="1">
+                  <a:defRPr sz="1800" kern="1200">
+                    <a:solidFill>
+                      <a:schemeClr val="tx1"/>
+                    </a:solidFill>
+                    <a:latin typeface="+mn-lt"/>
+                    <a:ea typeface="+mn-ea"/>
+                    <a:cs typeface="+mn-cs"/>
+                  </a:defRPr>
+                </a:lvl6pPr>
+                <a:lvl7pPr marL="2743200" algn="l" defTabSz="914400" rtl="0" eaLnBrk="1" latinLnBrk="0" hangingPunct="1">
+                  <a:defRPr sz="1800" kern="1200">
+                    <a:solidFill>
+                      <a:schemeClr val="tx1"/>
+                    </a:solidFill>
+                    <a:latin typeface="+mn-lt"/>
+                    <a:ea typeface="+mn-ea"/>
+                    <a:cs typeface="+mn-cs"/>
+                  </a:defRPr>
+                </a:lvl7pPr>
+                <a:lvl8pPr marL="3200400" algn="l" defTabSz="914400" rtl="0" eaLnBrk="1" latinLnBrk="0" hangingPunct="1">
+                  <a:defRPr sz="1800" kern="1200">
+                    <a:solidFill>
+                      <a:schemeClr val="tx1"/>
+                    </a:solidFill>
+                    <a:latin typeface="+mn-lt"/>
+                    <a:ea typeface="+mn-ea"/>
+                    <a:cs typeface="+mn-cs"/>
+                  </a:defRPr>
+                </a:lvl8pPr>
+                <a:lvl9pPr marL="3657600" algn="l" defTabSz="914400" rtl="0" eaLnBrk="1" latinLnBrk="0" hangingPunct="1">
+                  <a:defRPr sz="1800" kern="1200">
+                    <a:solidFill>
+                      <a:schemeClr val="tx1"/>
+                    </a:solidFill>
+                    <a:latin typeface="+mn-lt"/>
+                    <a:ea typeface="+mn-ea"/>
+                    <a:cs typeface="+mn-cs"/>
+                  </a:defRPr>
+                </a:lvl9pPr>
+              </a:lstStyle>
+              <a:p>
+                <a:pPr/>
+                <a14:m>
+                  <m:oMathPara xmlns:m="http://schemas.openxmlformats.org/officeDocument/2006/math">
+                    <m:oMathParaPr>
+                      <m:jc m:val="centerGroup"/>
+                    </m:oMathParaPr>
+                    <m:oMath xmlns:m="http://schemas.openxmlformats.org/officeDocument/2006/math">
+                      <m:sSub>
+                        <m:sSubPr>
+                          <m:ctrlPr>
+                            <a:rPr lang="fr-FR" sz="1100" b="0" i="1" smtClean="0">
+                              <a:latin typeface="Cambria Math" panose="02040503050406030204" pitchFamily="18" charset="0"/>
+                            </a:rPr>
+                          </m:ctrlPr>
+                        </m:sSubPr>
+                        <m:e>
+                          <m:r>
+                            <a:rPr lang="fr-FR" sz="1100" b="0" i="1" smtClean="0">
+                              <a:latin typeface="Cambria Math" panose="02040503050406030204" pitchFamily="18" charset="0"/>
+                            </a:rPr>
+                            <m:t>𝐹</m:t>
+                          </m:r>
+                        </m:e>
+                        <m:sub>
+                          <m:r>
+                            <a:rPr lang="fr-FR" sz="1100" b="0" i="1" smtClean="0">
+                              <a:latin typeface="Cambria Math" panose="02040503050406030204" pitchFamily="18" charset="0"/>
+                            </a:rPr>
+                            <m:t>𝑣</m:t>
+                          </m:r>
+                        </m:sub>
+                      </m:sSub>
+                    </m:oMath>
+                  </m:oMathPara>
+                </a14:m>
+                <a:endParaRPr lang="fr-FR" sz="1100" dirty="0"/>
+              </a:p>
+            </p:txBody>
+          </p:sp>
+        </mc:Choice>
+        <mc:Fallback>
+          <p:sp>
+            <p:nvSpPr>
+              <p:cNvPr id="37" name="ZoneTexte 36">
+                <a:extLst>
+                  <a:ext uri="{FF2B5EF4-FFF2-40B4-BE49-F238E27FC236}">
+                    <a16:creationId xmlns:a16="http://schemas.microsoft.com/office/drawing/2014/main" id="{D1B06912-7273-4F12-9186-DC7E1FE001E7}"/>
+                  </a:ext>
+                </a:extLst>
+              </p:cNvPr>
+              <p:cNvSpPr txBox="1">
+                <a:spLocks noRot="1" noChangeAspect="1" noMove="1" noResize="1" noEditPoints="1" noAdjustHandles="1" noChangeArrowheads="1" noChangeShapeType="1" noTextEdit="1"/>
+              </p:cNvSpPr>
+              <p:nvPr/>
+            </p:nvSpPr>
+            <p:spPr>
+              <a:xfrm>
+                <a:off x="3182245" y="432043"/>
+                <a:ext cx="341888" cy="261610"/>
+              </a:xfrm>
+              <a:prstGeom prst="rect">
+                <a:avLst/>
+              </a:prstGeom>
+              <a:blipFill>
+                <a:blip r:embed="rId10"/>
+                <a:stretch>
+                  <a:fillRect/>
+                </a:stretch>
+              </a:blipFill>
+            </p:spPr>
+            <p:txBody>
+              <a:bodyPr/>
+              <a:lstStyle/>
+              <a:p>
+                <a:r>
+                  <a:rPr lang="fr-FR">
+                    <a:noFill/>
+                  </a:rPr>
+                  <a:t> </a:t>
+                </a:r>
+              </a:p>
+            </p:txBody>
+          </p:sp>
+        </mc:Fallback>
+      </mc:AlternateContent>
+    </p:spTree>
+    <p:extLst>
+      <p:ext uri="{BB962C8B-B14F-4D97-AF65-F5344CB8AC3E}">
+        <p14:creationId xmlns:p14="http://schemas.microsoft.com/office/powerpoint/2010/main" val="2844991739"/>
+      </p:ext>
+    </p:extLst>
+  </p:cSld>
+  <p:clrMapOvr>
+    <a:masterClrMapping/>
+  </p:clrMapOvr>
+</p:sld>
+</file>
+
+<file path=ppt/slides/slide6.xml><?xml version="1.0" encoding="utf-8"?>
 <p:sld xmlns:a="http://schemas.openxmlformats.org/drawingml/2006/main" xmlns:r="http://schemas.openxmlformats.org/officeDocument/2006/relationships" xmlns:p="http://schemas.openxmlformats.org/presentationml/2006/main">
   <p:cSld>
     <p:spTree>
